--- a/10- Aukezpena/TSB ENPRESA.pptx
+++ b/10- Aukezpena/TSB ENPRESA.pptx
@@ -21,7 +21,13 @@
     <p:sldId id="271" r:id="rId15"/>
     <p:sldId id="272" r:id="rId16"/>
     <p:sldId id="273" r:id="rId17"/>
-    <p:sldId id="270" r:id="rId18"/>
+    <p:sldId id="275" r:id="rId18"/>
+    <p:sldId id="276" r:id="rId19"/>
+    <p:sldId id="277" r:id="rId20"/>
+    <p:sldId id="278" r:id="rId21"/>
+    <p:sldId id="279" r:id="rId22"/>
+    <p:sldId id="280" r:id="rId23"/>
+    <p:sldId id="270" r:id="rId24"/>
   </p:sldIdLst>
   <p:sldSz cx="12192000" cy="6858000"/>
   <p:notesSz cx="6858000" cy="9144000"/>
@@ -257,7 +263,7 @@
           <a:p>
             <a:fld id="{2682319F-1B8B-4E8A-BDA0-1E8965360707}" type="datetimeFigureOut">
               <a:rPr lang="es-ES" smtClean="0"/>
-              <a:t>16/11/2023</a:t>
+              <a:t>17/11/2023</a:t>
             </a:fld>
             <a:endParaRPr lang="es-ES" dirty="0"/>
           </a:p>
@@ -425,7 +431,7 @@
           <a:p>
             <a:fld id="{2682319F-1B8B-4E8A-BDA0-1E8965360707}" type="datetimeFigureOut">
               <a:rPr lang="es-ES" smtClean="0"/>
-              <a:t>16/11/2023</a:t>
+              <a:t>17/11/2023</a:t>
             </a:fld>
             <a:endParaRPr lang="es-ES" dirty="0"/>
           </a:p>
@@ -603,7 +609,7 @@
           <a:p>
             <a:fld id="{2682319F-1B8B-4E8A-BDA0-1E8965360707}" type="datetimeFigureOut">
               <a:rPr lang="es-ES" smtClean="0"/>
-              <a:t>16/11/2023</a:t>
+              <a:t>17/11/2023</a:t>
             </a:fld>
             <a:endParaRPr lang="es-ES" dirty="0"/>
           </a:p>
@@ -771,7 +777,7 @@
           <a:p>
             <a:fld id="{2682319F-1B8B-4E8A-BDA0-1E8965360707}" type="datetimeFigureOut">
               <a:rPr lang="es-ES" smtClean="0"/>
-              <a:t>16/11/2023</a:t>
+              <a:t>17/11/2023</a:t>
             </a:fld>
             <a:endParaRPr lang="es-ES" dirty="0"/>
           </a:p>
@@ -1016,7 +1022,7 @@
           <a:p>
             <a:fld id="{2682319F-1B8B-4E8A-BDA0-1E8965360707}" type="datetimeFigureOut">
               <a:rPr lang="es-ES" smtClean="0"/>
-              <a:t>16/11/2023</a:t>
+              <a:t>17/11/2023</a:t>
             </a:fld>
             <a:endParaRPr lang="es-ES" dirty="0"/>
           </a:p>
@@ -1245,7 +1251,7 @@
           <a:p>
             <a:fld id="{2682319F-1B8B-4E8A-BDA0-1E8965360707}" type="datetimeFigureOut">
               <a:rPr lang="es-ES" smtClean="0"/>
-              <a:t>16/11/2023</a:t>
+              <a:t>17/11/2023</a:t>
             </a:fld>
             <a:endParaRPr lang="es-ES" dirty="0"/>
           </a:p>
@@ -1609,7 +1615,7 @@
           <a:p>
             <a:fld id="{2682319F-1B8B-4E8A-BDA0-1E8965360707}" type="datetimeFigureOut">
               <a:rPr lang="es-ES" smtClean="0"/>
-              <a:t>16/11/2023</a:t>
+              <a:t>17/11/2023</a:t>
             </a:fld>
             <a:endParaRPr lang="es-ES" dirty="0"/>
           </a:p>
@@ -1726,7 +1732,7 @@
           <a:p>
             <a:fld id="{2682319F-1B8B-4E8A-BDA0-1E8965360707}" type="datetimeFigureOut">
               <a:rPr lang="es-ES" smtClean="0"/>
-              <a:t>16/11/2023</a:t>
+              <a:t>17/11/2023</a:t>
             </a:fld>
             <a:endParaRPr lang="es-ES" dirty="0"/>
           </a:p>
@@ -1821,7 +1827,7 @@
           <a:p>
             <a:fld id="{2682319F-1B8B-4E8A-BDA0-1E8965360707}" type="datetimeFigureOut">
               <a:rPr lang="es-ES" smtClean="0"/>
-              <a:t>16/11/2023</a:t>
+              <a:t>17/11/2023</a:t>
             </a:fld>
             <a:endParaRPr lang="es-ES" dirty="0"/>
           </a:p>
@@ -2096,7 +2102,7 @@
           <a:p>
             <a:fld id="{2682319F-1B8B-4E8A-BDA0-1E8965360707}" type="datetimeFigureOut">
               <a:rPr lang="es-ES" smtClean="0"/>
-              <a:t>16/11/2023</a:t>
+              <a:t>17/11/2023</a:t>
             </a:fld>
             <a:endParaRPr lang="es-ES" dirty="0"/>
           </a:p>
@@ -2348,7 +2354,7 @@
           <a:p>
             <a:fld id="{2682319F-1B8B-4E8A-BDA0-1E8965360707}" type="datetimeFigureOut">
               <a:rPr lang="es-ES" smtClean="0"/>
-              <a:t>16/11/2023</a:t>
+              <a:t>17/11/2023</a:t>
             </a:fld>
             <a:endParaRPr lang="es-ES" dirty="0"/>
           </a:p>
@@ -2562,7 +2568,7 @@
           <a:p>
             <a:fld id="{2682319F-1B8B-4E8A-BDA0-1E8965360707}" type="datetimeFigureOut">
               <a:rPr lang="es-ES" smtClean="0"/>
-              <a:t>16/11/2023</a:t>
+              <a:t>17/11/2023</a:t>
             </a:fld>
             <a:endParaRPr lang="es-ES" dirty="0"/>
           </a:p>
@@ -3167,6 +3173,13 @@
   <p:clrMapOvr>
     <a:masterClrMapping/>
   </p:clrMapOvr>
+  <p:timing>
+    <p:tnLst>
+      <p:par>
+        <p:cTn id="1" dur="indefinite" restart="never" nodeType="tmRoot"/>
+      </p:par>
+    </p:tnLst>
+  </p:timing>
 </p:sld>
 </file>
 
@@ -3560,6 +3573,13 @@
   <p:clrMapOvr>
     <a:masterClrMapping/>
   </p:clrMapOvr>
+  <p:timing>
+    <p:tnLst>
+      <p:par>
+        <p:cTn id="1" dur="indefinite" restart="never" nodeType="tmRoot"/>
+      </p:par>
+    </p:tnLst>
+  </p:timing>
 </p:sld>
 </file>
 
@@ -3687,7 +3707,62 @@
                   </a:schemeClr>
                 </a:solidFill>
               </a:rPr>
-              <a:t>Aplikazioak bi datu base ditu, horrela segurtasuna handitzen dugu eta ez ditugu konexio asko botatzen datu base printzipalera. Aplikazioa irekitzerakoan datua automatikoki aktualizatzen dira, hau da, PostgreSQLko beharrezko datuak hartu eta MySQLko datu basean sartzen ditu, datu bakoitza dagokien tauletan.</a:t>
+              <a:t>Aplikazioak bi datu base ditu, horrela segurtasuna handitzen dugu eta ez ditugu konexio asko botatzen datu base printzipalera. Aplikazioa </a:t>
+            </a:r>
+            <a:r>
+              <a:rPr lang="es-ES" dirty="0" err="1">
+                <a:solidFill>
+                  <a:schemeClr val="accent5">
+                    <a:lumMod val="20000"/>
+                    <a:lumOff val="80000"/>
+                  </a:schemeClr>
+                </a:solidFill>
+              </a:rPr>
+              <a:t>irekitzerakoan</a:t>
+            </a:r>
+            <a:r>
+              <a:rPr lang="es-ES" dirty="0">
+                <a:solidFill>
+                  <a:schemeClr val="accent5">
+                    <a:lumMod val="20000"/>
+                    <a:lumOff val="80000"/>
+                  </a:schemeClr>
+                </a:solidFill>
+              </a:rPr>
+              <a:t> </a:t>
+            </a:r>
+            <a:r>
+              <a:rPr lang="es-ES" dirty="0" err="1" smtClean="0">
+                <a:solidFill>
+                  <a:schemeClr val="accent5">
+                    <a:lumMod val="20000"/>
+                    <a:lumOff val="80000"/>
+                  </a:schemeClr>
+                </a:solidFill>
+              </a:rPr>
+              <a:t>datuak</a:t>
+            </a:r>
+            <a:r>
+              <a:rPr lang="es-ES" dirty="0" smtClean="0">
+                <a:solidFill>
+                  <a:schemeClr val="accent5">
+                    <a:lumMod val="20000"/>
+                    <a:lumOff val="80000"/>
+                  </a:schemeClr>
+                </a:solidFill>
+              </a:rPr>
+              <a:t> </a:t>
+            </a:r>
+            <a:r>
+              <a:rPr lang="es-ES" dirty="0">
+                <a:solidFill>
+                  <a:schemeClr val="accent5">
+                    <a:lumMod val="20000"/>
+                    <a:lumOff val="80000"/>
+                  </a:schemeClr>
+                </a:solidFill>
+              </a:rPr>
+              <a:t>automatikoki aktualizatzen dira, hau da, PostgreSQLko beharrezko datuak hartu eta MySQLko datu basean sartzen ditu, datu bakoitza dagokien tauletan.</a:t>
             </a:r>
           </a:p>
         </p:txBody>
@@ -4172,6 +4247,13 @@
   <p:clrMapOvr>
     <a:masterClrMapping/>
   </p:clrMapOvr>
+  <p:timing>
+    <p:tnLst>
+      <p:par>
+        <p:cTn id="1" dur="indefinite" restart="never" nodeType="tmRoot"/>
+      </p:par>
+    </p:tnLst>
+  </p:timing>
 </p:sld>
 </file>
 
@@ -4329,7 +4411,7 @@
                 <a:hlinkClick r:id="rId4">
                   <a:extLst>
                     <a:ext uri="{A12FA001-AC4F-418D-AE19-62706E023703}">
-                      <ahyp:hlinkClr xmlns:ahyp="http://schemas.microsoft.com/office/drawing/2018/hyperlinkcolor" val="tx"/>
+                      <ahyp:hlinkClr xmlns:ahyp="http://schemas.microsoft.com/office/drawing/2018/hyperlinkcolor" xmlns="" val="tx"/>
                     </a:ext>
                   </a:extLst>
                 </a:hlinkClick>
@@ -4786,6 +4868,13 @@
   <p:clrMapOvr>
     <a:masterClrMapping/>
   </p:clrMapOvr>
+  <p:timing>
+    <p:tnLst>
+      <p:par>
+        <p:cTn id="1" dur="indefinite" restart="never" nodeType="tmRoot"/>
+      </p:par>
+    </p:tnLst>
+  </p:timing>
 </p:sld>
 </file>
 
@@ -5002,6 +5091,13 @@
   <p:clrMapOvr>
     <a:masterClrMapping/>
   </p:clrMapOvr>
+  <p:timing>
+    <p:tnLst>
+      <p:par>
+        <p:cTn id="1" dur="indefinite" restart="never" nodeType="tmRoot"/>
+      </p:par>
+    </p:tnLst>
+  </p:timing>
 </p:sld>
 </file>
 
@@ -5232,6 +5328,13 @@
   <p:clrMapOvr>
     <a:masterClrMapping/>
   </p:clrMapOvr>
+  <p:timing>
+    <p:tnLst>
+      <p:par>
+        <p:cTn id="1" dur="indefinite" restart="never" nodeType="tmRoot"/>
+      </p:par>
+    </p:tnLst>
+  </p:timing>
 </p:sld>
 </file>
 
@@ -5368,8 +5471,8 @@
               <a:rPr lang="es-ES" dirty="0">
                 <a:solidFill>
                   <a:schemeClr val="accent5">
-                    <a:lumMod val="40000"/>
-                    <a:lumOff val="60000"/>
+                    <a:lumMod val="20000"/>
+                    <a:lumOff val="80000"/>
                   </a:schemeClr>
                 </a:solidFill>
               </a:rPr>
@@ -5394,8 +5497,8 @@
               <a:rPr lang="es-ES" dirty="0">
                 <a:solidFill>
                   <a:schemeClr val="accent5">
-                    <a:lumMod val="40000"/>
-                    <a:lumOff val="60000"/>
+                    <a:lumMod val="20000"/>
+                    <a:lumOff val="80000"/>
                   </a:schemeClr>
                 </a:solidFill>
               </a:rPr>
@@ -5420,8 +5523,8 @@
               <a:rPr lang="es-ES" dirty="0">
                 <a:solidFill>
                   <a:schemeClr val="accent5">
-                    <a:lumMod val="40000"/>
-                    <a:lumOff val="60000"/>
+                    <a:lumMod val="20000"/>
+                    <a:lumOff val="80000"/>
                   </a:schemeClr>
                 </a:solidFill>
               </a:rPr>
@@ -5446,8 +5549,8 @@
               <a:rPr lang="es-ES" dirty="0">
                 <a:solidFill>
                   <a:schemeClr val="accent5">
-                    <a:lumMod val="40000"/>
-                    <a:lumOff val="60000"/>
+                    <a:lumMod val="20000"/>
+                    <a:lumOff val="80000"/>
                   </a:schemeClr>
                 </a:solidFill>
               </a:rPr>
@@ -5472,8 +5575,8 @@
               <a:rPr lang="es-ES" dirty="0">
                 <a:solidFill>
                   <a:schemeClr val="accent5">
-                    <a:lumMod val="40000"/>
-                    <a:lumOff val="60000"/>
+                    <a:lumMod val="20000"/>
+                    <a:lumOff val="80000"/>
                   </a:schemeClr>
                 </a:solidFill>
               </a:rPr>
@@ -5553,6 +5656,13 @@
   <p:clrMapOvr>
     <a:masterClrMapping/>
   </p:clrMapOvr>
+  <p:timing>
+    <p:tnLst>
+      <p:par>
+        <p:cTn id="1" dur="indefinite" restart="never" nodeType="tmRoot"/>
+      </p:par>
+    </p:tnLst>
+  </p:timing>
 </p:sld>
 </file>
 
@@ -5575,24 +5685,23 @@
       </p:grpSpPr>
       <p:pic>
         <p:nvPicPr>
-          <p:cNvPr id="4" name="Imagen 3"/>
+          <p:cNvPr id="19" name="Marcador de contenido 3">
+            <a:extLst>
+              <a:ext uri="{FF2B5EF4-FFF2-40B4-BE49-F238E27FC236}">
+                <a16:creationId xmlns:a16="http://schemas.microsoft.com/office/drawing/2014/main" id="{CA7FC421-1747-0DF6-D236-DBA1BD8A60A4}"/>
+              </a:ext>
+            </a:extLst>
+          </p:cNvPr>
           <p:cNvPicPr>
-            <a:picLocks noChangeAspect="1"/>
+            <a:picLocks noGrp="1" noChangeAspect="1"/>
           </p:cNvPicPr>
-          <p:nvPr/>
+          <p:nvPr>
+            <p:ph idx="1"/>
+          </p:nvPr>
         </p:nvPicPr>
         <p:blipFill>
           <a:blip r:embed="rId2" cstate="print">
             <a:extLst>
-              <a:ext uri="{BEBA8EAE-BF5A-486C-A8C5-ECC9F3942E4B}">
-                <a14:imgProps xmlns:a14="http://schemas.microsoft.com/office/drawing/2010/main">
-                  <a14:imgLayer r:embed="rId3">
-                    <a14:imgEffect>
-                      <a14:brightnessContrast bright="-8000"/>
-                    </a14:imgEffect>
-                  </a14:imgLayer>
-                </a14:imgProps>
-              </a:ext>
               <a:ext uri="{28A0092B-C50C-407E-A947-70E740481C1C}">
                 <a14:useLocalDpi xmlns:a14="http://schemas.microsoft.com/office/drawing/2010/main" val="0"/>
               </a:ext>
@@ -5604,12 +5713,9 @@
         </p:blipFill>
         <p:spPr>
           <a:xfrm>
-            <a:off x="-1" y="0"/>
-            <a:ext cx="12189533" cy="6858000"/>
-          </a:xfrm>
-          <a:prstGeom prst="rect">
-            <a:avLst/>
-          </a:prstGeom>
+            <a:off x="0" y="0"/>
+            <a:ext cx="12192000" cy="6859389"/>
+          </a:xfrm>
         </p:spPr>
       </p:pic>
       <p:sp>
@@ -5619,92 +5725,737 @@
             <a:spLocks noGrp="1"/>
           </p:cNvSpPr>
           <p:nvPr>
-            <p:ph type="ctrTitle"/>
+            <p:ph type="title"/>
           </p:nvPr>
         </p:nvSpPr>
         <p:spPr>
           <a:xfrm>
-            <a:off x="1524000" y="1952898"/>
-            <a:ext cx="9144000" cy="1263152"/>
+            <a:off x="804333" y="365125"/>
+            <a:ext cx="10642600" cy="1325563"/>
           </a:xfrm>
         </p:spPr>
         <p:txBody>
-          <a:bodyPr>
-            <a:normAutofit fontScale="90000"/>
-          </a:bodyPr>
+          <a:bodyPr/>
           <a:lstStyle/>
           <a:p>
             <a:r>
-              <a:rPr lang="es-ES" sz="4900" dirty="0">
-                <a:latin typeface="Poppins Black" panose="00000A00000000000000" pitchFamily="2" charset="0"/>
-                <a:cs typeface="Poppins Black" panose="00000A00000000000000" pitchFamily="2" charset="0"/>
-              </a:rPr>
-              <a:t>ESPERO DUGU GUSTATU IZANA</a:t>
-            </a:r>
-            <a:endParaRPr lang="es-ES" sz="7200" dirty="0">
-              <a:latin typeface="Poppins Black" panose="00000A00000000000000" pitchFamily="2" charset="0"/>
-              <a:cs typeface="Poppins Black" panose="00000A00000000000000" pitchFamily="2" charset="0"/>
+              <a:rPr lang="es-ES" b="1" dirty="0" smtClean="0">
+                <a:solidFill>
+                  <a:schemeClr val="accent5">
+                    <a:lumMod val="20000"/>
+                    <a:lumOff val="80000"/>
+                  </a:schemeClr>
+                </a:solidFill>
+                <a:latin typeface="Poppins" panose="00000500000000000000" pitchFamily="2" charset="0"/>
+                <a:cs typeface="Poppins" panose="00000500000000000000" pitchFamily="2" charset="0"/>
+              </a:rPr>
+              <a:t>CANVAS TAULA</a:t>
+            </a:r>
+            <a:endParaRPr lang="es-ES" b="1" dirty="0">
+              <a:solidFill>
+                <a:schemeClr val="accent5">
+                  <a:lumMod val="20000"/>
+                  <a:lumOff val="80000"/>
+                </a:schemeClr>
+              </a:solidFill>
+              <a:latin typeface="Poppins" panose="00000500000000000000" pitchFamily="2" charset="0"/>
+              <a:cs typeface="Poppins" panose="00000500000000000000" pitchFamily="2" charset="0"/>
             </a:endParaRPr>
           </a:p>
         </p:txBody>
       </p:sp>
       <p:sp>
         <p:nvSpPr>
-          <p:cNvPr id="5" name="Título 1"/>
-          <p:cNvSpPr txBox="1">
-            <a:spLocks/>
-          </p:cNvSpPr>
+          <p:cNvPr id="9" name="CuadroTexto 8">
+            <a:extLst>
+              <a:ext uri="{FF2B5EF4-FFF2-40B4-BE49-F238E27FC236}">
+                <a16:creationId xmlns:a16="http://schemas.microsoft.com/office/drawing/2014/main" id="{259FB6CC-C3AA-6F26-C497-2D5FB7221C5B}"/>
+              </a:ext>
+            </a:extLst>
+          </p:cNvPr>
+          <p:cNvSpPr txBox="1"/>
           <p:nvPr/>
         </p:nvSpPr>
         <p:spPr>
           <a:xfrm>
-            <a:off x="1676400" y="1952898"/>
-            <a:ext cx="9144000" cy="1415552"/>
+            <a:off x="804333" y="1219200"/>
+            <a:ext cx="10549468" cy="5510226"/>
           </a:xfrm>
           <a:prstGeom prst="rect">
             <a:avLst/>
           </a:prstGeom>
+          <a:noFill/>
         </p:spPr>
         <p:txBody>
-          <a:bodyPr vert="horz" lIns="91440" tIns="45720" rIns="91440" bIns="45720" rtlCol="0" anchor="b">
-            <a:normAutofit/>
+          <a:bodyPr wrap="square" rtlCol="0">
+            <a:spAutoFit/>
           </a:bodyPr>
-          <a:lstStyle>
-            <a:lvl1pPr algn="ctr" defTabSz="914400" rtl="0" eaLnBrk="1" latinLnBrk="0" hangingPunct="1">
+          <a:lstStyle/>
+          <a:p>
+            <a:pPr marL="285750" indent="-285750">
               <a:lnSpc>
-                <a:spcPct val="90000"/>
+                <a:spcPct val="120000"/>
               </a:lnSpc>
               <a:spcBef>
-                <a:spcPct val="0"/>
+                <a:spcPts val="1000"/>
               </a:spcBef>
-              <a:buNone/>
-              <a:defRPr sz="6000" kern="1200">
-                <a:solidFill>
-                  <a:schemeClr val="tx1"/>
-                </a:solidFill>
-                <a:latin typeface="+mj-lt"/>
-                <a:ea typeface="+mj-ea"/>
-                <a:cs typeface="+mj-cs"/>
-              </a:defRPr>
-            </a:lvl1pPr>
-          </a:lstStyle>
-          <a:p>
-            <a:r>
-              <a:rPr lang="es-ES" sz="4400" dirty="0">
-                <a:solidFill>
-                  <a:schemeClr val="accent5">
-                    <a:lumMod val="40000"/>
-                    <a:lumOff val="60000"/>
-                  </a:schemeClr>
-                </a:solidFill>
-                <a:latin typeface="Poppins Black" panose="00000A00000000000000" pitchFamily="2" charset="0"/>
-                <a:cs typeface="Poppins Black" panose="00000A00000000000000" pitchFamily="2" charset="0"/>
-              </a:rPr>
-              <a:t>ESPERO DUGU GUSTATU IZANA</a:t>
-            </a:r>
+              <a:buFont typeface="Arial" panose="020B0604020202020204" pitchFamily="34" charset="0"/>
+              <a:buChar char="•"/>
+            </a:pPr>
+            <a:r>
+              <a:rPr lang="es-ES" sz="1600" dirty="0" smtClean="0">
+                <a:solidFill>
+                  <a:schemeClr val="accent5">
+                    <a:lumMod val="20000"/>
+                    <a:lumOff val="80000"/>
+                  </a:schemeClr>
+                </a:solidFill>
+              </a:rPr>
+              <a:t>Funtsezko </a:t>
+            </a:r>
+            <a:r>
+              <a:rPr lang="es-ES" sz="1600" dirty="0">
+                <a:solidFill>
+                  <a:schemeClr val="accent5">
+                    <a:lumMod val="20000"/>
+                    <a:lumOff val="80000"/>
+                  </a:schemeClr>
+                </a:solidFill>
+              </a:rPr>
+              <a:t>bazkideak: 2 bazkide, 7 langile </a:t>
+            </a:r>
+            <a:r>
+              <a:rPr lang="es-ES" sz="1600" dirty="0" err="1" smtClean="0">
+                <a:solidFill>
+                  <a:schemeClr val="accent5">
+                    <a:lumMod val="20000"/>
+                    <a:lumOff val="80000"/>
+                  </a:schemeClr>
+                </a:solidFill>
+              </a:rPr>
+              <a:t>guztira</a:t>
+            </a:r>
+            <a:r>
+              <a:rPr lang="es-ES" sz="1600" dirty="0" smtClean="0">
+                <a:solidFill>
+                  <a:schemeClr val="accent5">
+                    <a:lumMod val="20000"/>
+                    <a:lumOff val="80000"/>
+                  </a:schemeClr>
+                </a:solidFill>
+              </a:rPr>
+              <a:t>, Salmenta puntua ez dago, dena online eta app bitartez izango da.</a:t>
+            </a:r>
+            <a:endParaRPr lang="es-ES" sz="1600" dirty="0">
+              <a:solidFill>
+                <a:schemeClr val="accent5">
+                  <a:lumMod val="20000"/>
+                  <a:lumOff val="80000"/>
+                </a:schemeClr>
+              </a:solidFill>
+            </a:endParaRPr>
+          </a:p>
+          <a:p>
+            <a:pPr marL="285750" indent="-285750">
+              <a:lnSpc>
+                <a:spcPct val="120000"/>
+              </a:lnSpc>
+              <a:spcBef>
+                <a:spcPts val="1000"/>
+              </a:spcBef>
+              <a:buFont typeface="Arial" panose="020B0604020202020204" pitchFamily="34" charset="0"/>
+              <a:buChar char="•"/>
+            </a:pPr>
+            <a:r>
+              <a:rPr lang="es-ES" sz="1600" dirty="0" smtClean="0">
+                <a:solidFill>
+                  <a:schemeClr val="accent5">
+                    <a:lumMod val="20000"/>
+                    <a:lumOff val="80000"/>
+                  </a:schemeClr>
+                </a:solidFill>
+              </a:rPr>
+              <a:t>Funtsezko jarduerak:</a:t>
+            </a:r>
+            <a:endParaRPr lang="es-ES" sz="1600" dirty="0">
+              <a:solidFill>
+                <a:schemeClr val="accent5">
+                  <a:lumMod val="20000"/>
+                  <a:lumOff val="80000"/>
+                </a:schemeClr>
+              </a:solidFill>
+            </a:endParaRPr>
+          </a:p>
+          <a:p>
+            <a:pPr>
+              <a:lnSpc>
+                <a:spcPct val="120000"/>
+              </a:lnSpc>
+              <a:spcBef>
+                <a:spcPts val="1000"/>
+              </a:spcBef>
+            </a:pPr>
+            <a:r>
+              <a:rPr lang="es-ES" sz="1600" dirty="0">
+                <a:solidFill>
+                  <a:schemeClr val="accent5">
+                    <a:lumMod val="20000"/>
+                    <a:lumOff val="80000"/>
+                  </a:schemeClr>
+                </a:solidFill>
+              </a:rPr>
+              <a:t>	-</a:t>
+            </a:r>
+            <a:r>
+              <a:rPr lang="es-ES" sz="1600" dirty="0" err="1">
+                <a:solidFill>
+                  <a:schemeClr val="accent5">
+                    <a:lumMod val="20000"/>
+                    <a:lumOff val="80000"/>
+                  </a:schemeClr>
+                </a:solidFill>
+              </a:rPr>
+              <a:t>Jatorrizko</a:t>
+            </a:r>
+            <a:r>
+              <a:rPr lang="es-ES" sz="1600" dirty="0">
+                <a:solidFill>
+                  <a:schemeClr val="accent5">
+                    <a:lumMod val="20000"/>
+                    <a:lumOff val="80000"/>
+                  </a:schemeClr>
+                </a:solidFill>
+              </a:rPr>
+              <a:t> </a:t>
+            </a:r>
+            <a:r>
+              <a:rPr lang="es-ES" sz="1600" dirty="0" err="1">
+                <a:solidFill>
+                  <a:schemeClr val="accent5">
+                    <a:lumMod val="20000"/>
+                    <a:lumOff val="80000"/>
+                  </a:schemeClr>
+                </a:solidFill>
+              </a:rPr>
+              <a:t>produktuak</a:t>
+            </a:r>
+            <a:r>
+              <a:rPr lang="es-ES" sz="1600" dirty="0">
+                <a:solidFill>
+                  <a:schemeClr val="accent5">
+                    <a:lumMod val="20000"/>
+                    <a:lumOff val="80000"/>
+                  </a:schemeClr>
+                </a:solidFill>
+              </a:rPr>
+              <a:t> </a:t>
+            </a:r>
+            <a:r>
+              <a:rPr lang="es-ES" sz="1600" dirty="0" err="1">
+                <a:solidFill>
+                  <a:schemeClr val="accent5">
+                    <a:lumMod val="20000"/>
+                    <a:lumOff val="80000"/>
+                  </a:schemeClr>
+                </a:solidFill>
+              </a:rPr>
+              <a:t>eskuratzea</a:t>
+            </a:r>
+            <a:endParaRPr lang="es-ES" sz="1600" dirty="0">
+              <a:solidFill>
+                <a:schemeClr val="accent5">
+                  <a:lumMod val="20000"/>
+                  <a:lumOff val="80000"/>
+                </a:schemeClr>
+              </a:solidFill>
+            </a:endParaRPr>
+          </a:p>
+          <a:p>
+            <a:pPr>
+              <a:lnSpc>
+                <a:spcPct val="120000"/>
+              </a:lnSpc>
+              <a:spcBef>
+                <a:spcPts val="1000"/>
+              </a:spcBef>
+            </a:pPr>
+            <a:r>
+              <a:rPr lang="es-ES" sz="1600" dirty="0">
+                <a:solidFill>
+                  <a:schemeClr val="accent5">
+                    <a:lumMod val="20000"/>
+                    <a:lumOff val="80000"/>
+                  </a:schemeClr>
+                </a:solidFill>
+              </a:rPr>
+              <a:t>	-Marketing eta Osasuna</a:t>
+            </a:r>
+          </a:p>
+          <a:p>
+            <a:pPr>
+              <a:lnSpc>
+                <a:spcPct val="120000"/>
+              </a:lnSpc>
+              <a:spcBef>
+                <a:spcPts val="1000"/>
+              </a:spcBef>
+            </a:pPr>
+            <a:r>
+              <a:rPr lang="es-ES" sz="1600" dirty="0">
+                <a:solidFill>
+                  <a:schemeClr val="accent5">
+                    <a:lumMod val="20000"/>
+                    <a:lumOff val="80000"/>
+                  </a:schemeClr>
+                </a:solidFill>
+              </a:rPr>
+              <a:t>	-</a:t>
+            </a:r>
+            <a:r>
+              <a:rPr lang="es-ES" sz="1600" dirty="0" err="1">
+                <a:solidFill>
+                  <a:schemeClr val="accent5">
+                    <a:lumMod val="20000"/>
+                    <a:lumOff val="80000"/>
+                  </a:schemeClr>
+                </a:solidFill>
+              </a:rPr>
+              <a:t>Bezeroen</a:t>
+            </a:r>
+            <a:r>
+              <a:rPr lang="es-ES" sz="1600" dirty="0">
+                <a:solidFill>
+                  <a:schemeClr val="accent5">
+                    <a:lumMod val="20000"/>
+                    <a:lumOff val="80000"/>
+                  </a:schemeClr>
+                </a:solidFill>
+              </a:rPr>
+              <a:t> </a:t>
+            </a:r>
+            <a:r>
+              <a:rPr lang="es-ES" sz="1600" dirty="0" err="1">
+                <a:solidFill>
+                  <a:schemeClr val="accent5">
+                    <a:lumMod val="20000"/>
+                    <a:lumOff val="80000"/>
+                  </a:schemeClr>
+                </a:solidFill>
+              </a:rPr>
+              <a:t>arreta</a:t>
+            </a:r>
+            <a:endParaRPr lang="es-ES" sz="1600" dirty="0">
+              <a:solidFill>
+                <a:schemeClr val="accent5">
+                  <a:lumMod val="20000"/>
+                  <a:lumOff val="80000"/>
+                </a:schemeClr>
+              </a:solidFill>
+            </a:endParaRPr>
+          </a:p>
+          <a:p>
+            <a:pPr>
+              <a:lnSpc>
+                <a:spcPct val="120000"/>
+              </a:lnSpc>
+              <a:spcBef>
+                <a:spcPts val="1000"/>
+              </a:spcBef>
+            </a:pPr>
+            <a:r>
+              <a:rPr lang="es-ES" sz="1600" dirty="0">
+                <a:solidFill>
+                  <a:schemeClr val="accent5">
+                    <a:lumMod val="20000"/>
+                    <a:lumOff val="80000"/>
+                  </a:schemeClr>
+                </a:solidFill>
+              </a:rPr>
+              <a:t>	-</a:t>
+            </a:r>
+            <a:r>
+              <a:rPr lang="es-ES" sz="1600" dirty="0" err="1">
+                <a:solidFill>
+                  <a:schemeClr val="accent5">
+                    <a:lumMod val="20000"/>
+                    <a:lumOff val="80000"/>
+                  </a:schemeClr>
+                </a:solidFill>
+              </a:rPr>
+              <a:t>Kalitatea</a:t>
+            </a:r>
+            <a:endParaRPr lang="es-ES" sz="1600" dirty="0">
+              <a:solidFill>
+                <a:schemeClr val="accent5">
+                  <a:lumMod val="20000"/>
+                  <a:lumOff val="80000"/>
+                </a:schemeClr>
+              </a:solidFill>
+            </a:endParaRPr>
+          </a:p>
+          <a:p>
+            <a:pPr marL="285750" indent="-285750">
+              <a:lnSpc>
+                <a:spcPct val="120000"/>
+              </a:lnSpc>
+              <a:spcBef>
+                <a:spcPts val="1000"/>
+              </a:spcBef>
+              <a:buFont typeface="Arial" panose="020B0604020202020204" pitchFamily="34" charset="0"/>
+              <a:buChar char="•"/>
+            </a:pPr>
+            <a:r>
+              <a:rPr lang="es-ES" sz="1600" dirty="0" smtClean="0">
+                <a:solidFill>
+                  <a:schemeClr val="accent5">
+                    <a:lumMod val="20000"/>
+                    <a:lumOff val="80000"/>
+                  </a:schemeClr>
+                </a:solidFill>
+              </a:rPr>
+              <a:t>Balio </a:t>
+            </a:r>
+            <a:r>
+              <a:rPr lang="es-ES" sz="1600" dirty="0">
+                <a:solidFill>
+                  <a:schemeClr val="accent5">
+                    <a:lumMod val="20000"/>
+                    <a:lumOff val="80000"/>
+                  </a:schemeClr>
+                </a:solidFill>
+              </a:rPr>
+              <a:t>proposamena</a:t>
+            </a:r>
+            <a:r>
+              <a:rPr lang="es-ES" sz="1600" dirty="0" smtClean="0">
+                <a:solidFill>
+                  <a:schemeClr val="accent5">
+                    <a:lumMod val="20000"/>
+                    <a:lumOff val="80000"/>
+                  </a:schemeClr>
+                </a:solidFill>
+              </a:rPr>
+              <a:t>: </a:t>
+            </a:r>
+          </a:p>
+          <a:p>
+            <a:pPr>
+              <a:lnSpc>
+                <a:spcPct val="120000"/>
+              </a:lnSpc>
+              <a:spcBef>
+                <a:spcPts val="1000"/>
+              </a:spcBef>
+            </a:pPr>
+            <a:r>
+              <a:rPr lang="es-ES" sz="1600" dirty="0">
+                <a:solidFill>
+                  <a:schemeClr val="accent5">
+                    <a:lumMod val="20000"/>
+                    <a:lumOff val="80000"/>
+                  </a:schemeClr>
+                </a:solidFill>
+              </a:rPr>
+              <a:t>	</a:t>
+            </a:r>
+            <a:r>
+              <a:rPr lang="es-ES" sz="1600" dirty="0" smtClean="0">
+                <a:solidFill>
+                  <a:schemeClr val="accent5">
+                    <a:lumMod val="20000"/>
+                    <a:lumOff val="80000"/>
+                  </a:schemeClr>
+                </a:solidFill>
+              </a:rPr>
+              <a:t>-Bezeroekin harremana</a:t>
+            </a:r>
+          </a:p>
+          <a:p>
+            <a:pPr>
+              <a:lnSpc>
+                <a:spcPct val="120000"/>
+              </a:lnSpc>
+              <a:spcBef>
+                <a:spcPts val="1000"/>
+              </a:spcBef>
+            </a:pPr>
+            <a:r>
+              <a:rPr lang="es-ES" sz="1600" dirty="0">
+                <a:solidFill>
+                  <a:schemeClr val="accent5">
+                    <a:lumMod val="20000"/>
+                    <a:lumOff val="80000"/>
+                  </a:schemeClr>
+                </a:solidFill>
+              </a:rPr>
+              <a:t>	</a:t>
+            </a:r>
+            <a:r>
+              <a:rPr lang="es-ES" sz="1600" dirty="0" smtClean="0">
+                <a:solidFill>
+                  <a:schemeClr val="accent5">
+                    <a:lumMod val="20000"/>
+                    <a:lumOff val="80000"/>
+                  </a:schemeClr>
+                </a:solidFill>
+              </a:rPr>
+              <a:t>-Bezero segmentua</a:t>
+            </a:r>
+          </a:p>
+          <a:p>
+            <a:pPr>
+              <a:lnSpc>
+                <a:spcPct val="120000"/>
+              </a:lnSpc>
+              <a:spcBef>
+                <a:spcPts val="1000"/>
+              </a:spcBef>
+            </a:pPr>
+            <a:r>
+              <a:rPr lang="es-ES" sz="1600" dirty="0" smtClean="0">
+                <a:solidFill>
+                  <a:schemeClr val="accent5">
+                    <a:lumMod val="20000"/>
+                    <a:lumOff val="80000"/>
+                  </a:schemeClr>
+                </a:solidFill>
+              </a:rPr>
+              <a:t>Diru sarreren iturria:</a:t>
+            </a:r>
+          </a:p>
+          <a:p>
+            <a:pPr>
+              <a:lnSpc>
+                <a:spcPct val="120000"/>
+              </a:lnSpc>
+              <a:spcBef>
+                <a:spcPts val="1000"/>
+              </a:spcBef>
+            </a:pPr>
+            <a:r>
+              <a:rPr lang="es-ES" sz="1600" dirty="0">
+                <a:solidFill>
+                  <a:schemeClr val="accent5">
+                    <a:lumMod val="20000"/>
+                    <a:lumOff val="80000"/>
+                  </a:schemeClr>
+                </a:solidFill>
+              </a:rPr>
+              <a:t>	</a:t>
+            </a:r>
+            <a:r>
+              <a:rPr lang="es-ES" sz="1600" dirty="0" smtClean="0">
+                <a:solidFill>
+                  <a:schemeClr val="accent5">
+                    <a:lumMod val="20000"/>
+                    <a:lumOff val="80000"/>
+                  </a:schemeClr>
+                </a:solidFill>
+              </a:rPr>
+              <a:t>-</a:t>
+            </a:r>
+            <a:r>
+              <a:rPr lang="es-ES" sz="1600" dirty="0" err="1" smtClean="0">
+                <a:solidFill>
+                  <a:schemeClr val="accent5">
+                    <a:lumMod val="20000"/>
+                    <a:lumOff val="80000"/>
+                  </a:schemeClr>
+                </a:solidFill>
+              </a:rPr>
+              <a:t>Ekitaldiak</a:t>
+            </a:r>
+            <a:r>
+              <a:rPr lang="es-ES" sz="1600" dirty="0" smtClean="0">
+                <a:solidFill>
+                  <a:schemeClr val="accent5">
+                    <a:lumMod val="20000"/>
+                    <a:lumOff val="80000"/>
+                  </a:schemeClr>
+                </a:solidFill>
+              </a:rPr>
+              <a:t> eta </a:t>
+            </a:r>
+            <a:r>
+              <a:rPr lang="es-ES" sz="1600" dirty="0" err="1" smtClean="0">
+                <a:solidFill>
+                  <a:schemeClr val="accent5">
+                    <a:lumMod val="20000"/>
+                    <a:lumOff val="80000"/>
+                  </a:schemeClr>
+                </a:solidFill>
+              </a:rPr>
+              <a:t>azokak</a:t>
+            </a:r>
+            <a:r>
+              <a:rPr lang="es-ES" sz="1600" dirty="0" smtClean="0">
+                <a:solidFill>
+                  <a:schemeClr val="accent5">
+                    <a:lumMod val="20000"/>
+                    <a:lumOff val="80000"/>
+                  </a:schemeClr>
+                </a:solidFill>
+              </a:rPr>
+              <a:t> egin</a:t>
+            </a:r>
+          </a:p>
+          <a:p>
+            <a:pPr>
+              <a:lnSpc>
+                <a:spcPct val="120000"/>
+              </a:lnSpc>
+              <a:spcBef>
+                <a:spcPts val="1000"/>
+              </a:spcBef>
+            </a:pPr>
+            <a:r>
+              <a:rPr lang="es-ES" sz="1600" dirty="0">
+                <a:solidFill>
+                  <a:schemeClr val="accent5">
+                    <a:lumMod val="20000"/>
+                    <a:lumOff val="80000"/>
+                  </a:schemeClr>
+                </a:solidFill>
+              </a:rPr>
+              <a:t>	</a:t>
+            </a:r>
+            <a:r>
+              <a:rPr lang="es-ES" sz="1600" dirty="0" smtClean="0">
+                <a:solidFill>
+                  <a:schemeClr val="accent5">
+                    <a:lumMod val="20000"/>
+                    <a:lumOff val="80000"/>
+                  </a:schemeClr>
+                </a:solidFill>
+              </a:rPr>
+              <a:t>-</a:t>
+            </a:r>
+            <a:r>
+              <a:rPr lang="es-ES" sz="1600" dirty="0" err="1" smtClean="0">
+                <a:solidFill>
+                  <a:schemeClr val="accent5">
+                    <a:lumMod val="20000"/>
+                    <a:lumOff val="80000"/>
+                  </a:schemeClr>
+                </a:solidFill>
+              </a:rPr>
+              <a:t>Produktu</a:t>
+            </a:r>
+            <a:r>
+              <a:rPr lang="es-ES" sz="1600" dirty="0" smtClean="0">
+                <a:solidFill>
+                  <a:schemeClr val="accent5">
+                    <a:lumMod val="20000"/>
+                    <a:lumOff val="80000"/>
+                  </a:schemeClr>
+                </a:solidFill>
+              </a:rPr>
+              <a:t> </a:t>
+            </a:r>
+            <a:r>
+              <a:rPr lang="es-ES" sz="1600" dirty="0" err="1" smtClean="0">
+                <a:solidFill>
+                  <a:schemeClr val="accent5">
+                    <a:lumMod val="20000"/>
+                    <a:lumOff val="80000"/>
+                  </a:schemeClr>
+                </a:solidFill>
+              </a:rPr>
+              <a:t>propioen</a:t>
+            </a:r>
+            <a:r>
+              <a:rPr lang="es-ES" sz="1600" dirty="0" smtClean="0">
+                <a:solidFill>
+                  <a:schemeClr val="accent5">
+                    <a:lumMod val="20000"/>
+                    <a:lumOff val="80000"/>
+                  </a:schemeClr>
+                </a:solidFill>
+              </a:rPr>
+              <a:t> </a:t>
+            </a:r>
+            <a:r>
+              <a:rPr lang="es-ES" sz="1600" dirty="0" err="1" smtClean="0">
+                <a:solidFill>
+                  <a:schemeClr val="accent5">
+                    <a:lumMod val="20000"/>
+                    <a:lumOff val="80000"/>
+                  </a:schemeClr>
+                </a:solidFill>
+              </a:rPr>
+              <a:t>salmenta</a:t>
+            </a:r>
+            <a:endParaRPr lang="es-ES" sz="1600" dirty="0">
+              <a:solidFill>
+                <a:schemeClr val="accent5">
+                  <a:lumMod val="20000"/>
+                  <a:lumOff val="80000"/>
+                </a:schemeClr>
+              </a:solidFill>
+            </a:endParaRPr>
+          </a:p>
+          <a:p>
+            <a:pPr marL="285750" indent="-285750">
+              <a:buFont typeface="Arial" panose="020B0604020202020204" pitchFamily="34" charset="0"/>
+              <a:buChar char="•"/>
+            </a:pPr>
+            <a:endParaRPr lang="es-ES" dirty="0">
+              <a:solidFill>
+                <a:schemeClr val="accent5">
+                  <a:lumMod val="20000"/>
+                  <a:lumOff val="80000"/>
+                </a:schemeClr>
+              </a:solidFill>
+            </a:endParaRPr>
           </a:p>
         </p:txBody>
       </p:sp>
+      <p:pic>
+        <p:nvPicPr>
+          <p:cNvPr id="5" name="Imagen 4"/>
+          <p:cNvPicPr>
+            <a:picLocks noChangeAspect="1"/>
+          </p:cNvPicPr>
+          <p:nvPr/>
+        </p:nvPicPr>
+        <p:blipFill rotWithShape="1">
+          <a:blip r:embed="rId3"/>
+          <a:srcRect l="2365" t="1842" b="31164"/>
+          <a:stretch/>
+        </p:blipFill>
+        <p:spPr>
+          <a:xfrm>
+            <a:off x="6291743" y="1690688"/>
+            <a:ext cx="2009023" cy="2961315"/>
+          </a:xfrm>
+          <a:prstGeom prst="rect">
+            <a:avLst/>
+          </a:prstGeom>
+        </p:spPr>
+      </p:pic>
+      <p:pic>
+        <p:nvPicPr>
+          <p:cNvPr id="6" name="Imagen 5"/>
+          <p:cNvPicPr>
+            <a:picLocks noChangeAspect="1"/>
+          </p:cNvPicPr>
+          <p:nvPr/>
+        </p:nvPicPr>
+        <p:blipFill rotWithShape="1">
+          <a:blip r:embed="rId4"/>
+          <a:srcRect l="2267" t="2947"/>
+          <a:stretch/>
+        </p:blipFill>
+        <p:spPr>
+          <a:xfrm>
+            <a:off x="9105099" y="1690688"/>
+            <a:ext cx="1815518" cy="1497789"/>
+          </a:xfrm>
+          <a:prstGeom prst="rect">
+            <a:avLst/>
+          </a:prstGeom>
+        </p:spPr>
+      </p:pic>
       <p:pic>
         <p:nvPicPr>
           <p:cNvPr id="7" name="Imagen 6"/>
@@ -5714,80 +6465,915 @@
           <p:nvPr/>
         </p:nvPicPr>
         <p:blipFill rotWithShape="1">
-          <a:blip r:embed="rId4">
-            <a:extLst>
-              <a:ext uri="{28A0092B-C50C-407E-A947-70E740481C1C}">
-                <a14:useLocalDpi xmlns:a14="http://schemas.microsoft.com/office/drawing/2010/main" val="0"/>
-              </a:ext>
-            </a:extLst>
-          </a:blip>
-          <a:srcRect l="6820" r="7509"/>
+          <a:blip r:embed="rId5"/>
+          <a:srcRect l="2283" b="24752"/>
           <a:stretch/>
         </p:blipFill>
         <p:spPr>
           <a:xfrm>
-            <a:off x="1723062" y="3341610"/>
-            <a:ext cx="8743405" cy="87390"/>
+            <a:off x="9760689" y="3382349"/>
+            <a:ext cx="1871078" cy="3326126"/>
           </a:xfrm>
           <a:prstGeom prst="rect">
             <a:avLst/>
           </a:prstGeom>
         </p:spPr>
       </p:pic>
-      <p:sp>
-        <p:nvSpPr>
-          <p:cNvPr id="6" name="Subtítulo 2">
-            <a:extLst>
-              <a:ext uri="{FF2B5EF4-FFF2-40B4-BE49-F238E27FC236}">
-                <a16:creationId xmlns:a16="http://schemas.microsoft.com/office/drawing/2014/main" id="{E2BFDC72-68FB-3F8C-43D2-CA93C205D2F6}"/>
-              </a:ext>
-            </a:extLst>
-          </p:cNvPr>
-          <p:cNvSpPr>
-            <a:spLocks noGrp="1"/>
-          </p:cNvSpPr>
-          <p:nvPr>
-            <p:ph type="subTitle" idx="1"/>
-          </p:nvPr>
-        </p:nvSpPr>
-        <p:spPr>
-          <a:xfrm>
-            <a:off x="1524000" y="3602038"/>
-            <a:ext cx="9144000" cy="1655762"/>
-          </a:xfrm>
-        </p:spPr>
-        <p:txBody>
-          <a:bodyPr>
-            <a:normAutofit/>
-          </a:bodyPr>
-          <a:lstStyle/>
-          <a:p>
-            <a:r>
-              <a:rPr lang="es-ES" sz="2000" dirty="0">
-                <a:solidFill>
-                  <a:schemeClr val="accent5">
-                    <a:lumMod val="20000"/>
-                    <a:lumOff val="80000"/>
-                  </a:schemeClr>
-                </a:solidFill>
-                <a:latin typeface="Poppins" panose="00000500000000000000" pitchFamily="2" charset="0"/>
-                <a:cs typeface="Poppins" panose="00000500000000000000" pitchFamily="2" charset="0"/>
-              </a:rPr>
-              <a:t>Galdera edo zalantzarik?</a:t>
-            </a:r>
-          </a:p>
-        </p:txBody>
-      </p:sp>
+      <p:pic>
+        <p:nvPicPr>
+          <p:cNvPr id="8" name="Imagen 7"/>
+          <p:cNvPicPr>
+            <a:picLocks noChangeAspect="1"/>
+          </p:cNvPicPr>
+          <p:nvPr/>
+        </p:nvPicPr>
+        <p:blipFill rotWithShape="1">
+          <a:blip r:embed="rId6"/>
+          <a:srcRect l="1776" b="36144"/>
+          <a:stretch/>
+        </p:blipFill>
+        <p:spPr>
+          <a:xfrm>
+            <a:off x="4583141" y="5045412"/>
+            <a:ext cx="4453996" cy="1301787"/>
+          </a:xfrm>
+          <a:prstGeom prst="rect">
+            <a:avLst/>
+          </a:prstGeom>
+        </p:spPr>
+      </p:pic>
     </p:spTree>
     <p:extLst>
       <p:ext uri="{BB962C8B-B14F-4D97-AF65-F5344CB8AC3E}">
-        <p14:creationId xmlns:p14="http://schemas.microsoft.com/office/powerpoint/2010/main" val="2240578001"/>
+        <p14:creationId xmlns:p14="http://schemas.microsoft.com/office/powerpoint/2010/main" val="767967294"/>
       </p:ext>
     </p:extLst>
   </p:cSld>
   <p:clrMapOvr>
     <a:masterClrMapping/>
   </p:clrMapOvr>
+  <p:timing>
+    <p:tnLst>
+      <p:par>
+        <p:cTn id="1" dur="indefinite" restart="never" nodeType="tmRoot"/>
+      </p:par>
+    </p:tnLst>
+  </p:timing>
+</p:sld>
+</file>
+
+<file path=ppt/slides/slide18.xml><?xml version="1.0" encoding="utf-8"?>
+<p:sld xmlns:a="http://schemas.openxmlformats.org/drawingml/2006/main" xmlns:r="http://schemas.openxmlformats.org/officeDocument/2006/relationships" xmlns:p="http://schemas.openxmlformats.org/presentationml/2006/main">
+  <p:cSld>
+    <p:spTree>
+      <p:nvGrpSpPr>
+        <p:cNvPr id="1" name=""/>
+        <p:cNvGrpSpPr/>
+        <p:nvPr/>
+      </p:nvGrpSpPr>
+      <p:grpSpPr>
+        <a:xfrm>
+          <a:off x="0" y="0"/>
+          <a:ext cx="0" cy="0"/>
+          <a:chOff x="0" y="0"/>
+          <a:chExt cx="0" cy="0"/>
+        </a:xfrm>
+      </p:grpSpPr>
+      <p:pic>
+        <p:nvPicPr>
+          <p:cNvPr id="19" name="Marcador de contenido 3">
+            <a:extLst>
+              <a:ext uri="{FF2B5EF4-FFF2-40B4-BE49-F238E27FC236}">
+                <a16:creationId xmlns:a16="http://schemas.microsoft.com/office/drawing/2014/main" id="{CA7FC421-1747-0DF6-D236-DBA1BD8A60A4}"/>
+              </a:ext>
+            </a:extLst>
+          </p:cNvPr>
+          <p:cNvPicPr>
+            <a:picLocks noGrp="1" noChangeAspect="1"/>
+          </p:cNvPicPr>
+          <p:nvPr>
+            <p:ph idx="1"/>
+          </p:nvPr>
+        </p:nvPicPr>
+        <p:blipFill>
+          <a:blip r:embed="rId2" cstate="print">
+            <a:extLst>
+              <a:ext uri="{28A0092B-C50C-407E-A947-70E740481C1C}">
+                <a14:useLocalDpi xmlns:a14="http://schemas.microsoft.com/office/drawing/2010/main" val="0"/>
+              </a:ext>
+            </a:extLst>
+          </a:blip>
+          <a:stretch>
+            <a:fillRect/>
+          </a:stretch>
+        </p:blipFill>
+        <p:spPr>
+          <a:xfrm>
+            <a:off x="0" y="0"/>
+            <a:ext cx="12192000" cy="6859389"/>
+          </a:xfrm>
+        </p:spPr>
+      </p:pic>
+      <p:sp>
+        <p:nvSpPr>
+          <p:cNvPr id="2" name="Título 1"/>
+          <p:cNvSpPr>
+            <a:spLocks noGrp="1"/>
+          </p:cNvSpPr>
+          <p:nvPr>
+            <p:ph type="title"/>
+          </p:nvPr>
+        </p:nvSpPr>
+        <p:spPr>
+          <a:xfrm>
+            <a:off x="804333" y="365125"/>
+            <a:ext cx="10642600" cy="1325563"/>
+          </a:xfrm>
+        </p:spPr>
+        <p:txBody>
+          <a:bodyPr/>
+          <a:lstStyle/>
+          <a:p>
+            <a:r>
+              <a:rPr lang="es-ES" b="1" dirty="0" smtClean="0">
+                <a:solidFill>
+                  <a:schemeClr val="accent5">
+                    <a:lumMod val="20000"/>
+                    <a:lumOff val="80000"/>
+                  </a:schemeClr>
+                </a:solidFill>
+                <a:latin typeface="Poppins" panose="00000500000000000000" pitchFamily="2" charset="0"/>
+                <a:cs typeface="Poppins" panose="00000500000000000000" pitchFamily="2" charset="0"/>
+              </a:rPr>
+              <a:t>CANVAS TAULA</a:t>
+            </a:r>
+            <a:endParaRPr lang="es-ES" b="1" dirty="0">
+              <a:solidFill>
+                <a:schemeClr val="accent5">
+                  <a:lumMod val="20000"/>
+                  <a:lumOff val="80000"/>
+                </a:schemeClr>
+              </a:solidFill>
+              <a:latin typeface="Poppins" panose="00000500000000000000" pitchFamily="2" charset="0"/>
+              <a:cs typeface="Poppins" panose="00000500000000000000" pitchFamily="2" charset="0"/>
+            </a:endParaRPr>
+          </a:p>
+        </p:txBody>
+      </p:sp>
+      <p:sp>
+        <p:nvSpPr>
+          <p:cNvPr id="6" name="CuadroTexto 5">
+            <a:extLst>
+              <a:ext uri="{FF2B5EF4-FFF2-40B4-BE49-F238E27FC236}">
+                <a16:creationId xmlns:a16="http://schemas.microsoft.com/office/drawing/2014/main" id="{259FB6CC-C3AA-6F26-C497-2D5FB7221C5B}"/>
+              </a:ext>
+            </a:extLst>
+          </p:cNvPr>
+          <p:cNvSpPr txBox="1"/>
+          <p:nvPr/>
+        </p:nvSpPr>
+        <p:spPr>
+          <a:xfrm>
+            <a:off x="990600" y="1690688"/>
+            <a:ext cx="10456333" cy="2585323"/>
+          </a:xfrm>
+          <a:prstGeom prst="rect">
+            <a:avLst/>
+          </a:prstGeom>
+          <a:noFill/>
+        </p:spPr>
+        <p:txBody>
+          <a:bodyPr wrap="square" rtlCol="0">
+            <a:spAutoFit/>
+          </a:bodyPr>
+          <a:lstStyle/>
+          <a:p>
+            <a:pPr marL="285750" indent="-285750">
+              <a:buFont typeface="Arial" panose="020B0604020202020204" pitchFamily="34" charset="0"/>
+              <a:buChar char="•"/>
+            </a:pPr>
+            <a:r>
+              <a:rPr lang="es-ES" dirty="0" smtClean="0">
+                <a:solidFill>
+                  <a:schemeClr val="accent5">
+                    <a:lumMod val="20000"/>
+                    <a:lumOff val="80000"/>
+                  </a:schemeClr>
+                </a:solidFill>
+              </a:rPr>
+              <a:t>Funtsezko baliabideak:</a:t>
+            </a:r>
+          </a:p>
+          <a:p>
+            <a:pPr marL="742950" lvl="1" indent="-285750">
+              <a:buFont typeface="Courier New" panose="02070309020205020404" pitchFamily="49" charset="0"/>
+              <a:buChar char="o"/>
+            </a:pPr>
+            <a:r>
+              <a:rPr lang="es-ES" dirty="0" err="1" smtClean="0">
+                <a:solidFill>
+                  <a:schemeClr val="accent5">
+                    <a:lumMod val="20000"/>
+                    <a:lumOff val="80000"/>
+                  </a:schemeClr>
+                </a:solidFill>
+              </a:rPr>
+              <a:t>Garapen</a:t>
+            </a:r>
+            <a:r>
+              <a:rPr lang="es-ES" dirty="0" smtClean="0">
+                <a:solidFill>
+                  <a:schemeClr val="accent5">
+                    <a:lumMod val="20000"/>
+                    <a:lumOff val="80000"/>
+                  </a:schemeClr>
+                </a:solidFill>
+              </a:rPr>
+              <a:t> </a:t>
+            </a:r>
+            <a:r>
+              <a:rPr lang="es-ES" dirty="0" err="1" smtClean="0">
+                <a:solidFill>
+                  <a:schemeClr val="accent5">
+                    <a:lumMod val="20000"/>
+                    <a:lumOff val="80000"/>
+                  </a:schemeClr>
+                </a:solidFill>
+              </a:rPr>
+              <a:t>taldea</a:t>
+            </a:r>
+            <a:endParaRPr lang="es-ES" dirty="0" smtClean="0">
+              <a:solidFill>
+                <a:schemeClr val="accent5">
+                  <a:lumMod val="20000"/>
+                  <a:lumOff val="80000"/>
+                </a:schemeClr>
+              </a:solidFill>
+            </a:endParaRPr>
+          </a:p>
+          <a:p>
+            <a:pPr marL="742950" lvl="1" indent="-285750">
+              <a:buFont typeface="Courier New" panose="02070309020205020404" pitchFamily="49" charset="0"/>
+              <a:buChar char="o"/>
+            </a:pPr>
+            <a:r>
+              <a:rPr lang="es-ES" dirty="0" err="1" smtClean="0">
+                <a:solidFill>
+                  <a:schemeClr val="accent5">
+                    <a:lumMod val="20000"/>
+                    <a:lumOff val="80000"/>
+                  </a:schemeClr>
+                </a:solidFill>
+              </a:rPr>
+              <a:t>Merkatuan</a:t>
+            </a:r>
+            <a:r>
+              <a:rPr lang="es-ES" dirty="0" smtClean="0">
+                <a:solidFill>
+                  <a:schemeClr val="accent5">
+                    <a:lumMod val="20000"/>
+                    <a:lumOff val="80000"/>
+                  </a:schemeClr>
+                </a:solidFill>
+              </a:rPr>
+              <a:t> </a:t>
+            </a:r>
+            <a:r>
+              <a:rPr lang="es-ES" dirty="0" err="1" smtClean="0">
+                <a:solidFill>
+                  <a:schemeClr val="accent5">
+                    <a:lumMod val="20000"/>
+                    <a:lumOff val="80000"/>
+                  </a:schemeClr>
+                </a:solidFill>
+              </a:rPr>
+              <a:t>sartzea</a:t>
+            </a:r>
+            <a:endParaRPr lang="es-ES" dirty="0" smtClean="0">
+              <a:solidFill>
+                <a:schemeClr val="accent5">
+                  <a:lumMod val="20000"/>
+                  <a:lumOff val="80000"/>
+                </a:schemeClr>
+              </a:solidFill>
+            </a:endParaRPr>
+          </a:p>
+          <a:p>
+            <a:pPr marL="742950" lvl="1" indent="-285750">
+              <a:buFont typeface="Courier New" panose="02070309020205020404" pitchFamily="49" charset="0"/>
+              <a:buChar char="o"/>
+            </a:pPr>
+            <a:r>
+              <a:rPr lang="es-ES" dirty="0" err="1" smtClean="0">
+                <a:solidFill>
+                  <a:schemeClr val="accent5">
+                    <a:lumMod val="20000"/>
+                    <a:lumOff val="80000"/>
+                  </a:schemeClr>
+                </a:solidFill>
+              </a:rPr>
+              <a:t>Hobekuntzak</a:t>
+            </a:r>
+            <a:r>
+              <a:rPr lang="es-ES" dirty="0" smtClean="0">
+                <a:solidFill>
+                  <a:schemeClr val="accent5">
+                    <a:lumMod val="20000"/>
+                    <a:lumOff val="80000"/>
+                  </a:schemeClr>
+                </a:solidFill>
+              </a:rPr>
+              <a:t> </a:t>
+            </a:r>
+            <a:r>
+              <a:rPr lang="es-ES" dirty="0" err="1" smtClean="0">
+                <a:solidFill>
+                  <a:schemeClr val="accent5">
+                    <a:lumMod val="20000"/>
+                    <a:lumOff val="80000"/>
+                  </a:schemeClr>
+                </a:solidFill>
+              </a:rPr>
+              <a:t>egitea</a:t>
+            </a:r>
+            <a:endParaRPr lang="es-ES" dirty="0" smtClean="0">
+              <a:solidFill>
+                <a:schemeClr val="accent5">
+                  <a:lumMod val="20000"/>
+                  <a:lumOff val="80000"/>
+                </a:schemeClr>
+              </a:solidFill>
+            </a:endParaRPr>
+          </a:p>
+          <a:p>
+            <a:pPr marL="742950" lvl="1" indent="-285750">
+              <a:buFont typeface="Courier New" panose="02070309020205020404" pitchFamily="49" charset="0"/>
+              <a:buChar char="o"/>
+            </a:pPr>
+            <a:endParaRPr lang="es-ES" dirty="0" smtClean="0">
+              <a:solidFill>
+                <a:schemeClr val="accent5">
+                  <a:lumMod val="20000"/>
+                  <a:lumOff val="80000"/>
+                </a:schemeClr>
+              </a:solidFill>
+            </a:endParaRPr>
+          </a:p>
+          <a:p>
+            <a:pPr lvl="1"/>
+            <a:endParaRPr lang="es-ES" dirty="0">
+              <a:solidFill>
+                <a:schemeClr val="accent5">
+                  <a:lumMod val="20000"/>
+                  <a:lumOff val="80000"/>
+                </a:schemeClr>
+              </a:solidFill>
+            </a:endParaRPr>
+          </a:p>
+          <a:p>
+            <a:pPr marL="285750" indent="-285750">
+              <a:buFont typeface="Arial" panose="020B0604020202020204" pitchFamily="34" charset="0"/>
+              <a:buChar char="•"/>
+            </a:pPr>
+            <a:r>
+              <a:rPr lang="es-ES" dirty="0" smtClean="0">
+                <a:solidFill>
+                  <a:schemeClr val="accent5">
+                    <a:lumMod val="20000"/>
+                    <a:lumOff val="80000"/>
+                  </a:schemeClr>
+                </a:solidFill>
+              </a:rPr>
+              <a:t>Kostuen egitura:</a:t>
+            </a:r>
+          </a:p>
+          <a:p>
+            <a:pPr marL="742950" lvl="1" indent="-285750">
+              <a:buFont typeface="Arial" panose="020B0604020202020204" pitchFamily="34" charset="0"/>
+              <a:buChar char="•"/>
+            </a:pPr>
+            <a:r>
+              <a:rPr lang="es-ES" dirty="0" err="1" smtClean="0">
+                <a:solidFill>
+                  <a:schemeClr val="accent5">
+                    <a:lumMod val="20000"/>
+                    <a:lumOff val="80000"/>
+                  </a:schemeClr>
+                </a:solidFill>
+              </a:rPr>
+              <a:t>Zerbitzariak</a:t>
+            </a:r>
+            <a:r>
+              <a:rPr lang="es-ES" dirty="0" smtClean="0">
+                <a:solidFill>
+                  <a:schemeClr val="accent5">
+                    <a:lumMod val="20000"/>
+                    <a:lumOff val="80000"/>
+                  </a:schemeClr>
+                </a:solidFill>
+              </a:rPr>
+              <a:t>, langileak eta publizitatea</a:t>
+            </a:r>
+          </a:p>
+          <a:p>
+            <a:endParaRPr lang="es-ES" dirty="0" smtClean="0">
+              <a:solidFill>
+                <a:schemeClr val="accent5">
+                  <a:lumMod val="20000"/>
+                  <a:lumOff val="80000"/>
+                </a:schemeClr>
+              </a:solidFill>
+            </a:endParaRPr>
+          </a:p>
+        </p:txBody>
+      </p:sp>
+      <p:pic>
+        <p:nvPicPr>
+          <p:cNvPr id="3" name="Imagen 2"/>
+          <p:cNvPicPr>
+            <a:picLocks noChangeAspect="1"/>
+          </p:cNvPicPr>
+          <p:nvPr/>
+        </p:nvPicPr>
+        <p:blipFill rotWithShape="1">
+          <a:blip r:embed="rId3"/>
+          <a:srcRect l="2453"/>
+          <a:stretch/>
+        </p:blipFill>
+        <p:spPr>
+          <a:xfrm>
+            <a:off x="6218766" y="932101"/>
+            <a:ext cx="1784186" cy="2152950"/>
+          </a:xfrm>
+          <a:prstGeom prst="rect">
+            <a:avLst/>
+          </a:prstGeom>
+        </p:spPr>
+      </p:pic>
+      <p:pic>
+        <p:nvPicPr>
+          <p:cNvPr id="4" name="Imagen 3"/>
+          <p:cNvPicPr>
+            <a:picLocks noChangeAspect="1"/>
+          </p:cNvPicPr>
+          <p:nvPr/>
+        </p:nvPicPr>
+        <p:blipFill>
+          <a:blip r:embed="rId4"/>
+          <a:stretch>
+            <a:fillRect/>
+          </a:stretch>
+        </p:blipFill>
+        <p:spPr>
+          <a:xfrm>
+            <a:off x="6870035" y="3551359"/>
+            <a:ext cx="4763165" cy="1124107"/>
+          </a:xfrm>
+          <a:prstGeom prst="rect">
+            <a:avLst/>
+          </a:prstGeom>
+        </p:spPr>
+      </p:pic>
+    </p:spTree>
+    <p:extLst>
+      <p:ext uri="{BB962C8B-B14F-4D97-AF65-F5344CB8AC3E}">
+        <p14:creationId xmlns:p14="http://schemas.microsoft.com/office/powerpoint/2010/main" val="2480603310"/>
+      </p:ext>
+    </p:extLst>
+  </p:cSld>
+  <p:clrMapOvr>
+    <a:masterClrMapping/>
+  </p:clrMapOvr>
+  <p:timing>
+    <p:tnLst>
+      <p:par>
+        <p:cTn id="1" dur="indefinite" restart="never" nodeType="tmRoot"/>
+      </p:par>
+    </p:tnLst>
+  </p:timing>
+</p:sld>
+</file>
+
+<file path=ppt/slides/slide19.xml><?xml version="1.0" encoding="utf-8"?>
+<p:sld xmlns:a="http://schemas.openxmlformats.org/drawingml/2006/main" xmlns:r="http://schemas.openxmlformats.org/officeDocument/2006/relationships" xmlns:p="http://schemas.openxmlformats.org/presentationml/2006/main">
+  <p:cSld>
+    <p:spTree>
+      <p:nvGrpSpPr>
+        <p:cNvPr id="1" name=""/>
+        <p:cNvGrpSpPr/>
+        <p:nvPr/>
+      </p:nvGrpSpPr>
+      <p:grpSpPr>
+        <a:xfrm>
+          <a:off x="0" y="0"/>
+          <a:ext cx="0" cy="0"/>
+          <a:chOff x="0" y="0"/>
+          <a:chExt cx="0" cy="0"/>
+        </a:xfrm>
+      </p:grpSpPr>
+      <p:pic>
+        <p:nvPicPr>
+          <p:cNvPr id="19" name="Marcador de contenido 3">
+            <a:extLst>
+              <a:ext uri="{FF2B5EF4-FFF2-40B4-BE49-F238E27FC236}">
+                <a16:creationId xmlns:a16="http://schemas.microsoft.com/office/drawing/2014/main" id="{CA7FC421-1747-0DF6-D236-DBA1BD8A60A4}"/>
+              </a:ext>
+            </a:extLst>
+          </p:cNvPr>
+          <p:cNvPicPr>
+            <a:picLocks noGrp="1" noChangeAspect="1"/>
+          </p:cNvPicPr>
+          <p:nvPr>
+            <p:ph idx="1"/>
+          </p:nvPr>
+        </p:nvPicPr>
+        <p:blipFill>
+          <a:blip r:embed="rId2" cstate="print">
+            <a:extLst>
+              <a:ext uri="{28A0092B-C50C-407E-A947-70E740481C1C}">
+                <a14:useLocalDpi xmlns:a14="http://schemas.microsoft.com/office/drawing/2010/main" val="0"/>
+              </a:ext>
+            </a:extLst>
+          </a:blip>
+          <a:stretch>
+            <a:fillRect/>
+          </a:stretch>
+        </p:blipFill>
+        <p:spPr>
+          <a:xfrm>
+            <a:off x="0" y="0"/>
+            <a:ext cx="12192000" cy="6859389"/>
+          </a:xfrm>
+        </p:spPr>
+      </p:pic>
+      <p:sp>
+        <p:nvSpPr>
+          <p:cNvPr id="2" name="Título 1"/>
+          <p:cNvSpPr>
+            <a:spLocks noGrp="1"/>
+          </p:cNvSpPr>
+          <p:nvPr>
+            <p:ph type="title"/>
+          </p:nvPr>
+        </p:nvSpPr>
+        <p:spPr>
+          <a:xfrm>
+            <a:off x="804333" y="365125"/>
+            <a:ext cx="10642600" cy="1325563"/>
+          </a:xfrm>
+        </p:spPr>
+        <p:txBody>
+          <a:bodyPr>
+            <a:normAutofit/>
+          </a:bodyPr>
+          <a:lstStyle/>
+          <a:p>
+            <a:r>
+              <a:rPr lang="es-ES" b="1" dirty="0" smtClean="0">
+                <a:solidFill>
+                  <a:schemeClr val="accent5">
+                    <a:lumMod val="20000"/>
+                    <a:lumOff val="80000"/>
+                  </a:schemeClr>
+                </a:solidFill>
+                <a:latin typeface="Poppins" panose="00000500000000000000" pitchFamily="2" charset="0"/>
+                <a:cs typeface="Poppins" panose="00000500000000000000" pitchFamily="2" charset="0"/>
+              </a:rPr>
+              <a:t>SDG </a:t>
+            </a:r>
+            <a:r>
+              <a:rPr lang="es-ES" sz="3200" b="1" dirty="0" smtClean="0">
+                <a:solidFill>
+                  <a:schemeClr val="accent5">
+                    <a:lumMod val="20000"/>
+                    <a:lumOff val="80000"/>
+                  </a:schemeClr>
+                </a:solidFill>
+                <a:latin typeface="Poppins" panose="00000500000000000000" pitchFamily="2" charset="0"/>
+                <a:cs typeface="Poppins" panose="00000500000000000000" pitchFamily="2" charset="0"/>
+              </a:rPr>
+              <a:t>(Objetivos de </a:t>
+            </a:r>
+            <a:r>
+              <a:rPr lang="es-ES" sz="3200" b="1" dirty="0">
+                <a:solidFill>
+                  <a:schemeClr val="accent5">
+                    <a:lumMod val="20000"/>
+                    <a:lumOff val="80000"/>
+                  </a:schemeClr>
+                </a:solidFill>
+                <a:latin typeface="Poppins" panose="00000500000000000000" pitchFamily="2" charset="0"/>
+                <a:cs typeface="Poppins" panose="00000500000000000000" pitchFamily="2" charset="0"/>
+              </a:rPr>
+              <a:t>D</a:t>
+            </a:r>
+            <a:r>
+              <a:rPr lang="es-ES" sz="3200" b="1" dirty="0" smtClean="0">
+                <a:solidFill>
+                  <a:schemeClr val="accent5">
+                    <a:lumMod val="20000"/>
+                    <a:lumOff val="80000"/>
+                  </a:schemeClr>
+                </a:solidFill>
+                <a:latin typeface="Poppins" panose="00000500000000000000" pitchFamily="2" charset="0"/>
+                <a:cs typeface="Poppins" panose="00000500000000000000" pitchFamily="2" charset="0"/>
+              </a:rPr>
+              <a:t>esarrollo Sostenible)</a:t>
+            </a:r>
+            <a:endParaRPr lang="es-ES" sz="3200" b="1" dirty="0">
+              <a:solidFill>
+                <a:schemeClr val="accent5">
+                  <a:lumMod val="20000"/>
+                  <a:lumOff val="80000"/>
+                </a:schemeClr>
+              </a:solidFill>
+              <a:latin typeface="Poppins" panose="00000500000000000000" pitchFamily="2" charset="0"/>
+              <a:cs typeface="Poppins" panose="00000500000000000000" pitchFamily="2" charset="0"/>
+            </a:endParaRPr>
+          </a:p>
+        </p:txBody>
+      </p:sp>
+      <p:sp>
+        <p:nvSpPr>
+          <p:cNvPr id="6" name="CuadroTexto 5">
+            <a:extLst>
+              <a:ext uri="{FF2B5EF4-FFF2-40B4-BE49-F238E27FC236}">
+                <a16:creationId xmlns:a16="http://schemas.microsoft.com/office/drawing/2014/main" id="{259FB6CC-C3AA-6F26-C497-2D5FB7221C5B}"/>
+              </a:ext>
+            </a:extLst>
+          </p:cNvPr>
+          <p:cNvSpPr txBox="1"/>
+          <p:nvPr/>
+        </p:nvSpPr>
+        <p:spPr>
+          <a:xfrm>
+            <a:off x="990600" y="1690688"/>
+            <a:ext cx="10456333" cy="2308324"/>
+          </a:xfrm>
+          <a:prstGeom prst="rect">
+            <a:avLst/>
+          </a:prstGeom>
+          <a:noFill/>
+        </p:spPr>
+        <p:txBody>
+          <a:bodyPr wrap="square" rtlCol="0">
+            <a:spAutoFit/>
+          </a:bodyPr>
+          <a:lstStyle/>
+          <a:p>
+            <a:pPr marL="285750" indent="-285750">
+              <a:buFont typeface="Arial" panose="020B0604020202020204" pitchFamily="34" charset="0"/>
+              <a:buChar char="•"/>
+            </a:pPr>
+            <a:r>
+              <a:rPr lang="es-ES" dirty="0" smtClean="0">
+                <a:solidFill>
+                  <a:schemeClr val="accent5">
+                    <a:lumMod val="20000"/>
+                    <a:lumOff val="80000"/>
+                  </a:schemeClr>
+                </a:solidFill>
+              </a:rPr>
+              <a:t>SDG 2: Hambre cero</a:t>
+            </a:r>
+            <a:endParaRPr lang="es-ES" dirty="0">
+              <a:solidFill>
+                <a:schemeClr val="accent5">
+                  <a:lumMod val="20000"/>
+                  <a:lumOff val="80000"/>
+                </a:schemeClr>
+              </a:solidFill>
+            </a:endParaRPr>
+          </a:p>
+          <a:p>
+            <a:pPr marL="285750" indent="-285750">
+              <a:buFont typeface="Arial" panose="020B0604020202020204" pitchFamily="34" charset="0"/>
+              <a:buChar char="•"/>
+            </a:pPr>
+            <a:r>
+              <a:rPr lang="es-ES" dirty="0" smtClean="0">
+                <a:solidFill>
+                  <a:schemeClr val="accent5">
+                    <a:lumMod val="20000"/>
+                    <a:lumOff val="80000"/>
+                  </a:schemeClr>
+                </a:solidFill>
+              </a:rPr>
+              <a:t>SDG 3: Salud y bienestar</a:t>
+            </a:r>
+          </a:p>
+          <a:p>
+            <a:pPr marL="285750" indent="-285750">
+              <a:buFont typeface="Arial" panose="020B0604020202020204" pitchFamily="34" charset="0"/>
+              <a:buChar char="•"/>
+            </a:pPr>
+            <a:r>
+              <a:rPr lang="es-ES" dirty="0" smtClean="0">
+                <a:solidFill>
+                  <a:schemeClr val="accent5">
+                    <a:lumMod val="20000"/>
+                    <a:lumOff val="80000"/>
+                  </a:schemeClr>
+                </a:solidFill>
+              </a:rPr>
+              <a:t>SDG 11: Ciudades y comunidades sostenibles</a:t>
+            </a:r>
+          </a:p>
+          <a:p>
+            <a:pPr marL="285750" indent="-285750">
+              <a:buFont typeface="Arial" panose="020B0604020202020204" pitchFamily="34" charset="0"/>
+              <a:buChar char="•"/>
+            </a:pPr>
+            <a:r>
+              <a:rPr lang="es-ES" dirty="0" smtClean="0">
+                <a:solidFill>
+                  <a:schemeClr val="accent5">
+                    <a:lumMod val="20000"/>
+                    <a:lumOff val="80000"/>
+                  </a:schemeClr>
+                </a:solidFill>
+              </a:rPr>
+              <a:t>SDG 12: </a:t>
+            </a:r>
+            <a:r>
+              <a:rPr lang="es-ES" dirty="0" err="1" smtClean="0">
+                <a:solidFill>
+                  <a:schemeClr val="accent5">
+                    <a:lumMod val="20000"/>
+                    <a:lumOff val="80000"/>
+                  </a:schemeClr>
+                </a:solidFill>
+              </a:rPr>
+              <a:t>Produccion</a:t>
+            </a:r>
+            <a:r>
+              <a:rPr lang="es-ES" dirty="0" smtClean="0">
+                <a:solidFill>
+                  <a:schemeClr val="accent5">
+                    <a:lumMod val="20000"/>
+                    <a:lumOff val="80000"/>
+                  </a:schemeClr>
+                </a:solidFill>
+              </a:rPr>
+              <a:t> y consumo responsable</a:t>
+            </a:r>
+          </a:p>
+          <a:p>
+            <a:endParaRPr lang="es-ES" dirty="0" smtClean="0">
+              <a:solidFill>
+                <a:schemeClr val="accent5">
+                  <a:lumMod val="20000"/>
+                  <a:lumOff val="80000"/>
+                </a:schemeClr>
+              </a:solidFill>
+            </a:endParaRPr>
+          </a:p>
+          <a:p>
+            <a:pPr marL="742950" lvl="1" indent="-285750">
+              <a:buFont typeface="Courier New" panose="02070309020205020404" pitchFamily="49" charset="0"/>
+              <a:buChar char="o"/>
+            </a:pPr>
+            <a:endParaRPr lang="es-ES" dirty="0" smtClean="0">
+              <a:solidFill>
+                <a:schemeClr val="accent5">
+                  <a:lumMod val="20000"/>
+                  <a:lumOff val="80000"/>
+                </a:schemeClr>
+              </a:solidFill>
+            </a:endParaRPr>
+          </a:p>
+          <a:p>
+            <a:pPr lvl="1"/>
+            <a:endParaRPr lang="es-ES" dirty="0" smtClean="0">
+              <a:solidFill>
+                <a:schemeClr val="accent5">
+                  <a:lumMod val="20000"/>
+                  <a:lumOff val="80000"/>
+                </a:schemeClr>
+              </a:solidFill>
+            </a:endParaRPr>
+          </a:p>
+          <a:p>
+            <a:endParaRPr lang="es-ES" dirty="0" smtClean="0">
+              <a:solidFill>
+                <a:schemeClr val="accent5">
+                  <a:lumMod val="20000"/>
+                  <a:lumOff val="80000"/>
+                </a:schemeClr>
+              </a:solidFill>
+            </a:endParaRPr>
+          </a:p>
+        </p:txBody>
+      </p:sp>
+      <p:pic>
+        <p:nvPicPr>
+          <p:cNvPr id="3" name="Imagen 2"/>
+          <p:cNvPicPr>
+            <a:picLocks noChangeAspect="1"/>
+          </p:cNvPicPr>
+          <p:nvPr/>
+        </p:nvPicPr>
+        <p:blipFill rotWithShape="1">
+          <a:blip r:embed="rId3"/>
+          <a:srcRect l="8674" t="7697" r="9987" b="8402"/>
+          <a:stretch/>
+        </p:blipFill>
+        <p:spPr>
+          <a:xfrm>
+            <a:off x="7172588" y="1728132"/>
+            <a:ext cx="1015068" cy="1015068"/>
+          </a:xfrm>
+          <a:prstGeom prst="rect">
+            <a:avLst/>
+          </a:prstGeom>
+        </p:spPr>
+      </p:pic>
+      <p:pic>
+        <p:nvPicPr>
+          <p:cNvPr id="4" name="Imagen 3"/>
+          <p:cNvPicPr>
+            <a:picLocks noChangeAspect="1"/>
+          </p:cNvPicPr>
+          <p:nvPr/>
+        </p:nvPicPr>
+        <p:blipFill rotWithShape="1">
+          <a:blip r:embed="rId4"/>
+          <a:srcRect l="6429" t="7728" r="7591" b="7678"/>
+          <a:stretch/>
+        </p:blipFill>
+        <p:spPr>
+          <a:xfrm>
+            <a:off x="8942664" y="3707934"/>
+            <a:ext cx="1040236" cy="1023457"/>
+          </a:xfrm>
+          <a:prstGeom prst="rect">
+            <a:avLst/>
+          </a:prstGeom>
+        </p:spPr>
+      </p:pic>
+      <p:pic>
+        <p:nvPicPr>
+          <p:cNvPr id="5" name="Imagen 4"/>
+          <p:cNvPicPr>
+            <a:picLocks noChangeAspect="1"/>
+          </p:cNvPicPr>
+          <p:nvPr/>
+        </p:nvPicPr>
+        <p:blipFill rotWithShape="1">
+          <a:blip r:embed="rId5"/>
+          <a:srcRect l="6379" t="8047" r="6232" b="7894"/>
+          <a:stretch/>
+        </p:blipFill>
+        <p:spPr>
+          <a:xfrm>
+            <a:off x="1342239" y="3884103"/>
+            <a:ext cx="1090568" cy="1057013"/>
+          </a:xfrm>
+          <a:prstGeom prst="rect">
+            <a:avLst/>
+          </a:prstGeom>
+        </p:spPr>
+      </p:pic>
+      <p:pic>
+        <p:nvPicPr>
+          <p:cNvPr id="7" name="Imagen 6"/>
+          <p:cNvPicPr>
+            <a:picLocks noChangeAspect="1"/>
+          </p:cNvPicPr>
+          <p:nvPr/>
+        </p:nvPicPr>
+        <p:blipFill rotWithShape="1">
+          <a:blip r:embed="rId6"/>
+          <a:srcRect l="10718" t="6902" r="8343" b="9605"/>
+          <a:stretch/>
+        </p:blipFill>
+        <p:spPr>
+          <a:xfrm>
+            <a:off x="5587068" y="4269996"/>
+            <a:ext cx="1048624" cy="1073791"/>
+          </a:xfrm>
+          <a:prstGeom prst="rect">
+            <a:avLst/>
+          </a:prstGeom>
+        </p:spPr>
+      </p:pic>
+    </p:spTree>
+    <p:extLst>
+      <p:ext uri="{BB962C8B-B14F-4D97-AF65-F5344CB8AC3E}">
+        <p14:creationId xmlns:p14="http://schemas.microsoft.com/office/powerpoint/2010/main" val="4172766248"/>
+      </p:ext>
+    </p:extLst>
+  </p:cSld>
+  <p:clrMapOvr>
+    <a:masterClrMapping/>
+  </p:clrMapOvr>
+  <p:timing>
+    <p:tnLst>
+      <p:par>
+        <p:cTn id="1" dur="indefinite" restart="never" nodeType="tmRoot"/>
+      </p:par>
+    </p:tnLst>
+  </p:timing>
 </p:sld>
 </file>
 
@@ -5907,7 +7493,7 @@
                 <a:hlinkClick r:id="rId3" action="ppaction://hlinksldjump">
                   <a:extLst>
                     <a:ext uri="{A12FA001-AC4F-418D-AE19-62706E023703}">
-                      <ahyp:hlinkClr xmlns:ahyp="http://schemas.microsoft.com/office/drawing/2018/hyperlinkcolor" val="tx"/>
+                      <ahyp:hlinkClr xmlns:ahyp="http://schemas.microsoft.com/office/drawing/2018/hyperlinkcolor" xmlns="" val="tx"/>
                     </a:ext>
                   </a:extLst>
                 </a:hlinkClick>
@@ -5943,7 +7529,7 @@
                 <a:hlinkClick r:id="rId4" action="ppaction://hlinksldjump">
                   <a:extLst>
                     <a:ext uri="{A12FA001-AC4F-418D-AE19-62706E023703}">
-                      <ahyp:hlinkClr xmlns:ahyp="http://schemas.microsoft.com/office/drawing/2018/hyperlinkcolor" val="tx"/>
+                      <ahyp:hlinkClr xmlns:ahyp="http://schemas.microsoft.com/office/drawing/2018/hyperlinkcolor" xmlns="" val="tx"/>
                     </a:ext>
                   </a:extLst>
                 </a:hlinkClick>
@@ -5979,7 +7565,7 @@
                 <a:hlinkClick r:id="rId5" action="ppaction://hlinksldjump">
                   <a:extLst>
                     <a:ext uri="{A12FA001-AC4F-418D-AE19-62706E023703}">
-                      <ahyp:hlinkClr xmlns:ahyp="http://schemas.microsoft.com/office/drawing/2018/hyperlinkcolor" val="tx"/>
+                      <ahyp:hlinkClr xmlns:ahyp="http://schemas.microsoft.com/office/drawing/2018/hyperlinkcolor" xmlns="" val="tx"/>
                     </a:ext>
                   </a:extLst>
                 </a:hlinkClick>
@@ -6015,7 +7601,7 @@
                 <a:hlinkClick r:id="rId6" action="ppaction://hlinksldjump">
                   <a:extLst>
                     <a:ext uri="{A12FA001-AC4F-418D-AE19-62706E023703}">
-                      <ahyp:hlinkClr xmlns:ahyp="http://schemas.microsoft.com/office/drawing/2018/hyperlinkcolor" val="tx"/>
+                      <ahyp:hlinkClr xmlns:ahyp="http://schemas.microsoft.com/office/drawing/2018/hyperlinkcolor" xmlns="" val="tx"/>
                     </a:ext>
                   </a:extLst>
                 </a:hlinkClick>
@@ -6051,7 +7637,7 @@
                 <a:hlinkClick r:id="rId7" action="ppaction://hlinksldjump">
                   <a:extLst>
                     <a:ext uri="{A12FA001-AC4F-418D-AE19-62706E023703}">
-                      <ahyp:hlinkClr xmlns:ahyp="http://schemas.microsoft.com/office/drawing/2018/hyperlinkcolor" val="tx"/>
+                      <ahyp:hlinkClr xmlns:ahyp="http://schemas.microsoft.com/office/drawing/2018/hyperlinkcolor" xmlns="" val="tx"/>
                     </a:ext>
                   </a:extLst>
                 </a:hlinkClick>
@@ -6087,7 +7673,7 @@
                 <a:hlinkClick r:id="rId8" action="ppaction://hlinksldjump">
                   <a:extLst>
                     <a:ext uri="{A12FA001-AC4F-418D-AE19-62706E023703}">
-                      <ahyp:hlinkClr xmlns:ahyp="http://schemas.microsoft.com/office/drawing/2018/hyperlinkcolor" val="tx"/>
+                      <ahyp:hlinkClr xmlns:ahyp="http://schemas.microsoft.com/office/drawing/2018/hyperlinkcolor" xmlns="" val="tx"/>
                     </a:ext>
                   </a:extLst>
                 </a:hlinkClick>
@@ -6123,7 +7709,7 @@
                 <a:hlinkClick r:id="rId9" action="ppaction://hlinksldjump">
                   <a:extLst>
                     <a:ext uri="{A12FA001-AC4F-418D-AE19-62706E023703}">
-                      <ahyp:hlinkClr xmlns:ahyp="http://schemas.microsoft.com/office/drawing/2018/hyperlinkcolor" val="tx"/>
+                      <ahyp:hlinkClr xmlns:ahyp="http://schemas.microsoft.com/office/drawing/2018/hyperlinkcolor" xmlns="" val="tx"/>
                     </a:ext>
                   </a:extLst>
                 </a:hlinkClick>
@@ -6159,7 +7745,7 @@
                 <a:hlinkClick r:id="rId10" action="ppaction://hlinksldjump">
                   <a:extLst>
                     <a:ext uri="{A12FA001-AC4F-418D-AE19-62706E023703}">
-                      <ahyp:hlinkClr xmlns:ahyp="http://schemas.microsoft.com/office/drawing/2018/hyperlinkcolor" val="tx"/>
+                      <ahyp:hlinkClr xmlns:ahyp="http://schemas.microsoft.com/office/drawing/2018/hyperlinkcolor" xmlns="" val="tx"/>
                     </a:ext>
                   </a:extLst>
                 </a:hlinkClick>
@@ -6195,7 +7781,7 @@
                 <a:hlinkClick r:id="rId11" action="ppaction://hlinksldjump">
                   <a:extLst>
                     <a:ext uri="{A12FA001-AC4F-418D-AE19-62706E023703}">
-                      <ahyp:hlinkClr xmlns:ahyp="http://schemas.microsoft.com/office/drawing/2018/hyperlinkcolor" val="tx"/>
+                      <ahyp:hlinkClr xmlns:ahyp="http://schemas.microsoft.com/office/drawing/2018/hyperlinkcolor" xmlns="" val="tx"/>
                     </a:ext>
                   </a:extLst>
                 </a:hlinkClick>
@@ -6231,7 +7817,7 @@
                 <a:hlinkClick r:id="rId12" action="ppaction://hlinksldjump">
                   <a:extLst>
                     <a:ext uri="{A12FA001-AC4F-418D-AE19-62706E023703}">
-                      <ahyp:hlinkClr xmlns:ahyp="http://schemas.microsoft.com/office/drawing/2018/hyperlinkcolor" val="tx"/>
+                      <ahyp:hlinkClr xmlns:ahyp="http://schemas.microsoft.com/office/drawing/2018/hyperlinkcolor" xmlns="" val="tx"/>
                     </a:ext>
                   </a:extLst>
                 </a:hlinkClick>
@@ -6267,7 +7853,7 @@
                 <a:hlinkClick r:id="rId13" action="ppaction://hlinksldjump">
                   <a:extLst>
                     <a:ext uri="{A12FA001-AC4F-418D-AE19-62706E023703}">
-                      <ahyp:hlinkClr xmlns:ahyp="http://schemas.microsoft.com/office/drawing/2018/hyperlinkcolor" val="tx"/>
+                      <ahyp:hlinkClr xmlns:ahyp="http://schemas.microsoft.com/office/drawing/2018/hyperlinkcolor" xmlns="" val="tx"/>
                     </a:ext>
                   </a:extLst>
                 </a:hlinkClick>
@@ -6303,7 +7889,7 @@
                 <a:hlinkClick r:id="rId14" action="ppaction://hlinksldjump">
                   <a:extLst>
                     <a:ext uri="{A12FA001-AC4F-418D-AE19-62706E023703}">
-                      <ahyp:hlinkClr xmlns:ahyp="http://schemas.microsoft.com/office/drawing/2018/hyperlinkcolor" val="tx"/>
+                      <ahyp:hlinkClr xmlns:ahyp="http://schemas.microsoft.com/office/drawing/2018/hyperlinkcolor" xmlns="" val="tx"/>
                     </a:ext>
                   </a:extLst>
                 </a:hlinkClick>
@@ -6323,7 +7909,7 @@
                 <a:hlinkClick r:id="rId14" action="ppaction://hlinksldjump">
                   <a:extLst>
                     <a:ext uri="{A12FA001-AC4F-418D-AE19-62706E023703}">
-                      <ahyp:hlinkClr xmlns:ahyp="http://schemas.microsoft.com/office/drawing/2018/hyperlinkcolor" val="tx"/>
+                      <ahyp:hlinkClr xmlns:ahyp="http://schemas.microsoft.com/office/drawing/2018/hyperlinkcolor" xmlns="" val="tx"/>
                     </a:ext>
                   </a:extLst>
                 </a:hlinkClick>
@@ -6359,7 +7945,7 @@
                 <a:hlinkClick r:id="rId15" action="ppaction://hlinksldjump">
                   <a:extLst>
                     <a:ext uri="{A12FA001-AC4F-418D-AE19-62706E023703}">
-                      <ahyp:hlinkClr xmlns:ahyp="http://schemas.microsoft.com/office/drawing/2018/hyperlinkcolor" val="tx"/>
+                      <ahyp:hlinkClr xmlns:ahyp="http://schemas.microsoft.com/office/drawing/2018/hyperlinkcolor" xmlns="" val="tx"/>
                     </a:ext>
                   </a:extLst>
                 </a:hlinkClick>
@@ -6379,7 +7965,7 @@
                 <a:hlinkClick r:id="rId15" action="ppaction://hlinksldjump">
                   <a:extLst>
                     <a:ext uri="{A12FA001-AC4F-418D-AE19-62706E023703}">
-                      <ahyp:hlinkClr xmlns:ahyp="http://schemas.microsoft.com/office/drawing/2018/hyperlinkcolor" val="tx"/>
+                      <ahyp:hlinkClr xmlns:ahyp="http://schemas.microsoft.com/office/drawing/2018/hyperlinkcolor" xmlns="" val="tx"/>
                     </a:ext>
                   </a:extLst>
                 </a:hlinkClick>
@@ -6409,6 +7995,2226 @@
   <p:clrMapOvr>
     <a:masterClrMapping/>
   </p:clrMapOvr>
+  <p:timing>
+    <p:tnLst>
+      <p:par>
+        <p:cTn id="1" dur="indefinite" restart="never" nodeType="tmRoot"/>
+      </p:par>
+    </p:tnLst>
+  </p:timing>
+</p:sld>
+</file>
+
+<file path=ppt/slides/slide20.xml><?xml version="1.0" encoding="utf-8"?>
+<p:sld xmlns:a="http://schemas.openxmlformats.org/drawingml/2006/main" xmlns:r="http://schemas.openxmlformats.org/officeDocument/2006/relationships" xmlns:p="http://schemas.openxmlformats.org/presentationml/2006/main">
+  <p:cSld>
+    <p:spTree>
+      <p:nvGrpSpPr>
+        <p:cNvPr id="1" name=""/>
+        <p:cNvGrpSpPr/>
+        <p:nvPr/>
+      </p:nvGrpSpPr>
+      <p:grpSpPr>
+        <a:xfrm>
+          <a:off x="0" y="0"/>
+          <a:ext cx="0" cy="0"/>
+          <a:chOff x="0" y="0"/>
+          <a:chExt cx="0" cy="0"/>
+        </a:xfrm>
+      </p:grpSpPr>
+      <p:pic>
+        <p:nvPicPr>
+          <p:cNvPr id="19" name="Marcador de contenido 3">
+            <a:extLst>
+              <a:ext uri="{FF2B5EF4-FFF2-40B4-BE49-F238E27FC236}">
+                <a16:creationId xmlns:a16="http://schemas.microsoft.com/office/drawing/2014/main" id="{CA7FC421-1747-0DF6-D236-DBA1BD8A60A4}"/>
+              </a:ext>
+            </a:extLst>
+          </p:cNvPr>
+          <p:cNvPicPr>
+            <a:picLocks noGrp="1" noChangeAspect="1"/>
+          </p:cNvPicPr>
+          <p:nvPr>
+            <p:ph idx="1"/>
+          </p:nvPr>
+        </p:nvPicPr>
+        <p:blipFill>
+          <a:blip r:embed="rId2" cstate="print">
+            <a:extLst>
+              <a:ext uri="{28A0092B-C50C-407E-A947-70E740481C1C}">
+                <a14:useLocalDpi xmlns:a14="http://schemas.microsoft.com/office/drawing/2010/main" val="0"/>
+              </a:ext>
+            </a:extLst>
+          </a:blip>
+          <a:stretch>
+            <a:fillRect/>
+          </a:stretch>
+        </p:blipFill>
+        <p:spPr>
+          <a:xfrm>
+            <a:off x="0" y="0"/>
+            <a:ext cx="12192000" cy="6859389"/>
+          </a:xfrm>
+        </p:spPr>
+      </p:pic>
+      <p:sp>
+        <p:nvSpPr>
+          <p:cNvPr id="2" name="Título 1"/>
+          <p:cNvSpPr>
+            <a:spLocks noGrp="1"/>
+          </p:cNvSpPr>
+          <p:nvPr>
+            <p:ph type="title"/>
+          </p:nvPr>
+        </p:nvSpPr>
+        <p:spPr>
+          <a:xfrm>
+            <a:off x="804333" y="365125"/>
+            <a:ext cx="10642600" cy="1325563"/>
+          </a:xfrm>
+        </p:spPr>
+        <p:txBody>
+          <a:bodyPr>
+            <a:normAutofit/>
+          </a:bodyPr>
+          <a:lstStyle/>
+          <a:p>
+            <a:r>
+              <a:rPr lang="es-ES" b="1" dirty="0" err="1" smtClean="0">
+                <a:solidFill>
+                  <a:schemeClr val="accent5">
+                    <a:lumMod val="20000"/>
+                    <a:lumOff val="80000"/>
+                  </a:schemeClr>
+                </a:solidFill>
+                <a:latin typeface="Poppins" panose="00000500000000000000" pitchFamily="2" charset="0"/>
+                <a:cs typeface="Poppins" panose="00000500000000000000" pitchFamily="2" charset="0"/>
+              </a:rPr>
+              <a:t>Merkatu</a:t>
+            </a:r>
+            <a:r>
+              <a:rPr lang="es-ES" b="1" dirty="0" smtClean="0">
+                <a:solidFill>
+                  <a:schemeClr val="accent5">
+                    <a:lumMod val="20000"/>
+                    <a:lumOff val="80000"/>
+                  </a:schemeClr>
+                </a:solidFill>
+                <a:latin typeface="Poppins" panose="00000500000000000000" pitchFamily="2" charset="0"/>
+                <a:cs typeface="Poppins" panose="00000500000000000000" pitchFamily="2" charset="0"/>
+              </a:rPr>
+              <a:t> </a:t>
+            </a:r>
+            <a:r>
+              <a:rPr lang="es-ES" b="1" dirty="0" err="1" smtClean="0">
+                <a:solidFill>
+                  <a:schemeClr val="accent5">
+                    <a:lumMod val="20000"/>
+                    <a:lumOff val="80000"/>
+                  </a:schemeClr>
+                </a:solidFill>
+                <a:latin typeface="Poppins" panose="00000500000000000000" pitchFamily="2" charset="0"/>
+                <a:cs typeface="Poppins" panose="00000500000000000000" pitchFamily="2" charset="0"/>
+              </a:rPr>
+              <a:t>ikerketa</a:t>
+            </a:r>
+            <a:r>
+              <a:rPr lang="es-ES" b="1" dirty="0" smtClean="0">
+                <a:solidFill>
+                  <a:schemeClr val="accent5">
+                    <a:lumMod val="20000"/>
+                    <a:lumOff val="80000"/>
+                  </a:schemeClr>
+                </a:solidFill>
+                <a:latin typeface="Poppins" panose="00000500000000000000" pitchFamily="2" charset="0"/>
+                <a:cs typeface="Poppins" panose="00000500000000000000" pitchFamily="2" charset="0"/>
+              </a:rPr>
+              <a:t> </a:t>
+            </a:r>
+            <a:r>
+              <a:rPr lang="es-ES" sz="3200" b="1" dirty="0" smtClean="0">
+                <a:solidFill>
+                  <a:schemeClr val="accent5">
+                    <a:lumMod val="20000"/>
+                    <a:lumOff val="80000"/>
+                  </a:schemeClr>
+                </a:solidFill>
+                <a:latin typeface="Poppins" panose="00000500000000000000" pitchFamily="2" charset="0"/>
+                <a:cs typeface="Poppins" panose="00000500000000000000" pitchFamily="2" charset="0"/>
+              </a:rPr>
+              <a:t>(</a:t>
+            </a:r>
+            <a:r>
+              <a:rPr lang="es-ES" sz="3200" b="1" dirty="0" err="1" smtClean="0">
+                <a:solidFill>
+                  <a:schemeClr val="accent5">
+                    <a:lumMod val="20000"/>
+                    <a:lumOff val="80000"/>
+                  </a:schemeClr>
+                </a:solidFill>
+                <a:latin typeface="Poppins" panose="00000500000000000000" pitchFamily="2" charset="0"/>
+                <a:cs typeface="Poppins" panose="00000500000000000000" pitchFamily="2" charset="0"/>
+              </a:rPr>
+              <a:t>Merkatuko</a:t>
+            </a:r>
+            <a:r>
+              <a:rPr lang="es-ES" sz="3200" b="1" dirty="0" smtClean="0">
+                <a:solidFill>
+                  <a:schemeClr val="accent5">
+                    <a:lumMod val="20000"/>
+                    <a:lumOff val="80000"/>
+                  </a:schemeClr>
+                </a:solidFill>
+                <a:latin typeface="Poppins" panose="00000500000000000000" pitchFamily="2" charset="0"/>
+                <a:cs typeface="Poppins" panose="00000500000000000000" pitchFamily="2" charset="0"/>
+              </a:rPr>
+              <a:t> </a:t>
+            </a:r>
+            <a:r>
+              <a:rPr lang="es-ES" sz="3200" b="1" dirty="0" err="1" smtClean="0">
+                <a:solidFill>
+                  <a:schemeClr val="accent5">
+                    <a:lumMod val="20000"/>
+                    <a:lumOff val="80000"/>
+                  </a:schemeClr>
+                </a:solidFill>
+                <a:latin typeface="Poppins" panose="00000500000000000000" pitchFamily="2" charset="0"/>
+                <a:cs typeface="Poppins" panose="00000500000000000000" pitchFamily="2" charset="0"/>
+              </a:rPr>
+              <a:t>ezaugarriak</a:t>
+            </a:r>
+            <a:r>
+              <a:rPr lang="es-ES" sz="3200" b="1" dirty="0" smtClean="0">
+                <a:solidFill>
+                  <a:schemeClr val="accent5">
+                    <a:lumMod val="20000"/>
+                    <a:lumOff val="80000"/>
+                  </a:schemeClr>
+                </a:solidFill>
+                <a:latin typeface="Poppins" panose="00000500000000000000" pitchFamily="2" charset="0"/>
+                <a:cs typeface="Poppins" panose="00000500000000000000" pitchFamily="2" charset="0"/>
+              </a:rPr>
+              <a:t>)</a:t>
+            </a:r>
+            <a:endParaRPr lang="es-ES" sz="3200" b="1" dirty="0">
+              <a:solidFill>
+                <a:schemeClr val="accent5">
+                  <a:lumMod val="20000"/>
+                  <a:lumOff val="80000"/>
+                </a:schemeClr>
+              </a:solidFill>
+              <a:latin typeface="Poppins" panose="00000500000000000000" pitchFamily="2" charset="0"/>
+              <a:cs typeface="Poppins" panose="00000500000000000000" pitchFamily="2" charset="0"/>
+            </a:endParaRPr>
+          </a:p>
+        </p:txBody>
+      </p:sp>
+      <p:sp>
+        <p:nvSpPr>
+          <p:cNvPr id="6" name="CuadroTexto 5">
+            <a:extLst>
+              <a:ext uri="{FF2B5EF4-FFF2-40B4-BE49-F238E27FC236}">
+                <a16:creationId xmlns:a16="http://schemas.microsoft.com/office/drawing/2014/main" id="{259FB6CC-C3AA-6F26-C497-2D5FB7221C5B}"/>
+              </a:ext>
+            </a:extLst>
+          </p:cNvPr>
+          <p:cNvSpPr txBox="1"/>
+          <p:nvPr/>
+        </p:nvSpPr>
+        <p:spPr>
+          <a:xfrm>
+            <a:off x="990600" y="1690688"/>
+            <a:ext cx="10456333" cy="2308324"/>
+          </a:xfrm>
+          <a:prstGeom prst="rect">
+            <a:avLst/>
+          </a:prstGeom>
+          <a:noFill/>
+        </p:spPr>
+        <p:txBody>
+          <a:bodyPr wrap="square" rtlCol="0">
+            <a:spAutoFit/>
+          </a:bodyPr>
+          <a:lstStyle/>
+          <a:p>
+            <a:r>
+              <a:rPr lang="es-ES" dirty="0" err="1" smtClean="0">
+                <a:solidFill>
+                  <a:schemeClr val="accent5">
+                    <a:lumMod val="20000"/>
+                    <a:lumOff val="80000"/>
+                  </a:schemeClr>
+                </a:solidFill>
+              </a:rPr>
+              <a:t>Gaur</a:t>
+            </a:r>
+            <a:r>
+              <a:rPr lang="es-ES" dirty="0" smtClean="0">
+                <a:solidFill>
+                  <a:schemeClr val="accent5">
+                    <a:lumMod val="20000"/>
+                    <a:lumOff val="80000"/>
+                  </a:schemeClr>
+                </a:solidFill>
+              </a:rPr>
+              <a:t> </a:t>
+            </a:r>
+            <a:r>
+              <a:rPr lang="es-ES" dirty="0" err="1" smtClean="0">
+                <a:solidFill>
+                  <a:schemeClr val="accent5">
+                    <a:lumMod val="20000"/>
+                    <a:lumOff val="80000"/>
+                  </a:schemeClr>
+                </a:solidFill>
+              </a:rPr>
+              <a:t>egun</a:t>
+            </a:r>
+            <a:r>
+              <a:rPr lang="es-ES" dirty="0" smtClean="0">
+                <a:solidFill>
+                  <a:schemeClr val="accent5">
+                    <a:lumMod val="20000"/>
+                    <a:lumOff val="80000"/>
+                  </a:schemeClr>
+                </a:solidFill>
+              </a:rPr>
+              <a:t> </a:t>
+            </a:r>
+            <a:r>
+              <a:rPr lang="es-ES" dirty="0" err="1" smtClean="0">
+                <a:solidFill>
+                  <a:schemeClr val="accent5">
+                    <a:lumMod val="20000"/>
+                    <a:lumOff val="80000"/>
+                  </a:schemeClr>
+                </a:solidFill>
+              </a:rPr>
+              <a:t>gaztien</a:t>
+            </a:r>
+            <a:r>
+              <a:rPr lang="es-ES" dirty="0" smtClean="0">
+                <a:solidFill>
+                  <a:schemeClr val="accent5">
+                    <a:lumMod val="20000"/>
+                    <a:lumOff val="80000"/>
+                  </a:schemeClr>
+                </a:solidFill>
+              </a:rPr>
+              <a:t> </a:t>
+            </a:r>
+            <a:r>
+              <a:rPr lang="es-ES" dirty="0" err="1" smtClean="0">
+                <a:solidFill>
+                  <a:schemeClr val="accent5">
+                    <a:lumMod val="20000"/>
+                    <a:lumOff val="80000"/>
+                  </a:schemeClr>
+                </a:solidFill>
+              </a:rPr>
+              <a:t>artean</a:t>
+            </a:r>
+            <a:r>
+              <a:rPr lang="es-ES" dirty="0" smtClean="0">
+                <a:solidFill>
+                  <a:schemeClr val="accent5">
+                    <a:lumMod val="20000"/>
+                    <a:lumOff val="80000"/>
+                  </a:schemeClr>
+                </a:solidFill>
+              </a:rPr>
+              <a:t> </a:t>
+            </a:r>
+            <a:r>
+              <a:rPr lang="es-ES" dirty="0" err="1" smtClean="0">
+                <a:solidFill>
+                  <a:schemeClr val="accent5">
+                    <a:lumMod val="20000"/>
+                    <a:lumOff val="80000"/>
+                  </a:schemeClr>
+                </a:solidFill>
+              </a:rPr>
+              <a:t>obesitate</a:t>
+            </a:r>
+            <a:r>
+              <a:rPr lang="es-ES" dirty="0" smtClean="0">
+                <a:solidFill>
+                  <a:schemeClr val="accent5">
+                    <a:lumMod val="20000"/>
+                    <a:lumOff val="80000"/>
+                  </a:schemeClr>
+                </a:solidFill>
+              </a:rPr>
+              <a:t> gehio dago, janari ez </a:t>
+            </a:r>
+            <a:r>
+              <a:rPr lang="es-ES" dirty="0" err="1" smtClean="0">
+                <a:solidFill>
+                  <a:schemeClr val="accent5">
+                    <a:lumMod val="20000"/>
+                    <a:lumOff val="80000"/>
+                  </a:schemeClr>
+                </a:solidFill>
+              </a:rPr>
+              <a:t>osasuntsua</a:t>
+            </a:r>
+            <a:r>
+              <a:rPr lang="es-ES" dirty="0" smtClean="0">
+                <a:solidFill>
+                  <a:schemeClr val="accent5">
+                    <a:lumMod val="20000"/>
+                    <a:lumOff val="80000"/>
+                  </a:schemeClr>
+                </a:solidFill>
+              </a:rPr>
+              <a:t> </a:t>
+            </a:r>
+            <a:r>
+              <a:rPr lang="es-ES" dirty="0" err="1" smtClean="0">
+                <a:solidFill>
+                  <a:schemeClr val="accent5">
+                    <a:lumMod val="20000"/>
+                    <a:lumOff val="80000"/>
+                  </a:schemeClr>
+                </a:solidFill>
+              </a:rPr>
+              <a:t>jaten</a:t>
+            </a:r>
+            <a:r>
+              <a:rPr lang="es-ES" dirty="0" smtClean="0">
+                <a:solidFill>
+                  <a:schemeClr val="accent5">
+                    <a:lumMod val="20000"/>
+                    <a:lumOff val="80000"/>
+                  </a:schemeClr>
+                </a:solidFill>
+              </a:rPr>
+              <a:t> </a:t>
+            </a:r>
+            <a:r>
+              <a:rPr lang="es-ES" dirty="0" err="1" smtClean="0">
+                <a:solidFill>
+                  <a:schemeClr val="accent5">
+                    <a:lumMod val="20000"/>
+                    <a:lumOff val="80000"/>
+                  </a:schemeClr>
+                </a:solidFill>
+              </a:rPr>
+              <a:t>duelako</a:t>
+            </a:r>
+            <a:r>
+              <a:rPr lang="es-ES" dirty="0" smtClean="0">
+                <a:solidFill>
+                  <a:schemeClr val="accent5">
+                    <a:lumMod val="20000"/>
+                    <a:lumOff val="80000"/>
+                  </a:schemeClr>
+                </a:solidFill>
+              </a:rPr>
+              <a:t>, gure </a:t>
+            </a:r>
+            <a:r>
+              <a:rPr lang="es-ES" dirty="0" err="1" smtClean="0">
+                <a:solidFill>
+                  <a:schemeClr val="accent5">
+                    <a:lumMod val="20000"/>
+                    <a:lumOff val="80000"/>
+                  </a:schemeClr>
+                </a:solidFill>
+              </a:rPr>
+              <a:t>aplikazioaren</a:t>
+            </a:r>
+            <a:r>
+              <a:rPr lang="es-ES" dirty="0" smtClean="0">
+                <a:solidFill>
+                  <a:schemeClr val="accent5">
+                    <a:lumMod val="20000"/>
+                    <a:lumOff val="80000"/>
+                  </a:schemeClr>
+                </a:solidFill>
+              </a:rPr>
+              <a:t> ideia </a:t>
+            </a:r>
+            <a:r>
+              <a:rPr lang="es-ES" dirty="0" err="1" smtClean="0">
+                <a:solidFill>
+                  <a:schemeClr val="accent5">
+                    <a:lumMod val="20000"/>
+                    <a:lumOff val="80000"/>
+                  </a:schemeClr>
+                </a:solidFill>
+              </a:rPr>
+              <a:t>nagusia</a:t>
+            </a:r>
+            <a:r>
+              <a:rPr lang="es-ES" dirty="0" smtClean="0">
+                <a:solidFill>
+                  <a:schemeClr val="accent5">
+                    <a:lumMod val="20000"/>
+                    <a:lumOff val="80000"/>
+                  </a:schemeClr>
+                </a:solidFill>
+              </a:rPr>
+              <a:t> </a:t>
+            </a:r>
+            <a:r>
+              <a:rPr lang="es-ES" dirty="0" err="1" smtClean="0">
+                <a:solidFill>
+                  <a:schemeClr val="accent5">
+                    <a:lumMod val="20000"/>
+                    <a:lumOff val="80000"/>
+                  </a:schemeClr>
+                </a:solidFill>
+              </a:rPr>
+              <a:t>hori</a:t>
+            </a:r>
+            <a:r>
+              <a:rPr lang="es-ES" dirty="0" smtClean="0">
+                <a:solidFill>
+                  <a:schemeClr val="accent5">
+                    <a:lumMod val="20000"/>
+                    <a:lumOff val="80000"/>
+                  </a:schemeClr>
+                </a:solidFill>
+              </a:rPr>
+              <a:t> </a:t>
+            </a:r>
+            <a:r>
+              <a:rPr lang="es-ES" dirty="0" err="1" smtClean="0">
+                <a:solidFill>
+                  <a:schemeClr val="accent5">
+                    <a:lumMod val="20000"/>
+                    <a:lumOff val="80000"/>
+                  </a:schemeClr>
+                </a:solidFill>
+              </a:rPr>
+              <a:t>gelditzea</a:t>
+            </a:r>
+            <a:r>
+              <a:rPr lang="es-ES" dirty="0" smtClean="0">
+                <a:solidFill>
+                  <a:schemeClr val="accent5">
+                    <a:lumMod val="20000"/>
+                    <a:lumOff val="80000"/>
+                  </a:schemeClr>
+                </a:solidFill>
+              </a:rPr>
+              <a:t> da. Web orri bat </a:t>
+            </a:r>
+            <a:r>
+              <a:rPr lang="es-ES" dirty="0" err="1" smtClean="0">
+                <a:solidFill>
+                  <a:schemeClr val="accent5">
+                    <a:lumMod val="20000"/>
+                    <a:lumOff val="80000"/>
+                  </a:schemeClr>
+                </a:solidFill>
+              </a:rPr>
+              <a:t>aurkitu</a:t>
+            </a:r>
+            <a:r>
+              <a:rPr lang="es-ES" dirty="0" smtClean="0">
+                <a:solidFill>
+                  <a:schemeClr val="accent5">
+                    <a:lumMod val="20000"/>
+                    <a:lumOff val="80000"/>
+                  </a:schemeClr>
+                </a:solidFill>
+              </a:rPr>
+              <a:t> dugu </a:t>
+            </a:r>
+            <a:r>
+              <a:rPr lang="es-ES" dirty="0" err="1" smtClean="0">
+                <a:solidFill>
+                  <a:schemeClr val="accent5">
+                    <a:lumMod val="20000"/>
+                    <a:lumOff val="80000"/>
+                  </a:schemeClr>
+                </a:solidFill>
+              </a:rPr>
+              <a:t>gaztien</a:t>
+            </a:r>
+            <a:r>
+              <a:rPr lang="es-ES" dirty="0" smtClean="0">
+                <a:solidFill>
+                  <a:schemeClr val="accent5">
+                    <a:lumMod val="20000"/>
+                    <a:lumOff val="80000"/>
+                  </a:schemeClr>
+                </a:solidFill>
+              </a:rPr>
+              <a:t> </a:t>
+            </a:r>
+            <a:r>
+              <a:rPr lang="es-ES" dirty="0" err="1" smtClean="0">
+                <a:solidFill>
+                  <a:schemeClr val="accent5">
+                    <a:lumMod val="20000"/>
+                    <a:lumOff val="80000"/>
+                  </a:schemeClr>
+                </a:solidFill>
+              </a:rPr>
+              <a:t>nutrizioari</a:t>
+            </a:r>
+            <a:r>
+              <a:rPr lang="es-ES" dirty="0" smtClean="0">
+                <a:solidFill>
+                  <a:schemeClr val="accent5">
+                    <a:lumMod val="20000"/>
+                    <a:lumOff val="80000"/>
+                  </a:schemeClr>
+                </a:solidFill>
+              </a:rPr>
+              <a:t> </a:t>
+            </a:r>
+            <a:r>
+              <a:rPr lang="es-ES" dirty="0" err="1" smtClean="0">
+                <a:solidFill>
+                  <a:schemeClr val="accent5">
+                    <a:lumMod val="20000"/>
+                    <a:lumOff val="80000"/>
+                  </a:schemeClr>
+                </a:solidFill>
+              </a:rPr>
+              <a:t>buruz</a:t>
+            </a:r>
+            <a:r>
+              <a:rPr lang="es-ES" dirty="0" smtClean="0">
+                <a:solidFill>
+                  <a:schemeClr val="accent5">
+                    <a:lumMod val="20000"/>
+                    <a:lumOff val="80000"/>
+                  </a:schemeClr>
+                </a:solidFill>
+              </a:rPr>
+              <a:t>, </a:t>
+            </a:r>
+            <a:r>
+              <a:rPr lang="es-ES" dirty="0" err="1" smtClean="0">
+                <a:solidFill>
+                  <a:schemeClr val="accent5">
+                    <a:lumMod val="20000"/>
+                    <a:lumOff val="80000"/>
+                  </a:schemeClr>
+                </a:solidFill>
+              </a:rPr>
+              <a:t>hona</a:t>
+            </a:r>
+            <a:r>
+              <a:rPr lang="es-ES" dirty="0" smtClean="0">
+                <a:solidFill>
+                  <a:schemeClr val="accent5">
+                    <a:lumMod val="20000"/>
+                    <a:lumOff val="80000"/>
+                  </a:schemeClr>
+                </a:solidFill>
+              </a:rPr>
+              <a:t> </a:t>
+            </a:r>
+            <a:r>
+              <a:rPr lang="es-ES" dirty="0" err="1" smtClean="0">
+                <a:solidFill>
+                  <a:schemeClr val="accent5">
+                    <a:lumMod val="20000"/>
+                    <a:lumOff val="80000"/>
+                  </a:schemeClr>
+                </a:solidFill>
+              </a:rPr>
+              <a:t>hemen</a:t>
+            </a:r>
+            <a:r>
+              <a:rPr lang="es-ES" dirty="0" smtClean="0">
+                <a:solidFill>
+                  <a:schemeClr val="accent5">
+                    <a:lumMod val="20000"/>
+                    <a:lumOff val="80000"/>
+                  </a:schemeClr>
+                </a:solidFill>
+              </a:rPr>
+              <a:t> link-a </a:t>
+            </a:r>
+            <a:r>
+              <a:rPr lang="es-ES" dirty="0" err="1" smtClean="0">
+                <a:solidFill>
+                  <a:schemeClr val="accent5">
+                    <a:lumMod val="20000"/>
+                    <a:lumOff val="80000"/>
+                  </a:schemeClr>
+                </a:solidFill>
+              </a:rPr>
+              <a:t>ikusteko</a:t>
+            </a:r>
+            <a:r>
+              <a:rPr lang="es-ES" u="sng" dirty="0" err="1" smtClean="0">
+                <a:solidFill>
+                  <a:schemeClr val="accent5">
+                    <a:lumMod val="20000"/>
+                    <a:lumOff val="80000"/>
+                  </a:schemeClr>
+                </a:solidFill>
+              </a:rPr>
+              <a:t>s</a:t>
+            </a:r>
+            <a:r>
+              <a:rPr lang="es-ES" dirty="0" smtClean="0">
+                <a:solidFill>
+                  <a:schemeClr val="accent5">
+                    <a:lumMod val="20000"/>
+                    <a:lumOff val="80000"/>
+                  </a:schemeClr>
+                </a:solidFill>
+              </a:rPr>
+              <a:t>.</a:t>
+            </a:r>
+          </a:p>
+          <a:p>
+            <a:endParaRPr lang="es-ES" dirty="0">
+              <a:solidFill>
+                <a:schemeClr val="accent5">
+                  <a:lumMod val="20000"/>
+                  <a:lumOff val="80000"/>
+                </a:schemeClr>
+              </a:solidFill>
+            </a:endParaRPr>
+          </a:p>
+          <a:p>
+            <a:r>
+              <a:rPr lang="es-ES" dirty="0" smtClean="0">
+                <a:solidFill>
+                  <a:schemeClr val="accent5">
+                    <a:lumMod val="20000"/>
+                    <a:lumOff val="80000"/>
+                  </a:schemeClr>
+                </a:solidFill>
+              </a:rPr>
+              <a:t> </a:t>
+            </a:r>
+            <a:r>
+              <a:rPr lang="es-ES" u="sng" dirty="0" err="1">
+                <a:hlinkClick r:id="rId3"/>
+              </a:rPr>
+              <a:t>WebOrria</a:t>
+            </a:r>
+            <a:endParaRPr lang="es-ES" dirty="0"/>
+          </a:p>
+          <a:p>
+            <a:endParaRPr lang="es-ES" dirty="0" smtClean="0">
+              <a:solidFill>
+                <a:schemeClr val="accent5">
+                  <a:lumMod val="20000"/>
+                  <a:lumOff val="80000"/>
+                </a:schemeClr>
+              </a:solidFill>
+            </a:endParaRPr>
+          </a:p>
+          <a:p>
+            <a:pPr marL="742950" lvl="1" indent="-285750">
+              <a:buFont typeface="Courier New" panose="02070309020205020404" pitchFamily="49" charset="0"/>
+              <a:buChar char="o"/>
+            </a:pPr>
+            <a:endParaRPr lang="es-ES" dirty="0" smtClean="0">
+              <a:solidFill>
+                <a:schemeClr val="accent5">
+                  <a:lumMod val="20000"/>
+                  <a:lumOff val="80000"/>
+                </a:schemeClr>
+              </a:solidFill>
+            </a:endParaRPr>
+          </a:p>
+          <a:p>
+            <a:pPr lvl="1"/>
+            <a:endParaRPr lang="es-ES" dirty="0" smtClean="0">
+              <a:solidFill>
+                <a:schemeClr val="accent5">
+                  <a:lumMod val="20000"/>
+                  <a:lumOff val="80000"/>
+                </a:schemeClr>
+              </a:solidFill>
+            </a:endParaRPr>
+          </a:p>
+          <a:p>
+            <a:endParaRPr lang="es-ES" dirty="0" smtClean="0">
+              <a:solidFill>
+                <a:schemeClr val="accent5">
+                  <a:lumMod val="20000"/>
+                  <a:lumOff val="80000"/>
+                </a:schemeClr>
+              </a:solidFill>
+            </a:endParaRPr>
+          </a:p>
+        </p:txBody>
+      </p:sp>
+      <p:pic>
+        <p:nvPicPr>
+          <p:cNvPr id="8" name="Imagen 7"/>
+          <p:cNvPicPr>
+            <a:picLocks noChangeAspect="1"/>
+          </p:cNvPicPr>
+          <p:nvPr/>
+        </p:nvPicPr>
+        <p:blipFill>
+          <a:blip r:embed="rId4"/>
+          <a:stretch>
+            <a:fillRect/>
+          </a:stretch>
+        </p:blipFill>
+        <p:spPr>
+          <a:xfrm>
+            <a:off x="6887791" y="2927795"/>
+            <a:ext cx="3248478" cy="1924319"/>
+          </a:xfrm>
+          <a:prstGeom prst="rect">
+            <a:avLst/>
+          </a:prstGeom>
+        </p:spPr>
+      </p:pic>
+      <p:pic>
+        <p:nvPicPr>
+          <p:cNvPr id="3074" name="Picture 2" descr="niño gordo revisa su grasa corporal con cinta métrica - niños gordos fotografías e imágenes de stock"/>
+          <p:cNvPicPr>
+            <a:picLocks noChangeAspect="1" noChangeArrowheads="1"/>
+          </p:cNvPicPr>
+          <p:nvPr/>
+        </p:nvPicPr>
+        <p:blipFill>
+          <a:blip r:embed="rId5">
+            <a:extLst>
+              <a:ext uri="{28A0092B-C50C-407E-A947-70E740481C1C}">
+                <a14:useLocalDpi xmlns:a14="http://schemas.microsoft.com/office/drawing/2010/main" val="0"/>
+              </a:ext>
+            </a:extLst>
+          </a:blip>
+          <a:srcRect/>
+          <a:stretch>
+            <a:fillRect/>
+          </a:stretch>
+        </p:blipFill>
+        <p:spPr bwMode="auto">
+          <a:xfrm>
+            <a:off x="1270310" y="3999012"/>
+            <a:ext cx="3075866" cy="2080733"/>
+          </a:xfrm>
+          <a:prstGeom prst="rect">
+            <a:avLst/>
+          </a:prstGeom>
+          <a:noFill/>
+          <a:extLst>
+            <a:ext uri="{909E8E84-426E-40DD-AFC4-6F175D3DCCD1}">
+              <a14:hiddenFill xmlns:a14="http://schemas.microsoft.com/office/drawing/2010/main">
+                <a:solidFill>
+                  <a:srgbClr val="FFFFFF"/>
+                </a:solidFill>
+              </a14:hiddenFill>
+            </a:ext>
+          </a:extLst>
+        </p:spPr>
+      </p:pic>
+    </p:spTree>
+    <p:extLst>
+      <p:ext uri="{BB962C8B-B14F-4D97-AF65-F5344CB8AC3E}">
+        <p14:creationId xmlns:p14="http://schemas.microsoft.com/office/powerpoint/2010/main" val="975509038"/>
+      </p:ext>
+    </p:extLst>
+  </p:cSld>
+  <p:clrMapOvr>
+    <a:masterClrMapping/>
+  </p:clrMapOvr>
+  <p:timing>
+    <p:tnLst>
+      <p:par>
+        <p:cTn id="1" dur="indefinite" restart="never" nodeType="tmRoot"/>
+      </p:par>
+    </p:tnLst>
+  </p:timing>
+</p:sld>
+</file>
+
+<file path=ppt/slides/slide21.xml><?xml version="1.0" encoding="utf-8"?>
+<p:sld xmlns:a="http://schemas.openxmlformats.org/drawingml/2006/main" xmlns:r="http://schemas.openxmlformats.org/officeDocument/2006/relationships" xmlns:p="http://schemas.openxmlformats.org/presentationml/2006/main">
+  <p:cSld>
+    <p:spTree>
+      <p:nvGrpSpPr>
+        <p:cNvPr id="1" name=""/>
+        <p:cNvGrpSpPr/>
+        <p:nvPr/>
+      </p:nvGrpSpPr>
+      <p:grpSpPr>
+        <a:xfrm>
+          <a:off x="0" y="0"/>
+          <a:ext cx="0" cy="0"/>
+          <a:chOff x="0" y="0"/>
+          <a:chExt cx="0" cy="0"/>
+        </a:xfrm>
+      </p:grpSpPr>
+      <p:pic>
+        <p:nvPicPr>
+          <p:cNvPr id="19" name="Marcador de contenido 3">
+            <a:extLst>
+              <a:ext uri="{FF2B5EF4-FFF2-40B4-BE49-F238E27FC236}">
+                <a16:creationId xmlns:a16="http://schemas.microsoft.com/office/drawing/2014/main" id="{CA7FC421-1747-0DF6-D236-DBA1BD8A60A4}"/>
+              </a:ext>
+            </a:extLst>
+          </p:cNvPr>
+          <p:cNvPicPr>
+            <a:picLocks noGrp="1" noChangeAspect="1"/>
+          </p:cNvPicPr>
+          <p:nvPr>
+            <p:ph idx="1"/>
+          </p:nvPr>
+        </p:nvPicPr>
+        <p:blipFill>
+          <a:blip r:embed="rId2" cstate="print">
+            <a:extLst>
+              <a:ext uri="{28A0092B-C50C-407E-A947-70E740481C1C}">
+                <a14:useLocalDpi xmlns:a14="http://schemas.microsoft.com/office/drawing/2010/main" val="0"/>
+              </a:ext>
+            </a:extLst>
+          </a:blip>
+          <a:stretch>
+            <a:fillRect/>
+          </a:stretch>
+        </p:blipFill>
+        <p:spPr>
+          <a:xfrm>
+            <a:off x="0" y="0"/>
+            <a:ext cx="12192000" cy="6859389"/>
+          </a:xfrm>
+        </p:spPr>
+      </p:pic>
+      <p:sp>
+        <p:nvSpPr>
+          <p:cNvPr id="2" name="Título 1"/>
+          <p:cNvSpPr>
+            <a:spLocks noGrp="1"/>
+          </p:cNvSpPr>
+          <p:nvPr>
+            <p:ph type="title"/>
+          </p:nvPr>
+        </p:nvSpPr>
+        <p:spPr>
+          <a:xfrm>
+            <a:off x="804333" y="365125"/>
+            <a:ext cx="10642600" cy="1325563"/>
+          </a:xfrm>
+        </p:spPr>
+        <p:txBody>
+          <a:bodyPr>
+            <a:normAutofit/>
+          </a:bodyPr>
+          <a:lstStyle/>
+          <a:p>
+            <a:r>
+              <a:rPr lang="es-ES" b="1" dirty="0" err="1" smtClean="0">
+                <a:solidFill>
+                  <a:schemeClr val="accent5">
+                    <a:lumMod val="20000"/>
+                    <a:lumOff val="80000"/>
+                  </a:schemeClr>
+                </a:solidFill>
+                <a:latin typeface="Poppins" panose="00000500000000000000" pitchFamily="2" charset="0"/>
+                <a:cs typeface="Poppins" panose="00000500000000000000" pitchFamily="2" charset="0"/>
+              </a:rPr>
+              <a:t>Merkatu</a:t>
+            </a:r>
+            <a:r>
+              <a:rPr lang="es-ES" b="1" dirty="0" smtClean="0">
+                <a:solidFill>
+                  <a:schemeClr val="accent5">
+                    <a:lumMod val="20000"/>
+                    <a:lumOff val="80000"/>
+                  </a:schemeClr>
+                </a:solidFill>
+                <a:latin typeface="Poppins" panose="00000500000000000000" pitchFamily="2" charset="0"/>
+                <a:cs typeface="Poppins" panose="00000500000000000000" pitchFamily="2" charset="0"/>
+              </a:rPr>
+              <a:t> </a:t>
+            </a:r>
+            <a:r>
+              <a:rPr lang="es-ES" b="1" dirty="0" err="1" smtClean="0">
+                <a:solidFill>
+                  <a:schemeClr val="accent5">
+                    <a:lumMod val="20000"/>
+                    <a:lumOff val="80000"/>
+                  </a:schemeClr>
+                </a:solidFill>
+                <a:latin typeface="Poppins" panose="00000500000000000000" pitchFamily="2" charset="0"/>
+                <a:cs typeface="Poppins" panose="00000500000000000000" pitchFamily="2" charset="0"/>
+              </a:rPr>
+              <a:t>ikerketa</a:t>
+            </a:r>
+            <a:r>
+              <a:rPr lang="es-ES" b="1" dirty="0" smtClean="0">
+                <a:solidFill>
+                  <a:schemeClr val="accent5">
+                    <a:lumMod val="20000"/>
+                    <a:lumOff val="80000"/>
+                  </a:schemeClr>
+                </a:solidFill>
+                <a:latin typeface="Poppins" panose="00000500000000000000" pitchFamily="2" charset="0"/>
+                <a:cs typeface="Poppins" panose="00000500000000000000" pitchFamily="2" charset="0"/>
+              </a:rPr>
+              <a:t> </a:t>
+            </a:r>
+            <a:r>
+              <a:rPr lang="es-ES" sz="2400" b="1" dirty="0" smtClean="0">
+                <a:solidFill>
+                  <a:schemeClr val="accent5">
+                    <a:lumMod val="20000"/>
+                    <a:lumOff val="80000"/>
+                  </a:schemeClr>
+                </a:solidFill>
+                <a:latin typeface="Poppins" panose="00000500000000000000" pitchFamily="2" charset="0"/>
+                <a:cs typeface="Poppins" panose="00000500000000000000" pitchFamily="2" charset="0"/>
+              </a:rPr>
+              <a:t>(</a:t>
+            </a:r>
+            <a:r>
+              <a:rPr lang="es-ES" sz="2400" b="1" dirty="0" err="1" smtClean="0">
+                <a:solidFill>
+                  <a:schemeClr val="accent5">
+                    <a:lumMod val="20000"/>
+                    <a:lumOff val="80000"/>
+                  </a:schemeClr>
+                </a:solidFill>
+                <a:latin typeface="Poppins" panose="00000500000000000000" pitchFamily="2" charset="0"/>
+                <a:cs typeface="Poppins" panose="00000500000000000000" pitchFamily="2" charset="0"/>
+              </a:rPr>
+              <a:t>Lehiakideeen</a:t>
+            </a:r>
+            <a:r>
+              <a:rPr lang="es-ES" sz="2400" b="1" dirty="0" smtClean="0">
+                <a:solidFill>
+                  <a:schemeClr val="accent5">
+                    <a:lumMod val="20000"/>
+                    <a:lumOff val="80000"/>
+                  </a:schemeClr>
+                </a:solidFill>
+                <a:latin typeface="Poppins" panose="00000500000000000000" pitchFamily="2" charset="0"/>
+                <a:cs typeface="Poppins" panose="00000500000000000000" pitchFamily="2" charset="0"/>
+              </a:rPr>
+              <a:t> </a:t>
+            </a:r>
+            <a:r>
+              <a:rPr lang="es-ES" sz="2400" b="1" dirty="0" err="1" smtClean="0">
+                <a:solidFill>
+                  <a:schemeClr val="accent5">
+                    <a:lumMod val="20000"/>
+                    <a:lumOff val="80000"/>
+                  </a:schemeClr>
+                </a:solidFill>
+                <a:latin typeface="Poppins" panose="00000500000000000000" pitchFamily="2" charset="0"/>
+                <a:cs typeface="Poppins" panose="00000500000000000000" pitchFamily="2" charset="0"/>
+              </a:rPr>
+              <a:t>deskribapena</a:t>
+            </a:r>
+            <a:r>
+              <a:rPr lang="es-ES" sz="2400" b="1" dirty="0" smtClean="0">
+                <a:solidFill>
+                  <a:schemeClr val="accent5">
+                    <a:lumMod val="20000"/>
+                    <a:lumOff val="80000"/>
+                  </a:schemeClr>
+                </a:solidFill>
+                <a:latin typeface="Poppins" panose="00000500000000000000" pitchFamily="2" charset="0"/>
+                <a:cs typeface="Poppins" panose="00000500000000000000" pitchFamily="2" charset="0"/>
+              </a:rPr>
+              <a:t>)</a:t>
+            </a:r>
+            <a:endParaRPr lang="es-ES" sz="2400" b="1" dirty="0">
+              <a:solidFill>
+                <a:schemeClr val="accent5">
+                  <a:lumMod val="20000"/>
+                  <a:lumOff val="80000"/>
+                </a:schemeClr>
+              </a:solidFill>
+              <a:latin typeface="Poppins" panose="00000500000000000000" pitchFamily="2" charset="0"/>
+              <a:cs typeface="Poppins" panose="00000500000000000000" pitchFamily="2" charset="0"/>
+            </a:endParaRPr>
+          </a:p>
+        </p:txBody>
+      </p:sp>
+      <p:sp>
+        <p:nvSpPr>
+          <p:cNvPr id="6" name="CuadroTexto 5">
+            <a:extLst>
+              <a:ext uri="{FF2B5EF4-FFF2-40B4-BE49-F238E27FC236}">
+                <a16:creationId xmlns:a16="http://schemas.microsoft.com/office/drawing/2014/main" id="{259FB6CC-C3AA-6F26-C497-2D5FB7221C5B}"/>
+              </a:ext>
+            </a:extLst>
+          </p:cNvPr>
+          <p:cNvSpPr txBox="1"/>
+          <p:nvPr/>
+        </p:nvSpPr>
+        <p:spPr>
+          <a:xfrm>
+            <a:off x="990600" y="1690688"/>
+            <a:ext cx="10456333" cy="1477328"/>
+          </a:xfrm>
+          <a:prstGeom prst="rect">
+            <a:avLst/>
+          </a:prstGeom>
+          <a:noFill/>
+        </p:spPr>
+        <p:txBody>
+          <a:bodyPr wrap="square" rtlCol="0">
+            <a:spAutoFit/>
+          </a:bodyPr>
+          <a:lstStyle/>
+          <a:p>
+            <a:r>
+              <a:rPr lang="es-ES" dirty="0" smtClean="0">
+                <a:solidFill>
+                  <a:schemeClr val="accent5">
+                    <a:lumMod val="20000"/>
+                    <a:lumOff val="80000"/>
+                  </a:schemeClr>
+                </a:solidFill>
+              </a:rPr>
+              <a:t>Aplikazio edo web </a:t>
+            </a:r>
+            <a:r>
+              <a:rPr lang="es-ES" dirty="0" err="1" smtClean="0">
+                <a:solidFill>
+                  <a:schemeClr val="accent5">
+                    <a:lumMod val="20000"/>
+                    <a:lumOff val="80000"/>
+                  </a:schemeClr>
+                </a:solidFill>
+              </a:rPr>
+              <a:t>gune</a:t>
+            </a:r>
+            <a:r>
+              <a:rPr lang="es-ES" dirty="0" smtClean="0">
+                <a:solidFill>
+                  <a:schemeClr val="accent5">
+                    <a:lumMod val="20000"/>
+                    <a:lumOff val="80000"/>
+                  </a:schemeClr>
+                </a:solidFill>
+              </a:rPr>
+              <a:t> bat </a:t>
+            </a:r>
+            <a:r>
+              <a:rPr lang="es-ES" dirty="0" err="1" smtClean="0">
+                <a:solidFill>
+                  <a:schemeClr val="accent5">
+                    <a:lumMod val="20000"/>
+                    <a:lumOff val="80000"/>
+                  </a:schemeClr>
+                </a:solidFill>
+              </a:rPr>
+              <a:t>bereziki</a:t>
+            </a:r>
+            <a:r>
+              <a:rPr lang="es-ES" dirty="0" smtClean="0">
+                <a:solidFill>
+                  <a:schemeClr val="accent5">
+                    <a:lumMod val="20000"/>
+                    <a:lumOff val="80000"/>
+                  </a:schemeClr>
+                </a:solidFill>
+              </a:rPr>
+              <a:t> ez dago ideia honekin, </a:t>
+            </a:r>
+            <a:r>
+              <a:rPr lang="es-ES" dirty="0" err="1" smtClean="0">
+                <a:solidFill>
+                  <a:schemeClr val="accent5">
+                    <a:lumMod val="20000"/>
+                    <a:lumOff val="80000"/>
+                  </a:schemeClr>
+                </a:solidFill>
+              </a:rPr>
+              <a:t>badaude</a:t>
+            </a:r>
+            <a:r>
+              <a:rPr lang="es-ES" dirty="0" smtClean="0">
+                <a:solidFill>
+                  <a:schemeClr val="accent5">
+                    <a:lumMod val="20000"/>
+                    <a:lumOff val="80000"/>
+                  </a:schemeClr>
+                </a:solidFill>
+              </a:rPr>
+              <a:t> </a:t>
+            </a:r>
+            <a:r>
+              <a:rPr lang="es-ES" dirty="0" err="1" smtClean="0">
+                <a:solidFill>
+                  <a:schemeClr val="accent5">
+                    <a:lumMod val="20000"/>
+                    <a:lumOff val="80000"/>
+                  </a:schemeClr>
+                </a:solidFill>
+              </a:rPr>
+              <a:t>soberakinak</a:t>
+            </a:r>
+            <a:r>
+              <a:rPr lang="es-ES" dirty="0" smtClean="0">
+                <a:solidFill>
+                  <a:schemeClr val="accent5">
+                    <a:lumMod val="20000"/>
+                    <a:lumOff val="80000"/>
+                  </a:schemeClr>
+                </a:solidFill>
+              </a:rPr>
+              <a:t> saltzen </a:t>
+            </a:r>
+            <a:r>
+              <a:rPr lang="es-ES" dirty="0" err="1" smtClean="0">
+                <a:solidFill>
+                  <a:schemeClr val="accent5">
+                    <a:lumMod val="20000"/>
+                    <a:lumOff val="80000"/>
+                  </a:schemeClr>
+                </a:solidFill>
+              </a:rPr>
+              <a:t>duten</a:t>
+            </a:r>
+            <a:r>
+              <a:rPr lang="es-ES" dirty="0" smtClean="0">
+                <a:solidFill>
+                  <a:schemeClr val="accent5">
+                    <a:lumMod val="20000"/>
+                    <a:lumOff val="80000"/>
+                  </a:schemeClr>
+                </a:solidFill>
+              </a:rPr>
+              <a:t> Aplikazioak baina km0 janaria saltzen </a:t>
+            </a:r>
+            <a:r>
+              <a:rPr lang="es-ES" dirty="0" err="1" smtClean="0">
+                <a:solidFill>
+                  <a:schemeClr val="accent5">
+                    <a:lumMod val="20000"/>
+                    <a:lumOff val="80000"/>
+                  </a:schemeClr>
+                </a:solidFill>
+              </a:rPr>
+              <a:t>dutenak</a:t>
+            </a:r>
+            <a:r>
+              <a:rPr lang="es-ES" dirty="0" smtClean="0">
+                <a:solidFill>
+                  <a:schemeClr val="accent5">
+                    <a:lumMod val="20000"/>
+                    <a:lumOff val="80000"/>
+                  </a:schemeClr>
+                </a:solidFill>
+              </a:rPr>
+              <a:t> ez, </a:t>
+            </a:r>
+            <a:r>
+              <a:rPr lang="es-ES" dirty="0" err="1" smtClean="0">
+                <a:solidFill>
+                  <a:schemeClr val="accent5">
+                    <a:lumMod val="20000"/>
+                    <a:lumOff val="80000"/>
+                  </a:schemeClr>
+                </a:solidFill>
+              </a:rPr>
+              <a:t>orduan</a:t>
+            </a:r>
+            <a:r>
+              <a:rPr lang="es-ES" dirty="0" smtClean="0">
+                <a:solidFill>
+                  <a:schemeClr val="accent5">
+                    <a:lumMod val="20000"/>
+                    <a:lumOff val="80000"/>
+                  </a:schemeClr>
+                </a:solidFill>
+              </a:rPr>
+              <a:t> </a:t>
+            </a:r>
+            <a:r>
+              <a:rPr lang="es-ES" dirty="0" err="1" smtClean="0">
+                <a:solidFill>
+                  <a:schemeClr val="accent5">
+                    <a:lumMod val="20000"/>
+                    <a:lumOff val="80000"/>
+                  </a:schemeClr>
+                </a:solidFill>
+              </a:rPr>
+              <a:t>lehiakiderik</a:t>
+            </a:r>
+            <a:r>
+              <a:rPr lang="es-ES" dirty="0" smtClean="0">
+                <a:solidFill>
+                  <a:schemeClr val="accent5">
+                    <a:lumMod val="20000"/>
+                    <a:lumOff val="80000"/>
+                  </a:schemeClr>
+                </a:solidFill>
+              </a:rPr>
+              <a:t> ez dugu. </a:t>
+            </a:r>
+            <a:endParaRPr lang="es-ES" dirty="0" smtClean="0">
+              <a:solidFill>
+                <a:schemeClr val="accent5">
+                  <a:lumMod val="20000"/>
+                  <a:lumOff val="80000"/>
+                </a:schemeClr>
+              </a:solidFill>
+            </a:endParaRPr>
+          </a:p>
+          <a:p>
+            <a:pPr marL="742950" lvl="1" indent="-285750">
+              <a:buFont typeface="Courier New" panose="02070309020205020404" pitchFamily="49" charset="0"/>
+              <a:buChar char="o"/>
+            </a:pPr>
+            <a:endParaRPr lang="es-ES" dirty="0" smtClean="0">
+              <a:solidFill>
+                <a:schemeClr val="accent5">
+                  <a:lumMod val="20000"/>
+                  <a:lumOff val="80000"/>
+                </a:schemeClr>
+              </a:solidFill>
+            </a:endParaRPr>
+          </a:p>
+          <a:p>
+            <a:pPr lvl="1"/>
+            <a:endParaRPr lang="es-ES" dirty="0" smtClean="0">
+              <a:solidFill>
+                <a:schemeClr val="accent5">
+                  <a:lumMod val="20000"/>
+                  <a:lumOff val="80000"/>
+                </a:schemeClr>
+              </a:solidFill>
+            </a:endParaRPr>
+          </a:p>
+          <a:p>
+            <a:endParaRPr lang="es-ES" dirty="0" smtClean="0">
+              <a:solidFill>
+                <a:schemeClr val="accent5">
+                  <a:lumMod val="20000"/>
+                  <a:lumOff val="80000"/>
+                </a:schemeClr>
+              </a:solidFill>
+            </a:endParaRPr>
+          </a:p>
+        </p:txBody>
+      </p:sp>
+    </p:spTree>
+    <p:extLst>
+      <p:ext uri="{BB962C8B-B14F-4D97-AF65-F5344CB8AC3E}">
+        <p14:creationId xmlns:p14="http://schemas.microsoft.com/office/powerpoint/2010/main" val="1607202006"/>
+      </p:ext>
+    </p:extLst>
+  </p:cSld>
+  <p:clrMapOvr>
+    <a:masterClrMapping/>
+  </p:clrMapOvr>
+  <p:timing>
+    <p:tnLst>
+      <p:par>
+        <p:cTn id="1" dur="indefinite" restart="never" nodeType="tmRoot"/>
+      </p:par>
+    </p:tnLst>
+  </p:timing>
+</p:sld>
+</file>
+
+<file path=ppt/slides/slide22.xml><?xml version="1.0" encoding="utf-8"?>
+<p:sld xmlns:a="http://schemas.openxmlformats.org/drawingml/2006/main" xmlns:r="http://schemas.openxmlformats.org/officeDocument/2006/relationships" xmlns:p="http://schemas.openxmlformats.org/presentationml/2006/main">
+  <p:cSld>
+    <p:spTree>
+      <p:nvGrpSpPr>
+        <p:cNvPr id="1" name=""/>
+        <p:cNvGrpSpPr/>
+        <p:nvPr/>
+      </p:nvGrpSpPr>
+      <p:grpSpPr>
+        <a:xfrm>
+          <a:off x="0" y="0"/>
+          <a:ext cx="0" cy="0"/>
+          <a:chOff x="0" y="0"/>
+          <a:chExt cx="0" cy="0"/>
+        </a:xfrm>
+      </p:grpSpPr>
+      <p:pic>
+        <p:nvPicPr>
+          <p:cNvPr id="19" name="Marcador de contenido 3">
+            <a:extLst>
+              <a:ext uri="{FF2B5EF4-FFF2-40B4-BE49-F238E27FC236}">
+                <a16:creationId xmlns:a16="http://schemas.microsoft.com/office/drawing/2014/main" id="{CA7FC421-1747-0DF6-D236-DBA1BD8A60A4}"/>
+              </a:ext>
+            </a:extLst>
+          </p:cNvPr>
+          <p:cNvPicPr>
+            <a:picLocks noGrp="1" noChangeAspect="1"/>
+          </p:cNvPicPr>
+          <p:nvPr>
+            <p:ph idx="1"/>
+          </p:nvPr>
+        </p:nvPicPr>
+        <p:blipFill>
+          <a:blip r:embed="rId2" cstate="print">
+            <a:extLst>
+              <a:ext uri="{28A0092B-C50C-407E-A947-70E740481C1C}">
+                <a14:useLocalDpi xmlns:a14="http://schemas.microsoft.com/office/drawing/2010/main" val="0"/>
+              </a:ext>
+            </a:extLst>
+          </a:blip>
+          <a:stretch>
+            <a:fillRect/>
+          </a:stretch>
+        </p:blipFill>
+        <p:spPr>
+          <a:xfrm>
+            <a:off x="0" y="0"/>
+            <a:ext cx="12192000" cy="6859389"/>
+          </a:xfrm>
+        </p:spPr>
+      </p:pic>
+      <p:sp>
+        <p:nvSpPr>
+          <p:cNvPr id="2" name="Título 1"/>
+          <p:cNvSpPr>
+            <a:spLocks noGrp="1"/>
+          </p:cNvSpPr>
+          <p:nvPr>
+            <p:ph type="title"/>
+          </p:nvPr>
+        </p:nvSpPr>
+        <p:spPr>
+          <a:xfrm>
+            <a:off x="804333" y="365125"/>
+            <a:ext cx="10642600" cy="1325563"/>
+          </a:xfrm>
+        </p:spPr>
+        <p:txBody>
+          <a:bodyPr>
+            <a:normAutofit/>
+          </a:bodyPr>
+          <a:lstStyle/>
+          <a:p>
+            <a:r>
+              <a:rPr lang="es-ES" b="1" dirty="0" err="1" smtClean="0">
+                <a:solidFill>
+                  <a:schemeClr val="accent5">
+                    <a:lumMod val="20000"/>
+                    <a:lumOff val="80000"/>
+                  </a:schemeClr>
+                </a:solidFill>
+                <a:latin typeface="Poppins" panose="00000500000000000000" pitchFamily="2" charset="0"/>
+                <a:cs typeface="Poppins" panose="00000500000000000000" pitchFamily="2" charset="0"/>
+              </a:rPr>
+              <a:t>Merkatu</a:t>
+            </a:r>
+            <a:r>
+              <a:rPr lang="es-ES" b="1" dirty="0" smtClean="0">
+                <a:solidFill>
+                  <a:schemeClr val="accent5">
+                    <a:lumMod val="20000"/>
+                    <a:lumOff val="80000"/>
+                  </a:schemeClr>
+                </a:solidFill>
+                <a:latin typeface="Poppins" panose="00000500000000000000" pitchFamily="2" charset="0"/>
+                <a:cs typeface="Poppins" panose="00000500000000000000" pitchFamily="2" charset="0"/>
+              </a:rPr>
+              <a:t> </a:t>
+            </a:r>
+            <a:r>
+              <a:rPr lang="es-ES" b="1" dirty="0" err="1" smtClean="0">
+                <a:solidFill>
+                  <a:schemeClr val="accent5">
+                    <a:lumMod val="20000"/>
+                    <a:lumOff val="80000"/>
+                  </a:schemeClr>
+                </a:solidFill>
+                <a:latin typeface="Poppins" panose="00000500000000000000" pitchFamily="2" charset="0"/>
+                <a:cs typeface="Poppins" panose="00000500000000000000" pitchFamily="2" charset="0"/>
+              </a:rPr>
+              <a:t>ikerketa</a:t>
+            </a:r>
+            <a:r>
+              <a:rPr lang="es-ES" b="1" dirty="0" smtClean="0">
+                <a:solidFill>
+                  <a:schemeClr val="accent5">
+                    <a:lumMod val="20000"/>
+                    <a:lumOff val="80000"/>
+                  </a:schemeClr>
+                </a:solidFill>
+                <a:latin typeface="Poppins" panose="00000500000000000000" pitchFamily="2" charset="0"/>
+                <a:cs typeface="Poppins" panose="00000500000000000000" pitchFamily="2" charset="0"/>
+              </a:rPr>
+              <a:t> </a:t>
+            </a:r>
+            <a:r>
+              <a:rPr lang="es-ES" sz="2400" b="1" dirty="0" smtClean="0">
+                <a:solidFill>
+                  <a:schemeClr val="accent5">
+                    <a:lumMod val="20000"/>
+                    <a:lumOff val="80000"/>
+                  </a:schemeClr>
+                </a:solidFill>
+                <a:latin typeface="Poppins" panose="00000500000000000000" pitchFamily="2" charset="0"/>
+                <a:cs typeface="Poppins" panose="00000500000000000000" pitchFamily="2" charset="0"/>
+              </a:rPr>
+              <a:t>(</a:t>
+            </a:r>
+            <a:r>
+              <a:rPr lang="es-ES" sz="2400" b="1" dirty="0" err="1" smtClean="0">
+                <a:solidFill>
+                  <a:schemeClr val="accent5">
+                    <a:lumMod val="20000"/>
+                    <a:lumOff val="80000"/>
+                  </a:schemeClr>
+                </a:solidFill>
+                <a:latin typeface="Poppins" panose="00000500000000000000" pitchFamily="2" charset="0"/>
+                <a:cs typeface="Poppins" panose="00000500000000000000" pitchFamily="2" charset="0"/>
+              </a:rPr>
+              <a:t>Hornitzaileak</a:t>
+            </a:r>
+            <a:r>
+              <a:rPr lang="es-ES" sz="2400" b="1" dirty="0" smtClean="0">
+                <a:solidFill>
+                  <a:schemeClr val="accent5">
+                    <a:lumMod val="20000"/>
+                    <a:lumOff val="80000"/>
+                  </a:schemeClr>
+                </a:solidFill>
+                <a:latin typeface="Poppins" panose="00000500000000000000" pitchFamily="2" charset="0"/>
+                <a:cs typeface="Poppins" panose="00000500000000000000" pitchFamily="2" charset="0"/>
+              </a:rPr>
+              <a:t>)</a:t>
+            </a:r>
+            <a:endParaRPr lang="es-ES" sz="2400" b="1" dirty="0">
+              <a:solidFill>
+                <a:schemeClr val="accent5">
+                  <a:lumMod val="20000"/>
+                  <a:lumOff val="80000"/>
+                </a:schemeClr>
+              </a:solidFill>
+              <a:latin typeface="Poppins" panose="00000500000000000000" pitchFamily="2" charset="0"/>
+              <a:cs typeface="Poppins" panose="00000500000000000000" pitchFamily="2" charset="0"/>
+            </a:endParaRPr>
+          </a:p>
+        </p:txBody>
+      </p:sp>
+      <p:sp>
+        <p:nvSpPr>
+          <p:cNvPr id="6" name="CuadroTexto 5">
+            <a:extLst>
+              <a:ext uri="{FF2B5EF4-FFF2-40B4-BE49-F238E27FC236}">
+                <a16:creationId xmlns:a16="http://schemas.microsoft.com/office/drawing/2014/main" id="{259FB6CC-C3AA-6F26-C497-2D5FB7221C5B}"/>
+              </a:ext>
+            </a:extLst>
+          </p:cNvPr>
+          <p:cNvSpPr txBox="1"/>
+          <p:nvPr/>
+        </p:nvSpPr>
+        <p:spPr>
+          <a:xfrm>
+            <a:off x="990600" y="1690688"/>
+            <a:ext cx="10456333" cy="1200329"/>
+          </a:xfrm>
+          <a:prstGeom prst="rect">
+            <a:avLst/>
+          </a:prstGeom>
+          <a:noFill/>
+        </p:spPr>
+        <p:txBody>
+          <a:bodyPr wrap="square" rtlCol="0">
+            <a:spAutoFit/>
+          </a:bodyPr>
+          <a:lstStyle/>
+          <a:p>
+            <a:r>
+              <a:rPr lang="es-ES" dirty="0" err="1" smtClean="0">
+                <a:solidFill>
+                  <a:schemeClr val="accent5">
+                    <a:lumMod val="20000"/>
+                    <a:lumOff val="80000"/>
+                  </a:schemeClr>
+                </a:solidFill>
+              </a:rPr>
+              <a:t>Berez</a:t>
+            </a:r>
+            <a:r>
+              <a:rPr lang="es-ES" dirty="0" smtClean="0">
+                <a:solidFill>
+                  <a:schemeClr val="accent5">
+                    <a:lumMod val="20000"/>
+                    <a:lumOff val="80000"/>
+                  </a:schemeClr>
+                </a:solidFill>
+              </a:rPr>
+              <a:t>, </a:t>
+            </a:r>
+            <a:r>
+              <a:rPr lang="es-ES" dirty="0" err="1" smtClean="0">
+                <a:solidFill>
+                  <a:schemeClr val="accent5">
+                    <a:lumMod val="20000"/>
+                    <a:lumOff val="80000"/>
+                  </a:schemeClr>
+                </a:solidFill>
+              </a:rPr>
+              <a:t>hornitzailerik</a:t>
+            </a:r>
+            <a:r>
+              <a:rPr lang="es-ES" dirty="0" smtClean="0">
+                <a:solidFill>
+                  <a:schemeClr val="accent5">
+                    <a:lumMod val="20000"/>
+                    <a:lumOff val="80000"/>
+                  </a:schemeClr>
+                </a:solidFill>
+              </a:rPr>
+              <a:t> ez dugu, </a:t>
+            </a:r>
+            <a:r>
+              <a:rPr lang="es-ES" dirty="0" err="1" smtClean="0">
+                <a:solidFill>
+                  <a:schemeClr val="accent5">
+                    <a:lumMod val="20000"/>
+                    <a:lumOff val="80000"/>
+                  </a:schemeClr>
+                </a:solidFill>
+              </a:rPr>
+              <a:t>gendia</a:t>
+            </a:r>
+            <a:r>
+              <a:rPr lang="es-ES" dirty="0" smtClean="0">
+                <a:solidFill>
+                  <a:schemeClr val="accent5">
+                    <a:lumMod val="20000"/>
+                    <a:lumOff val="80000"/>
+                  </a:schemeClr>
+                </a:solidFill>
+              </a:rPr>
+              <a:t> </a:t>
+            </a:r>
+            <a:r>
+              <a:rPr lang="es-ES" dirty="0" err="1" smtClean="0">
+                <a:solidFill>
+                  <a:schemeClr val="accent5">
+                    <a:lumMod val="20000"/>
+                    <a:lumOff val="80000"/>
+                  </a:schemeClr>
+                </a:solidFill>
+              </a:rPr>
+              <a:t>bera</a:t>
+            </a:r>
+            <a:r>
+              <a:rPr lang="es-ES" dirty="0" smtClean="0">
+                <a:solidFill>
+                  <a:schemeClr val="accent5">
+                    <a:lumMod val="20000"/>
+                    <a:lumOff val="80000"/>
+                  </a:schemeClr>
+                </a:solidFill>
+              </a:rPr>
+              <a:t> izango da </a:t>
+            </a:r>
+            <a:r>
+              <a:rPr lang="es-ES" dirty="0" err="1" smtClean="0">
+                <a:solidFill>
+                  <a:schemeClr val="accent5">
+                    <a:lumMod val="20000"/>
+                    <a:lumOff val="80000"/>
+                  </a:schemeClr>
+                </a:solidFill>
+              </a:rPr>
+              <a:t>hornitzailea</a:t>
+            </a:r>
+            <a:r>
+              <a:rPr lang="es-ES" dirty="0" smtClean="0">
+                <a:solidFill>
+                  <a:schemeClr val="accent5">
+                    <a:lumMod val="20000"/>
+                    <a:lumOff val="80000"/>
+                  </a:schemeClr>
+                </a:solidFill>
+              </a:rPr>
+              <a:t>, </a:t>
+            </a:r>
+            <a:r>
+              <a:rPr lang="es-ES" dirty="0" err="1" smtClean="0">
+                <a:solidFill>
+                  <a:schemeClr val="accent5">
+                    <a:lumMod val="20000"/>
+                    <a:lumOff val="80000"/>
+                  </a:schemeClr>
+                </a:solidFill>
+              </a:rPr>
+              <a:t>zeba</a:t>
+            </a:r>
+            <a:r>
+              <a:rPr lang="es-ES" dirty="0" smtClean="0">
+                <a:solidFill>
+                  <a:schemeClr val="accent5">
+                    <a:lumMod val="20000"/>
+                    <a:lumOff val="80000"/>
+                  </a:schemeClr>
+                </a:solidFill>
+              </a:rPr>
+              <a:t> </a:t>
+            </a:r>
+            <a:r>
+              <a:rPr lang="es-ES" dirty="0" err="1" smtClean="0">
+                <a:solidFill>
+                  <a:schemeClr val="accent5">
+                    <a:lumMod val="20000"/>
+                    <a:lumOff val="80000"/>
+                  </a:schemeClr>
+                </a:solidFill>
+              </a:rPr>
+              <a:t>beraiek</a:t>
+            </a:r>
+            <a:r>
+              <a:rPr lang="es-ES" dirty="0" smtClean="0">
+                <a:solidFill>
+                  <a:schemeClr val="accent5">
+                    <a:lumMod val="20000"/>
+                    <a:lumOff val="80000"/>
+                  </a:schemeClr>
+                </a:solidFill>
+              </a:rPr>
+              <a:t> saltzen dute </a:t>
+            </a:r>
+            <a:r>
+              <a:rPr lang="es-ES" dirty="0" err="1" smtClean="0">
+                <a:solidFill>
+                  <a:schemeClr val="accent5">
+                    <a:lumMod val="20000"/>
+                    <a:lumOff val="80000"/>
+                  </a:schemeClr>
+                </a:solidFill>
+              </a:rPr>
+              <a:t>beraien</a:t>
+            </a:r>
+            <a:r>
+              <a:rPr lang="es-ES" dirty="0" smtClean="0">
+                <a:solidFill>
+                  <a:schemeClr val="accent5">
+                    <a:lumMod val="20000"/>
+                    <a:lumOff val="80000"/>
+                  </a:schemeClr>
+                </a:solidFill>
+              </a:rPr>
+              <a:t> janaria, </a:t>
+            </a:r>
+            <a:r>
+              <a:rPr lang="es-ES" dirty="0" err="1" smtClean="0">
+                <a:solidFill>
+                  <a:schemeClr val="accent5">
+                    <a:lumMod val="20000"/>
+                    <a:lumOff val="80000"/>
+                  </a:schemeClr>
+                </a:solidFill>
+              </a:rPr>
+              <a:t>iraganean</a:t>
+            </a:r>
+            <a:r>
+              <a:rPr lang="es-ES" dirty="0" smtClean="0">
+                <a:solidFill>
+                  <a:schemeClr val="accent5">
+                    <a:lumMod val="20000"/>
+                    <a:lumOff val="80000"/>
+                  </a:schemeClr>
+                </a:solidFill>
+              </a:rPr>
+              <a:t> saltzen </a:t>
+            </a:r>
+            <a:r>
+              <a:rPr lang="es-ES" dirty="0" err="1" smtClean="0">
+                <a:solidFill>
+                  <a:schemeClr val="accent5">
+                    <a:lumMod val="20000"/>
+                    <a:lumOff val="80000"/>
+                  </a:schemeClr>
+                </a:solidFill>
+              </a:rPr>
+              <a:t>hasi</a:t>
+            </a:r>
+            <a:r>
+              <a:rPr lang="es-ES" dirty="0" smtClean="0">
+                <a:solidFill>
+                  <a:schemeClr val="accent5">
+                    <a:lumMod val="20000"/>
+                    <a:lumOff val="80000"/>
+                  </a:schemeClr>
+                </a:solidFill>
+              </a:rPr>
+              <a:t> </a:t>
+            </a:r>
+            <a:r>
+              <a:rPr lang="es-ES" dirty="0" err="1" smtClean="0">
+                <a:solidFill>
+                  <a:schemeClr val="accent5">
+                    <a:lumMod val="20000"/>
+                    <a:lumOff val="80000"/>
+                  </a:schemeClr>
+                </a:solidFill>
+              </a:rPr>
+              <a:t>behar</a:t>
+            </a:r>
+            <a:r>
+              <a:rPr lang="es-ES" dirty="0" smtClean="0">
+                <a:solidFill>
+                  <a:schemeClr val="accent5">
+                    <a:lumMod val="20000"/>
+                    <a:lumOff val="80000"/>
+                  </a:schemeClr>
+                </a:solidFill>
+              </a:rPr>
+              <a:t> </a:t>
+            </a:r>
+            <a:r>
+              <a:rPr lang="es-ES" dirty="0" err="1" smtClean="0">
+                <a:solidFill>
+                  <a:schemeClr val="accent5">
+                    <a:lumMod val="20000"/>
+                    <a:lumOff val="80000"/>
+                  </a:schemeClr>
+                </a:solidFill>
+              </a:rPr>
+              <a:t>badugu</a:t>
+            </a:r>
+            <a:r>
+              <a:rPr lang="es-ES" dirty="0" smtClean="0">
+                <a:solidFill>
+                  <a:schemeClr val="accent5">
+                    <a:lumMod val="20000"/>
+                    <a:lumOff val="80000"/>
+                  </a:schemeClr>
+                </a:solidFill>
+              </a:rPr>
+              <a:t>, </a:t>
+            </a:r>
+            <a:r>
+              <a:rPr lang="es-ES" dirty="0" err="1" smtClean="0">
+                <a:solidFill>
+                  <a:schemeClr val="accent5">
+                    <a:lumMod val="20000"/>
+                    <a:lumOff val="80000"/>
+                  </a:schemeClr>
+                </a:solidFill>
+              </a:rPr>
+              <a:t>orduan</a:t>
+            </a:r>
+            <a:r>
+              <a:rPr lang="es-ES" dirty="0" smtClean="0">
+                <a:solidFill>
+                  <a:schemeClr val="accent5">
+                    <a:lumMod val="20000"/>
+                    <a:lumOff val="80000"/>
+                  </a:schemeClr>
+                </a:solidFill>
+              </a:rPr>
+              <a:t> bai eduki beharko </a:t>
+            </a:r>
+            <a:r>
+              <a:rPr lang="es-ES" dirty="0" err="1" smtClean="0">
+                <a:solidFill>
+                  <a:schemeClr val="accent5">
+                    <a:lumMod val="20000"/>
+                    <a:lumOff val="80000"/>
+                  </a:schemeClr>
+                </a:solidFill>
+              </a:rPr>
+              <a:t>genuke</a:t>
+            </a:r>
+            <a:r>
+              <a:rPr lang="es-ES" dirty="0" smtClean="0">
+                <a:solidFill>
+                  <a:schemeClr val="accent5">
+                    <a:lumMod val="20000"/>
+                    <a:lumOff val="80000"/>
+                  </a:schemeClr>
+                </a:solidFill>
+              </a:rPr>
+              <a:t>, baina </a:t>
+            </a:r>
+            <a:r>
+              <a:rPr lang="es-ES" dirty="0" err="1" smtClean="0">
+                <a:solidFill>
+                  <a:schemeClr val="accent5">
+                    <a:lumMod val="20000"/>
+                    <a:lumOff val="80000"/>
+                  </a:schemeClr>
+                </a:solidFill>
+              </a:rPr>
+              <a:t>oraingoz</a:t>
+            </a:r>
+            <a:r>
+              <a:rPr lang="es-ES" dirty="0" smtClean="0">
+                <a:solidFill>
+                  <a:schemeClr val="accent5">
+                    <a:lumMod val="20000"/>
+                    <a:lumOff val="80000"/>
+                  </a:schemeClr>
+                </a:solidFill>
+              </a:rPr>
+              <a:t> ez.</a:t>
+            </a:r>
+          </a:p>
+          <a:p>
+            <a:pPr lvl="1"/>
+            <a:endParaRPr lang="es-ES" dirty="0" smtClean="0">
+              <a:solidFill>
+                <a:schemeClr val="accent5">
+                  <a:lumMod val="20000"/>
+                  <a:lumOff val="80000"/>
+                </a:schemeClr>
+              </a:solidFill>
+            </a:endParaRPr>
+          </a:p>
+          <a:p>
+            <a:endParaRPr lang="es-ES" dirty="0" smtClean="0">
+              <a:solidFill>
+                <a:schemeClr val="accent5">
+                  <a:lumMod val="20000"/>
+                  <a:lumOff val="80000"/>
+                </a:schemeClr>
+              </a:solidFill>
+            </a:endParaRPr>
+          </a:p>
+        </p:txBody>
+      </p:sp>
+      <p:pic>
+        <p:nvPicPr>
+          <p:cNvPr id="2050" name="Picture 2" descr="dos personas dándose la mano - fotos de personas dandose la mano fotografías e imágenes de stock"/>
+          <p:cNvPicPr>
+            <a:picLocks noChangeAspect="1" noChangeArrowheads="1"/>
+          </p:cNvPicPr>
+          <p:nvPr/>
+        </p:nvPicPr>
+        <p:blipFill>
+          <a:blip r:embed="rId3">
+            <a:extLst>
+              <a:ext uri="{28A0092B-C50C-407E-A947-70E740481C1C}">
+                <a14:useLocalDpi xmlns:a14="http://schemas.microsoft.com/office/drawing/2010/main" val="0"/>
+              </a:ext>
+            </a:extLst>
+          </a:blip>
+          <a:srcRect/>
+          <a:stretch>
+            <a:fillRect/>
+          </a:stretch>
+        </p:blipFill>
+        <p:spPr bwMode="auto">
+          <a:xfrm>
+            <a:off x="871445" y="3603481"/>
+            <a:ext cx="3480536" cy="2320358"/>
+          </a:xfrm>
+          <a:prstGeom prst="rect">
+            <a:avLst/>
+          </a:prstGeom>
+          <a:noFill/>
+          <a:extLst>
+            <a:ext uri="{909E8E84-426E-40DD-AFC4-6F175D3DCCD1}">
+              <a14:hiddenFill xmlns:a14="http://schemas.microsoft.com/office/drawing/2010/main">
+                <a:solidFill>
+                  <a:srgbClr val="FFFFFF"/>
+                </a:solidFill>
+              </a14:hiddenFill>
+            </a:ext>
+          </a:extLst>
+        </p:spPr>
+      </p:pic>
+      <p:pic>
+        <p:nvPicPr>
+          <p:cNvPr id="2052" name="Picture 4" descr="aprende más sobre lopez foods"/>
+          <p:cNvPicPr>
+            <a:picLocks noChangeAspect="1" noChangeArrowheads="1"/>
+          </p:cNvPicPr>
+          <p:nvPr/>
+        </p:nvPicPr>
+        <p:blipFill>
+          <a:blip r:embed="rId4">
+            <a:extLst>
+              <a:ext uri="{28A0092B-C50C-407E-A947-70E740481C1C}">
+                <a14:useLocalDpi xmlns:a14="http://schemas.microsoft.com/office/drawing/2010/main" val="0"/>
+              </a:ext>
+            </a:extLst>
+          </a:blip>
+          <a:srcRect/>
+          <a:stretch>
+            <a:fillRect/>
+          </a:stretch>
+        </p:blipFill>
+        <p:spPr bwMode="auto">
+          <a:xfrm>
+            <a:off x="6682210" y="2609978"/>
+            <a:ext cx="4477638" cy="2978150"/>
+          </a:xfrm>
+          <a:prstGeom prst="rect">
+            <a:avLst/>
+          </a:prstGeom>
+          <a:noFill/>
+          <a:extLst>
+            <a:ext uri="{909E8E84-426E-40DD-AFC4-6F175D3DCCD1}">
+              <a14:hiddenFill xmlns:a14="http://schemas.microsoft.com/office/drawing/2010/main">
+                <a:solidFill>
+                  <a:srgbClr val="FFFFFF"/>
+                </a:solidFill>
+              </a14:hiddenFill>
+            </a:ext>
+          </a:extLst>
+        </p:spPr>
+      </p:pic>
+    </p:spTree>
+    <p:extLst>
+      <p:ext uri="{BB962C8B-B14F-4D97-AF65-F5344CB8AC3E}">
+        <p14:creationId xmlns:p14="http://schemas.microsoft.com/office/powerpoint/2010/main" val="3836763878"/>
+      </p:ext>
+    </p:extLst>
+  </p:cSld>
+  <p:clrMapOvr>
+    <a:masterClrMapping/>
+  </p:clrMapOvr>
+  <p:timing>
+    <p:tnLst>
+      <p:par>
+        <p:cTn id="1" dur="indefinite" restart="never" nodeType="tmRoot"/>
+      </p:par>
+    </p:tnLst>
+  </p:timing>
+</p:sld>
+</file>
+
+<file path=ppt/slides/slide23.xml><?xml version="1.0" encoding="utf-8"?>
+<p:sld xmlns:a="http://schemas.openxmlformats.org/drawingml/2006/main" xmlns:r="http://schemas.openxmlformats.org/officeDocument/2006/relationships" xmlns:p="http://schemas.openxmlformats.org/presentationml/2006/main">
+  <p:cSld>
+    <p:spTree>
+      <p:nvGrpSpPr>
+        <p:cNvPr id="1" name=""/>
+        <p:cNvGrpSpPr/>
+        <p:nvPr/>
+      </p:nvGrpSpPr>
+      <p:grpSpPr>
+        <a:xfrm>
+          <a:off x="0" y="0"/>
+          <a:ext cx="0" cy="0"/>
+          <a:chOff x="0" y="0"/>
+          <a:chExt cx="0" cy="0"/>
+        </a:xfrm>
+      </p:grpSpPr>
+      <p:pic>
+        <p:nvPicPr>
+          <p:cNvPr id="4" name="Imagen 3"/>
+          <p:cNvPicPr>
+            <a:picLocks noChangeAspect="1"/>
+          </p:cNvPicPr>
+          <p:nvPr/>
+        </p:nvPicPr>
+        <p:blipFill>
+          <a:blip r:embed="rId2" cstate="print">
+            <a:extLst>
+              <a:ext uri="{BEBA8EAE-BF5A-486C-A8C5-ECC9F3942E4B}">
+                <a14:imgProps xmlns:a14="http://schemas.microsoft.com/office/drawing/2010/main">
+                  <a14:imgLayer r:embed="rId3">
+                    <a14:imgEffect>
+                      <a14:brightnessContrast bright="-8000"/>
+                    </a14:imgEffect>
+                  </a14:imgLayer>
+                </a14:imgProps>
+              </a:ext>
+              <a:ext uri="{28A0092B-C50C-407E-A947-70E740481C1C}">
+                <a14:useLocalDpi xmlns:a14="http://schemas.microsoft.com/office/drawing/2010/main" val="0"/>
+              </a:ext>
+            </a:extLst>
+          </a:blip>
+          <a:stretch>
+            <a:fillRect/>
+          </a:stretch>
+        </p:blipFill>
+        <p:spPr>
+          <a:xfrm>
+            <a:off x="0" y="0"/>
+            <a:ext cx="12189533" cy="6858000"/>
+          </a:xfrm>
+          <a:prstGeom prst="rect">
+            <a:avLst/>
+          </a:prstGeom>
+        </p:spPr>
+      </p:pic>
+      <p:sp>
+        <p:nvSpPr>
+          <p:cNvPr id="2" name="Título 1"/>
+          <p:cNvSpPr>
+            <a:spLocks noGrp="1"/>
+          </p:cNvSpPr>
+          <p:nvPr>
+            <p:ph type="ctrTitle"/>
+          </p:nvPr>
+        </p:nvSpPr>
+        <p:spPr>
+          <a:xfrm>
+            <a:off x="1524000" y="1952898"/>
+            <a:ext cx="9144000" cy="1263152"/>
+          </a:xfrm>
+        </p:spPr>
+        <p:txBody>
+          <a:bodyPr>
+            <a:normAutofit fontScale="90000"/>
+          </a:bodyPr>
+          <a:lstStyle/>
+          <a:p>
+            <a:r>
+              <a:rPr lang="es-ES" sz="4900" dirty="0">
+                <a:latin typeface="Poppins Black" panose="00000A00000000000000" pitchFamily="2" charset="0"/>
+                <a:cs typeface="Poppins Black" panose="00000A00000000000000" pitchFamily="2" charset="0"/>
+              </a:rPr>
+              <a:t>ESPERO DUGU GUSTATU IZANA</a:t>
+            </a:r>
+            <a:endParaRPr lang="es-ES" sz="7200" dirty="0">
+              <a:latin typeface="Poppins Black" panose="00000A00000000000000" pitchFamily="2" charset="0"/>
+              <a:cs typeface="Poppins Black" panose="00000A00000000000000" pitchFamily="2" charset="0"/>
+            </a:endParaRPr>
+          </a:p>
+        </p:txBody>
+      </p:sp>
+      <p:sp>
+        <p:nvSpPr>
+          <p:cNvPr id="5" name="Título 1"/>
+          <p:cNvSpPr txBox="1">
+            <a:spLocks/>
+          </p:cNvSpPr>
+          <p:nvPr/>
+        </p:nvSpPr>
+        <p:spPr>
+          <a:xfrm>
+            <a:off x="1676400" y="1952898"/>
+            <a:ext cx="9144000" cy="1415552"/>
+          </a:xfrm>
+          <a:prstGeom prst="rect">
+            <a:avLst/>
+          </a:prstGeom>
+        </p:spPr>
+        <p:txBody>
+          <a:bodyPr vert="horz" lIns="91440" tIns="45720" rIns="91440" bIns="45720" rtlCol="0" anchor="b">
+            <a:normAutofit/>
+          </a:bodyPr>
+          <a:lstStyle>
+            <a:lvl1pPr algn="ctr" defTabSz="914400" rtl="0" eaLnBrk="1" latinLnBrk="0" hangingPunct="1">
+              <a:lnSpc>
+                <a:spcPct val="90000"/>
+              </a:lnSpc>
+              <a:spcBef>
+                <a:spcPct val="0"/>
+              </a:spcBef>
+              <a:buNone/>
+              <a:defRPr sz="6000" kern="1200">
+                <a:solidFill>
+                  <a:schemeClr val="tx1"/>
+                </a:solidFill>
+                <a:latin typeface="+mj-lt"/>
+                <a:ea typeface="+mj-ea"/>
+                <a:cs typeface="+mj-cs"/>
+              </a:defRPr>
+            </a:lvl1pPr>
+          </a:lstStyle>
+          <a:p>
+            <a:r>
+              <a:rPr lang="es-ES" sz="4400" dirty="0">
+                <a:solidFill>
+                  <a:schemeClr val="accent5">
+                    <a:lumMod val="40000"/>
+                    <a:lumOff val="60000"/>
+                  </a:schemeClr>
+                </a:solidFill>
+                <a:latin typeface="Poppins Black" panose="00000A00000000000000" pitchFamily="2" charset="0"/>
+                <a:cs typeface="Poppins Black" panose="00000A00000000000000" pitchFamily="2" charset="0"/>
+              </a:rPr>
+              <a:t>ESPERO DUGU GUSTATU IZANA</a:t>
+            </a:r>
+          </a:p>
+        </p:txBody>
+      </p:sp>
+      <p:pic>
+        <p:nvPicPr>
+          <p:cNvPr id="7" name="Imagen 6"/>
+          <p:cNvPicPr>
+            <a:picLocks noChangeAspect="1"/>
+          </p:cNvPicPr>
+          <p:nvPr/>
+        </p:nvPicPr>
+        <p:blipFill rotWithShape="1">
+          <a:blip r:embed="rId4">
+            <a:extLst>
+              <a:ext uri="{28A0092B-C50C-407E-A947-70E740481C1C}">
+                <a14:useLocalDpi xmlns:a14="http://schemas.microsoft.com/office/drawing/2010/main" val="0"/>
+              </a:ext>
+            </a:extLst>
+          </a:blip>
+          <a:srcRect l="6820" r="7509"/>
+          <a:stretch/>
+        </p:blipFill>
+        <p:spPr>
+          <a:xfrm>
+            <a:off x="1723062" y="3341610"/>
+            <a:ext cx="8743405" cy="87390"/>
+          </a:xfrm>
+          <a:prstGeom prst="rect">
+            <a:avLst/>
+          </a:prstGeom>
+        </p:spPr>
+      </p:pic>
+      <p:sp>
+        <p:nvSpPr>
+          <p:cNvPr id="6" name="Subtítulo 2">
+            <a:extLst>
+              <a:ext uri="{FF2B5EF4-FFF2-40B4-BE49-F238E27FC236}">
+                <a16:creationId xmlns:a16="http://schemas.microsoft.com/office/drawing/2014/main" id="{E2BFDC72-68FB-3F8C-43D2-CA93C205D2F6}"/>
+              </a:ext>
+            </a:extLst>
+          </p:cNvPr>
+          <p:cNvSpPr>
+            <a:spLocks noGrp="1"/>
+          </p:cNvSpPr>
+          <p:nvPr>
+            <p:ph type="subTitle" idx="1"/>
+          </p:nvPr>
+        </p:nvSpPr>
+        <p:spPr>
+          <a:xfrm>
+            <a:off x="1524000" y="3602038"/>
+            <a:ext cx="9144000" cy="1655762"/>
+          </a:xfrm>
+        </p:spPr>
+        <p:txBody>
+          <a:bodyPr>
+            <a:normAutofit/>
+          </a:bodyPr>
+          <a:lstStyle/>
+          <a:p>
+            <a:r>
+              <a:rPr lang="es-ES" sz="2000" dirty="0">
+                <a:solidFill>
+                  <a:schemeClr val="accent5">
+                    <a:lumMod val="20000"/>
+                    <a:lumOff val="80000"/>
+                  </a:schemeClr>
+                </a:solidFill>
+                <a:latin typeface="Poppins" panose="00000500000000000000" pitchFamily="2" charset="0"/>
+                <a:cs typeface="Poppins" panose="00000500000000000000" pitchFamily="2" charset="0"/>
+              </a:rPr>
+              <a:t>Galdera edo zalantzarik?</a:t>
+            </a:r>
+          </a:p>
+        </p:txBody>
+      </p:sp>
+    </p:spTree>
+    <p:extLst>
+      <p:ext uri="{BB962C8B-B14F-4D97-AF65-F5344CB8AC3E}">
+        <p14:creationId xmlns:p14="http://schemas.microsoft.com/office/powerpoint/2010/main" val="2240578001"/>
+      </p:ext>
+    </p:extLst>
+  </p:cSld>
+  <p:clrMapOvr>
+    <a:masterClrMapping/>
+  </p:clrMapOvr>
+  <p:timing>
+    <p:tnLst>
+      <p:par>
+        <p:cTn id="1" dur="indefinite" restart="never" nodeType="tmRoot"/>
+      </p:par>
+    </p:tnLst>
+  </p:timing>
 </p:sld>
 </file>
 
@@ -6840,6 +10646,13 @@
   <p:clrMapOvr>
     <a:masterClrMapping/>
   </p:clrMapOvr>
+  <p:timing>
+    <p:tnLst>
+      <p:par>
+        <p:cTn id="1" dur="indefinite" restart="never" nodeType="tmRoot"/>
+      </p:par>
+    </p:tnLst>
+  </p:timing>
 </p:sld>
 </file>
 
@@ -7041,6 +10854,13 @@
   <p:clrMapOvr>
     <a:masterClrMapping/>
   </p:clrMapOvr>
+  <p:timing>
+    <p:tnLst>
+      <p:par>
+        <p:cTn id="1" dur="indefinite" restart="never" nodeType="tmRoot"/>
+      </p:par>
+    </p:tnLst>
+  </p:timing>
 </p:sld>
 </file>
 
@@ -7213,6 +11033,13 @@
   <p:clrMapOvr>
     <a:masterClrMapping/>
   </p:clrMapOvr>
+  <p:timing>
+    <p:tnLst>
+      <p:par>
+        <p:cTn id="1" dur="indefinite" restart="never" nodeType="tmRoot"/>
+      </p:par>
+    </p:tnLst>
+  </p:timing>
 </p:sld>
 </file>
 
@@ -7403,7 +11230,7 @@
                 <a:hlinkClick r:id="rId3">
                   <a:extLst>
                     <a:ext uri="{A12FA001-AC4F-418D-AE19-62706E023703}">
-                      <ahyp:hlinkClr xmlns:ahyp="http://schemas.microsoft.com/office/drawing/2018/hyperlinkcolor" val="tx"/>
+                      <ahyp:hlinkClr xmlns:ahyp="http://schemas.microsoft.com/office/drawing/2018/hyperlinkcolor" xmlns="" val="tx"/>
                     </a:ext>
                   </a:extLst>
                 </a:hlinkClick>
@@ -7895,7 +11722,7 @@
                 <a:hlinkClick r:id="rId8">
                   <a:extLst>
                     <a:ext uri="{A12FA001-AC4F-418D-AE19-62706E023703}">
-                      <ahyp:hlinkClr xmlns:ahyp="http://schemas.microsoft.com/office/drawing/2018/hyperlinkcolor" val="tx"/>
+                      <ahyp:hlinkClr xmlns:ahyp="http://schemas.microsoft.com/office/drawing/2018/hyperlinkcolor" xmlns="" val="tx"/>
                     </a:ext>
                   </a:extLst>
                 </a:hlinkClick>
@@ -8012,6 +11839,13 @@
   <p:clrMapOvr>
     <a:masterClrMapping/>
   </p:clrMapOvr>
+  <p:timing>
+    <p:tnLst>
+      <p:par>
+        <p:cTn id="1" dur="indefinite" restart="never" nodeType="tmRoot"/>
+      </p:par>
+    </p:tnLst>
+  </p:timing>
 </p:sld>
 </file>
 
@@ -8582,6 +12416,13 @@
   <p:clrMapOvr>
     <a:masterClrMapping/>
   </p:clrMapOvr>
+  <p:timing>
+    <p:tnLst>
+      <p:par>
+        <p:cTn id="1" dur="indefinite" restart="never" nodeType="tmRoot"/>
+      </p:par>
+    </p:tnLst>
+  </p:timing>
 </p:sld>
 </file>
 
@@ -9277,6 +13118,13 @@
   <p:clrMapOvr>
     <a:masterClrMapping/>
   </p:clrMapOvr>
+  <p:timing>
+    <p:tnLst>
+      <p:par>
+        <p:cTn id="1" dur="indefinite" restart="never" nodeType="tmRoot"/>
+      </p:par>
+    </p:tnLst>
+  </p:timing>
 </p:sld>
 </file>
 
@@ -9434,7 +13282,7 @@
                 <a:hlinkClick r:id="rId4">
                   <a:extLst>
                     <a:ext uri="{A12FA001-AC4F-418D-AE19-62706E023703}">
-                      <ahyp:hlinkClr xmlns:ahyp="http://schemas.microsoft.com/office/drawing/2018/hyperlinkcolor" val="tx"/>
+                      <ahyp:hlinkClr xmlns:ahyp="http://schemas.microsoft.com/office/drawing/2018/hyperlinkcolor" xmlns="" val="tx"/>
                     </a:ext>
                   </a:extLst>
                 </a:hlinkClick>

--- a/10- Aukezpena/TSB ENPRESA.pptx
+++ b/10- Aukezpena/TSB ENPRESA.pptx
@@ -4411,7 +4411,7 @@
                 <a:hlinkClick r:id="rId4">
                   <a:extLst>
                     <a:ext uri="{A12FA001-AC4F-418D-AE19-62706E023703}">
-                      <ahyp:hlinkClr xmlns:ahyp="http://schemas.microsoft.com/office/drawing/2018/hyperlinkcolor" xmlns="" val="tx"/>
+                      <ahyp:hlinkClr xmlns="" xmlns:ahyp="http://schemas.microsoft.com/office/drawing/2018/hyperlinkcolor" val="tx"/>
                     </a:ext>
                   </a:extLst>
                 </a:hlinkClick>
@@ -7493,7 +7493,7 @@
                 <a:hlinkClick r:id="rId3" action="ppaction://hlinksldjump">
                   <a:extLst>
                     <a:ext uri="{A12FA001-AC4F-418D-AE19-62706E023703}">
-                      <ahyp:hlinkClr xmlns:ahyp="http://schemas.microsoft.com/office/drawing/2018/hyperlinkcolor" xmlns="" val="tx"/>
+                      <ahyp:hlinkClr xmlns="" xmlns:ahyp="http://schemas.microsoft.com/office/drawing/2018/hyperlinkcolor" val="tx"/>
                     </a:ext>
                   </a:extLst>
                 </a:hlinkClick>
@@ -7529,7 +7529,7 @@
                 <a:hlinkClick r:id="rId4" action="ppaction://hlinksldjump">
                   <a:extLst>
                     <a:ext uri="{A12FA001-AC4F-418D-AE19-62706E023703}">
-                      <ahyp:hlinkClr xmlns:ahyp="http://schemas.microsoft.com/office/drawing/2018/hyperlinkcolor" xmlns="" val="tx"/>
+                      <ahyp:hlinkClr xmlns="" xmlns:ahyp="http://schemas.microsoft.com/office/drawing/2018/hyperlinkcolor" val="tx"/>
                     </a:ext>
                   </a:extLst>
                 </a:hlinkClick>
@@ -7565,7 +7565,7 @@
                 <a:hlinkClick r:id="rId5" action="ppaction://hlinksldjump">
                   <a:extLst>
                     <a:ext uri="{A12FA001-AC4F-418D-AE19-62706E023703}">
-                      <ahyp:hlinkClr xmlns:ahyp="http://schemas.microsoft.com/office/drawing/2018/hyperlinkcolor" xmlns="" val="tx"/>
+                      <ahyp:hlinkClr xmlns="" xmlns:ahyp="http://schemas.microsoft.com/office/drawing/2018/hyperlinkcolor" val="tx"/>
                     </a:ext>
                   </a:extLst>
                 </a:hlinkClick>
@@ -7601,7 +7601,7 @@
                 <a:hlinkClick r:id="rId6" action="ppaction://hlinksldjump">
                   <a:extLst>
                     <a:ext uri="{A12FA001-AC4F-418D-AE19-62706E023703}">
-                      <ahyp:hlinkClr xmlns:ahyp="http://schemas.microsoft.com/office/drawing/2018/hyperlinkcolor" xmlns="" val="tx"/>
+                      <ahyp:hlinkClr xmlns="" xmlns:ahyp="http://schemas.microsoft.com/office/drawing/2018/hyperlinkcolor" val="tx"/>
                     </a:ext>
                   </a:extLst>
                 </a:hlinkClick>
@@ -7637,7 +7637,7 @@
                 <a:hlinkClick r:id="rId7" action="ppaction://hlinksldjump">
                   <a:extLst>
                     <a:ext uri="{A12FA001-AC4F-418D-AE19-62706E023703}">
-                      <ahyp:hlinkClr xmlns:ahyp="http://schemas.microsoft.com/office/drawing/2018/hyperlinkcolor" xmlns="" val="tx"/>
+                      <ahyp:hlinkClr xmlns="" xmlns:ahyp="http://schemas.microsoft.com/office/drawing/2018/hyperlinkcolor" val="tx"/>
                     </a:ext>
                   </a:extLst>
                 </a:hlinkClick>
@@ -7673,7 +7673,7 @@
                 <a:hlinkClick r:id="rId8" action="ppaction://hlinksldjump">
                   <a:extLst>
                     <a:ext uri="{A12FA001-AC4F-418D-AE19-62706E023703}">
-                      <ahyp:hlinkClr xmlns:ahyp="http://schemas.microsoft.com/office/drawing/2018/hyperlinkcolor" xmlns="" val="tx"/>
+                      <ahyp:hlinkClr xmlns="" xmlns:ahyp="http://schemas.microsoft.com/office/drawing/2018/hyperlinkcolor" val="tx"/>
                     </a:ext>
                   </a:extLst>
                 </a:hlinkClick>
@@ -7709,7 +7709,7 @@
                 <a:hlinkClick r:id="rId9" action="ppaction://hlinksldjump">
                   <a:extLst>
                     <a:ext uri="{A12FA001-AC4F-418D-AE19-62706E023703}">
-                      <ahyp:hlinkClr xmlns:ahyp="http://schemas.microsoft.com/office/drawing/2018/hyperlinkcolor" xmlns="" val="tx"/>
+                      <ahyp:hlinkClr xmlns="" xmlns:ahyp="http://schemas.microsoft.com/office/drawing/2018/hyperlinkcolor" val="tx"/>
                     </a:ext>
                   </a:extLst>
                 </a:hlinkClick>
@@ -7745,7 +7745,7 @@
                 <a:hlinkClick r:id="rId10" action="ppaction://hlinksldjump">
                   <a:extLst>
                     <a:ext uri="{A12FA001-AC4F-418D-AE19-62706E023703}">
-                      <ahyp:hlinkClr xmlns:ahyp="http://schemas.microsoft.com/office/drawing/2018/hyperlinkcolor" xmlns="" val="tx"/>
+                      <ahyp:hlinkClr xmlns="" xmlns:ahyp="http://schemas.microsoft.com/office/drawing/2018/hyperlinkcolor" val="tx"/>
                     </a:ext>
                   </a:extLst>
                 </a:hlinkClick>
@@ -7781,7 +7781,7 @@
                 <a:hlinkClick r:id="rId11" action="ppaction://hlinksldjump">
                   <a:extLst>
                     <a:ext uri="{A12FA001-AC4F-418D-AE19-62706E023703}">
-                      <ahyp:hlinkClr xmlns:ahyp="http://schemas.microsoft.com/office/drawing/2018/hyperlinkcolor" xmlns="" val="tx"/>
+                      <ahyp:hlinkClr xmlns="" xmlns:ahyp="http://schemas.microsoft.com/office/drawing/2018/hyperlinkcolor" val="tx"/>
                     </a:ext>
                   </a:extLst>
                 </a:hlinkClick>
@@ -7817,7 +7817,7 @@
                 <a:hlinkClick r:id="rId12" action="ppaction://hlinksldjump">
                   <a:extLst>
                     <a:ext uri="{A12FA001-AC4F-418D-AE19-62706E023703}">
-                      <ahyp:hlinkClr xmlns:ahyp="http://schemas.microsoft.com/office/drawing/2018/hyperlinkcolor" xmlns="" val="tx"/>
+                      <ahyp:hlinkClr xmlns="" xmlns:ahyp="http://schemas.microsoft.com/office/drawing/2018/hyperlinkcolor" val="tx"/>
                     </a:ext>
                   </a:extLst>
                 </a:hlinkClick>
@@ -7853,7 +7853,7 @@
                 <a:hlinkClick r:id="rId13" action="ppaction://hlinksldjump">
                   <a:extLst>
                     <a:ext uri="{A12FA001-AC4F-418D-AE19-62706E023703}">
-                      <ahyp:hlinkClr xmlns:ahyp="http://schemas.microsoft.com/office/drawing/2018/hyperlinkcolor" xmlns="" val="tx"/>
+                      <ahyp:hlinkClr xmlns="" xmlns:ahyp="http://schemas.microsoft.com/office/drawing/2018/hyperlinkcolor" val="tx"/>
                     </a:ext>
                   </a:extLst>
                 </a:hlinkClick>
@@ -7889,7 +7889,7 @@
                 <a:hlinkClick r:id="rId14" action="ppaction://hlinksldjump">
                   <a:extLst>
                     <a:ext uri="{A12FA001-AC4F-418D-AE19-62706E023703}">
-                      <ahyp:hlinkClr xmlns:ahyp="http://schemas.microsoft.com/office/drawing/2018/hyperlinkcolor" xmlns="" val="tx"/>
+                      <ahyp:hlinkClr xmlns="" xmlns:ahyp="http://schemas.microsoft.com/office/drawing/2018/hyperlinkcolor" val="tx"/>
                     </a:ext>
                   </a:extLst>
                 </a:hlinkClick>
@@ -7909,7 +7909,7 @@
                 <a:hlinkClick r:id="rId14" action="ppaction://hlinksldjump">
                   <a:extLst>
                     <a:ext uri="{A12FA001-AC4F-418D-AE19-62706E023703}">
-                      <ahyp:hlinkClr xmlns:ahyp="http://schemas.microsoft.com/office/drawing/2018/hyperlinkcolor" xmlns="" val="tx"/>
+                      <ahyp:hlinkClr xmlns="" xmlns:ahyp="http://schemas.microsoft.com/office/drawing/2018/hyperlinkcolor" val="tx"/>
                     </a:ext>
                   </a:extLst>
                 </a:hlinkClick>
@@ -7945,7 +7945,7 @@
                 <a:hlinkClick r:id="rId15" action="ppaction://hlinksldjump">
                   <a:extLst>
                     <a:ext uri="{A12FA001-AC4F-418D-AE19-62706E023703}">
-                      <ahyp:hlinkClr xmlns:ahyp="http://schemas.microsoft.com/office/drawing/2018/hyperlinkcolor" xmlns="" val="tx"/>
+                      <ahyp:hlinkClr xmlns="" xmlns:ahyp="http://schemas.microsoft.com/office/drawing/2018/hyperlinkcolor" val="tx"/>
                     </a:ext>
                   </a:extLst>
                 </a:hlinkClick>
@@ -7965,7 +7965,7 @@
                 <a:hlinkClick r:id="rId15" action="ppaction://hlinksldjump">
                   <a:extLst>
                     <a:ext uri="{A12FA001-AC4F-418D-AE19-62706E023703}">
-                      <ahyp:hlinkClr xmlns:ahyp="http://schemas.microsoft.com/office/drawing/2018/hyperlinkcolor" xmlns="" val="tx"/>
+                      <ahyp:hlinkClr xmlns="" xmlns:ahyp="http://schemas.microsoft.com/office/drawing/2018/hyperlinkcolor" val="tx"/>
                     </a:ext>
                   </a:extLst>
                 </a:hlinkClick>
@@ -9248,14 +9248,6 @@
               </a:rPr>
               <a:t> ez dugu. </a:t>
             </a:r>
-            <a:endParaRPr lang="es-ES" dirty="0" smtClean="0">
-              <a:solidFill>
-                <a:schemeClr val="accent5">
-                  <a:lumMod val="20000"/>
-                  <a:lumOff val="80000"/>
-                </a:schemeClr>
-              </a:solidFill>
-            </a:endParaRPr>
           </a:p>
           <a:p>
             <a:pPr marL="742950" lvl="1" indent="-285750">
@@ -11189,18 +11181,51 @@
                   </a:schemeClr>
                 </a:solidFill>
               </a:rPr>
-              <a:t> eta PostgreSQL-ak </a:t>
-            </a:r>
-            <a:r>
-              <a:rPr lang="es-ES" i="1" dirty="0">
-                <a:solidFill>
-                  <a:schemeClr val="accent5">
-                    <a:lumMod val="20000"/>
-                    <a:lumOff val="80000"/>
-                  </a:schemeClr>
-                </a:solidFill>
-              </a:rPr>
-              <a:t>8070</a:t>
+              <a:t> eta </a:t>
+            </a:r>
+            <a:r>
+              <a:rPr lang="es-ES" dirty="0" err="1">
+                <a:solidFill>
+                  <a:schemeClr val="accent5">
+                    <a:lumMod val="20000"/>
+                    <a:lumOff val="80000"/>
+                  </a:schemeClr>
+                </a:solidFill>
+              </a:rPr>
+              <a:t>PostgreSQL-ak</a:t>
+            </a:r>
+            <a:r>
+              <a:rPr lang="es-ES">
+                <a:solidFill>
+                  <a:schemeClr val="accent5">
+                    <a:lumMod val="20000"/>
+                    <a:lumOff val="80000"/>
+                  </a:schemeClr>
+                </a:solidFill>
+              </a:rPr>
+              <a:t> </a:t>
+            </a:r>
+            <a:r>
+              <a:rPr lang="es-ES" i="1" smtClean="0">
+                <a:solidFill>
+                  <a:schemeClr val="accent5">
+                    <a:lumMod val="20000"/>
+                    <a:lumOff val="80000"/>
+                  </a:schemeClr>
+                </a:solidFill>
+              </a:rPr>
+              <a:t>8068</a:t>
+            </a:r>
+            <a:r>
+              <a:rPr lang="es-ES" smtClean="0">
+                <a:solidFill>
+                  <a:schemeClr val="accent5">
+                    <a:lumMod val="20000"/>
+                    <a:lumOff val="80000"/>
+                  </a:schemeClr>
+                </a:solidFill>
+              </a:rPr>
+              <a:t> </a:t>
             </a:r>
             <a:r>
               <a:rPr lang="es-ES" dirty="0">
@@ -11211,7 +11236,7 @@
                   </a:schemeClr>
                 </a:solidFill>
               </a:rPr>
-              <a:t> portuekin.</a:t>
+              <a:t>portuekin.</a:t>
             </a:r>
           </a:p>
           <a:p>
@@ -11230,7 +11255,7 @@
                 <a:hlinkClick r:id="rId3">
                   <a:extLst>
                     <a:ext uri="{A12FA001-AC4F-418D-AE19-62706E023703}">
-                      <ahyp:hlinkClr xmlns:ahyp="http://schemas.microsoft.com/office/drawing/2018/hyperlinkcolor" xmlns="" val="tx"/>
+                      <ahyp:hlinkClr xmlns="" xmlns:ahyp="http://schemas.microsoft.com/office/drawing/2018/hyperlinkcolor" val="tx"/>
                     </a:ext>
                   </a:extLst>
                 </a:hlinkClick>
@@ -11722,7 +11747,7 @@
                 <a:hlinkClick r:id="rId8">
                   <a:extLst>
                     <a:ext uri="{A12FA001-AC4F-418D-AE19-62706E023703}">
-                      <ahyp:hlinkClr xmlns:ahyp="http://schemas.microsoft.com/office/drawing/2018/hyperlinkcolor" xmlns="" val="tx"/>
+                      <ahyp:hlinkClr xmlns="" xmlns:ahyp="http://schemas.microsoft.com/office/drawing/2018/hyperlinkcolor" val="tx"/>
                     </a:ext>
                   </a:extLst>
                 </a:hlinkClick>
@@ -13282,7 +13307,7 @@
                 <a:hlinkClick r:id="rId4">
                   <a:extLst>
                     <a:ext uri="{A12FA001-AC4F-418D-AE19-62706E023703}">
-                      <ahyp:hlinkClr xmlns:ahyp="http://schemas.microsoft.com/office/drawing/2018/hyperlinkcolor" xmlns="" val="tx"/>
+                      <ahyp:hlinkClr xmlns="" xmlns:ahyp="http://schemas.microsoft.com/office/drawing/2018/hyperlinkcolor" val="tx"/>
                     </a:ext>
                   </a:extLst>
                 </a:hlinkClick>

--- a/10- Aukezpena/TSB ENPRESA.pptx
+++ b/10- Aukezpena/TSB ENPRESA.pptx
@@ -4,6 +4,9 @@
   <p:sldMasterIdLst>
     <p:sldMasterId id="2147483648" r:id="rId1"/>
   </p:sldMasterIdLst>
+  <p:notesMasterIdLst>
+    <p:notesMasterId r:id="rId25"/>
+  </p:notesMasterIdLst>
   <p:sldIdLst>
     <p:sldId id="256" r:id="rId2"/>
     <p:sldId id="257" r:id="rId3"/>
@@ -134,6 +137,2275 @@
 </p:presentation>
 </file>
 
+<file path=ppt/authors.xml><?xml version="1.0" encoding="utf-8"?>
+<p188:authorLst xmlns:a="http://schemas.openxmlformats.org/drawingml/2006/main" xmlns:r="http://schemas.openxmlformats.org/officeDocument/2006/relationships" xmlns:p188="http://schemas.microsoft.com/office/powerpoint/2018/8/main">
+  <p188:author id="{90EBC6E4-4918-65D8-ABD1-64793DA0BB40}" name="Ander Ibáñez Míguez" initials="AIM" userId="S::a.ibanezmiguez@ikasle.eus::a5af4657-89d2-4893-ad36-b3a613e32cf2" providerId="AD"/>
+</p188:authorLst>
+</file>
+
+<file path=ppt/notesMasters/notesMaster1.xml><?xml version="1.0" encoding="utf-8"?>
+<p:notesMaster xmlns:a="http://schemas.openxmlformats.org/drawingml/2006/main" xmlns:r="http://schemas.openxmlformats.org/officeDocument/2006/relationships" xmlns:p="http://schemas.openxmlformats.org/presentationml/2006/main">
+  <p:cSld>
+    <p:bg>
+      <p:bgRef idx="1001">
+        <a:schemeClr val="bg1"/>
+      </p:bgRef>
+    </p:bg>
+    <p:spTree>
+      <p:nvGrpSpPr>
+        <p:cNvPr id="1" name=""/>
+        <p:cNvGrpSpPr/>
+        <p:nvPr/>
+      </p:nvGrpSpPr>
+      <p:grpSpPr>
+        <a:xfrm>
+          <a:off x="0" y="0"/>
+          <a:ext cx="0" cy="0"/>
+          <a:chOff x="0" y="0"/>
+          <a:chExt cx="0" cy="0"/>
+        </a:xfrm>
+      </p:grpSpPr>
+      <p:sp>
+        <p:nvSpPr>
+          <p:cNvPr id="2" name="Marcador de encabezado 1"/>
+          <p:cNvSpPr>
+            <a:spLocks noGrp="1"/>
+          </p:cNvSpPr>
+          <p:nvPr>
+            <p:ph type="hdr" sz="quarter"/>
+          </p:nvPr>
+        </p:nvSpPr>
+        <p:spPr>
+          <a:xfrm>
+            <a:off x="0" y="0"/>
+            <a:ext cx="2971800" cy="458788"/>
+          </a:xfrm>
+          <a:prstGeom prst="rect">
+            <a:avLst/>
+          </a:prstGeom>
+        </p:spPr>
+        <p:txBody>
+          <a:bodyPr vert="horz" lIns="91440" tIns="45720" rIns="91440" bIns="45720" rtlCol="0"/>
+          <a:lstStyle>
+            <a:lvl1pPr algn="l">
+              <a:defRPr sz="1200"/>
+            </a:lvl1pPr>
+          </a:lstStyle>
+          <a:p>
+            <a:endParaRPr lang="es-ES" dirty="0"/>
+          </a:p>
+        </p:txBody>
+      </p:sp>
+      <p:sp>
+        <p:nvSpPr>
+          <p:cNvPr id="3" name="Marcador de fecha 2"/>
+          <p:cNvSpPr>
+            <a:spLocks noGrp="1"/>
+          </p:cNvSpPr>
+          <p:nvPr>
+            <p:ph type="dt" idx="1"/>
+          </p:nvPr>
+        </p:nvSpPr>
+        <p:spPr>
+          <a:xfrm>
+            <a:off x="3884613" y="0"/>
+            <a:ext cx="2971800" cy="458788"/>
+          </a:xfrm>
+          <a:prstGeom prst="rect">
+            <a:avLst/>
+          </a:prstGeom>
+        </p:spPr>
+        <p:txBody>
+          <a:bodyPr vert="horz" lIns="91440" tIns="45720" rIns="91440" bIns="45720" rtlCol="0"/>
+          <a:lstStyle>
+            <a:lvl1pPr algn="r">
+              <a:defRPr sz="1200"/>
+            </a:lvl1pPr>
+          </a:lstStyle>
+          <a:p>
+            <a:fld id="{8DE5F682-FE38-4411-9411-F601A842C7FC}" type="datetimeFigureOut">
+              <a:rPr lang="es-ES" smtClean="0"/>
+              <a:t>17/11/2023</a:t>
+            </a:fld>
+            <a:endParaRPr lang="es-ES" dirty="0"/>
+          </a:p>
+        </p:txBody>
+      </p:sp>
+      <p:sp>
+        <p:nvSpPr>
+          <p:cNvPr id="4" name="Marcador de imagen de diapositiva 3"/>
+          <p:cNvSpPr>
+            <a:spLocks noGrp="1" noRot="1" noChangeAspect="1"/>
+          </p:cNvSpPr>
+          <p:nvPr>
+            <p:ph type="sldImg" idx="2"/>
+          </p:nvPr>
+        </p:nvSpPr>
+        <p:spPr>
+          <a:xfrm>
+            <a:off x="685800" y="1143000"/>
+            <a:ext cx="5486400" cy="3086100"/>
+          </a:xfrm>
+          <a:prstGeom prst="rect">
+            <a:avLst/>
+          </a:prstGeom>
+          <a:noFill/>
+          <a:ln w="12700">
+            <a:solidFill>
+              <a:prstClr val="black"/>
+            </a:solidFill>
+          </a:ln>
+        </p:spPr>
+        <p:txBody>
+          <a:bodyPr vert="horz" lIns="91440" tIns="45720" rIns="91440" bIns="45720" rtlCol="0" anchor="ctr"/>
+          <a:lstStyle/>
+          <a:p>
+            <a:endParaRPr lang="es-ES" dirty="0"/>
+          </a:p>
+        </p:txBody>
+      </p:sp>
+      <p:sp>
+        <p:nvSpPr>
+          <p:cNvPr id="5" name="Marcador de notas 4"/>
+          <p:cNvSpPr>
+            <a:spLocks noGrp="1"/>
+          </p:cNvSpPr>
+          <p:nvPr>
+            <p:ph type="body" sz="quarter" idx="3"/>
+          </p:nvPr>
+        </p:nvSpPr>
+        <p:spPr>
+          <a:xfrm>
+            <a:off x="685800" y="4400550"/>
+            <a:ext cx="5486400" cy="3600450"/>
+          </a:xfrm>
+          <a:prstGeom prst="rect">
+            <a:avLst/>
+          </a:prstGeom>
+        </p:spPr>
+        <p:txBody>
+          <a:bodyPr vert="horz" lIns="91440" tIns="45720" rIns="91440" bIns="45720" rtlCol="0"/>
+          <a:lstStyle/>
+          <a:p>
+            <a:pPr lvl="0"/>
+            <a:r>
+              <a:rPr lang="es-ES"/>
+              <a:t>Haga clic para modificar los estilos de texto del patrón</a:t>
+            </a:r>
+          </a:p>
+          <a:p>
+            <a:pPr lvl="1"/>
+            <a:r>
+              <a:rPr lang="es-ES"/>
+              <a:t>Segundo nivel</a:t>
+            </a:r>
+          </a:p>
+          <a:p>
+            <a:pPr lvl="2"/>
+            <a:r>
+              <a:rPr lang="es-ES"/>
+              <a:t>Tercer nivel</a:t>
+            </a:r>
+          </a:p>
+          <a:p>
+            <a:pPr lvl="3"/>
+            <a:r>
+              <a:rPr lang="es-ES"/>
+              <a:t>Cuarto nivel</a:t>
+            </a:r>
+          </a:p>
+          <a:p>
+            <a:pPr lvl="4"/>
+            <a:r>
+              <a:rPr lang="es-ES"/>
+              <a:t>Quinto nivel</a:t>
+            </a:r>
+          </a:p>
+        </p:txBody>
+      </p:sp>
+      <p:sp>
+        <p:nvSpPr>
+          <p:cNvPr id="6" name="Marcador de pie de página 5"/>
+          <p:cNvSpPr>
+            <a:spLocks noGrp="1"/>
+          </p:cNvSpPr>
+          <p:nvPr>
+            <p:ph type="ftr" sz="quarter" idx="4"/>
+          </p:nvPr>
+        </p:nvSpPr>
+        <p:spPr>
+          <a:xfrm>
+            <a:off x="0" y="8685213"/>
+            <a:ext cx="2971800" cy="458787"/>
+          </a:xfrm>
+          <a:prstGeom prst="rect">
+            <a:avLst/>
+          </a:prstGeom>
+        </p:spPr>
+        <p:txBody>
+          <a:bodyPr vert="horz" lIns="91440" tIns="45720" rIns="91440" bIns="45720" rtlCol="0" anchor="b"/>
+          <a:lstStyle>
+            <a:lvl1pPr algn="l">
+              <a:defRPr sz="1200"/>
+            </a:lvl1pPr>
+          </a:lstStyle>
+          <a:p>
+            <a:endParaRPr lang="es-ES" dirty="0"/>
+          </a:p>
+        </p:txBody>
+      </p:sp>
+      <p:sp>
+        <p:nvSpPr>
+          <p:cNvPr id="7" name="Marcador de número de diapositiva 6"/>
+          <p:cNvSpPr>
+            <a:spLocks noGrp="1"/>
+          </p:cNvSpPr>
+          <p:nvPr>
+            <p:ph type="sldNum" sz="quarter" idx="5"/>
+          </p:nvPr>
+        </p:nvSpPr>
+        <p:spPr>
+          <a:xfrm>
+            <a:off x="3884613" y="8685213"/>
+            <a:ext cx="2971800" cy="458787"/>
+          </a:xfrm>
+          <a:prstGeom prst="rect">
+            <a:avLst/>
+          </a:prstGeom>
+        </p:spPr>
+        <p:txBody>
+          <a:bodyPr vert="horz" lIns="91440" tIns="45720" rIns="91440" bIns="45720" rtlCol="0" anchor="b"/>
+          <a:lstStyle>
+            <a:lvl1pPr algn="r">
+              <a:defRPr sz="1200"/>
+            </a:lvl1pPr>
+          </a:lstStyle>
+          <a:p>
+            <a:fld id="{9D5549BC-61B0-4C3E-8ADD-4B28CE73CEF6}" type="slidenum">
+              <a:rPr lang="es-ES" smtClean="0"/>
+              <a:t>‹Nº›</a:t>
+            </a:fld>
+            <a:endParaRPr lang="es-ES" dirty="0"/>
+          </a:p>
+        </p:txBody>
+      </p:sp>
+    </p:spTree>
+    <p:extLst>
+      <p:ext uri="{BB962C8B-B14F-4D97-AF65-F5344CB8AC3E}">
+        <p14:creationId xmlns:p14="http://schemas.microsoft.com/office/powerpoint/2010/main" val="2847424493"/>
+      </p:ext>
+    </p:extLst>
+  </p:cSld>
+  <p:clrMap bg1="lt1" tx1="dk1" bg2="lt2" tx2="dk2" accent1="accent1" accent2="accent2" accent3="accent3" accent4="accent4" accent5="accent5" accent6="accent6" hlink="hlink" folHlink="folHlink"/>
+  <p:notesStyle>
+    <a:lvl1pPr marL="0" algn="l" defTabSz="914400" rtl="0" eaLnBrk="1" latinLnBrk="0" hangingPunct="1">
+      <a:defRPr sz="1200" kern="1200">
+        <a:solidFill>
+          <a:schemeClr val="tx1"/>
+        </a:solidFill>
+        <a:latin typeface="+mn-lt"/>
+        <a:ea typeface="+mn-ea"/>
+        <a:cs typeface="+mn-cs"/>
+      </a:defRPr>
+    </a:lvl1pPr>
+    <a:lvl2pPr marL="457200" algn="l" defTabSz="914400" rtl="0" eaLnBrk="1" latinLnBrk="0" hangingPunct="1">
+      <a:defRPr sz="1200" kern="1200">
+        <a:solidFill>
+          <a:schemeClr val="tx1"/>
+        </a:solidFill>
+        <a:latin typeface="+mn-lt"/>
+        <a:ea typeface="+mn-ea"/>
+        <a:cs typeface="+mn-cs"/>
+      </a:defRPr>
+    </a:lvl2pPr>
+    <a:lvl3pPr marL="914400" algn="l" defTabSz="914400" rtl="0" eaLnBrk="1" latinLnBrk="0" hangingPunct="1">
+      <a:defRPr sz="1200" kern="1200">
+        <a:solidFill>
+          <a:schemeClr val="tx1"/>
+        </a:solidFill>
+        <a:latin typeface="+mn-lt"/>
+        <a:ea typeface="+mn-ea"/>
+        <a:cs typeface="+mn-cs"/>
+      </a:defRPr>
+    </a:lvl3pPr>
+    <a:lvl4pPr marL="1371600" algn="l" defTabSz="914400" rtl="0" eaLnBrk="1" latinLnBrk="0" hangingPunct="1">
+      <a:defRPr sz="1200" kern="1200">
+        <a:solidFill>
+          <a:schemeClr val="tx1"/>
+        </a:solidFill>
+        <a:latin typeface="+mn-lt"/>
+        <a:ea typeface="+mn-ea"/>
+        <a:cs typeface="+mn-cs"/>
+      </a:defRPr>
+    </a:lvl4pPr>
+    <a:lvl5pPr marL="1828800" algn="l" defTabSz="914400" rtl="0" eaLnBrk="1" latinLnBrk="0" hangingPunct="1">
+      <a:defRPr sz="1200" kern="1200">
+        <a:solidFill>
+          <a:schemeClr val="tx1"/>
+        </a:solidFill>
+        <a:latin typeface="+mn-lt"/>
+        <a:ea typeface="+mn-ea"/>
+        <a:cs typeface="+mn-cs"/>
+      </a:defRPr>
+    </a:lvl5pPr>
+    <a:lvl6pPr marL="2286000" algn="l" defTabSz="914400" rtl="0" eaLnBrk="1" latinLnBrk="0" hangingPunct="1">
+      <a:defRPr sz="1200" kern="1200">
+        <a:solidFill>
+          <a:schemeClr val="tx1"/>
+        </a:solidFill>
+        <a:latin typeface="+mn-lt"/>
+        <a:ea typeface="+mn-ea"/>
+        <a:cs typeface="+mn-cs"/>
+      </a:defRPr>
+    </a:lvl6pPr>
+    <a:lvl7pPr marL="2743200" algn="l" defTabSz="914400" rtl="0" eaLnBrk="1" latinLnBrk="0" hangingPunct="1">
+      <a:defRPr sz="1200" kern="1200">
+        <a:solidFill>
+          <a:schemeClr val="tx1"/>
+        </a:solidFill>
+        <a:latin typeface="+mn-lt"/>
+        <a:ea typeface="+mn-ea"/>
+        <a:cs typeface="+mn-cs"/>
+      </a:defRPr>
+    </a:lvl7pPr>
+    <a:lvl8pPr marL="3200400" algn="l" defTabSz="914400" rtl="0" eaLnBrk="1" latinLnBrk="0" hangingPunct="1">
+      <a:defRPr sz="1200" kern="1200">
+        <a:solidFill>
+          <a:schemeClr val="tx1"/>
+        </a:solidFill>
+        <a:latin typeface="+mn-lt"/>
+        <a:ea typeface="+mn-ea"/>
+        <a:cs typeface="+mn-cs"/>
+      </a:defRPr>
+    </a:lvl8pPr>
+    <a:lvl9pPr marL="3657600" algn="l" defTabSz="914400" rtl="0" eaLnBrk="1" latinLnBrk="0" hangingPunct="1">
+      <a:defRPr sz="1200" kern="1200">
+        <a:solidFill>
+          <a:schemeClr val="tx1"/>
+        </a:solidFill>
+        <a:latin typeface="+mn-lt"/>
+        <a:ea typeface="+mn-ea"/>
+        <a:cs typeface="+mn-cs"/>
+      </a:defRPr>
+    </a:lvl9pPr>
+  </p:notesStyle>
+</p:notesMaster>
+</file>
+
+<file path=ppt/notesSlides/notesSlide1.xml><?xml version="1.0" encoding="utf-8"?>
+<p:notes xmlns:a="http://schemas.openxmlformats.org/drawingml/2006/main" xmlns:r="http://schemas.openxmlformats.org/officeDocument/2006/relationships" xmlns:p="http://schemas.openxmlformats.org/presentationml/2006/main">
+  <p:cSld>
+    <p:spTree>
+      <p:nvGrpSpPr>
+        <p:cNvPr id="1" name=""/>
+        <p:cNvGrpSpPr/>
+        <p:nvPr/>
+      </p:nvGrpSpPr>
+      <p:grpSpPr>
+        <a:xfrm>
+          <a:off x="0" y="0"/>
+          <a:ext cx="0" cy="0"/>
+          <a:chOff x="0" y="0"/>
+          <a:chExt cx="0" cy="0"/>
+        </a:xfrm>
+      </p:grpSpPr>
+      <p:sp>
+        <p:nvSpPr>
+          <p:cNvPr id="2" name="Marcador de imagen de diapositiva 1"/>
+          <p:cNvSpPr>
+            <a:spLocks noGrp="1" noRot="1" noChangeAspect="1"/>
+          </p:cNvSpPr>
+          <p:nvPr>
+            <p:ph type="sldImg"/>
+          </p:nvPr>
+        </p:nvSpPr>
+        <p:spPr/>
+      </p:sp>
+      <p:sp>
+        <p:nvSpPr>
+          <p:cNvPr id="3" name="Marcador de notas 2"/>
+          <p:cNvSpPr>
+            <a:spLocks noGrp="1"/>
+          </p:cNvSpPr>
+          <p:nvPr>
+            <p:ph type="body" idx="1"/>
+          </p:nvPr>
+        </p:nvSpPr>
+        <p:spPr/>
+        <p:txBody>
+          <a:bodyPr/>
+          <a:lstStyle/>
+          <a:p>
+            <a:r>
+              <a:rPr lang="es-ES" dirty="0"/>
+              <a:t>CHAMORRO</a:t>
+            </a:r>
+          </a:p>
+        </p:txBody>
+      </p:sp>
+      <p:sp>
+        <p:nvSpPr>
+          <p:cNvPr id="4" name="Marcador de número de diapositiva 3"/>
+          <p:cNvSpPr>
+            <a:spLocks noGrp="1"/>
+          </p:cNvSpPr>
+          <p:nvPr>
+            <p:ph type="sldNum" sz="quarter" idx="5"/>
+          </p:nvPr>
+        </p:nvSpPr>
+        <p:spPr/>
+        <p:txBody>
+          <a:bodyPr/>
+          <a:lstStyle/>
+          <a:p>
+            <a:fld id="{9D5549BC-61B0-4C3E-8ADD-4B28CE73CEF6}" type="slidenum">
+              <a:rPr lang="es-ES" smtClean="0"/>
+              <a:t>1</a:t>
+            </a:fld>
+            <a:endParaRPr lang="es-ES" dirty="0"/>
+          </a:p>
+        </p:txBody>
+      </p:sp>
+    </p:spTree>
+    <p:extLst>
+      <p:ext uri="{BB962C8B-B14F-4D97-AF65-F5344CB8AC3E}">
+        <p14:creationId xmlns:p14="http://schemas.microsoft.com/office/powerpoint/2010/main" val="3632299346"/>
+      </p:ext>
+    </p:extLst>
+  </p:cSld>
+  <p:clrMapOvr>
+    <a:masterClrMapping/>
+  </p:clrMapOvr>
+</p:notes>
+</file>
+
+<file path=ppt/notesSlides/notesSlide10.xml><?xml version="1.0" encoding="utf-8"?>
+<p:notes xmlns:a="http://schemas.openxmlformats.org/drawingml/2006/main" xmlns:r="http://schemas.openxmlformats.org/officeDocument/2006/relationships" xmlns:p="http://schemas.openxmlformats.org/presentationml/2006/main">
+  <p:cSld>
+    <p:spTree>
+      <p:nvGrpSpPr>
+        <p:cNvPr id="1" name=""/>
+        <p:cNvGrpSpPr/>
+        <p:nvPr/>
+      </p:nvGrpSpPr>
+      <p:grpSpPr>
+        <a:xfrm>
+          <a:off x="0" y="0"/>
+          <a:ext cx="0" cy="0"/>
+          <a:chOff x="0" y="0"/>
+          <a:chExt cx="0" cy="0"/>
+        </a:xfrm>
+      </p:grpSpPr>
+      <p:sp>
+        <p:nvSpPr>
+          <p:cNvPr id="2" name="Marcador de imagen de diapositiva 1"/>
+          <p:cNvSpPr>
+            <a:spLocks noGrp="1" noRot="1" noChangeAspect="1"/>
+          </p:cNvSpPr>
+          <p:nvPr>
+            <p:ph type="sldImg"/>
+          </p:nvPr>
+        </p:nvSpPr>
+        <p:spPr/>
+      </p:sp>
+      <p:sp>
+        <p:nvSpPr>
+          <p:cNvPr id="3" name="Marcador de notas 2"/>
+          <p:cNvSpPr>
+            <a:spLocks noGrp="1"/>
+          </p:cNvSpPr>
+          <p:nvPr>
+            <p:ph type="body" idx="1"/>
+          </p:nvPr>
+        </p:nvSpPr>
+        <p:spPr/>
+        <p:txBody>
+          <a:bodyPr/>
+          <a:lstStyle/>
+          <a:p>
+            <a:r>
+              <a:rPr lang="es-ES" dirty="0"/>
+              <a:t>CHAMORRO</a:t>
+            </a:r>
+          </a:p>
+        </p:txBody>
+      </p:sp>
+      <p:sp>
+        <p:nvSpPr>
+          <p:cNvPr id="4" name="Marcador de número de diapositiva 3"/>
+          <p:cNvSpPr>
+            <a:spLocks noGrp="1"/>
+          </p:cNvSpPr>
+          <p:nvPr>
+            <p:ph type="sldNum" sz="quarter" idx="5"/>
+          </p:nvPr>
+        </p:nvSpPr>
+        <p:spPr/>
+        <p:txBody>
+          <a:bodyPr/>
+          <a:lstStyle/>
+          <a:p>
+            <a:fld id="{9D5549BC-61B0-4C3E-8ADD-4B28CE73CEF6}" type="slidenum">
+              <a:rPr lang="es-ES" smtClean="0"/>
+              <a:t>10</a:t>
+            </a:fld>
+            <a:endParaRPr lang="es-ES" dirty="0"/>
+          </a:p>
+        </p:txBody>
+      </p:sp>
+    </p:spTree>
+    <p:extLst>
+      <p:ext uri="{BB962C8B-B14F-4D97-AF65-F5344CB8AC3E}">
+        <p14:creationId xmlns:p14="http://schemas.microsoft.com/office/powerpoint/2010/main" val="3709955887"/>
+      </p:ext>
+    </p:extLst>
+  </p:cSld>
+  <p:clrMapOvr>
+    <a:masterClrMapping/>
+  </p:clrMapOvr>
+</p:notes>
+</file>
+
+<file path=ppt/notesSlides/notesSlide11.xml><?xml version="1.0" encoding="utf-8"?>
+<p:notes xmlns:a="http://schemas.openxmlformats.org/drawingml/2006/main" xmlns:r="http://schemas.openxmlformats.org/officeDocument/2006/relationships" xmlns:p="http://schemas.openxmlformats.org/presentationml/2006/main">
+  <p:cSld>
+    <p:spTree>
+      <p:nvGrpSpPr>
+        <p:cNvPr id="1" name=""/>
+        <p:cNvGrpSpPr/>
+        <p:nvPr/>
+      </p:nvGrpSpPr>
+      <p:grpSpPr>
+        <a:xfrm>
+          <a:off x="0" y="0"/>
+          <a:ext cx="0" cy="0"/>
+          <a:chOff x="0" y="0"/>
+          <a:chExt cx="0" cy="0"/>
+        </a:xfrm>
+      </p:grpSpPr>
+      <p:sp>
+        <p:nvSpPr>
+          <p:cNvPr id="2" name="Marcador de imagen de diapositiva 1"/>
+          <p:cNvSpPr>
+            <a:spLocks noGrp="1" noRot="1" noChangeAspect="1"/>
+          </p:cNvSpPr>
+          <p:nvPr>
+            <p:ph type="sldImg"/>
+          </p:nvPr>
+        </p:nvSpPr>
+        <p:spPr/>
+      </p:sp>
+      <p:sp>
+        <p:nvSpPr>
+          <p:cNvPr id="3" name="Marcador de notas 2"/>
+          <p:cNvSpPr>
+            <a:spLocks noGrp="1"/>
+          </p:cNvSpPr>
+          <p:nvPr>
+            <p:ph type="body" idx="1"/>
+          </p:nvPr>
+        </p:nvSpPr>
+        <p:spPr/>
+        <p:txBody>
+          <a:bodyPr/>
+          <a:lstStyle/>
+          <a:p>
+            <a:r>
+              <a:rPr lang="es-ES" dirty="0"/>
+              <a:t>IBAÑEZ</a:t>
+            </a:r>
+          </a:p>
+        </p:txBody>
+      </p:sp>
+      <p:sp>
+        <p:nvSpPr>
+          <p:cNvPr id="4" name="Marcador de número de diapositiva 3"/>
+          <p:cNvSpPr>
+            <a:spLocks noGrp="1"/>
+          </p:cNvSpPr>
+          <p:nvPr>
+            <p:ph type="sldNum" sz="quarter" idx="5"/>
+          </p:nvPr>
+        </p:nvSpPr>
+        <p:spPr/>
+        <p:txBody>
+          <a:bodyPr/>
+          <a:lstStyle/>
+          <a:p>
+            <a:fld id="{9D5549BC-61B0-4C3E-8ADD-4B28CE73CEF6}" type="slidenum">
+              <a:rPr lang="es-ES" smtClean="0"/>
+              <a:t>11</a:t>
+            </a:fld>
+            <a:endParaRPr lang="es-ES" dirty="0"/>
+          </a:p>
+        </p:txBody>
+      </p:sp>
+    </p:spTree>
+    <p:extLst>
+      <p:ext uri="{BB962C8B-B14F-4D97-AF65-F5344CB8AC3E}">
+        <p14:creationId xmlns:p14="http://schemas.microsoft.com/office/powerpoint/2010/main" val="4288420493"/>
+      </p:ext>
+    </p:extLst>
+  </p:cSld>
+  <p:clrMapOvr>
+    <a:masterClrMapping/>
+  </p:clrMapOvr>
+</p:notes>
+</file>
+
+<file path=ppt/notesSlides/notesSlide12.xml><?xml version="1.0" encoding="utf-8"?>
+<p:notes xmlns:a="http://schemas.openxmlformats.org/drawingml/2006/main" xmlns:r="http://schemas.openxmlformats.org/officeDocument/2006/relationships" xmlns:p="http://schemas.openxmlformats.org/presentationml/2006/main">
+  <p:cSld>
+    <p:spTree>
+      <p:nvGrpSpPr>
+        <p:cNvPr id="1" name=""/>
+        <p:cNvGrpSpPr/>
+        <p:nvPr/>
+      </p:nvGrpSpPr>
+      <p:grpSpPr>
+        <a:xfrm>
+          <a:off x="0" y="0"/>
+          <a:ext cx="0" cy="0"/>
+          <a:chOff x="0" y="0"/>
+          <a:chExt cx="0" cy="0"/>
+        </a:xfrm>
+      </p:grpSpPr>
+      <p:sp>
+        <p:nvSpPr>
+          <p:cNvPr id="2" name="Marcador de imagen de diapositiva 1"/>
+          <p:cNvSpPr>
+            <a:spLocks noGrp="1" noRot="1" noChangeAspect="1"/>
+          </p:cNvSpPr>
+          <p:nvPr>
+            <p:ph type="sldImg"/>
+          </p:nvPr>
+        </p:nvSpPr>
+        <p:spPr/>
+      </p:sp>
+      <p:sp>
+        <p:nvSpPr>
+          <p:cNvPr id="3" name="Marcador de notas 2"/>
+          <p:cNvSpPr>
+            <a:spLocks noGrp="1"/>
+          </p:cNvSpPr>
+          <p:nvPr>
+            <p:ph type="body" idx="1"/>
+          </p:nvPr>
+        </p:nvSpPr>
+        <p:spPr/>
+        <p:txBody>
+          <a:bodyPr/>
+          <a:lstStyle/>
+          <a:p>
+            <a:r>
+              <a:rPr lang="es-ES" dirty="0"/>
+              <a:t>IBAÑEZ</a:t>
+            </a:r>
+          </a:p>
+        </p:txBody>
+      </p:sp>
+      <p:sp>
+        <p:nvSpPr>
+          <p:cNvPr id="4" name="Marcador de número de diapositiva 3"/>
+          <p:cNvSpPr>
+            <a:spLocks noGrp="1"/>
+          </p:cNvSpPr>
+          <p:nvPr>
+            <p:ph type="sldNum" sz="quarter" idx="5"/>
+          </p:nvPr>
+        </p:nvSpPr>
+        <p:spPr/>
+        <p:txBody>
+          <a:bodyPr/>
+          <a:lstStyle/>
+          <a:p>
+            <a:fld id="{9D5549BC-61B0-4C3E-8ADD-4B28CE73CEF6}" type="slidenum">
+              <a:rPr lang="es-ES" smtClean="0"/>
+              <a:t>12</a:t>
+            </a:fld>
+            <a:endParaRPr lang="es-ES" dirty="0"/>
+          </a:p>
+        </p:txBody>
+      </p:sp>
+    </p:spTree>
+    <p:extLst>
+      <p:ext uri="{BB962C8B-B14F-4D97-AF65-F5344CB8AC3E}">
+        <p14:creationId xmlns:p14="http://schemas.microsoft.com/office/powerpoint/2010/main" val="3040855306"/>
+      </p:ext>
+    </p:extLst>
+  </p:cSld>
+  <p:clrMapOvr>
+    <a:masterClrMapping/>
+  </p:clrMapOvr>
+</p:notes>
+</file>
+
+<file path=ppt/notesSlides/notesSlide13.xml><?xml version="1.0" encoding="utf-8"?>
+<p:notes xmlns:a="http://schemas.openxmlformats.org/drawingml/2006/main" xmlns:r="http://schemas.openxmlformats.org/officeDocument/2006/relationships" xmlns:p="http://schemas.openxmlformats.org/presentationml/2006/main">
+  <p:cSld>
+    <p:spTree>
+      <p:nvGrpSpPr>
+        <p:cNvPr id="1" name=""/>
+        <p:cNvGrpSpPr/>
+        <p:nvPr/>
+      </p:nvGrpSpPr>
+      <p:grpSpPr>
+        <a:xfrm>
+          <a:off x="0" y="0"/>
+          <a:ext cx="0" cy="0"/>
+          <a:chOff x="0" y="0"/>
+          <a:chExt cx="0" cy="0"/>
+        </a:xfrm>
+      </p:grpSpPr>
+      <p:sp>
+        <p:nvSpPr>
+          <p:cNvPr id="2" name="Marcador de imagen de diapositiva 1"/>
+          <p:cNvSpPr>
+            <a:spLocks noGrp="1" noRot="1" noChangeAspect="1"/>
+          </p:cNvSpPr>
+          <p:nvPr>
+            <p:ph type="sldImg"/>
+          </p:nvPr>
+        </p:nvSpPr>
+        <p:spPr/>
+      </p:sp>
+      <p:sp>
+        <p:nvSpPr>
+          <p:cNvPr id="3" name="Marcador de notas 2"/>
+          <p:cNvSpPr>
+            <a:spLocks noGrp="1"/>
+          </p:cNvSpPr>
+          <p:nvPr>
+            <p:ph type="body" idx="1"/>
+          </p:nvPr>
+        </p:nvSpPr>
+        <p:spPr/>
+        <p:txBody>
+          <a:bodyPr/>
+          <a:lstStyle/>
+          <a:p>
+            <a:r>
+              <a:rPr lang="es-ES" dirty="0"/>
+              <a:t>IBAÑEZ</a:t>
+            </a:r>
+          </a:p>
+        </p:txBody>
+      </p:sp>
+      <p:sp>
+        <p:nvSpPr>
+          <p:cNvPr id="4" name="Marcador de número de diapositiva 3"/>
+          <p:cNvSpPr>
+            <a:spLocks noGrp="1"/>
+          </p:cNvSpPr>
+          <p:nvPr>
+            <p:ph type="sldNum" sz="quarter" idx="5"/>
+          </p:nvPr>
+        </p:nvSpPr>
+        <p:spPr/>
+        <p:txBody>
+          <a:bodyPr/>
+          <a:lstStyle/>
+          <a:p>
+            <a:fld id="{9D5549BC-61B0-4C3E-8ADD-4B28CE73CEF6}" type="slidenum">
+              <a:rPr lang="es-ES" smtClean="0"/>
+              <a:t>13</a:t>
+            </a:fld>
+            <a:endParaRPr lang="es-ES" dirty="0"/>
+          </a:p>
+        </p:txBody>
+      </p:sp>
+    </p:spTree>
+    <p:extLst>
+      <p:ext uri="{BB962C8B-B14F-4D97-AF65-F5344CB8AC3E}">
+        <p14:creationId xmlns:p14="http://schemas.microsoft.com/office/powerpoint/2010/main" val="146068628"/>
+      </p:ext>
+    </p:extLst>
+  </p:cSld>
+  <p:clrMapOvr>
+    <a:masterClrMapping/>
+  </p:clrMapOvr>
+</p:notes>
+</file>
+
+<file path=ppt/notesSlides/notesSlide14.xml><?xml version="1.0" encoding="utf-8"?>
+<p:notes xmlns:a="http://schemas.openxmlformats.org/drawingml/2006/main" xmlns:r="http://schemas.openxmlformats.org/officeDocument/2006/relationships" xmlns:p="http://schemas.openxmlformats.org/presentationml/2006/main">
+  <p:cSld>
+    <p:spTree>
+      <p:nvGrpSpPr>
+        <p:cNvPr id="1" name=""/>
+        <p:cNvGrpSpPr/>
+        <p:nvPr/>
+      </p:nvGrpSpPr>
+      <p:grpSpPr>
+        <a:xfrm>
+          <a:off x="0" y="0"/>
+          <a:ext cx="0" cy="0"/>
+          <a:chOff x="0" y="0"/>
+          <a:chExt cx="0" cy="0"/>
+        </a:xfrm>
+      </p:grpSpPr>
+      <p:sp>
+        <p:nvSpPr>
+          <p:cNvPr id="2" name="Marcador de imagen de diapositiva 1"/>
+          <p:cNvSpPr>
+            <a:spLocks noGrp="1" noRot="1" noChangeAspect="1"/>
+          </p:cNvSpPr>
+          <p:nvPr>
+            <p:ph type="sldImg"/>
+          </p:nvPr>
+        </p:nvSpPr>
+        <p:spPr/>
+      </p:sp>
+      <p:sp>
+        <p:nvSpPr>
+          <p:cNvPr id="3" name="Marcador de notas 2"/>
+          <p:cNvSpPr>
+            <a:spLocks noGrp="1"/>
+          </p:cNvSpPr>
+          <p:nvPr>
+            <p:ph type="body" idx="1"/>
+          </p:nvPr>
+        </p:nvSpPr>
+        <p:spPr/>
+        <p:txBody>
+          <a:bodyPr/>
+          <a:lstStyle/>
+          <a:p>
+            <a:r>
+              <a:rPr lang="es-ES" dirty="0"/>
+              <a:t>CHAMORRO</a:t>
+            </a:r>
+          </a:p>
+        </p:txBody>
+      </p:sp>
+      <p:sp>
+        <p:nvSpPr>
+          <p:cNvPr id="4" name="Marcador de número de diapositiva 3"/>
+          <p:cNvSpPr>
+            <a:spLocks noGrp="1"/>
+          </p:cNvSpPr>
+          <p:nvPr>
+            <p:ph type="sldNum" sz="quarter" idx="5"/>
+          </p:nvPr>
+        </p:nvSpPr>
+        <p:spPr/>
+        <p:txBody>
+          <a:bodyPr/>
+          <a:lstStyle/>
+          <a:p>
+            <a:fld id="{9D5549BC-61B0-4C3E-8ADD-4B28CE73CEF6}" type="slidenum">
+              <a:rPr lang="es-ES" smtClean="0"/>
+              <a:t>14</a:t>
+            </a:fld>
+            <a:endParaRPr lang="es-ES" dirty="0"/>
+          </a:p>
+        </p:txBody>
+      </p:sp>
+    </p:spTree>
+    <p:extLst>
+      <p:ext uri="{BB962C8B-B14F-4D97-AF65-F5344CB8AC3E}">
+        <p14:creationId xmlns:p14="http://schemas.microsoft.com/office/powerpoint/2010/main" val="674154252"/>
+      </p:ext>
+    </p:extLst>
+  </p:cSld>
+  <p:clrMapOvr>
+    <a:masterClrMapping/>
+  </p:clrMapOvr>
+</p:notes>
+</file>
+
+<file path=ppt/notesSlides/notesSlide15.xml><?xml version="1.0" encoding="utf-8"?>
+<p:notes xmlns:a="http://schemas.openxmlformats.org/drawingml/2006/main" xmlns:r="http://schemas.openxmlformats.org/officeDocument/2006/relationships" xmlns:p="http://schemas.openxmlformats.org/presentationml/2006/main">
+  <p:cSld>
+    <p:spTree>
+      <p:nvGrpSpPr>
+        <p:cNvPr id="1" name=""/>
+        <p:cNvGrpSpPr/>
+        <p:nvPr/>
+      </p:nvGrpSpPr>
+      <p:grpSpPr>
+        <a:xfrm>
+          <a:off x="0" y="0"/>
+          <a:ext cx="0" cy="0"/>
+          <a:chOff x="0" y="0"/>
+          <a:chExt cx="0" cy="0"/>
+        </a:xfrm>
+      </p:grpSpPr>
+      <p:sp>
+        <p:nvSpPr>
+          <p:cNvPr id="2" name="Marcador de imagen de diapositiva 1"/>
+          <p:cNvSpPr>
+            <a:spLocks noGrp="1" noRot="1" noChangeAspect="1"/>
+          </p:cNvSpPr>
+          <p:nvPr>
+            <p:ph type="sldImg"/>
+          </p:nvPr>
+        </p:nvSpPr>
+        <p:spPr/>
+      </p:sp>
+      <p:sp>
+        <p:nvSpPr>
+          <p:cNvPr id="3" name="Marcador de notas 2"/>
+          <p:cNvSpPr>
+            <a:spLocks noGrp="1"/>
+          </p:cNvSpPr>
+          <p:nvPr>
+            <p:ph type="body" idx="1"/>
+          </p:nvPr>
+        </p:nvSpPr>
+        <p:spPr/>
+        <p:txBody>
+          <a:bodyPr/>
+          <a:lstStyle/>
+          <a:p>
+            <a:r>
+              <a:rPr lang="es-ES" dirty="0"/>
+              <a:t>IBAÑEZ</a:t>
+            </a:r>
+          </a:p>
+        </p:txBody>
+      </p:sp>
+      <p:sp>
+        <p:nvSpPr>
+          <p:cNvPr id="4" name="Marcador de número de diapositiva 3"/>
+          <p:cNvSpPr>
+            <a:spLocks noGrp="1"/>
+          </p:cNvSpPr>
+          <p:nvPr>
+            <p:ph type="sldNum" sz="quarter" idx="5"/>
+          </p:nvPr>
+        </p:nvSpPr>
+        <p:spPr/>
+        <p:txBody>
+          <a:bodyPr/>
+          <a:lstStyle/>
+          <a:p>
+            <a:fld id="{9D5549BC-61B0-4C3E-8ADD-4B28CE73CEF6}" type="slidenum">
+              <a:rPr lang="es-ES" smtClean="0"/>
+              <a:t>15</a:t>
+            </a:fld>
+            <a:endParaRPr lang="es-ES" dirty="0"/>
+          </a:p>
+        </p:txBody>
+      </p:sp>
+    </p:spTree>
+    <p:extLst>
+      <p:ext uri="{BB962C8B-B14F-4D97-AF65-F5344CB8AC3E}">
+        <p14:creationId xmlns:p14="http://schemas.microsoft.com/office/powerpoint/2010/main" val="103587929"/>
+      </p:ext>
+    </p:extLst>
+  </p:cSld>
+  <p:clrMapOvr>
+    <a:masterClrMapping/>
+  </p:clrMapOvr>
+</p:notes>
+</file>
+
+<file path=ppt/notesSlides/notesSlide16.xml><?xml version="1.0" encoding="utf-8"?>
+<p:notes xmlns:a="http://schemas.openxmlformats.org/drawingml/2006/main" xmlns:r="http://schemas.openxmlformats.org/officeDocument/2006/relationships" xmlns:p="http://schemas.openxmlformats.org/presentationml/2006/main">
+  <p:cSld>
+    <p:spTree>
+      <p:nvGrpSpPr>
+        <p:cNvPr id="1" name=""/>
+        <p:cNvGrpSpPr/>
+        <p:nvPr/>
+      </p:nvGrpSpPr>
+      <p:grpSpPr>
+        <a:xfrm>
+          <a:off x="0" y="0"/>
+          <a:ext cx="0" cy="0"/>
+          <a:chOff x="0" y="0"/>
+          <a:chExt cx="0" cy="0"/>
+        </a:xfrm>
+      </p:grpSpPr>
+      <p:sp>
+        <p:nvSpPr>
+          <p:cNvPr id="2" name="Marcador de imagen de diapositiva 1"/>
+          <p:cNvSpPr>
+            <a:spLocks noGrp="1" noRot="1" noChangeAspect="1"/>
+          </p:cNvSpPr>
+          <p:nvPr>
+            <p:ph type="sldImg"/>
+          </p:nvPr>
+        </p:nvSpPr>
+        <p:spPr/>
+      </p:sp>
+      <p:sp>
+        <p:nvSpPr>
+          <p:cNvPr id="3" name="Marcador de notas 2"/>
+          <p:cNvSpPr>
+            <a:spLocks noGrp="1"/>
+          </p:cNvSpPr>
+          <p:nvPr>
+            <p:ph type="body" idx="1"/>
+          </p:nvPr>
+        </p:nvSpPr>
+        <p:spPr/>
+        <p:txBody>
+          <a:bodyPr/>
+          <a:lstStyle/>
+          <a:p>
+            <a:r>
+              <a:rPr lang="es-ES" dirty="0"/>
+              <a:t>CHAMORRO</a:t>
+            </a:r>
+          </a:p>
+        </p:txBody>
+      </p:sp>
+      <p:sp>
+        <p:nvSpPr>
+          <p:cNvPr id="4" name="Marcador de número de diapositiva 3"/>
+          <p:cNvSpPr>
+            <a:spLocks noGrp="1"/>
+          </p:cNvSpPr>
+          <p:nvPr>
+            <p:ph type="sldNum" sz="quarter" idx="5"/>
+          </p:nvPr>
+        </p:nvSpPr>
+        <p:spPr/>
+        <p:txBody>
+          <a:bodyPr/>
+          <a:lstStyle/>
+          <a:p>
+            <a:fld id="{9D5549BC-61B0-4C3E-8ADD-4B28CE73CEF6}" type="slidenum">
+              <a:rPr lang="es-ES" smtClean="0"/>
+              <a:t>16</a:t>
+            </a:fld>
+            <a:endParaRPr lang="es-ES" dirty="0"/>
+          </a:p>
+        </p:txBody>
+      </p:sp>
+    </p:spTree>
+    <p:extLst>
+      <p:ext uri="{BB962C8B-B14F-4D97-AF65-F5344CB8AC3E}">
+        <p14:creationId xmlns:p14="http://schemas.microsoft.com/office/powerpoint/2010/main" val="1947642508"/>
+      </p:ext>
+    </p:extLst>
+  </p:cSld>
+  <p:clrMapOvr>
+    <a:masterClrMapping/>
+  </p:clrMapOvr>
+</p:notes>
+</file>
+
+<file path=ppt/notesSlides/notesSlide17.xml><?xml version="1.0" encoding="utf-8"?>
+<p:notes xmlns:a="http://schemas.openxmlformats.org/drawingml/2006/main" xmlns:r="http://schemas.openxmlformats.org/officeDocument/2006/relationships" xmlns:p="http://schemas.openxmlformats.org/presentationml/2006/main">
+  <p:cSld>
+    <p:spTree>
+      <p:nvGrpSpPr>
+        <p:cNvPr id="1" name=""/>
+        <p:cNvGrpSpPr/>
+        <p:nvPr/>
+      </p:nvGrpSpPr>
+      <p:grpSpPr>
+        <a:xfrm>
+          <a:off x="0" y="0"/>
+          <a:ext cx="0" cy="0"/>
+          <a:chOff x="0" y="0"/>
+          <a:chExt cx="0" cy="0"/>
+        </a:xfrm>
+      </p:grpSpPr>
+      <p:sp>
+        <p:nvSpPr>
+          <p:cNvPr id="2" name="Marcador de imagen de diapositiva 1"/>
+          <p:cNvSpPr>
+            <a:spLocks noGrp="1" noRot="1" noChangeAspect="1"/>
+          </p:cNvSpPr>
+          <p:nvPr>
+            <p:ph type="sldImg"/>
+          </p:nvPr>
+        </p:nvSpPr>
+        <p:spPr/>
+      </p:sp>
+      <p:sp>
+        <p:nvSpPr>
+          <p:cNvPr id="3" name="Marcador de notas 2"/>
+          <p:cNvSpPr>
+            <a:spLocks noGrp="1"/>
+          </p:cNvSpPr>
+          <p:nvPr>
+            <p:ph type="body" idx="1"/>
+          </p:nvPr>
+        </p:nvSpPr>
+        <p:spPr/>
+        <p:txBody>
+          <a:bodyPr/>
+          <a:lstStyle/>
+          <a:p>
+            <a:r>
+              <a:rPr lang="es-ES" dirty="0"/>
+              <a:t>CHAMORRO</a:t>
+            </a:r>
+          </a:p>
+        </p:txBody>
+      </p:sp>
+      <p:sp>
+        <p:nvSpPr>
+          <p:cNvPr id="4" name="Marcador de número de diapositiva 3"/>
+          <p:cNvSpPr>
+            <a:spLocks noGrp="1"/>
+          </p:cNvSpPr>
+          <p:nvPr>
+            <p:ph type="sldNum" sz="quarter" idx="5"/>
+          </p:nvPr>
+        </p:nvSpPr>
+        <p:spPr/>
+        <p:txBody>
+          <a:bodyPr/>
+          <a:lstStyle/>
+          <a:p>
+            <a:fld id="{9D5549BC-61B0-4C3E-8ADD-4B28CE73CEF6}" type="slidenum">
+              <a:rPr lang="es-ES" smtClean="0"/>
+              <a:t>17</a:t>
+            </a:fld>
+            <a:endParaRPr lang="es-ES" dirty="0"/>
+          </a:p>
+        </p:txBody>
+      </p:sp>
+    </p:spTree>
+    <p:extLst>
+      <p:ext uri="{BB962C8B-B14F-4D97-AF65-F5344CB8AC3E}">
+        <p14:creationId xmlns:p14="http://schemas.microsoft.com/office/powerpoint/2010/main" val="2886290971"/>
+      </p:ext>
+    </p:extLst>
+  </p:cSld>
+  <p:clrMapOvr>
+    <a:masterClrMapping/>
+  </p:clrMapOvr>
+</p:notes>
+</file>
+
+<file path=ppt/notesSlides/notesSlide18.xml><?xml version="1.0" encoding="utf-8"?>
+<p:notes xmlns:a="http://schemas.openxmlformats.org/drawingml/2006/main" xmlns:r="http://schemas.openxmlformats.org/officeDocument/2006/relationships" xmlns:p="http://schemas.openxmlformats.org/presentationml/2006/main">
+  <p:cSld>
+    <p:spTree>
+      <p:nvGrpSpPr>
+        <p:cNvPr id="1" name=""/>
+        <p:cNvGrpSpPr/>
+        <p:nvPr/>
+      </p:nvGrpSpPr>
+      <p:grpSpPr>
+        <a:xfrm>
+          <a:off x="0" y="0"/>
+          <a:ext cx="0" cy="0"/>
+          <a:chOff x="0" y="0"/>
+          <a:chExt cx="0" cy="0"/>
+        </a:xfrm>
+      </p:grpSpPr>
+      <p:sp>
+        <p:nvSpPr>
+          <p:cNvPr id="2" name="Marcador de imagen de diapositiva 1"/>
+          <p:cNvSpPr>
+            <a:spLocks noGrp="1" noRot="1" noChangeAspect="1"/>
+          </p:cNvSpPr>
+          <p:nvPr>
+            <p:ph type="sldImg"/>
+          </p:nvPr>
+        </p:nvSpPr>
+        <p:spPr/>
+      </p:sp>
+      <p:sp>
+        <p:nvSpPr>
+          <p:cNvPr id="3" name="Marcador de notas 2"/>
+          <p:cNvSpPr>
+            <a:spLocks noGrp="1"/>
+          </p:cNvSpPr>
+          <p:nvPr>
+            <p:ph type="body" idx="1"/>
+          </p:nvPr>
+        </p:nvSpPr>
+        <p:spPr/>
+        <p:txBody>
+          <a:bodyPr/>
+          <a:lstStyle/>
+          <a:p>
+            <a:r>
+              <a:rPr lang="es-ES" dirty="0"/>
+              <a:t>IBAÑEZ</a:t>
+            </a:r>
+          </a:p>
+        </p:txBody>
+      </p:sp>
+      <p:sp>
+        <p:nvSpPr>
+          <p:cNvPr id="4" name="Marcador de número de diapositiva 3"/>
+          <p:cNvSpPr>
+            <a:spLocks noGrp="1"/>
+          </p:cNvSpPr>
+          <p:nvPr>
+            <p:ph type="sldNum" sz="quarter" idx="5"/>
+          </p:nvPr>
+        </p:nvSpPr>
+        <p:spPr/>
+        <p:txBody>
+          <a:bodyPr/>
+          <a:lstStyle/>
+          <a:p>
+            <a:fld id="{9D5549BC-61B0-4C3E-8ADD-4B28CE73CEF6}" type="slidenum">
+              <a:rPr lang="es-ES" smtClean="0"/>
+              <a:t>19</a:t>
+            </a:fld>
+            <a:endParaRPr lang="es-ES" dirty="0"/>
+          </a:p>
+        </p:txBody>
+      </p:sp>
+    </p:spTree>
+    <p:extLst>
+      <p:ext uri="{BB962C8B-B14F-4D97-AF65-F5344CB8AC3E}">
+        <p14:creationId xmlns:p14="http://schemas.microsoft.com/office/powerpoint/2010/main" val="1144031495"/>
+      </p:ext>
+    </p:extLst>
+  </p:cSld>
+  <p:clrMapOvr>
+    <a:masterClrMapping/>
+  </p:clrMapOvr>
+</p:notes>
+</file>
+
+<file path=ppt/notesSlides/notesSlide19.xml><?xml version="1.0" encoding="utf-8"?>
+<p:notes xmlns:a="http://schemas.openxmlformats.org/drawingml/2006/main" xmlns:r="http://schemas.openxmlformats.org/officeDocument/2006/relationships" xmlns:p="http://schemas.openxmlformats.org/presentationml/2006/main">
+  <p:cSld>
+    <p:spTree>
+      <p:nvGrpSpPr>
+        <p:cNvPr id="1" name=""/>
+        <p:cNvGrpSpPr/>
+        <p:nvPr/>
+      </p:nvGrpSpPr>
+      <p:grpSpPr>
+        <a:xfrm>
+          <a:off x="0" y="0"/>
+          <a:ext cx="0" cy="0"/>
+          <a:chOff x="0" y="0"/>
+          <a:chExt cx="0" cy="0"/>
+        </a:xfrm>
+      </p:grpSpPr>
+      <p:sp>
+        <p:nvSpPr>
+          <p:cNvPr id="2" name="Marcador de imagen de diapositiva 1"/>
+          <p:cNvSpPr>
+            <a:spLocks noGrp="1" noRot="1" noChangeAspect="1"/>
+          </p:cNvSpPr>
+          <p:nvPr>
+            <p:ph type="sldImg"/>
+          </p:nvPr>
+        </p:nvSpPr>
+        <p:spPr/>
+      </p:sp>
+      <p:sp>
+        <p:nvSpPr>
+          <p:cNvPr id="3" name="Marcador de notas 2"/>
+          <p:cNvSpPr>
+            <a:spLocks noGrp="1"/>
+          </p:cNvSpPr>
+          <p:nvPr>
+            <p:ph type="body" idx="1"/>
+          </p:nvPr>
+        </p:nvSpPr>
+        <p:spPr/>
+        <p:txBody>
+          <a:bodyPr/>
+          <a:lstStyle/>
+          <a:p>
+            <a:r>
+              <a:rPr lang="es-ES" dirty="0"/>
+              <a:t>CHAMORRO</a:t>
+            </a:r>
+          </a:p>
+        </p:txBody>
+      </p:sp>
+      <p:sp>
+        <p:nvSpPr>
+          <p:cNvPr id="4" name="Marcador de número de diapositiva 3"/>
+          <p:cNvSpPr>
+            <a:spLocks noGrp="1"/>
+          </p:cNvSpPr>
+          <p:nvPr>
+            <p:ph type="sldNum" sz="quarter" idx="5"/>
+          </p:nvPr>
+        </p:nvSpPr>
+        <p:spPr/>
+        <p:txBody>
+          <a:bodyPr/>
+          <a:lstStyle/>
+          <a:p>
+            <a:fld id="{9D5549BC-61B0-4C3E-8ADD-4B28CE73CEF6}" type="slidenum">
+              <a:rPr lang="es-ES" smtClean="0"/>
+              <a:t>20</a:t>
+            </a:fld>
+            <a:endParaRPr lang="es-ES" dirty="0"/>
+          </a:p>
+        </p:txBody>
+      </p:sp>
+    </p:spTree>
+    <p:extLst>
+      <p:ext uri="{BB962C8B-B14F-4D97-AF65-F5344CB8AC3E}">
+        <p14:creationId xmlns:p14="http://schemas.microsoft.com/office/powerpoint/2010/main" val="182080985"/>
+      </p:ext>
+    </p:extLst>
+  </p:cSld>
+  <p:clrMapOvr>
+    <a:masterClrMapping/>
+  </p:clrMapOvr>
+</p:notes>
+</file>
+
+<file path=ppt/notesSlides/notesSlide2.xml><?xml version="1.0" encoding="utf-8"?>
+<p:notes xmlns:a="http://schemas.openxmlformats.org/drawingml/2006/main" xmlns:r="http://schemas.openxmlformats.org/officeDocument/2006/relationships" xmlns:p="http://schemas.openxmlformats.org/presentationml/2006/main">
+  <p:cSld>
+    <p:spTree>
+      <p:nvGrpSpPr>
+        <p:cNvPr id="1" name=""/>
+        <p:cNvGrpSpPr/>
+        <p:nvPr/>
+      </p:nvGrpSpPr>
+      <p:grpSpPr>
+        <a:xfrm>
+          <a:off x="0" y="0"/>
+          <a:ext cx="0" cy="0"/>
+          <a:chOff x="0" y="0"/>
+          <a:chExt cx="0" cy="0"/>
+        </a:xfrm>
+      </p:grpSpPr>
+      <p:sp>
+        <p:nvSpPr>
+          <p:cNvPr id="2" name="Marcador de imagen de diapositiva 1"/>
+          <p:cNvSpPr>
+            <a:spLocks noGrp="1" noRot="1" noChangeAspect="1"/>
+          </p:cNvSpPr>
+          <p:nvPr>
+            <p:ph type="sldImg"/>
+          </p:nvPr>
+        </p:nvSpPr>
+        <p:spPr/>
+      </p:sp>
+      <p:sp>
+        <p:nvSpPr>
+          <p:cNvPr id="3" name="Marcador de notas 2"/>
+          <p:cNvSpPr>
+            <a:spLocks noGrp="1"/>
+          </p:cNvSpPr>
+          <p:nvPr>
+            <p:ph type="body" idx="1"/>
+          </p:nvPr>
+        </p:nvSpPr>
+        <p:spPr/>
+        <p:txBody>
+          <a:bodyPr/>
+          <a:lstStyle/>
+          <a:p>
+            <a:r>
+              <a:rPr lang="es-ES" dirty="0"/>
+              <a:t>CHAMORRO</a:t>
+            </a:r>
+          </a:p>
+        </p:txBody>
+      </p:sp>
+      <p:sp>
+        <p:nvSpPr>
+          <p:cNvPr id="4" name="Marcador de número de diapositiva 3"/>
+          <p:cNvSpPr>
+            <a:spLocks noGrp="1"/>
+          </p:cNvSpPr>
+          <p:nvPr>
+            <p:ph type="sldNum" sz="quarter" idx="5"/>
+          </p:nvPr>
+        </p:nvSpPr>
+        <p:spPr/>
+        <p:txBody>
+          <a:bodyPr/>
+          <a:lstStyle/>
+          <a:p>
+            <a:fld id="{9D5549BC-61B0-4C3E-8ADD-4B28CE73CEF6}" type="slidenum">
+              <a:rPr lang="es-ES" smtClean="0"/>
+              <a:t>2</a:t>
+            </a:fld>
+            <a:endParaRPr lang="es-ES" dirty="0"/>
+          </a:p>
+        </p:txBody>
+      </p:sp>
+    </p:spTree>
+    <p:extLst>
+      <p:ext uri="{BB962C8B-B14F-4D97-AF65-F5344CB8AC3E}">
+        <p14:creationId xmlns:p14="http://schemas.microsoft.com/office/powerpoint/2010/main" val="1314046872"/>
+      </p:ext>
+    </p:extLst>
+  </p:cSld>
+  <p:clrMapOvr>
+    <a:masterClrMapping/>
+  </p:clrMapOvr>
+</p:notes>
+</file>
+
+<file path=ppt/notesSlides/notesSlide20.xml><?xml version="1.0" encoding="utf-8"?>
+<p:notes xmlns:a="http://schemas.openxmlformats.org/drawingml/2006/main" xmlns:r="http://schemas.openxmlformats.org/officeDocument/2006/relationships" xmlns:p="http://schemas.openxmlformats.org/presentationml/2006/main">
+  <p:cSld>
+    <p:spTree>
+      <p:nvGrpSpPr>
+        <p:cNvPr id="1" name=""/>
+        <p:cNvGrpSpPr/>
+        <p:nvPr/>
+      </p:nvGrpSpPr>
+      <p:grpSpPr>
+        <a:xfrm>
+          <a:off x="0" y="0"/>
+          <a:ext cx="0" cy="0"/>
+          <a:chOff x="0" y="0"/>
+          <a:chExt cx="0" cy="0"/>
+        </a:xfrm>
+      </p:grpSpPr>
+      <p:sp>
+        <p:nvSpPr>
+          <p:cNvPr id="2" name="Marcador de imagen de diapositiva 1"/>
+          <p:cNvSpPr>
+            <a:spLocks noGrp="1" noRot="1" noChangeAspect="1"/>
+          </p:cNvSpPr>
+          <p:nvPr>
+            <p:ph type="sldImg"/>
+          </p:nvPr>
+        </p:nvSpPr>
+        <p:spPr/>
+      </p:sp>
+      <p:sp>
+        <p:nvSpPr>
+          <p:cNvPr id="3" name="Marcador de notas 2"/>
+          <p:cNvSpPr>
+            <a:spLocks noGrp="1"/>
+          </p:cNvSpPr>
+          <p:nvPr>
+            <p:ph type="body" idx="1"/>
+          </p:nvPr>
+        </p:nvSpPr>
+        <p:spPr/>
+        <p:txBody>
+          <a:bodyPr/>
+          <a:lstStyle/>
+          <a:p>
+            <a:r>
+              <a:rPr lang="es-ES" dirty="0"/>
+              <a:t>CHAMORRO</a:t>
+            </a:r>
+          </a:p>
+        </p:txBody>
+      </p:sp>
+      <p:sp>
+        <p:nvSpPr>
+          <p:cNvPr id="4" name="Marcador de número de diapositiva 3"/>
+          <p:cNvSpPr>
+            <a:spLocks noGrp="1"/>
+          </p:cNvSpPr>
+          <p:nvPr>
+            <p:ph type="sldNum" sz="quarter" idx="5"/>
+          </p:nvPr>
+        </p:nvSpPr>
+        <p:spPr/>
+        <p:txBody>
+          <a:bodyPr/>
+          <a:lstStyle/>
+          <a:p>
+            <a:fld id="{9D5549BC-61B0-4C3E-8ADD-4B28CE73CEF6}" type="slidenum">
+              <a:rPr lang="es-ES" smtClean="0"/>
+              <a:t>21</a:t>
+            </a:fld>
+            <a:endParaRPr lang="es-ES" dirty="0"/>
+          </a:p>
+        </p:txBody>
+      </p:sp>
+    </p:spTree>
+    <p:extLst>
+      <p:ext uri="{BB962C8B-B14F-4D97-AF65-F5344CB8AC3E}">
+        <p14:creationId xmlns:p14="http://schemas.microsoft.com/office/powerpoint/2010/main" val="4210919016"/>
+      </p:ext>
+    </p:extLst>
+  </p:cSld>
+  <p:clrMapOvr>
+    <a:masterClrMapping/>
+  </p:clrMapOvr>
+</p:notes>
+</file>
+
+<file path=ppt/notesSlides/notesSlide21.xml><?xml version="1.0" encoding="utf-8"?>
+<p:notes xmlns:a="http://schemas.openxmlformats.org/drawingml/2006/main" xmlns:r="http://schemas.openxmlformats.org/officeDocument/2006/relationships" xmlns:p="http://schemas.openxmlformats.org/presentationml/2006/main">
+  <p:cSld>
+    <p:spTree>
+      <p:nvGrpSpPr>
+        <p:cNvPr id="1" name=""/>
+        <p:cNvGrpSpPr/>
+        <p:nvPr/>
+      </p:nvGrpSpPr>
+      <p:grpSpPr>
+        <a:xfrm>
+          <a:off x="0" y="0"/>
+          <a:ext cx="0" cy="0"/>
+          <a:chOff x="0" y="0"/>
+          <a:chExt cx="0" cy="0"/>
+        </a:xfrm>
+      </p:grpSpPr>
+      <p:sp>
+        <p:nvSpPr>
+          <p:cNvPr id="2" name="Marcador de imagen de diapositiva 1"/>
+          <p:cNvSpPr>
+            <a:spLocks noGrp="1" noRot="1" noChangeAspect="1"/>
+          </p:cNvSpPr>
+          <p:nvPr>
+            <p:ph type="sldImg"/>
+          </p:nvPr>
+        </p:nvSpPr>
+        <p:spPr/>
+      </p:sp>
+      <p:sp>
+        <p:nvSpPr>
+          <p:cNvPr id="3" name="Marcador de notas 2"/>
+          <p:cNvSpPr>
+            <a:spLocks noGrp="1"/>
+          </p:cNvSpPr>
+          <p:nvPr>
+            <p:ph type="body" idx="1"/>
+          </p:nvPr>
+        </p:nvSpPr>
+        <p:spPr/>
+        <p:txBody>
+          <a:bodyPr/>
+          <a:lstStyle/>
+          <a:p>
+            <a:r>
+              <a:rPr lang="es-ES" dirty="0"/>
+              <a:t>CHAMORRO</a:t>
+            </a:r>
+          </a:p>
+        </p:txBody>
+      </p:sp>
+      <p:sp>
+        <p:nvSpPr>
+          <p:cNvPr id="4" name="Marcador de número de diapositiva 3"/>
+          <p:cNvSpPr>
+            <a:spLocks noGrp="1"/>
+          </p:cNvSpPr>
+          <p:nvPr>
+            <p:ph type="sldNum" sz="quarter" idx="5"/>
+          </p:nvPr>
+        </p:nvSpPr>
+        <p:spPr/>
+        <p:txBody>
+          <a:bodyPr/>
+          <a:lstStyle/>
+          <a:p>
+            <a:fld id="{9D5549BC-61B0-4C3E-8ADD-4B28CE73CEF6}" type="slidenum">
+              <a:rPr lang="es-ES" smtClean="0"/>
+              <a:t>22</a:t>
+            </a:fld>
+            <a:endParaRPr lang="es-ES" dirty="0"/>
+          </a:p>
+        </p:txBody>
+      </p:sp>
+    </p:spTree>
+    <p:extLst>
+      <p:ext uri="{BB962C8B-B14F-4D97-AF65-F5344CB8AC3E}">
+        <p14:creationId xmlns:p14="http://schemas.microsoft.com/office/powerpoint/2010/main" val="2612520135"/>
+      </p:ext>
+    </p:extLst>
+  </p:cSld>
+  <p:clrMapOvr>
+    <a:masterClrMapping/>
+  </p:clrMapOvr>
+</p:notes>
+</file>
+
+<file path=ppt/notesSlides/notesSlide22.xml><?xml version="1.0" encoding="utf-8"?>
+<p:notes xmlns:a="http://schemas.openxmlformats.org/drawingml/2006/main" xmlns:r="http://schemas.openxmlformats.org/officeDocument/2006/relationships" xmlns:p="http://schemas.openxmlformats.org/presentationml/2006/main">
+  <p:cSld>
+    <p:spTree>
+      <p:nvGrpSpPr>
+        <p:cNvPr id="1" name=""/>
+        <p:cNvGrpSpPr/>
+        <p:nvPr/>
+      </p:nvGrpSpPr>
+      <p:grpSpPr>
+        <a:xfrm>
+          <a:off x="0" y="0"/>
+          <a:ext cx="0" cy="0"/>
+          <a:chOff x="0" y="0"/>
+          <a:chExt cx="0" cy="0"/>
+        </a:xfrm>
+      </p:grpSpPr>
+      <p:sp>
+        <p:nvSpPr>
+          <p:cNvPr id="2" name="Marcador de imagen de diapositiva 1"/>
+          <p:cNvSpPr>
+            <a:spLocks noGrp="1" noRot="1" noChangeAspect="1"/>
+          </p:cNvSpPr>
+          <p:nvPr>
+            <p:ph type="sldImg"/>
+          </p:nvPr>
+        </p:nvSpPr>
+        <p:spPr/>
+      </p:sp>
+      <p:sp>
+        <p:nvSpPr>
+          <p:cNvPr id="3" name="Marcador de notas 2"/>
+          <p:cNvSpPr>
+            <a:spLocks noGrp="1"/>
+          </p:cNvSpPr>
+          <p:nvPr>
+            <p:ph type="body" idx="1"/>
+          </p:nvPr>
+        </p:nvSpPr>
+        <p:spPr/>
+        <p:txBody>
+          <a:bodyPr/>
+          <a:lstStyle/>
+          <a:p>
+            <a:r>
+              <a:rPr lang="es-ES" dirty="0"/>
+              <a:t>IBAÑEZ</a:t>
+            </a:r>
+          </a:p>
+        </p:txBody>
+      </p:sp>
+      <p:sp>
+        <p:nvSpPr>
+          <p:cNvPr id="4" name="Marcador de número de diapositiva 3"/>
+          <p:cNvSpPr>
+            <a:spLocks noGrp="1"/>
+          </p:cNvSpPr>
+          <p:nvPr>
+            <p:ph type="sldNum" sz="quarter" idx="5"/>
+          </p:nvPr>
+        </p:nvSpPr>
+        <p:spPr/>
+        <p:txBody>
+          <a:bodyPr/>
+          <a:lstStyle/>
+          <a:p>
+            <a:fld id="{9D5549BC-61B0-4C3E-8ADD-4B28CE73CEF6}" type="slidenum">
+              <a:rPr lang="es-ES" smtClean="0"/>
+              <a:t>23</a:t>
+            </a:fld>
+            <a:endParaRPr lang="es-ES" dirty="0"/>
+          </a:p>
+        </p:txBody>
+      </p:sp>
+    </p:spTree>
+    <p:extLst>
+      <p:ext uri="{BB962C8B-B14F-4D97-AF65-F5344CB8AC3E}">
+        <p14:creationId xmlns:p14="http://schemas.microsoft.com/office/powerpoint/2010/main" val="4127079900"/>
+      </p:ext>
+    </p:extLst>
+  </p:cSld>
+  <p:clrMapOvr>
+    <a:masterClrMapping/>
+  </p:clrMapOvr>
+</p:notes>
+</file>
+
+<file path=ppt/notesSlides/notesSlide3.xml><?xml version="1.0" encoding="utf-8"?>
+<p:notes xmlns:a="http://schemas.openxmlformats.org/drawingml/2006/main" xmlns:r="http://schemas.openxmlformats.org/officeDocument/2006/relationships" xmlns:p="http://schemas.openxmlformats.org/presentationml/2006/main">
+  <p:cSld>
+    <p:spTree>
+      <p:nvGrpSpPr>
+        <p:cNvPr id="1" name=""/>
+        <p:cNvGrpSpPr/>
+        <p:nvPr/>
+      </p:nvGrpSpPr>
+      <p:grpSpPr>
+        <a:xfrm>
+          <a:off x="0" y="0"/>
+          <a:ext cx="0" cy="0"/>
+          <a:chOff x="0" y="0"/>
+          <a:chExt cx="0" cy="0"/>
+        </a:xfrm>
+      </p:grpSpPr>
+      <p:sp>
+        <p:nvSpPr>
+          <p:cNvPr id="2" name="Marcador de imagen de diapositiva 1"/>
+          <p:cNvSpPr>
+            <a:spLocks noGrp="1" noRot="1" noChangeAspect="1"/>
+          </p:cNvSpPr>
+          <p:nvPr>
+            <p:ph type="sldImg"/>
+          </p:nvPr>
+        </p:nvSpPr>
+        <p:spPr/>
+      </p:sp>
+      <p:sp>
+        <p:nvSpPr>
+          <p:cNvPr id="3" name="Marcador de notas 2"/>
+          <p:cNvSpPr>
+            <a:spLocks noGrp="1"/>
+          </p:cNvSpPr>
+          <p:nvPr>
+            <p:ph type="body" idx="1"/>
+          </p:nvPr>
+        </p:nvSpPr>
+        <p:spPr/>
+        <p:txBody>
+          <a:bodyPr/>
+          <a:lstStyle/>
+          <a:p>
+            <a:r>
+              <a:rPr lang="es-ES" dirty="0"/>
+              <a:t>IBAÑEZ</a:t>
+            </a:r>
+          </a:p>
+        </p:txBody>
+      </p:sp>
+      <p:sp>
+        <p:nvSpPr>
+          <p:cNvPr id="4" name="Marcador de número de diapositiva 3"/>
+          <p:cNvSpPr>
+            <a:spLocks noGrp="1"/>
+          </p:cNvSpPr>
+          <p:nvPr>
+            <p:ph type="sldNum" sz="quarter" idx="5"/>
+          </p:nvPr>
+        </p:nvSpPr>
+        <p:spPr/>
+        <p:txBody>
+          <a:bodyPr/>
+          <a:lstStyle/>
+          <a:p>
+            <a:fld id="{9D5549BC-61B0-4C3E-8ADD-4B28CE73CEF6}" type="slidenum">
+              <a:rPr lang="es-ES" smtClean="0"/>
+              <a:t>3</a:t>
+            </a:fld>
+            <a:endParaRPr lang="es-ES" dirty="0"/>
+          </a:p>
+        </p:txBody>
+      </p:sp>
+    </p:spTree>
+    <p:extLst>
+      <p:ext uri="{BB962C8B-B14F-4D97-AF65-F5344CB8AC3E}">
+        <p14:creationId xmlns:p14="http://schemas.microsoft.com/office/powerpoint/2010/main" val="2341907003"/>
+      </p:ext>
+    </p:extLst>
+  </p:cSld>
+  <p:clrMapOvr>
+    <a:masterClrMapping/>
+  </p:clrMapOvr>
+</p:notes>
+</file>
+
+<file path=ppt/notesSlides/notesSlide4.xml><?xml version="1.0" encoding="utf-8"?>
+<p:notes xmlns:a="http://schemas.openxmlformats.org/drawingml/2006/main" xmlns:r="http://schemas.openxmlformats.org/officeDocument/2006/relationships" xmlns:p="http://schemas.openxmlformats.org/presentationml/2006/main">
+  <p:cSld>
+    <p:spTree>
+      <p:nvGrpSpPr>
+        <p:cNvPr id="1" name=""/>
+        <p:cNvGrpSpPr/>
+        <p:nvPr/>
+      </p:nvGrpSpPr>
+      <p:grpSpPr>
+        <a:xfrm>
+          <a:off x="0" y="0"/>
+          <a:ext cx="0" cy="0"/>
+          <a:chOff x="0" y="0"/>
+          <a:chExt cx="0" cy="0"/>
+        </a:xfrm>
+      </p:grpSpPr>
+      <p:sp>
+        <p:nvSpPr>
+          <p:cNvPr id="2" name="Marcador de imagen de diapositiva 1"/>
+          <p:cNvSpPr>
+            <a:spLocks noGrp="1" noRot="1" noChangeAspect="1"/>
+          </p:cNvSpPr>
+          <p:nvPr>
+            <p:ph type="sldImg"/>
+          </p:nvPr>
+        </p:nvSpPr>
+        <p:spPr/>
+      </p:sp>
+      <p:sp>
+        <p:nvSpPr>
+          <p:cNvPr id="3" name="Marcador de notas 2"/>
+          <p:cNvSpPr>
+            <a:spLocks noGrp="1"/>
+          </p:cNvSpPr>
+          <p:nvPr>
+            <p:ph type="body" idx="1"/>
+          </p:nvPr>
+        </p:nvSpPr>
+        <p:spPr/>
+        <p:txBody>
+          <a:bodyPr/>
+          <a:lstStyle/>
+          <a:p>
+            <a:r>
+              <a:rPr lang="es-ES" dirty="0"/>
+              <a:t>IBAÑEZ</a:t>
+            </a:r>
+          </a:p>
+        </p:txBody>
+      </p:sp>
+      <p:sp>
+        <p:nvSpPr>
+          <p:cNvPr id="4" name="Marcador de número de diapositiva 3"/>
+          <p:cNvSpPr>
+            <a:spLocks noGrp="1"/>
+          </p:cNvSpPr>
+          <p:nvPr>
+            <p:ph type="sldNum" sz="quarter" idx="5"/>
+          </p:nvPr>
+        </p:nvSpPr>
+        <p:spPr/>
+        <p:txBody>
+          <a:bodyPr/>
+          <a:lstStyle/>
+          <a:p>
+            <a:fld id="{9D5549BC-61B0-4C3E-8ADD-4B28CE73CEF6}" type="slidenum">
+              <a:rPr lang="es-ES" smtClean="0"/>
+              <a:t>4</a:t>
+            </a:fld>
+            <a:endParaRPr lang="es-ES" dirty="0"/>
+          </a:p>
+        </p:txBody>
+      </p:sp>
+    </p:spTree>
+    <p:extLst>
+      <p:ext uri="{BB962C8B-B14F-4D97-AF65-F5344CB8AC3E}">
+        <p14:creationId xmlns:p14="http://schemas.microsoft.com/office/powerpoint/2010/main" val="3908628876"/>
+      </p:ext>
+    </p:extLst>
+  </p:cSld>
+  <p:clrMapOvr>
+    <a:masterClrMapping/>
+  </p:clrMapOvr>
+</p:notes>
+</file>
+
+<file path=ppt/notesSlides/notesSlide5.xml><?xml version="1.0" encoding="utf-8"?>
+<p:notes xmlns:a="http://schemas.openxmlformats.org/drawingml/2006/main" xmlns:r="http://schemas.openxmlformats.org/officeDocument/2006/relationships" xmlns:p="http://schemas.openxmlformats.org/presentationml/2006/main">
+  <p:cSld>
+    <p:spTree>
+      <p:nvGrpSpPr>
+        <p:cNvPr id="1" name=""/>
+        <p:cNvGrpSpPr/>
+        <p:nvPr/>
+      </p:nvGrpSpPr>
+      <p:grpSpPr>
+        <a:xfrm>
+          <a:off x="0" y="0"/>
+          <a:ext cx="0" cy="0"/>
+          <a:chOff x="0" y="0"/>
+          <a:chExt cx="0" cy="0"/>
+        </a:xfrm>
+      </p:grpSpPr>
+      <p:sp>
+        <p:nvSpPr>
+          <p:cNvPr id="2" name="Marcador de imagen de diapositiva 1"/>
+          <p:cNvSpPr>
+            <a:spLocks noGrp="1" noRot="1" noChangeAspect="1"/>
+          </p:cNvSpPr>
+          <p:nvPr>
+            <p:ph type="sldImg"/>
+          </p:nvPr>
+        </p:nvSpPr>
+        <p:spPr/>
+      </p:sp>
+      <p:sp>
+        <p:nvSpPr>
+          <p:cNvPr id="3" name="Marcador de notas 2"/>
+          <p:cNvSpPr>
+            <a:spLocks noGrp="1"/>
+          </p:cNvSpPr>
+          <p:nvPr>
+            <p:ph type="body" idx="1"/>
+          </p:nvPr>
+        </p:nvSpPr>
+        <p:spPr/>
+        <p:txBody>
+          <a:bodyPr/>
+          <a:lstStyle/>
+          <a:p>
+            <a:r>
+              <a:rPr lang="es-ES" dirty="0"/>
+              <a:t>CHAMORRO</a:t>
+            </a:r>
+          </a:p>
+        </p:txBody>
+      </p:sp>
+      <p:sp>
+        <p:nvSpPr>
+          <p:cNvPr id="4" name="Marcador de número de diapositiva 3"/>
+          <p:cNvSpPr>
+            <a:spLocks noGrp="1"/>
+          </p:cNvSpPr>
+          <p:nvPr>
+            <p:ph type="sldNum" sz="quarter" idx="5"/>
+          </p:nvPr>
+        </p:nvSpPr>
+        <p:spPr/>
+        <p:txBody>
+          <a:bodyPr/>
+          <a:lstStyle/>
+          <a:p>
+            <a:fld id="{9D5549BC-61B0-4C3E-8ADD-4B28CE73CEF6}" type="slidenum">
+              <a:rPr lang="es-ES" smtClean="0"/>
+              <a:t>5</a:t>
+            </a:fld>
+            <a:endParaRPr lang="es-ES" dirty="0"/>
+          </a:p>
+        </p:txBody>
+      </p:sp>
+    </p:spTree>
+    <p:extLst>
+      <p:ext uri="{BB962C8B-B14F-4D97-AF65-F5344CB8AC3E}">
+        <p14:creationId xmlns:p14="http://schemas.microsoft.com/office/powerpoint/2010/main" val="1426007037"/>
+      </p:ext>
+    </p:extLst>
+  </p:cSld>
+  <p:clrMapOvr>
+    <a:masterClrMapping/>
+  </p:clrMapOvr>
+</p:notes>
+</file>
+
+<file path=ppt/notesSlides/notesSlide6.xml><?xml version="1.0" encoding="utf-8"?>
+<p:notes xmlns:a="http://schemas.openxmlformats.org/drawingml/2006/main" xmlns:r="http://schemas.openxmlformats.org/officeDocument/2006/relationships" xmlns:p="http://schemas.openxmlformats.org/presentationml/2006/main">
+  <p:cSld>
+    <p:spTree>
+      <p:nvGrpSpPr>
+        <p:cNvPr id="1" name=""/>
+        <p:cNvGrpSpPr/>
+        <p:nvPr/>
+      </p:nvGrpSpPr>
+      <p:grpSpPr>
+        <a:xfrm>
+          <a:off x="0" y="0"/>
+          <a:ext cx="0" cy="0"/>
+          <a:chOff x="0" y="0"/>
+          <a:chExt cx="0" cy="0"/>
+        </a:xfrm>
+      </p:grpSpPr>
+      <p:sp>
+        <p:nvSpPr>
+          <p:cNvPr id="2" name="Marcador de imagen de diapositiva 1"/>
+          <p:cNvSpPr>
+            <a:spLocks noGrp="1" noRot="1" noChangeAspect="1"/>
+          </p:cNvSpPr>
+          <p:nvPr>
+            <p:ph type="sldImg"/>
+          </p:nvPr>
+        </p:nvSpPr>
+        <p:spPr/>
+      </p:sp>
+      <p:sp>
+        <p:nvSpPr>
+          <p:cNvPr id="3" name="Marcador de notas 2"/>
+          <p:cNvSpPr>
+            <a:spLocks noGrp="1"/>
+          </p:cNvSpPr>
+          <p:nvPr>
+            <p:ph type="body" idx="1"/>
+          </p:nvPr>
+        </p:nvSpPr>
+        <p:spPr/>
+        <p:txBody>
+          <a:bodyPr/>
+          <a:lstStyle/>
+          <a:p>
+            <a:r>
+              <a:rPr lang="es-ES" dirty="0"/>
+              <a:t>IBAÑEZ – BLOC TAULAK</a:t>
+            </a:r>
+          </a:p>
+        </p:txBody>
+      </p:sp>
+      <p:sp>
+        <p:nvSpPr>
+          <p:cNvPr id="4" name="Marcador de número de diapositiva 3"/>
+          <p:cNvSpPr>
+            <a:spLocks noGrp="1"/>
+          </p:cNvSpPr>
+          <p:nvPr>
+            <p:ph type="sldNum" sz="quarter" idx="5"/>
+          </p:nvPr>
+        </p:nvSpPr>
+        <p:spPr/>
+        <p:txBody>
+          <a:bodyPr/>
+          <a:lstStyle/>
+          <a:p>
+            <a:fld id="{9D5549BC-61B0-4C3E-8ADD-4B28CE73CEF6}" type="slidenum">
+              <a:rPr lang="es-ES" smtClean="0"/>
+              <a:t>6</a:t>
+            </a:fld>
+            <a:endParaRPr lang="es-ES" dirty="0"/>
+          </a:p>
+        </p:txBody>
+      </p:sp>
+    </p:spTree>
+    <p:extLst>
+      <p:ext uri="{BB962C8B-B14F-4D97-AF65-F5344CB8AC3E}">
+        <p14:creationId xmlns:p14="http://schemas.microsoft.com/office/powerpoint/2010/main" val="266026019"/>
+      </p:ext>
+    </p:extLst>
+  </p:cSld>
+  <p:clrMapOvr>
+    <a:masterClrMapping/>
+  </p:clrMapOvr>
+</p:notes>
+</file>
+
+<file path=ppt/notesSlides/notesSlide7.xml><?xml version="1.0" encoding="utf-8"?>
+<p:notes xmlns:a="http://schemas.openxmlformats.org/drawingml/2006/main" xmlns:r="http://schemas.openxmlformats.org/officeDocument/2006/relationships" xmlns:p="http://schemas.openxmlformats.org/presentationml/2006/main">
+  <p:cSld>
+    <p:spTree>
+      <p:nvGrpSpPr>
+        <p:cNvPr id="1" name=""/>
+        <p:cNvGrpSpPr/>
+        <p:nvPr/>
+      </p:nvGrpSpPr>
+      <p:grpSpPr>
+        <a:xfrm>
+          <a:off x="0" y="0"/>
+          <a:ext cx="0" cy="0"/>
+          <a:chOff x="0" y="0"/>
+          <a:chExt cx="0" cy="0"/>
+        </a:xfrm>
+      </p:grpSpPr>
+      <p:sp>
+        <p:nvSpPr>
+          <p:cNvPr id="2" name="Marcador de imagen de diapositiva 1"/>
+          <p:cNvSpPr>
+            <a:spLocks noGrp="1" noRot="1" noChangeAspect="1"/>
+          </p:cNvSpPr>
+          <p:nvPr>
+            <p:ph type="sldImg"/>
+          </p:nvPr>
+        </p:nvSpPr>
+        <p:spPr/>
+      </p:sp>
+      <p:sp>
+        <p:nvSpPr>
+          <p:cNvPr id="3" name="Marcador de notas 2"/>
+          <p:cNvSpPr>
+            <a:spLocks noGrp="1"/>
+          </p:cNvSpPr>
+          <p:nvPr>
+            <p:ph type="body" idx="1"/>
+          </p:nvPr>
+        </p:nvSpPr>
+        <p:spPr/>
+        <p:txBody>
+          <a:bodyPr/>
+          <a:lstStyle/>
+          <a:p>
+            <a:r>
+              <a:rPr lang="es-ES" dirty="0"/>
+              <a:t>CHAMORRA – ENSEÑAR SQLite</a:t>
+            </a:r>
+          </a:p>
+        </p:txBody>
+      </p:sp>
+      <p:sp>
+        <p:nvSpPr>
+          <p:cNvPr id="4" name="Marcador de número de diapositiva 3"/>
+          <p:cNvSpPr>
+            <a:spLocks noGrp="1"/>
+          </p:cNvSpPr>
+          <p:nvPr>
+            <p:ph type="sldNum" sz="quarter" idx="5"/>
+          </p:nvPr>
+        </p:nvSpPr>
+        <p:spPr/>
+        <p:txBody>
+          <a:bodyPr/>
+          <a:lstStyle/>
+          <a:p>
+            <a:fld id="{9D5549BC-61B0-4C3E-8ADD-4B28CE73CEF6}" type="slidenum">
+              <a:rPr lang="es-ES" smtClean="0"/>
+              <a:t>7</a:t>
+            </a:fld>
+            <a:endParaRPr lang="es-ES" dirty="0"/>
+          </a:p>
+        </p:txBody>
+      </p:sp>
+    </p:spTree>
+    <p:extLst>
+      <p:ext uri="{BB962C8B-B14F-4D97-AF65-F5344CB8AC3E}">
+        <p14:creationId xmlns:p14="http://schemas.microsoft.com/office/powerpoint/2010/main" val="1070727992"/>
+      </p:ext>
+    </p:extLst>
+  </p:cSld>
+  <p:clrMapOvr>
+    <a:masterClrMapping/>
+  </p:clrMapOvr>
+</p:notes>
+</file>
+
+<file path=ppt/notesSlides/notesSlide8.xml><?xml version="1.0" encoding="utf-8"?>
+<p:notes xmlns:a="http://schemas.openxmlformats.org/drawingml/2006/main" xmlns:r="http://schemas.openxmlformats.org/officeDocument/2006/relationships" xmlns:p="http://schemas.openxmlformats.org/presentationml/2006/main">
+  <p:cSld>
+    <p:spTree>
+      <p:nvGrpSpPr>
+        <p:cNvPr id="1" name=""/>
+        <p:cNvGrpSpPr/>
+        <p:nvPr/>
+      </p:nvGrpSpPr>
+      <p:grpSpPr>
+        <a:xfrm>
+          <a:off x="0" y="0"/>
+          <a:ext cx="0" cy="0"/>
+          <a:chOff x="0" y="0"/>
+          <a:chExt cx="0" cy="0"/>
+        </a:xfrm>
+      </p:grpSpPr>
+      <p:sp>
+        <p:nvSpPr>
+          <p:cNvPr id="2" name="Marcador de imagen de diapositiva 1"/>
+          <p:cNvSpPr>
+            <a:spLocks noGrp="1" noRot="1" noChangeAspect="1"/>
+          </p:cNvSpPr>
+          <p:nvPr>
+            <p:ph type="sldImg"/>
+          </p:nvPr>
+        </p:nvSpPr>
+        <p:spPr/>
+      </p:sp>
+      <p:sp>
+        <p:nvSpPr>
+          <p:cNvPr id="3" name="Marcador de notas 2"/>
+          <p:cNvSpPr>
+            <a:spLocks noGrp="1"/>
+          </p:cNvSpPr>
+          <p:nvPr>
+            <p:ph type="body" idx="1"/>
+          </p:nvPr>
+        </p:nvSpPr>
+        <p:spPr/>
+        <p:txBody>
+          <a:bodyPr/>
+          <a:lstStyle/>
+          <a:p>
+            <a:r>
+              <a:rPr lang="es-ES" dirty="0"/>
+              <a:t>IBAÑEZ</a:t>
+            </a:r>
+          </a:p>
+        </p:txBody>
+      </p:sp>
+      <p:sp>
+        <p:nvSpPr>
+          <p:cNvPr id="4" name="Marcador de número de diapositiva 3"/>
+          <p:cNvSpPr>
+            <a:spLocks noGrp="1"/>
+          </p:cNvSpPr>
+          <p:nvPr>
+            <p:ph type="sldNum" sz="quarter" idx="5"/>
+          </p:nvPr>
+        </p:nvSpPr>
+        <p:spPr/>
+        <p:txBody>
+          <a:bodyPr/>
+          <a:lstStyle/>
+          <a:p>
+            <a:fld id="{9D5549BC-61B0-4C3E-8ADD-4B28CE73CEF6}" type="slidenum">
+              <a:rPr lang="es-ES" smtClean="0"/>
+              <a:t>8</a:t>
+            </a:fld>
+            <a:endParaRPr lang="es-ES" dirty="0"/>
+          </a:p>
+        </p:txBody>
+      </p:sp>
+    </p:spTree>
+    <p:extLst>
+      <p:ext uri="{BB962C8B-B14F-4D97-AF65-F5344CB8AC3E}">
+        <p14:creationId xmlns:p14="http://schemas.microsoft.com/office/powerpoint/2010/main" val="3286743958"/>
+      </p:ext>
+    </p:extLst>
+  </p:cSld>
+  <p:clrMapOvr>
+    <a:masterClrMapping/>
+  </p:clrMapOvr>
+</p:notes>
+</file>
+
+<file path=ppt/notesSlides/notesSlide9.xml><?xml version="1.0" encoding="utf-8"?>
+<p:notes xmlns:a="http://schemas.openxmlformats.org/drawingml/2006/main" xmlns:r="http://schemas.openxmlformats.org/officeDocument/2006/relationships" xmlns:p="http://schemas.openxmlformats.org/presentationml/2006/main">
+  <p:cSld>
+    <p:spTree>
+      <p:nvGrpSpPr>
+        <p:cNvPr id="1" name=""/>
+        <p:cNvGrpSpPr/>
+        <p:nvPr/>
+      </p:nvGrpSpPr>
+      <p:grpSpPr>
+        <a:xfrm>
+          <a:off x="0" y="0"/>
+          <a:ext cx="0" cy="0"/>
+          <a:chOff x="0" y="0"/>
+          <a:chExt cx="0" cy="0"/>
+        </a:xfrm>
+      </p:grpSpPr>
+      <p:sp>
+        <p:nvSpPr>
+          <p:cNvPr id="2" name="Marcador de imagen de diapositiva 1"/>
+          <p:cNvSpPr>
+            <a:spLocks noGrp="1" noRot="1" noChangeAspect="1"/>
+          </p:cNvSpPr>
+          <p:nvPr>
+            <p:ph type="sldImg"/>
+          </p:nvPr>
+        </p:nvSpPr>
+        <p:spPr/>
+      </p:sp>
+      <p:sp>
+        <p:nvSpPr>
+          <p:cNvPr id="3" name="Marcador de notas 2"/>
+          <p:cNvSpPr>
+            <a:spLocks noGrp="1"/>
+          </p:cNvSpPr>
+          <p:nvPr>
+            <p:ph type="body" idx="1"/>
+          </p:nvPr>
+        </p:nvSpPr>
+        <p:spPr/>
+        <p:txBody>
+          <a:bodyPr/>
+          <a:lstStyle/>
+          <a:p>
+            <a:r>
+              <a:rPr lang="es-ES" dirty="0"/>
+              <a:t>CHAMORRO</a:t>
+            </a:r>
+          </a:p>
+        </p:txBody>
+      </p:sp>
+      <p:sp>
+        <p:nvSpPr>
+          <p:cNvPr id="4" name="Marcador de número de diapositiva 3"/>
+          <p:cNvSpPr>
+            <a:spLocks noGrp="1"/>
+          </p:cNvSpPr>
+          <p:nvPr>
+            <p:ph type="sldNum" sz="quarter" idx="5"/>
+          </p:nvPr>
+        </p:nvSpPr>
+        <p:spPr/>
+        <p:txBody>
+          <a:bodyPr/>
+          <a:lstStyle/>
+          <a:p>
+            <a:fld id="{9D5549BC-61B0-4C3E-8ADD-4B28CE73CEF6}" type="slidenum">
+              <a:rPr lang="es-ES" smtClean="0"/>
+              <a:t>9</a:t>
+            </a:fld>
+            <a:endParaRPr lang="es-ES" dirty="0"/>
+          </a:p>
+        </p:txBody>
+      </p:sp>
+    </p:spTree>
+    <p:extLst>
+      <p:ext uri="{BB962C8B-B14F-4D97-AF65-F5344CB8AC3E}">
+        <p14:creationId xmlns:p14="http://schemas.microsoft.com/office/powerpoint/2010/main" val="3171215772"/>
+      </p:ext>
+    </p:extLst>
+  </p:cSld>
+  <p:clrMapOvr>
+    <a:masterClrMapping/>
+  </p:clrMapOvr>
+</p:notes>
+</file>
+
 <file path=ppt/slideLayouts/slideLayout1.xml><?xml version="1.0" encoding="utf-8"?>
 <p:sldLayout xmlns:a="http://schemas.openxmlformats.org/drawingml/2006/main" xmlns:r="http://schemas.openxmlformats.org/officeDocument/2006/relationships" xmlns:p="http://schemas.openxmlformats.org/presentationml/2006/main" type="title" preserve="1">
   <p:cSld name="Diapositiva de título">
@@ -261,7 +2533,7 @@
           <a:bodyPr/>
           <a:lstStyle/>
           <a:p>
-            <a:fld id="{2682319F-1B8B-4E8A-BDA0-1E8965360707}" type="datetimeFigureOut">
+            <a:fld id="{8F726CFB-BBD8-487B-9D10-FB29DC5CC94B}" type="datetime1">
               <a:rPr lang="es-ES" smtClean="0"/>
               <a:t>17/11/2023</a:t>
             </a:fld>
@@ -429,7 +2701,7 @@
           <a:bodyPr/>
           <a:lstStyle/>
           <a:p>
-            <a:fld id="{2682319F-1B8B-4E8A-BDA0-1E8965360707}" type="datetimeFigureOut">
+            <a:fld id="{0CE0A7AF-41FF-4F19-AE85-00BC0BA1715F}" type="datetime1">
               <a:rPr lang="es-ES" smtClean="0"/>
               <a:t>17/11/2023</a:t>
             </a:fld>
@@ -607,7 +2879,7 @@
           <a:bodyPr/>
           <a:lstStyle/>
           <a:p>
-            <a:fld id="{2682319F-1B8B-4E8A-BDA0-1E8965360707}" type="datetimeFigureOut">
+            <a:fld id="{E88F3726-FF68-460B-9AE7-0CE26A03E5CC}" type="datetime1">
               <a:rPr lang="es-ES" smtClean="0"/>
               <a:t>17/11/2023</a:t>
             </a:fld>
@@ -775,7 +3047,7 @@
           <a:bodyPr/>
           <a:lstStyle/>
           <a:p>
-            <a:fld id="{2682319F-1B8B-4E8A-BDA0-1E8965360707}" type="datetimeFigureOut">
+            <a:fld id="{DCAB7DD3-3589-4E0E-AAA5-27D2582DF6B6}" type="datetime1">
               <a:rPr lang="es-ES" smtClean="0"/>
               <a:t>17/11/2023</a:t>
             </a:fld>
@@ -1020,7 +3292,7 @@
           <a:bodyPr/>
           <a:lstStyle/>
           <a:p>
-            <a:fld id="{2682319F-1B8B-4E8A-BDA0-1E8965360707}" type="datetimeFigureOut">
+            <a:fld id="{E119526E-88BE-430E-85E0-99EF22621B8F}" type="datetime1">
               <a:rPr lang="es-ES" smtClean="0"/>
               <a:t>17/11/2023</a:t>
             </a:fld>
@@ -1249,7 +3521,7 @@
           <a:bodyPr/>
           <a:lstStyle/>
           <a:p>
-            <a:fld id="{2682319F-1B8B-4E8A-BDA0-1E8965360707}" type="datetimeFigureOut">
+            <a:fld id="{0145F5E1-65E1-43A0-B96A-8782D442FC79}" type="datetime1">
               <a:rPr lang="es-ES" smtClean="0"/>
               <a:t>17/11/2023</a:t>
             </a:fld>
@@ -1613,7 +3885,7 @@
           <a:bodyPr/>
           <a:lstStyle/>
           <a:p>
-            <a:fld id="{2682319F-1B8B-4E8A-BDA0-1E8965360707}" type="datetimeFigureOut">
+            <a:fld id="{0A046E0E-696B-4442-9EFC-7C9A1EC7324F}" type="datetime1">
               <a:rPr lang="es-ES" smtClean="0"/>
               <a:t>17/11/2023</a:t>
             </a:fld>
@@ -1730,7 +4002,7 @@
           <a:bodyPr/>
           <a:lstStyle/>
           <a:p>
-            <a:fld id="{2682319F-1B8B-4E8A-BDA0-1E8965360707}" type="datetimeFigureOut">
+            <a:fld id="{17917E62-B0D2-4E33-AB21-276729FA86D3}" type="datetime1">
               <a:rPr lang="es-ES" smtClean="0"/>
               <a:t>17/11/2023</a:t>
             </a:fld>
@@ -1825,7 +4097,7 @@
           <a:bodyPr/>
           <a:lstStyle/>
           <a:p>
-            <a:fld id="{2682319F-1B8B-4E8A-BDA0-1E8965360707}" type="datetimeFigureOut">
+            <a:fld id="{3879D4F6-E812-4C72-A287-50420783FE91}" type="datetime1">
               <a:rPr lang="es-ES" smtClean="0"/>
               <a:t>17/11/2023</a:t>
             </a:fld>
@@ -2100,7 +4372,7 @@
           <a:bodyPr/>
           <a:lstStyle/>
           <a:p>
-            <a:fld id="{2682319F-1B8B-4E8A-BDA0-1E8965360707}" type="datetimeFigureOut">
+            <a:fld id="{2BFC9975-C445-4949-B4F7-D85537AB5EDB}" type="datetime1">
               <a:rPr lang="es-ES" smtClean="0"/>
               <a:t>17/11/2023</a:t>
             </a:fld>
@@ -2352,7 +4624,7 @@
           <a:bodyPr/>
           <a:lstStyle/>
           <a:p>
-            <a:fld id="{2682319F-1B8B-4E8A-BDA0-1E8965360707}" type="datetimeFigureOut">
+            <a:fld id="{7C5C1C9A-A0B6-4B9B-A5DC-D145EF6B12A2}" type="datetime1">
               <a:rPr lang="es-ES" smtClean="0"/>
               <a:t>17/11/2023</a:t>
             </a:fld>
@@ -2566,7 +4838,7 @@
             </a:lvl1pPr>
           </a:lstStyle>
           <a:p>
-            <a:fld id="{2682319F-1B8B-4E8A-BDA0-1E8965360707}" type="datetimeFigureOut">
+            <a:fld id="{0D69C53B-7B86-46C8-B7C3-C27F179C23E5}" type="datetime1">
               <a:rPr lang="es-ES" smtClean="0"/>
               <a:t>17/11/2023</a:t>
             </a:fld>
@@ -2673,6 +4945,7 @@
     <p:sldLayoutId id="2147483658" r:id="rId10"/>
     <p:sldLayoutId id="2147483659" r:id="rId11"/>
   </p:sldLayoutIdLst>
+  <p:hf hdr="0" ftr="0" dt="0"/>
   <p:txStyles>
     <p:titleStyle>
       <a:lvl1pPr algn="l" defTabSz="914400" rtl="0" eaLnBrk="1" latinLnBrk="0" hangingPunct="1">
@@ -2982,11 +5255,11 @@
           <p:nvPr/>
         </p:nvPicPr>
         <p:blipFill>
-          <a:blip r:embed="rId2" cstate="print">
+          <a:blip r:embed="rId3" cstate="print">
             <a:extLst>
               <a:ext uri="{BEBA8EAE-BF5A-486C-A8C5-ECC9F3942E4B}">
                 <a14:imgProps xmlns:a14="http://schemas.microsoft.com/office/drawing/2010/main">
-                  <a14:imgLayer r:embed="rId3">
+                  <a14:imgLayer r:embed="rId4">
                     <a14:imgEffect>
                       <a14:brightnessContrast bright="-8000"/>
                     </a14:imgEffect>
@@ -3143,7 +5416,7 @@
           <p:nvPr/>
         </p:nvPicPr>
         <p:blipFill rotWithShape="1">
-          <a:blip r:embed="rId4">
+          <a:blip r:embed="rId5">
             <a:extLst>
               <a:ext uri="{28A0092B-C50C-407E-A947-70E740481C1C}">
                 <a14:useLocalDpi xmlns:a14="http://schemas.microsoft.com/office/drawing/2010/main" val="0"/>
@@ -3163,6 +5436,35 @@
           </a:prstGeom>
         </p:spPr>
       </p:pic>
+      <p:sp>
+        <p:nvSpPr>
+          <p:cNvPr id="6" name="Marcador de número de diapositiva 5">
+            <a:extLst>
+              <a:ext uri="{FF2B5EF4-FFF2-40B4-BE49-F238E27FC236}">
+                <a16:creationId xmlns:a16="http://schemas.microsoft.com/office/drawing/2014/main" id="{851EEFB7-6CEF-9614-E7DC-40626C050385}"/>
+              </a:ext>
+            </a:extLst>
+          </p:cNvPr>
+          <p:cNvSpPr>
+            <a:spLocks noGrp="1"/>
+          </p:cNvSpPr>
+          <p:nvPr>
+            <p:ph type="sldNum" sz="quarter" idx="12"/>
+          </p:nvPr>
+        </p:nvSpPr>
+        <p:spPr/>
+        <p:txBody>
+          <a:bodyPr/>
+          <a:lstStyle/>
+          <a:p>
+            <a:fld id="{0308B8C6-4BEB-4382-93FE-5F3DFD9EA2DC}" type="slidenum">
+              <a:rPr lang="es-ES" smtClean="0"/>
+              <a:t>1</a:t>
+            </a:fld>
+            <a:endParaRPr lang="es-ES" dirty="0"/>
+          </a:p>
+        </p:txBody>
+      </p:sp>
     </p:spTree>
     <p:extLst>
       <p:ext uri="{BB962C8B-B14F-4D97-AF65-F5344CB8AC3E}">
@@ -3173,13 +5475,6 @@
   <p:clrMapOvr>
     <a:masterClrMapping/>
   </p:clrMapOvr>
-  <p:timing>
-    <p:tnLst>
-      <p:par>
-        <p:cTn id="1" dur="indefinite" restart="never" nodeType="tmRoot"/>
-      </p:par>
-    </p:tnLst>
-  </p:timing>
 </p:sld>
 </file>
 
@@ -3217,7 +5512,7 @@
           </p:nvPr>
         </p:nvPicPr>
         <p:blipFill>
-          <a:blip r:embed="rId2" cstate="print">
+          <a:blip r:embed="rId3" cstate="print">
             <a:extLst>
               <a:ext uri="{28A0092B-C50C-407E-A947-70E740481C1C}">
                 <a14:useLocalDpi xmlns:a14="http://schemas.microsoft.com/office/drawing/2010/main" val="0"/>
@@ -3428,7 +5723,7 @@
           <p:nvPr/>
         </p:nvPicPr>
         <p:blipFill>
-          <a:blip r:embed="rId3"/>
+          <a:blip r:embed="rId4"/>
           <a:stretch>
             <a:fillRect/>
           </a:stretch>
@@ -3500,7 +5795,7 @@
           <p:nvPr/>
         </p:nvPicPr>
         <p:blipFill>
-          <a:blip r:embed="rId4" cstate="print">
+          <a:blip r:embed="rId5" cstate="print">
             <a:extLst>
               <a:ext uri="{28A0092B-C50C-407E-A947-70E740481C1C}">
                 <a14:useLocalDpi xmlns:a14="http://schemas.microsoft.com/office/drawing/2010/main" val="0"/>
@@ -3558,8 +5853,37 @@
                   </a:schemeClr>
                 </a:solidFill>
               </a:rPr>
-              <a:t>OdooControl</a:t>
-            </a:r>
+              <a:t>OdooControl Logoa</a:t>
+            </a:r>
+          </a:p>
+        </p:txBody>
+      </p:sp>
+      <p:sp>
+        <p:nvSpPr>
+          <p:cNvPr id="3" name="Marcador de número de diapositiva 2">
+            <a:extLst>
+              <a:ext uri="{FF2B5EF4-FFF2-40B4-BE49-F238E27FC236}">
+                <a16:creationId xmlns:a16="http://schemas.microsoft.com/office/drawing/2014/main" id="{F3D51919-5890-021B-22EA-F9A04A8C81EC}"/>
+              </a:ext>
+            </a:extLst>
+          </p:cNvPr>
+          <p:cNvSpPr>
+            <a:spLocks noGrp="1"/>
+          </p:cNvSpPr>
+          <p:nvPr>
+            <p:ph type="sldNum" sz="quarter" idx="12"/>
+          </p:nvPr>
+        </p:nvSpPr>
+        <p:spPr/>
+        <p:txBody>
+          <a:bodyPr/>
+          <a:lstStyle/>
+          <a:p>
+            <a:fld id="{0308B8C6-4BEB-4382-93FE-5F3DFD9EA2DC}" type="slidenum">
+              <a:rPr lang="es-ES" smtClean="0"/>
+              <a:t>10</a:t>
+            </a:fld>
+            <a:endParaRPr lang="es-ES" dirty="0"/>
           </a:p>
         </p:txBody>
       </p:sp>
@@ -3573,13 +5897,6 @@
   <p:clrMapOvr>
     <a:masterClrMapping/>
   </p:clrMapOvr>
-  <p:timing>
-    <p:tnLst>
-      <p:par>
-        <p:cTn id="1" dur="indefinite" restart="never" nodeType="tmRoot"/>
-      </p:par>
-    </p:tnLst>
-  </p:timing>
 </p:sld>
 </file>
 
@@ -3617,7 +5934,7 @@
           </p:nvPr>
         </p:nvPicPr>
         <p:blipFill>
-          <a:blip r:embed="rId2" cstate="print">
+          <a:blip r:embed="rId3" cstate="print">
             <a:extLst>
               <a:ext uri="{28A0092B-C50C-407E-A947-70E740481C1C}">
                 <a14:useLocalDpi xmlns:a14="http://schemas.microsoft.com/office/drawing/2010/main" val="0"/>
@@ -3707,62 +6024,7 @@
                   </a:schemeClr>
                 </a:solidFill>
               </a:rPr>
-              <a:t>Aplikazioak bi datu base ditu, horrela segurtasuna handitzen dugu eta ez ditugu konexio asko botatzen datu base printzipalera. Aplikazioa </a:t>
-            </a:r>
-            <a:r>
-              <a:rPr lang="es-ES" dirty="0" err="1">
-                <a:solidFill>
-                  <a:schemeClr val="accent5">
-                    <a:lumMod val="20000"/>
-                    <a:lumOff val="80000"/>
-                  </a:schemeClr>
-                </a:solidFill>
-              </a:rPr>
-              <a:t>irekitzerakoan</a:t>
-            </a:r>
-            <a:r>
-              <a:rPr lang="es-ES" dirty="0">
-                <a:solidFill>
-                  <a:schemeClr val="accent5">
-                    <a:lumMod val="20000"/>
-                    <a:lumOff val="80000"/>
-                  </a:schemeClr>
-                </a:solidFill>
-              </a:rPr>
-              <a:t> </a:t>
-            </a:r>
-            <a:r>
-              <a:rPr lang="es-ES" dirty="0" err="1" smtClean="0">
-                <a:solidFill>
-                  <a:schemeClr val="accent5">
-                    <a:lumMod val="20000"/>
-                    <a:lumOff val="80000"/>
-                  </a:schemeClr>
-                </a:solidFill>
-              </a:rPr>
-              <a:t>datuak</a:t>
-            </a:r>
-            <a:r>
-              <a:rPr lang="es-ES" dirty="0" smtClean="0">
-                <a:solidFill>
-                  <a:schemeClr val="accent5">
-                    <a:lumMod val="20000"/>
-                    <a:lumOff val="80000"/>
-                  </a:schemeClr>
-                </a:solidFill>
-              </a:rPr>
-              <a:t> </a:t>
-            </a:r>
-            <a:r>
-              <a:rPr lang="es-ES" dirty="0">
-                <a:solidFill>
-                  <a:schemeClr val="accent5">
-                    <a:lumMod val="20000"/>
-                    <a:lumOff val="80000"/>
-                  </a:schemeClr>
-                </a:solidFill>
-              </a:rPr>
-              <a:t>automatikoki aktualizatzen dira, hau da, PostgreSQLko beharrezko datuak hartu eta MySQLko datu basean sartzen ditu, datu bakoitza dagokien tauletan.</a:t>
+              <a:t>Aplikazioak bi datu base ditu, horrela segurtasuna handitzen dugu eta ez ditugu konexio asko botatzen datu base printzipalera. Aplikazioa irekitzerakoan datuak automatikoki aktualizatzen dira, hau da, PostgreSQLko beharrezko datuak hartu eta MySQLko datu basean sartzen ditu, datu bakoitza dagokien tauletan.</a:t>
             </a:r>
           </a:p>
         </p:txBody>
@@ -3782,7 +6044,7 @@
           <p:nvPr/>
         </p:nvPicPr>
         <p:blipFill>
-          <a:blip r:embed="rId3" cstate="print">
+          <a:blip r:embed="rId4" cstate="print">
             <a:extLst>
               <a:ext uri="{28A0092B-C50C-407E-A947-70E740481C1C}">
                 <a14:useLocalDpi xmlns:a14="http://schemas.microsoft.com/office/drawing/2010/main" val="0"/>
@@ -3829,7 +6091,7 @@
           <p:nvPr/>
         </p:nvPicPr>
         <p:blipFill>
-          <a:blip r:embed="rId4"/>
+          <a:blip r:embed="rId5"/>
           <a:stretch>
             <a:fillRect/>
           </a:stretch>
@@ -3950,7 +6212,7 @@
           <p:nvPr/>
         </p:nvPicPr>
         <p:blipFill>
-          <a:blip r:embed="rId5" cstate="print">
+          <a:blip r:embed="rId6" cstate="print">
             <a:extLst>
               <a:ext uri="{28A0092B-C50C-407E-A947-70E740481C1C}">
                 <a14:useLocalDpi xmlns:a14="http://schemas.microsoft.com/office/drawing/2010/main" val="0"/>
@@ -4044,7 +6306,7 @@
           <p:nvPr/>
         </p:nvPicPr>
         <p:blipFill>
-          <a:blip r:embed="rId6"/>
+          <a:blip r:embed="rId7"/>
           <a:stretch>
             <a:fillRect/>
           </a:stretch>
@@ -4074,7 +6336,7 @@
           <p:nvPr/>
         </p:nvPicPr>
         <p:blipFill>
-          <a:blip r:embed="rId5" cstate="print">
+          <a:blip r:embed="rId6" cstate="print">
             <a:extLst>
               <a:ext uri="{28A0092B-C50C-407E-A947-70E740481C1C}">
                 <a14:useLocalDpi xmlns:a14="http://schemas.microsoft.com/office/drawing/2010/main" val="0"/>
@@ -4237,6 +6499,35 @@
           </a:p>
         </p:txBody>
       </p:sp>
+      <p:sp>
+        <p:nvSpPr>
+          <p:cNvPr id="3" name="Marcador de número de diapositiva 2">
+            <a:extLst>
+              <a:ext uri="{FF2B5EF4-FFF2-40B4-BE49-F238E27FC236}">
+                <a16:creationId xmlns:a16="http://schemas.microsoft.com/office/drawing/2014/main" id="{8CB1D5CE-460A-1ADA-ABCB-9775F6FDA94E}"/>
+              </a:ext>
+            </a:extLst>
+          </p:cNvPr>
+          <p:cNvSpPr>
+            <a:spLocks noGrp="1"/>
+          </p:cNvSpPr>
+          <p:nvPr>
+            <p:ph type="sldNum" sz="quarter" idx="12"/>
+          </p:nvPr>
+        </p:nvSpPr>
+        <p:spPr/>
+        <p:txBody>
+          <a:bodyPr/>
+          <a:lstStyle/>
+          <a:p>
+            <a:fld id="{0308B8C6-4BEB-4382-93FE-5F3DFD9EA2DC}" type="slidenum">
+              <a:rPr lang="es-ES" smtClean="0"/>
+              <a:t>11</a:t>
+            </a:fld>
+            <a:endParaRPr lang="es-ES" dirty="0"/>
+          </a:p>
+        </p:txBody>
+      </p:sp>
     </p:spTree>
     <p:extLst>
       <p:ext uri="{BB962C8B-B14F-4D97-AF65-F5344CB8AC3E}">
@@ -4247,13 +6538,6 @@
   <p:clrMapOvr>
     <a:masterClrMapping/>
   </p:clrMapOvr>
-  <p:timing>
-    <p:tnLst>
-      <p:par>
-        <p:cTn id="1" dur="indefinite" restart="never" nodeType="tmRoot"/>
-      </p:par>
-    </p:tnLst>
-  </p:timing>
 </p:sld>
 </file>
 
@@ -4291,7 +6575,7 @@
           </p:nvPr>
         </p:nvPicPr>
         <p:blipFill>
-          <a:blip r:embed="rId3" cstate="print">
+          <a:blip r:embed="rId4" cstate="print">
             <a:extLst>
               <a:ext uri="{28A0092B-C50C-407E-A947-70E740481C1C}">
                 <a14:useLocalDpi xmlns:a14="http://schemas.microsoft.com/office/drawing/2010/main" val="0"/>
@@ -4408,10 +6692,10 @@
                     <a:lumOff val="80000"/>
                   </a:schemeClr>
                 </a:solidFill>
-                <a:hlinkClick r:id="rId4">
+                <a:hlinkClick r:id="rId5">
                   <a:extLst>
                     <a:ext uri="{A12FA001-AC4F-418D-AE19-62706E023703}">
-                      <ahyp:hlinkClr xmlns="" xmlns:ahyp="http://schemas.microsoft.com/office/drawing/2018/hyperlinkcolor" val="tx"/>
+                      <ahyp:hlinkClr xmlns:ahyp="http://schemas.microsoft.com/office/drawing/2018/hyperlinkcolor" val="tx"/>
                     </a:ext>
                   </a:extLst>
                 </a:hlinkClick>
@@ -4450,7 +6734,7 @@
           </p:nvPr>
         </p:nvPicPr>
         <p:blipFill>
-          <a:blip r:embed="rId5"/>
+          <a:blip r:embed="rId6"/>
           <a:stretch>
             <a:fillRect/>
           </a:stretch>
@@ -4465,6 +6749,35 @@
           </a:prstGeom>
         </p:spPr>
       </p:pic>
+      <p:sp>
+        <p:nvSpPr>
+          <p:cNvPr id="4" name="Marcador de número de diapositiva 3">
+            <a:extLst>
+              <a:ext uri="{FF2B5EF4-FFF2-40B4-BE49-F238E27FC236}">
+                <a16:creationId xmlns:a16="http://schemas.microsoft.com/office/drawing/2014/main" id="{A26F7105-A7FA-D146-4850-E3F739A824AB}"/>
+              </a:ext>
+            </a:extLst>
+          </p:cNvPr>
+          <p:cNvSpPr>
+            <a:spLocks noGrp="1"/>
+          </p:cNvSpPr>
+          <p:nvPr>
+            <p:ph type="sldNum" sz="quarter" idx="12"/>
+          </p:nvPr>
+        </p:nvSpPr>
+        <p:spPr/>
+        <p:txBody>
+          <a:bodyPr/>
+          <a:lstStyle/>
+          <a:p>
+            <a:fld id="{0308B8C6-4BEB-4382-93FE-5F3DFD9EA2DC}" type="slidenum">
+              <a:rPr lang="es-ES" smtClean="0"/>
+              <a:t>12</a:t>
+            </a:fld>
+            <a:endParaRPr lang="es-ES" dirty="0"/>
+          </a:p>
+        </p:txBody>
+      </p:sp>
     </p:spTree>
     <p:extLst>
       <p:ext uri="{BB962C8B-B14F-4D97-AF65-F5344CB8AC3E}">
@@ -4647,7 +6960,7 @@
           </p:nvPr>
         </p:nvPicPr>
         <p:blipFill>
-          <a:blip r:embed="rId2" cstate="print">
+          <a:blip r:embed="rId3" cstate="print">
             <a:extLst>
               <a:ext uri="{28A0092B-C50C-407E-A947-70E740481C1C}">
                 <a14:useLocalDpi xmlns:a14="http://schemas.microsoft.com/office/drawing/2010/main" val="0"/>
@@ -4770,53 +7083,6 @@
             <a:extLst>
               <a:ext uri="{FF2B5EF4-FFF2-40B4-BE49-F238E27FC236}">
                 <a16:creationId xmlns:a16="http://schemas.microsoft.com/office/drawing/2014/main" id="{725735DB-5F0B-DE3B-057F-1204F6F822A2}"/>
-              </a:ext>
-            </a:extLst>
-          </p:cNvPr>
-          <p:cNvPicPr>
-            <a:picLocks noChangeAspect="1" noChangeArrowheads="1"/>
-          </p:cNvPicPr>
-          <p:nvPr/>
-        </p:nvPicPr>
-        <p:blipFill>
-          <a:blip r:embed="rId3" cstate="print">
-            <a:extLst>
-              <a:ext uri="{28A0092B-C50C-407E-A947-70E740481C1C}">
-                <a14:useLocalDpi xmlns:a14="http://schemas.microsoft.com/office/drawing/2010/main" val="0"/>
-              </a:ext>
-            </a:extLst>
-          </a:blip>
-          <a:srcRect/>
-          <a:stretch>
-            <a:fillRect/>
-          </a:stretch>
-        </p:blipFill>
-        <p:spPr bwMode="auto">
-          <a:xfrm>
-            <a:off x="1515534" y="3849337"/>
-            <a:ext cx="3005666" cy="1502833"/>
-          </a:xfrm>
-          <a:prstGeom prst="rect">
-            <a:avLst/>
-          </a:prstGeom>
-          <a:noFill/>
-          <a:extLst>
-            <a:ext uri="{909E8E84-426E-40DD-AFC4-6F175D3DCCD1}">
-              <a14:hiddenFill xmlns:a14="http://schemas.microsoft.com/office/drawing/2010/main">
-                <a:solidFill>
-                  <a:srgbClr val="FFFFFF"/>
-                </a:solidFill>
-              </a14:hiddenFill>
-            </a:ext>
-          </a:extLst>
-        </p:spPr>
-      </p:pic>
-      <p:pic>
-        <p:nvPicPr>
-          <p:cNvPr id="7172" name="Picture 4" descr="Dark UI design best practices. Designing a dark theme UI comes with… | by  Miklos Philips | UX Collective">
-            <a:extLst>
-              <a:ext uri="{FF2B5EF4-FFF2-40B4-BE49-F238E27FC236}">
-                <a16:creationId xmlns:a16="http://schemas.microsoft.com/office/drawing/2014/main" id="{4248A8F3-8CFD-FB13-0DF5-0462BE5D2713}"/>
               </a:ext>
             </a:extLst>
           </p:cNvPr>
@@ -4840,8 +7106,8 @@
         </p:blipFill>
         <p:spPr bwMode="auto">
           <a:xfrm>
-            <a:off x="5473835" y="3380548"/>
-            <a:ext cx="4533765" cy="3112327"/>
+            <a:off x="1515534" y="3849337"/>
+            <a:ext cx="3005666" cy="1502833"/>
           </a:xfrm>
           <a:prstGeom prst="rect">
             <a:avLst/>
@@ -4858,6 +7124,82 @@
           </a:extLst>
         </p:spPr>
       </p:pic>
+      <p:pic>
+        <p:nvPicPr>
+          <p:cNvPr id="7172" name="Picture 4" descr="Dark UI design best practices. Designing a dark theme UI comes with… | by  Miklos Philips | UX Collective">
+            <a:extLst>
+              <a:ext uri="{FF2B5EF4-FFF2-40B4-BE49-F238E27FC236}">
+                <a16:creationId xmlns:a16="http://schemas.microsoft.com/office/drawing/2014/main" id="{4248A8F3-8CFD-FB13-0DF5-0462BE5D2713}"/>
+              </a:ext>
+            </a:extLst>
+          </p:cNvPr>
+          <p:cNvPicPr>
+            <a:picLocks noChangeAspect="1" noChangeArrowheads="1"/>
+          </p:cNvPicPr>
+          <p:nvPr/>
+        </p:nvPicPr>
+        <p:blipFill>
+          <a:blip r:embed="rId5" cstate="print">
+            <a:extLst>
+              <a:ext uri="{28A0092B-C50C-407E-A947-70E740481C1C}">
+                <a14:useLocalDpi xmlns:a14="http://schemas.microsoft.com/office/drawing/2010/main" val="0"/>
+              </a:ext>
+            </a:extLst>
+          </a:blip>
+          <a:srcRect/>
+          <a:stretch>
+            <a:fillRect/>
+          </a:stretch>
+        </p:blipFill>
+        <p:spPr bwMode="auto">
+          <a:xfrm>
+            <a:off x="5711579" y="3179380"/>
+            <a:ext cx="4533765" cy="3112327"/>
+          </a:xfrm>
+          <a:prstGeom prst="rect">
+            <a:avLst/>
+          </a:prstGeom>
+          <a:noFill/>
+          <a:extLst>
+            <a:ext uri="{909E8E84-426E-40DD-AFC4-6F175D3DCCD1}">
+              <a14:hiddenFill xmlns:a14="http://schemas.microsoft.com/office/drawing/2010/main">
+                <a:solidFill>
+                  <a:srgbClr val="FFFFFF"/>
+                </a:solidFill>
+              </a14:hiddenFill>
+            </a:ext>
+          </a:extLst>
+        </p:spPr>
+      </p:pic>
+      <p:sp>
+        <p:nvSpPr>
+          <p:cNvPr id="3" name="Marcador de número de diapositiva 2">
+            <a:extLst>
+              <a:ext uri="{FF2B5EF4-FFF2-40B4-BE49-F238E27FC236}">
+                <a16:creationId xmlns:a16="http://schemas.microsoft.com/office/drawing/2014/main" id="{01A02108-ED41-3280-28D3-9B0BD66E3436}"/>
+              </a:ext>
+            </a:extLst>
+          </p:cNvPr>
+          <p:cNvSpPr>
+            <a:spLocks noGrp="1"/>
+          </p:cNvSpPr>
+          <p:nvPr>
+            <p:ph type="sldNum" sz="quarter" idx="12"/>
+          </p:nvPr>
+        </p:nvSpPr>
+        <p:spPr/>
+        <p:txBody>
+          <a:bodyPr/>
+          <a:lstStyle/>
+          <a:p>
+            <a:fld id="{0308B8C6-4BEB-4382-93FE-5F3DFD9EA2DC}" type="slidenum">
+              <a:rPr lang="es-ES" smtClean="0"/>
+              <a:t>13</a:t>
+            </a:fld>
+            <a:endParaRPr lang="es-ES" dirty="0"/>
+          </a:p>
+        </p:txBody>
+      </p:sp>
     </p:spTree>
     <p:extLst>
       <p:ext uri="{BB962C8B-B14F-4D97-AF65-F5344CB8AC3E}">
@@ -4868,13 +7210,6 @@
   <p:clrMapOvr>
     <a:masterClrMapping/>
   </p:clrMapOvr>
-  <p:timing>
-    <p:tnLst>
-      <p:par>
-        <p:cTn id="1" dur="indefinite" restart="never" nodeType="tmRoot"/>
-      </p:par>
-    </p:tnLst>
-  </p:timing>
 </p:sld>
 </file>
 
@@ -4912,7 +7247,7 @@
           </p:nvPr>
         </p:nvPicPr>
         <p:blipFill>
-          <a:blip r:embed="rId2" cstate="print">
+          <a:blip r:embed="rId3" cstate="print">
             <a:extLst>
               <a:ext uri="{28A0092B-C50C-407E-A947-70E740481C1C}">
                 <a14:useLocalDpi xmlns:a14="http://schemas.microsoft.com/office/drawing/2010/main" val="0"/>
@@ -5061,7 +7396,7 @@
           <p:nvPr/>
         </p:nvPicPr>
         <p:blipFill rotWithShape="1">
-          <a:blip r:embed="rId3">
+          <a:blip r:embed="rId4">
             <a:extLst>
               <a:ext uri="{28A0092B-C50C-407E-A947-70E740481C1C}">
                 <a14:useLocalDpi xmlns:a14="http://schemas.microsoft.com/office/drawing/2010/main" val="0"/>
@@ -5081,6 +7416,35 @@
           </a:prstGeom>
         </p:spPr>
       </p:pic>
+      <p:sp>
+        <p:nvSpPr>
+          <p:cNvPr id="4" name="Marcador de número de diapositiva 3">
+            <a:extLst>
+              <a:ext uri="{FF2B5EF4-FFF2-40B4-BE49-F238E27FC236}">
+                <a16:creationId xmlns:a16="http://schemas.microsoft.com/office/drawing/2014/main" id="{A366D166-B776-E591-BFD9-365A5779996A}"/>
+              </a:ext>
+            </a:extLst>
+          </p:cNvPr>
+          <p:cNvSpPr>
+            <a:spLocks noGrp="1"/>
+          </p:cNvSpPr>
+          <p:nvPr>
+            <p:ph type="sldNum" sz="quarter" idx="12"/>
+          </p:nvPr>
+        </p:nvSpPr>
+        <p:spPr/>
+        <p:txBody>
+          <a:bodyPr/>
+          <a:lstStyle/>
+          <a:p>
+            <a:fld id="{0308B8C6-4BEB-4382-93FE-5F3DFD9EA2DC}" type="slidenum">
+              <a:rPr lang="es-ES" smtClean="0"/>
+              <a:t>14</a:t>
+            </a:fld>
+            <a:endParaRPr lang="es-ES" dirty="0"/>
+          </a:p>
+        </p:txBody>
+      </p:sp>
     </p:spTree>
     <p:extLst>
       <p:ext uri="{BB962C8B-B14F-4D97-AF65-F5344CB8AC3E}">
@@ -5091,13 +7455,6 @@
   <p:clrMapOvr>
     <a:masterClrMapping/>
   </p:clrMapOvr>
-  <p:timing>
-    <p:tnLst>
-      <p:par>
-        <p:cTn id="1" dur="indefinite" restart="never" nodeType="tmRoot"/>
-      </p:par>
-    </p:tnLst>
-  </p:timing>
 </p:sld>
 </file>
 
@@ -5135,7 +7492,7 @@
           </p:nvPr>
         </p:nvPicPr>
         <p:blipFill>
-          <a:blip r:embed="rId2" cstate="print">
+          <a:blip r:embed="rId3" cstate="print">
             <a:extLst>
               <a:ext uri="{28A0092B-C50C-407E-A947-70E740481C1C}">
                 <a14:useLocalDpi xmlns:a14="http://schemas.microsoft.com/office/drawing/2010/main" val="0"/>
@@ -5250,7 +7607,7 @@
           <p:nvPr/>
         </p:nvPicPr>
         <p:blipFill>
-          <a:blip r:embed="rId3" cstate="print">
+          <a:blip r:embed="rId4" cstate="print">
             <a:extLst>
               <a:ext uri="{28A0092B-C50C-407E-A947-70E740481C1C}">
                 <a14:useLocalDpi xmlns:a14="http://schemas.microsoft.com/office/drawing/2010/main" val="0"/>
@@ -5297,7 +7654,7 @@
           <p:nvPr/>
         </p:nvPicPr>
         <p:blipFill>
-          <a:blip r:embed="rId4" cstate="print">
+          <a:blip r:embed="rId5" cstate="print">
             <a:extLst>
               <a:ext uri="{28A0092B-C50C-407E-A947-70E740481C1C}">
                 <a14:useLocalDpi xmlns:a14="http://schemas.microsoft.com/office/drawing/2010/main" val="0"/>
@@ -5318,6 +7675,35 @@
           </a:prstGeom>
         </p:spPr>
       </p:pic>
+      <p:sp>
+        <p:nvSpPr>
+          <p:cNvPr id="3" name="Marcador de número de diapositiva 2">
+            <a:extLst>
+              <a:ext uri="{FF2B5EF4-FFF2-40B4-BE49-F238E27FC236}">
+                <a16:creationId xmlns:a16="http://schemas.microsoft.com/office/drawing/2014/main" id="{CFC1559B-42B1-ADEB-BB52-D46F296A0D27}"/>
+              </a:ext>
+            </a:extLst>
+          </p:cNvPr>
+          <p:cNvSpPr>
+            <a:spLocks noGrp="1"/>
+          </p:cNvSpPr>
+          <p:nvPr>
+            <p:ph type="sldNum" sz="quarter" idx="12"/>
+          </p:nvPr>
+        </p:nvSpPr>
+        <p:spPr/>
+        <p:txBody>
+          <a:bodyPr/>
+          <a:lstStyle/>
+          <a:p>
+            <a:fld id="{0308B8C6-4BEB-4382-93FE-5F3DFD9EA2DC}" type="slidenum">
+              <a:rPr lang="es-ES" smtClean="0"/>
+              <a:t>15</a:t>
+            </a:fld>
+            <a:endParaRPr lang="es-ES" dirty="0"/>
+          </a:p>
+        </p:txBody>
+      </p:sp>
     </p:spTree>
     <p:extLst>
       <p:ext uri="{BB962C8B-B14F-4D97-AF65-F5344CB8AC3E}">
@@ -5328,13 +7714,6 @@
   <p:clrMapOvr>
     <a:masterClrMapping/>
   </p:clrMapOvr>
-  <p:timing>
-    <p:tnLst>
-      <p:par>
-        <p:cTn id="1" dur="indefinite" restart="never" nodeType="tmRoot"/>
-      </p:par>
-    </p:tnLst>
-  </p:timing>
 </p:sld>
 </file>
 
@@ -5372,7 +7751,7 @@
           </p:nvPr>
         </p:nvPicPr>
         <p:blipFill>
-          <a:blip r:embed="rId2" cstate="print">
+          <a:blip r:embed="rId3" cstate="print">
             <a:extLst>
               <a:ext uri="{28A0092B-C50C-407E-A947-70E740481C1C}">
                 <a14:useLocalDpi xmlns:a14="http://schemas.microsoft.com/office/drawing/2010/main" val="0"/>
@@ -5614,7 +7993,7 @@
           <p:nvPr/>
         </p:nvPicPr>
         <p:blipFill>
-          <a:blip r:embed="rId3">
+          <a:blip r:embed="rId4">
             <a:extLst>
               <a:ext uri="{28A0092B-C50C-407E-A947-70E740481C1C}">
                 <a14:useLocalDpi xmlns:a14="http://schemas.microsoft.com/office/drawing/2010/main" val="0"/>
@@ -5628,7 +8007,7 @@
         </p:blipFill>
         <p:spPr bwMode="auto">
           <a:xfrm>
-            <a:off x="7263341" y="2346292"/>
+            <a:off x="7280275" y="2547392"/>
             <a:ext cx="3684058" cy="2457483"/>
           </a:xfrm>
           <a:prstGeom prst="rect">
@@ -5646,6 +8025,35 @@
           </a:extLst>
         </p:spPr>
       </p:pic>
+      <p:sp>
+        <p:nvSpPr>
+          <p:cNvPr id="3" name="Marcador de número de diapositiva 2">
+            <a:extLst>
+              <a:ext uri="{FF2B5EF4-FFF2-40B4-BE49-F238E27FC236}">
+                <a16:creationId xmlns:a16="http://schemas.microsoft.com/office/drawing/2014/main" id="{4D4B3838-CB23-A796-5263-37B09DB5CB26}"/>
+              </a:ext>
+            </a:extLst>
+          </p:cNvPr>
+          <p:cNvSpPr>
+            <a:spLocks noGrp="1"/>
+          </p:cNvSpPr>
+          <p:nvPr>
+            <p:ph type="sldNum" sz="quarter" idx="12"/>
+          </p:nvPr>
+        </p:nvSpPr>
+        <p:spPr/>
+        <p:txBody>
+          <a:bodyPr/>
+          <a:lstStyle/>
+          <a:p>
+            <a:fld id="{0308B8C6-4BEB-4382-93FE-5F3DFD9EA2DC}" type="slidenum">
+              <a:rPr lang="es-ES" smtClean="0"/>
+              <a:t>16</a:t>
+            </a:fld>
+            <a:endParaRPr lang="es-ES" dirty="0"/>
+          </a:p>
+        </p:txBody>
+      </p:sp>
     </p:spTree>
     <p:extLst>
       <p:ext uri="{BB962C8B-B14F-4D97-AF65-F5344CB8AC3E}">
@@ -5656,13 +8064,6 @@
   <p:clrMapOvr>
     <a:masterClrMapping/>
   </p:clrMapOvr>
-  <p:timing>
-    <p:tnLst>
-      <p:par>
-        <p:cTn id="1" dur="indefinite" restart="never" nodeType="tmRoot"/>
-      </p:par>
-    </p:tnLst>
-  </p:timing>
 </p:sld>
 </file>
 
@@ -5700,7 +8101,7 @@
           </p:nvPr>
         </p:nvPicPr>
         <p:blipFill>
-          <a:blip r:embed="rId2" cstate="print">
+          <a:blip r:embed="rId3" cstate="print">
             <a:extLst>
               <a:ext uri="{28A0092B-C50C-407E-A947-70E740481C1C}">
                 <a14:useLocalDpi xmlns:a14="http://schemas.microsoft.com/office/drawing/2010/main" val="0"/>
@@ -5720,56 +8121,10 @@
       </p:pic>
       <p:sp>
         <p:nvSpPr>
-          <p:cNvPr id="2" name="Título 1"/>
-          <p:cNvSpPr>
-            <a:spLocks noGrp="1"/>
-          </p:cNvSpPr>
-          <p:nvPr>
-            <p:ph type="title"/>
-          </p:nvPr>
-        </p:nvSpPr>
-        <p:spPr>
-          <a:xfrm>
-            <a:off x="804333" y="365125"/>
-            <a:ext cx="10642600" cy="1325563"/>
-          </a:xfrm>
-        </p:spPr>
-        <p:txBody>
-          <a:bodyPr/>
-          <a:lstStyle/>
-          <a:p>
-            <a:r>
-              <a:rPr lang="es-ES" b="1" dirty="0" smtClean="0">
-                <a:solidFill>
-                  <a:schemeClr val="accent5">
-                    <a:lumMod val="20000"/>
-                    <a:lumOff val="80000"/>
-                  </a:schemeClr>
-                </a:solidFill>
-                <a:latin typeface="Poppins" panose="00000500000000000000" pitchFamily="2" charset="0"/>
-                <a:cs typeface="Poppins" panose="00000500000000000000" pitchFamily="2" charset="0"/>
-              </a:rPr>
-              <a:t>CANVAS TAULA</a:t>
-            </a:r>
-            <a:endParaRPr lang="es-ES" b="1" dirty="0">
-              <a:solidFill>
-                <a:schemeClr val="accent5">
-                  <a:lumMod val="20000"/>
-                  <a:lumOff val="80000"/>
-                </a:schemeClr>
-              </a:solidFill>
-              <a:latin typeface="Poppins" panose="00000500000000000000" pitchFamily="2" charset="0"/>
-              <a:cs typeface="Poppins" panose="00000500000000000000" pitchFamily="2" charset="0"/>
-            </a:endParaRPr>
-          </a:p>
-        </p:txBody>
-      </p:sp>
-      <p:sp>
-        <p:nvSpPr>
-          <p:cNvPr id="9" name="CuadroTexto 8">
+          <p:cNvPr id="3" name="CuadroTexto 2">
             <a:extLst>
               <a:ext uri="{FF2B5EF4-FFF2-40B4-BE49-F238E27FC236}">
-                <a16:creationId xmlns:a16="http://schemas.microsoft.com/office/drawing/2014/main" id="{259FB6CC-C3AA-6F26-C497-2D5FB7221C5B}"/>
+                <a16:creationId xmlns:a16="http://schemas.microsoft.com/office/drawing/2014/main" id="{5DFB57DC-A62A-5730-829C-BE473928C174}"/>
               </a:ext>
             </a:extLst>
           </p:cNvPr>
@@ -5778,8 +8133,8 @@
         </p:nvSpPr>
         <p:spPr>
           <a:xfrm>
-            <a:off x="804333" y="1219200"/>
-            <a:ext cx="10549468" cy="5510226"/>
+            <a:off x="804333" y="1429592"/>
+            <a:ext cx="10456333" cy="4247317"/>
           </a:xfrm>
           <a:prstGeom prst="rect">
             <a:avLst/>
@@ -5793,17 +8148,11 @@
           <a:lstStyle/>
           <a:p>
             <a:pPr marL="285750" indent="-285750">
-              <a:lnSpc>
-                <a:spcPct val="120000"/>
-              </a:lnSpc>
-              <a:spcBef>
-                <a:spcPts val="1000"/>
-              </a:spcBef>
               <a:buFont typeface="Arial" panose="020B0604020202020204" pitchFamily="34" charset="0"/>
               <a:buChar char="•"/>
             </a:pPr>
             <a:r>
-              <a:rPr lang="es-ES" sz="1600" dirty="0" smtClean="0">
+              <a:rPr lang="es-ES" dirty="0">
                 <a:solidFill>
                   <a:schemeClr val="accent5">
                     <a:lumMod val="20000"/>
@@ -5811,588 +8160,8 @@
                   </a:schemeClr>
                 </a:solidFill>
               </a:rPr>
-              <a:t>Funtsezko </a:t>
-            </a:r>
-            <a:r>
-              <a:rPr lang="es-ES" sz="1600" dirty="0">
-                <a:solidFill>
-                  <a:schemeClr val="accent5">
-                    <a:lumMod val="20000"/>
-                    <a:lumOff val="80000"/>
-                  </a:schemeClr>
-                </a:solidFill>
-              </a:rPr>
-              <a:t>bazkideak: 2 bazkide, 7 langile </a:t>
-            </a:r>
-            <a:r>
-              <a:rPr lang="es-ES" sz="1600" dirty="0" err="1" smtClean="0">
-                <a:solidFill>
-                  <a:schemeClr val="accent5">
-                    <a:lumMod val="20000"/>
-                    <a:lumOff val="80000"/>
-                  </a:schemeClr>
-                </a:solidFill>
-              </a:rPr>
-              <a:t>guztira</a:t>
-            </a:r>
-            <a:r>
-              <a:rPr lang="es-ES" sz="1600" dirty="0" smtClean="0">
-                <a:solidFill>
-                  <a:schemeClr val="accent5">
-                    <a:lumMod val="20000"/>
-                    <a:lumOff val="80000"/>
-                  </a:schemeClr>
-                </a:solidFill>
-              </a:rPr>
-              <a:t>, Salmenta puntua ez dago, dena online eta app bitartez izango da.</a:t>
-            </a:r>
-            <a:endParaRPr lang="es-ES" sz="1600" dirty="0">
-              <a:solidFill>
-                <a:schemeClr val="accent5">
-                  <a:lumMod val="20000"/>
-                  <a:lumOff val="80000"/>
-                </a:schemeClr>
-              </a:solidFill>
-            </a:endParaRPr>
-          </a:p>
-          <a:p>
-            <a:pPr marL="285750" indent="-285750">
-              <a:lnSpc>
-                <a:spcPct val="120000"/>
-              </a:lnSpc>
-              <a:spcBef>
-                <a:spcPts val="1000"/>
-              </a:spcBef>
-              <a:buFont typeface="Arial" panose="020B0604020202020204" pitchFamily="34" charset="0"/>
-              <a:buChar char="•"/>
-            </a:pPr>
-            <a:r>
-              <a:rPr lang="es-ES" sz="1600" dirty="0" smtClean="0">
-                <a:solidFill>
-                  <a:schemeClr val="accent5">
-                    <a:lumMod val="20000"/>
-                    <a:lumOff val="80000"/>
-                  </a:schemeClr>
-                </a:solidFill>
-              </a:rPr>
-              <a:t>Funtsezko jarduerak:</a:t>
-            </a:r>
-            <a:endParaRPr lang="es-ES" sz="1600" dirty="0">
-              <a:solidFill>
-                <a:schemeClr val="accent5">
-                  <a:lumMod val="20000"/>
-                  <a:lumOff val="80000"/>
-                </a:schemeClr>
-              </a:solidFill>
-            </a:endParaRPr>
-          </a:p>
-          <a:p>
-            <a:pPr>
-              <a:lnSpc>
-                <a:spcPct val="120000"/>
-              </a:lnSpc>
-              <a:spcBef>
-                <a:spcPts val="1000"/>
-              </a:spcBef>
-            </a:pPr>
-            <a:r>
-              <a:rPr lang="es-ES" sz="1600" dirty="0">
-                <a:solidFill>
-                  <a:schemeClr val="accent5">
-                    <a:lumMod val="20000"/>
-                    <a:lumOff val="80000"/>
-                  </a:schemeClr>
-                </a:solidFill>
-              </a:rPr>
-              <a:t>	-</a:t>
-            </a:r>
-            <a:r>
-              <a:rPr lang="es-ES" sz="1600" dirty="0" err="1">
-                <a:solidFill>
-                  <a:schemeClr val="accent5">
-                    <a:lumMod val="20000"/>
-                    <a:lumOff val="80000"/>
-                  </a:schemeClr>
-                </a:solidFill>
-              </a:rPr>
-              <a:t>Jatorrizko</a:t>
-            </a:r>
-            <a:r>
-              <a:rPr lang="es-ES" sz="1600" dirty="0">
-                <a:solidFill>
-                  <a:schemeClr val="accent5">
-                    <a:lumMod val="20000"/>
-                    <a:lumOff val="80000"/>
-                  </a:schemeClr>
-                </a:solidFill>
-              </a:rPr>
-              <a:t> </a:t>
-            </a:r>
-            <a:r>
-              <a:rPr lang="es-ES" sz="1600" dirty="0" err="1">
-                <a:solidFill>
-                  <a:schemeClr val="accent5">
-                    <a:lumMod val="20000"/>
-                    <a:lumOff val="80000"/>
-                  </a:schemeClr>
-                </a:solidFill>
-              </a:rPr>
-              <a:t>produktuak</a:t>
-            </a:r>
-            <a:r>
-              <a:rPr lang="es-ES" sz="1600" dirty="0">
-                <a:solidFill>
-                  <a:schemeClr val="accent5">
-                    <a:lumMod val="20000"/>
-                    <a:lumOff val="80000"/>
-                  </a:schemeClr>
-                </a:solidFill>
-              </a:rPr>
-              <a:t> </a:t>
-            </a:r>
-            <a:r>
-              <a:rPr lang="es-ES" sz="1600" dirty="0" err="1">
-                <a:solidFill>
-                  <a:schemeClr val="accent5">
-                    <a:lumMod val="20000"/>
-                    <a:lumOff val="80000"/>
-                  </a:schemeClr>
-                </a:solidFill>
-              </a:rPr>
-              <a:t>eskuratzea</a:t>
-            </a:r>
-            <a:endParaRPr lang="es-ES" sz="1600" dirty="0">
-              <a:solidFill>
-                <a:schemeClr val="accent5">
-                  <a:lumMod val="20000"/>
-                  <a:lumOff val="80000"/>
-                </a:schemeClr>
-              </a:solidFill>
-            </a:endParaRPr>
-          </a:p>
-          <a:p>
-            <a:pPr>
-              <a:lnSpc>
-                <a:spcPct val="120000"/>
-              </a:lnSpc>
-              <a:spcBef>
-                <a:spcPts val="1000"/>
-              </a:spcBef>
-            </a:pPr>
-            <a:r>
-              <a:rPr lang="es-ES" sz="1600" dirty="0">
-                <a:solidFill>
-                  <a:schemeClr val="accent5">
-                    <a:lumMod val="20000"/>
-                    <a:lumOff val="80000"/>
-                  </a:schemeClr>
-                </a:solidFill>
-              </a:rPr>
-              <a:t>	-Marketing eta Osasuna</a:t>
-            </a:r>
-          </a:p>
-          <a:p>
-            <a:pPr>
-              <a:lnSpc>
-                <a:spcPct val="120000"/>
-              </a:lnSpc>
-              <a:spcBef>
-                <a:spcPts val="1000"/>
-              </a:spcBef>
-            </a:pPr>
-            <a:r>
-              <a:rPr lang="es-ES" sz="1600" dirty="0">
-                <a:solidFill>
-                  <a:schemeClr val="accent5">
-                    <a:lumMod val="20000"/>
-                    <a:lumOff val="80000"/>
-                  </a:schemeClr>
-                </a:solidFill>
-              </a:rPr>
-              <a:t>	-</a:t>
-            </a:r>
-            <a:r>
-              <a:rPr lang="es-ES" sz="1600" dirty="0" err="1">
-                <a:solidFill>
-                  <a:schemeClr val="accent5">
-                    <a:lumMod val="20000"/>
-                    <a:lumOff val="80000"/>
-                  </a:schemeClr>
-                </a:solidFill>
-              </a:rPr>
-              <a:t>Bezeroen</a:t>
-            </a:r>
-            <a:r>
-              <a:rPr lang="es-ES" sz="1600" dirty="0">
-                <a:solidFill>
-                  <a:schemeClr val="accent5">
-                    <a:lumMod val="20000"/>
-                    <a:lumOff val="80000"/>
-                  </a:schemeClr>
-                </a:solidFill>
-              </a:rPr>
-              <a:t> </a:t>
-            </a:r>
-            <a:r>
-              <a:rPr lang="es-ES" sz="1600" dirty="0" err="1">
-                <a:solidFill>
-                  <a:schemeClr val="accent5">
-                    <a:lumMod val="20000"/>
-                    <a:lumOff val="80000"/>
-                  </a:schemeClr>
-                </a:solidFill>
-              </a:rPr>
-              <a:t>arreta</a:t>
-            </a:r>
-            <a:endParaRPr lang="es-ES" sz="1600" dirty="0">
-              <a:solidFill>
-                <a:schemeClr val="accent5">
-                  <a:lumMod val="20000"/>
-                  <a:lumOff val="80000"/>
-                </a:schemeClr>
-              </a:solidFill>
-            </a:endParaRPr>
-          </a:p>
-          <a:p>
-            <a:pPr>
-              <a:lnSpc>
-                <a:spcPct val="120000"/>
-              </a:lnSpc>
-              <a:spcBef>
-                <a:spcPts val="1000"/>
-              </a:spcBef>
-            </a:pPr>
-            <a:r>
-              <a:rPr lang="es-ES" sz="1600" dirty="0">
-                <a:solidFill>
-                  <a:schemeClr val="accent5">
-                    <a:lumMod val="20000"/>
-                    <a:lumOff val="80000"/>
-                  </a:schemeClr>
-                </a:solidFill>
-              </a:rPr>
-              <a:t>	-</a:t>
-            </a:r>
-            <a:r>
-              <a:rPr lang="es-ES" sz="1600" dirty="0" err="1">
-                <a:solidFill>
-                  <a:schemeClr val="accent5">
-                    <a:lumMod val="20000"/>
-                    <a:lumOff val="80000"/>
-                  </a:schemeClr>
-                </a:solidFill>
-              </a:rPr>
-              <a:t>Kalitatea</a:t>
-            </a:r>
-            <a:endParaRPr lang="es-ES" sz="1600" dirty="0">
-              <a:solidFill>
-                <a:schemeClr val="accent5">
-                  <a:lumMod val="20000"/>
-                  <a:lumOff val="80000"/>
-                </a:schemeClr>
-              </a:solidFill>
-            </a:endParaRPr>
-          </a:p>
-          <a:p>
-            <a:pPr marL="285750" indent="-285750">
-              <a:lnSpc>
-                <a:spcPct val="120000"/>
-              </a:lnSpc>
-              <a:spcBef>
-                <a:spcPts val="1000"/>
-              </a:spcBef>
-              <a:buFont typeface="Arial" panose="020B0604020202020204" pitchFamily="34" charset="0"/>
-              <a:buChar char="•"/>
-            </a:pPr>
-            <a:r>
-              <a:rPr lang="es-ES" sz="1600" dirty="0" smtClean="0">
-                <a:solidFill>
-                  <a:schemeClr val="accent5">
-                    <a:lumMod val="20000"/>
-                    <a:lumOff val="80000"/>
-                  </a:schemeClr>
-                </a:solidFill>
-              </a:rPr>
-              <a:t>Balio </a:t>
-            </a:r>
-            <a:r>
-              <a:rPr lang="es-ES" sz="1600" dirty="0">
-                <a:solidFill>
-                  <a:schemeClr val="accent5">
-                    <a:lumMod val="20000"/>
-                    <a:lumOff val="80000"/>
-                  </a:schemeClr>
-                </a:solidFill>
-              </a:rPr>
-              <a:t>proposamena</a:t>
-            </a:r>
-            <a:r>
-              <a:rPr lang="es-ES" sz="1600" dirty="0" smtClean="0">
-                <a:solidFill>
-                  <a:schemeClr val="accent5">
-                    <a:lumMod val="20000"/>
-                    <a:lumOff val="80000"/>
-                  </a:schemeClr>
-                </a:solidFill>
-              </a:rPr>
-              <a:t>: </a:t>
-            </a:r>
-          </a:p>
-          <a:p>
-            <a:pPr>
-              <a:lnSpc>
-                <a:spcPct val="120000"/>
-              </a:lnSpc>
-              <a:spcBef>
-                <a:spcPts val="1000"/>
-              </a:spcBef>
-            </a:pPr>
-            <a:r>
-              <a:rPr lang="es-ES" sz="1600" dirty="0">
-                <a:solidFill>
-                  <a:schemeClr val="accent5">
-                    <a:lumMod val="20000"/>
-                    <a:lumOff val="80000"/>
-                  </a:schemeClr>
-                </a:solidFill>
-              </a:rPr>
-              <a:t>	</a:t>
-            </a:r>
-            <a:r>
-              <a:rPr lang="es-ES" sz="1600" dirty="0" smtClean="0">
-                <a:solidFill>
-                  <a:schemeClr val="accent5">
-                    <a:lumMod val="20000"/>
-                    <a:lumOff val="80000"/>
-                  </a:schemeClr>
-                </a:solidFill>
-              </a:rPr>
-              <a:t>-Bezeroekin harremana</a:t>
-            </a:r>
-          </a:p>
-          <a:p>
-            <a:pPr>
-              <a:lnSpc>
-                <a:spcPct val="120000"/>
-              </a:lnSpc>
-              <a:spcBef>
-                <a:spcPts val="1000"/>
-              </a:spcBef>
-            </a:pPr>
-            <a:r>
-              <a:rPr lang="es-ES" sz="1600" dirty="0">
-                <a:solidFill>
-                  <a:schemeClr val="accent5">
-                    <a:lumMod val="20000"/>
-                    <a:lumOff val="80000"/>
-                  </a:schemeClr>
-                </a:solidFill>
-              </a:rPr>
-              <a:t>	</a:t>
-            </a:r>
-            <a:r>
-              <a:rPr lang="es-ES" sz="1600" dirty="0" smtClean="0">
-                <a:solidFill>
-                  <a:schemeClr val="accent5">
-                    <a:lumMod val="20000"/>
-                    <a:lumOff val="80000"/>
-                  </a:schemeClr>
-                </a:solidFill>
-              </a:rPr>
-              <a:t>-Bezero segmentua</a:t>
-            </a:r>
-          </a:p>
-          <a:p>
-            <a:pPr>
-              <a:lnSpc>
-                <a:spcPct val="120000"/>
-              </a:lnSpc>
-              <a:spcBef>
-                <a:spcPts val="1000"/>
-              </a:spcBef>
-            </a:pPr>
-            <a:r>
-              <a:rPr lang="es-ES" sz="1600" dirty="0" smtClean="0">
-                <a:solidFill>
-                  <a:schemeClr val="accent5">
-                    <a:lumMod val="20000"/>
-                    <a:lumOff val="80000"/>
-                  </a:schemeClr>
-                </a:solidFill>
-              </a:rPr>
-              <a:t>Diru sarreren iturria:</a:t>
-            </a:r>
-          </a:p>
-          <a:p>
-            <a:pPr>
-              <a:lnSpc>
-                <a:spcPct val="120000"/>
-              </a:lnSpc>
-              <a:spcBef>
-                <a:spcPts val="1000"/>
-              </a:spcBef>
-            </a:pPr>
-            <a:r>
-              <a:rPr lang="es-ES" sz="1600" dirty="0">
-                <a:solidFill>
-                  <a:schemeClr val="accent5">
-                    <a:lumMod val="20000"/>
-                    <a:lumOff val="80000"/>
-                  </a:schemeClr>
-                </a:solidFill>
-              </a:rPr>
-              <a:t>	</a:t>
-            </a:r>
-            <a:r>
-              <a:rPr lang="es-ES" sz="1600" dirty="0" smtClean="0">
-                <a:solidFill>
-                  <a:schemeClr val="accent5">
-                    <a:lumMod val="20000"/>
-                    <a:lumOff val="80000"/>
-                  </a:schemeClr>
-                </a:solidFill>
-              </a:rPr>
-              <a:t>-</a:t>
-            </a:r>
-            <a:r>
-              <a:rPr lang="es-ES" sz="1600" dirty="0" err="1" smtClean="0">
-                <a:solidFill>
-                  <a:schemeClr val="accent5">
-                    <a:lumMod val="20000"/>
-                    <a:lumOff val="80000"/>
-                  </a:schemeClr>
-                </a:solidFill>
-              </a:rPr>
-              <a:t>Ekitaldiak</a:t>
-            </a:r>
-            <a:r>
-              <a:rPr lang="es-ES" sz="1600" dirty="0" smtClean="0">
-                <a:solidFill>
-                  <a:schemeClr val="accent5">
-                    <a:lumMod val="20000"/>
-                    <a:lumOff val="80000"/>
-                  </a:schemeClr>
-                </a:solidFill>
-              </a:rPr>
-              <a:t> eta </a:t>
-            </a:r>
-            <a:r>
-              <a:rPr lang="es-ES" sz="1600" dirty="0" err="1" smtClean="0">
-                <a:solidFill>
-                  <a:schemeClr val="accent5">
-                    <a:lumMod val="20000"/>
-                    <a:lumOff val="80000"/>
-                  </a:schemeClr>
-                </a:solidFill>
-              </a:rPr>
-              <a:t>azokak</a:t>
-            </a:r>
-            <a:r>
-              <a:rPr lang="es-ES" sz="1600" dirty="0" smtClean="0">
-                <a:solidFill>
-                  <a:schemeClr val="accent5">
-                    <a:lumMod val="20000"/>
-                    <a:lumOff val="80000"/>
-                  </a:schemeClr>
-                </a:solidFill>
-              </a:rPr>
-              <a:t> egin</a:t>
-            </a:r>
-          </a:p>
-          <a:p>
-            <a:pPr>
-              <a:lnSpc>
-                <a:spcPct val="120000"/>
-              </a:lnSpc>
-              <a:spcBef>
-                <a:spcPts val="1000"/>
-              </a:spcBef>
-            </a:pPr>
-            <a:r>
-              <a:rPr lang="es-ES" sz="1600" dirty="0">
-                <a:solidFill>
-                  <a:schemeClr val="accent5">
-                    <a:lumMod val="20000"/>
-                    <a:lumOff val="80000"/>
-                  </a:schemeClr>
-                </a:solidFill>
-              </a:rPr>
-              <a:t>	</a:t>
-            </a:r>
-            <a:r>
-              <a:rPr lang="es-ES" sz="1600" dirty="0" smtClean="0">
-                <a:solidFill>
-                  <a:schemeClr val="accent5">
-                    <a:lumMod val="20000"/>
-                    <a:lumOff val="80000"/>
-                  </a:schemeClr>
-                </a:solidFill>
-              </a:rPr>
-              <a:t>-</a:t>
-            </a:r>
-            <a:r>
-              <a:rPr lang="es-ES" sz="1600" dirty="0" err="1" smtClean="0">
-                <a:solidFill>
-                  <a:schemeClr val="accent5">
-                    <a:lumMod val="20000"/>
-                    <a:lumOff val="80000"/>
-                  </a:schemeClr>
-                </a:solidFill>
-              </a:rPr>
-              <a:t>Produktu</a:t>
-            </a:r>
-            <a:r>
-              <a:rPr lang="es-ES" sz="1600" dirty="0" smtClean="0">
-                <a:solidFill>
-                  <a:schemeClr val="accent5">
-                    <a:lumMod val="20000"/>
-                    <a:lumOff val="80000"/>
-                  </a:schemeClr>
-                </a:solidFill>
-              </a:rPr>
-              <a:t> </a:t>
-            </a:r>
-            <a:r>
-              <a:rPr lang="es-ES" sz="1600" dirty="0" err="1" smtClean="0">
-                <a:solidFill>
-                  <a:schemeClr val="accent5">
-                    <a:lumMod val="20000"/>
-                    <a:lumOff val="80000"/>
-                  </a:schemeClr>
-                </a:solidFill>
-              </a:rPr>
-              <a:t>propioen</a:t>
-            </a:r>
-            <a:r>
-              <a:rPr lang="es-ES" sz="1600" dirty="0" smtClean="0">
-                <a:solidFill>
-                  <a:schemeClr val="accent5">
-                    <a:lumMod val="20000"/>
-                    <a:lumOff val="80000"/>
-                  </a:schemeClr>
-                </a:solidFill>
-              </a:rPr>
-              <a:t> </a:t>
-            </a:r>
-            <a:r>
-              <a:rPr lang="es-ES" sz="1600" dirty="0" err="1" smtClean="0">
-                <a:solidFill>
-                  <a:schemeClr val="accent5">
-                    <a:lumMod val="20000"/>
-                    <a:lumOff val="80000"/>
-                  </a:schemeClr>
-                </a:solidFill>
-              </a:rPr>
-              <a:t>salmenta</a:t>
-            </a:r>
-            <a:endParaRPr lang="es-ES" sz="1600" dirty="0">
-              <a:solidFill>
-                <a:schemeClr val="accent5">
-                  <a:lumMod val="20000"/>
-                  <a:lumOff val="80000"/>
-                </a:schemeClr>
-              </a:solidFill>
-            </a:endParaRPr>
+              <a:t>Funtsezko bazkideak: 2 bazkide, 7 langile guztira, Salmenta puntua ez dago, dena online eta app bitartez izango da.</a:t>
+            </a:r>
           </a:p>
           <a:p>
             <a:pPr marL="285750" indent="-285750">
@@ -6408,6 +8177,234 @@
               </a:solidFill>
             </a:endParaRPr>
           </a:p>
+          <a:p>
+            <a:pPr marL="285750" indent="-285750">
+              <a:buFont typeface="Arial" panose="020B0604020202020204" pitchFamily="34" charset="0"/>
+              <a:buChar char="•"/>
+            </a:pPr>
+            <a:r>
+              <a:rPr lang="es-ES" dirty="0">
+                <a:solidFill>
+                  <a:schemeClr val="accent5">
+                    <a:lumMod val="20000"/>
+                    <a:lumOff val="80000"/>
+                  </a:schemeClr>
+                </a:solidFill>
+              </a:rPr>
+              <a:t>Funtsezko jarduerak</a:t>
+            </a:r>
+          </a:p>
+          <a:p>
+            <a:pPr marL="742950" lvl="1" indent="-285750">
+              <a:buFont typeface="Courier New" panose="02070309020205020404" pitchFamily="49" charset="0"/>
+              <a:buChar char="o"/>
+            </a:pPr>
+            <a:r>
+              <a:rPr lang="es-ES" dirty="0">
+                <a:solidFill>
+                  <a:schemeClr val="accent5">
+                    <a:lumMod val="20000"/>
+                    <a:lumOff val="80000"/>
+                  </a:schemeClr>
+                </a:solidFill>
+              </a:rPr>
+              <a:t>Jatorrizko produktuak eskuratzea</a:t>
+            </a:r>
+          </a:p>
+          <a:p>
+            <a:pPr marL="742950" lvl="1" indent="-285750">
+              <a:buFont typeface="Courier New" panose="02070309020205020404" pitchFamily="49" charset="0"/>
+              <a:buChar char="o"/>
+            </a:pPr>
+            <a:r>
+              <a:rPr lang="es-ES" dirty="0">
+                <a:solidFill>
+                  <a:schemeClr val="accent5">
+                    <a:lumMod val="20000"/>
+                    <a:lumOff val="80000"/>
+                  </a:schemeClr>
+                </a:solidFill>
+              </a:rPr>
+              <a:t>Bezeroen arreta</a:t>
+            </a:r>
+          </a:p>
+          <a:p>
+            <a:pPr marL="742950" lvl="1" indent="-285750">
+              <a:buFont typeface="Courier New" panose="02070309020205020404" pitchFamily="49" charset="0"/>
+              <a:buChar char="o"/>
+            </a:pPr>
+            <a:r>
+              <a:rPr lang="es-ES" dirty="0">
+                <a:solidFill>
+                  <a:schemeClr val="accent5">
+                    <a:lumMod val="20000"/>
+                    <a:lumOff val="80000"/>
+                  </a:schemeClr>
+                </a:solidFill>
+              </a:rPr>
+              <a:t>Kalitatea</a:t>
+            </a:r>
+          </a:p>
+          <a:p>
+            <a:pPr lvl="1"/>
+            <a:endParaRPr lang="es-ES" dirty="0">
+              <a:solidFill>
+                <a:schemeClr val="accent5">
+                  <a:lumMod val="20000"/>
+                  <a:lumOff val="80000"/>
+                </a:schemeClr>
+              </a:solidFill>
+            </a:endParaRPr>
+          </a:p>
+          <a:p>
+            <a:pPr marL="285750" indent="-285750">
+              <a:buFont typeface="Arial" panose="020B0604020202020204" pitchFamily="34" charset="0"/>
+              <a:buChar char="•"/>
+            </a:pPr>
+            <a:r>
+              <a:rPr lang="es-ES" dirty="0">
+                <a:solidFill>
+                  <a:schemeClr val="accent5">
+                    <a:lumMod val="20000"/>
+                    <a:lumOff val="80000"/>
+                  </a:schemeClr>
+                </a:solidFill>
+              </a:rPr>
+              <a:t>Balio proposamenak:</a:t>
+            </a:r>
+          </a:p>
+          <a:p>
+            <a:pPr marL="742950" lvl="1" indent="-285750">
+              <a:buFont typeface="Courier New" panose="02070309020205020404" pitchFamily="49" charset="0"/>
+              <a:buChar char="o"/>
+            </a:pPr>
+            <a:r>
+              <a:rPr lang="es-ES" dirty="0">
+                <a:solidFill>
+                  <a:schemeClr val="accent5">
+                    <a:lumMod val="20000"/>
+                    <a:lumOff val="80000"/>
+                  </a:schemeClr>
+                </a:solidFill>
+              </a:rPr>
+              <a:t>Bezeroekin harremana</a:t>
+            </a:r>
+          </a:p>
+          <a:p>
+            <a:pPr marL="742950" lvl="1" indent="-285750">
+              <a:buFont typeface="Courier New" panose="02070309020205020404" pitchFamily="49" charset="0"/>
+              <a:buChar char="o"/>
+            </a:pPr>
+            <a:r>
+              <a:rPr lang="es-ES" dirty="0">
+                <a:solidFill>
+                  <a:schemeClr val="accent5">
+                    <a:lumMod val="20000"/>
+                    <a:lumOff val="80000"/>
+                  </a:schemeClr>
+                </a:solidFill>
+              </a:rPr>
+              <a:t>Bezero segmentua</a:t>
+            </a:r>
+          </a:p>
+          <a:p>
+            <a:pPr lvl="1"/>
+            <a:endParaRPr lang="es-ES" dirty="0">
+              <a:solidFill>
+                <a:schemeClr val="accent5">
+                  <a:lumMod val="20000"/>
+                  <a:lumOff val="80000"/>
+                </a:schemeClr>
+              </a:solidFill>
+            </a:endParaRPr>
+          </a:p>
+          <a:p>
+            <a:pPr marL="285750" indent="-285750">
+              <a:buFont typeface="Arial" panose="020B0604020202020204" pitchFamily="34" charset="0"/>
+              <a:buChar char="•"/>
+            </a:pPr>
+            <a:r>
+              <a:rPr lang="es-ES" dirty="0">
+                <a:solidFill>
+                  <a:schemeClr val="accent5">
+                    <a:lumMod val="20000"/>
+                    <a:lumOff val="80000"/>
+                  </a:schemeClr>
+                </a:solidFill>
+              </a:rPr>
+              <a:t>Diru sarreren iturria:</a:t>
+            </a:r>
+          </a:p>
+          <a:p>
+            <a:pPr marL="742950" lvl="1" indent="-285750">
+              <a:buFont typeface="Courier New" panose="02070309020205020404" pitchFamily="49" charset="0"/>
+              <a:buChar char="o"/>
+            </a:pPr>
+            <a:r>
+              <a:rPr lang="es-ES" dirty="0">
+                <a:solidFill>
+                  <a:schemeClr val="accent5">
+                    <a:lumMod val="20000"/>
+                    <a:lumOff val="80000"/>
+                  </a:schemeClr>
+                </a:solidFill>
+              </a:rPr>
+              <a:t>Ekitaldiak eta azokak egin</a:t>
+            </a:r>
+          </a:p>
+          <a:p>
+            <a:pPr marL="742950" lvl="1" indent="-285750">
+              <a:buFont typeface="Courier New" panose="02070309020205020404" pitchFamily="49" charset="0"/>
+              <a:buChar char="o"/>
+            </a:pPr>
+            <a:r>
+              <a:rPr lang="es-ES" dirty="0">
+                <a:solidFill>
+                  <a:schemeClr val="accent5">
+                    <a:lumMod val="20000"/>
+                    <a:lumOff val="80000"/>
+                  </a:schemeClr>
+                </a:solidFill>
+              </a:rPr>
+              <a:t>Produktu propioen salmenta</a:t>
+            </a:r>
+          </a:p>
+        </p:txBody>
+      </p:sp>
+      <p:sp>
+        <p:nvSpPr>
+          <p:cNvPr id="2" name="Título 1"/>
+          <p:cNvSpPr>
+            <a:spLocks noGrp="1"/>
+          </p:cNvSpPr>
+          <p:nvPr>
+            <p:ph type="title"/>
+          </p:nvPr>
+        </p:nvSpPr>
+        <p:spPr>
+          <a:xfrm>
+            <a:off x="804333" y="365125"/>
+            <a:ext cx="10642600" cy="1325563"/>
+          </a:xfrm>
+        </p:spPr>
+        <p:txBody>
+          <a:bodyPr/>
+          <a:lstStyle/>
+          <a:p>
+            <a:r>
+              <a:rPr lang="es-ES" b="1" dirty="0">
+                <a:solidFill>
+                  <a:schemeClr val="accent5">
+                    <a:lumMod val="20000"/>
+                    <a:lumOff val="80000"/>
+                  </a:schemeClr>
+                </a:solidFill>
+                <a:latin typeface="Poppins" panose="00000500000000000000" pitchFamily="2" charset="0"/>
+                <a:cs typeface="Poppins" panose="00000500000000000000" pitchFamily="2" charset="0"/>
+              </a:rPr>
+              <a:t>CANVAS TAULA</a:t>
+            </a:r>
+          </a:p>
         </p:txBody>
       </p:sp>
       <p:pic>
@@ -6419,13 +8416,13 @@
           <p:nvPr/>
         </p:nvPicPr>
         <p:blipFill rotWithShape="1">
-          <a:blip r:embed="rId3"/>
+          <a:blip r:embed="rId4"/>
           <a:srcRect l="2365" t="1842" b="31164"/>
           <a:stretch/>
         </p:blipFill>
         <p:spPr>
           <a:xfrm>
-            <a:off x="6291743" y="1690688"/>
+            <a:off x="6334127" y="1884597"/>
             <a:ext cx="2009023" cy="2961315"/>
           </a:xfrm>
           <a:prstGeom prst="rect">
@@ -6442,13 +8439,13 @@
           <p:nvPr/>
         </p:nvPicPr>
         <p:blipFill rotWithShape="1">
-          <a:blip r:embed="rId4"/>
+          <a:blip r:embed="rId5"/>
           <a:srcRect l="2267" t="2947"/>
           <a:stretch/>
         </p:blipFill>
         <p:spPr>
           <a:xfrm>
-            <a:off x="9105099" y="1690688"/>
+            <a:off x="9034742" y="1884596"/>
             <a:ext cx="1815518" cy="1497789"/>
           </a:xfrm>
           <a:prstGeom prst="rect">
@@ -6465,14 +8462,14 @@
           <p:nvPr/>
         </p:nvPicPr>
         <p:blipFill rotWithShape="1">
-          <a:blip r:embed="rId5"/>
-          <a:srcRect l="2283" b="24752"/>
+          <a:blip r:embed="rId6"/>
+          <a:srcRect l="2283" b="26847"/>
           <a:stretch/>
         </p:blipFill>
         <p:spPr>
           <a:xfrm>
-            <a:off x="9760689" y="3382349"/>
-            <a:ext cx="1871078" cy="3326126"/>
+            <a:off x="9547112" y="3668891"/>
+            <a:ext cx="1713554" cy="2961315"/>
           </a:xfrm>
           <a:prstGeom prst="rect">
             <a:avLst/>
@@ -6488,13 +8485,13 @@
           <p:nvPr/>
         </p:nvPicPr>
         <p:blipFill rotWithShape="1">
-          <a:blip r:embed="rId6"/>
+          <a:blip r:embed="rId7"/>
           <a:srcRect l="1776" b="36144"/>
           <a:stretch/>
         </p:blipFill>
         <p:spPr>
           <a:xfrm>
-            <a:off x="4583141" y="5045412"/>
+            <a:off x="4694215" y="5039820"/>
             <a:ext cx="4453996" cy="1301787"/>
           </a:xfrm>
           <a:prstGeom prst="rect">
@@ -6502,6 +8499,35 @@
           </a:prstGeom>
         </p:spPr>
       </p:pic>
+      <p:sp>
+        <p:nvSpPr>
+          <p:cNvPr id="4" name="Marcador de número de diapositiva 3">
+            <a:extLst>
+              <a:ext uri="{FF2B5EF4-FFF2-40B4-BE49-F238E27FC236}">
+                <a16:creationId xmlns:a16="http://schemas.microsoft.com/office/drawing/2014/main" id="{059B4991-74C1-5979-F4CC-956E77DCC7F0}"/>
+              </a:ext>
+            </a:extLst>
+          </p:cNvPr>
+          <p:cNvSpPr>
+            <a:spLocks noGrp="1"/>
+          </p:cNvSpPr>
+          <p:nvPr>
+            <p:ph type="sldNum" sz="quarter" idx="12"/>
+          </p:nvPr>
+        </p:nvSpPr>
+        <p:spPr/>
+        <p:txBody>
+          <a:bodyPr/>
+          <a:lstStyle/>
+          <a:p>
+            <a:fld id="{0308B8C6-4BEB-4382-93FE-5F3DFD9EA2DC}" type="slidenum">
+              <a:rPr lang="es-ES" smtClean="0"/>
+              <a:t>17</a:t>
+            </a:fld>
+            <a:endParaRPr lang="es-ES" dirty="0"/>
+          </a:p>
+        </p:txBody>
+      </p:sp>
     </p:spTree>
     <p:extLst>
       <p:ext uri="{BB962C8B-B14F-4D97-AF65-F5344CB8AC3E}">
@@ -6512,13 +8538,6 @@
   <p:clrMapOvr>
     <a:masterClrMapping/>
   </p:clrMapOvr>
-  <p:timing>
-    <p:tnLst>
-      <p:par>
-        <p:cTn id="1" dur="indefinite" restart="never" nodeType="tmRoot"/>
-      </p:par>
-    </p:tnLst>
-  </p:timing>
 </p:sld>
 </file>
 
@@ -6595,7 +8614,7 @@
           <a:lstStyle/>
           <a:p>
             <a:r>
-              <a:rPr lang="es-ES" b="1" dirty="0" smtClean="0">
+              <a:rPr lang="es-ES" b="1" dirty="0">
                 <a:solidFill>
                   <a:schemeClr val="accent5">
                     <a:lumMod val="20000"/>
@@ -6607,16 +8626,6 @@
               </a:rPr>
               <a:t>CANVAS TAULA</a:t>
             </a:r>
-            <a:endParaRPr lang="es-ES" b="1" dirty="0">
-              <a:solidFill>
-                <a:schemeClr val="accent5">
-                  <a:lumMod val="20000"/>
-                  <a:lumOff val="80000"/>
-                </a:schemeClr>
-              </a:solidFill>
-              <a:latin typeface="Poppins" panose="00000500000000000000" pitchFamily="2" charset="0"/>
-              <a:cs typeface="Poppins" panose="00000500000000000000" pitchFamily="2" charset="0"/>
-            </a:endParaRPr>
           </a:p>
         </p:txBody>
       </p:sp>
@@ -6653,7 +8662,7 @@
               <a:buChar char="•"/>
             </a:pPr>
             <a:r>
-              <a:rPr lang="es-ES" dirty="0" smtClean="0">
+              <a:rPr lang="es-ES" dirty="0">
                 <a:solidFill>
                   <a:schemeClr val="accent5">
                     <a:lumMod val="20000"/>
@@ -6670,7 +8679,7 @@
               <a:buChar char="o"/>
             </a:pPr>
             <a:r>
-              <a:rPr lang="es-ES" dirty="0" err="1" smtClean="0">
+              <a:rPr lang="es-ES" dirty="0">
                 <a:solidFill>
                   <a:schemeClr val="accent5">
                     <a:lumMod val="20000"/>
@@ -6678,38 +8687,8 @@
                   </a:schemeClr>
                 </a:solidFill>
               </a:rPr>
-              <a:t>Garapen</a:t>
-            </a:r>
-            <a:r>
-              <a:rPr lang="es-ES" dirty="0" smtClean="0">
-                <a:solidFill>
-                  <a:schemeClr val="accent5">
-                    <a:lumMod val="20000"/>
-                    <a:lumOff val="80000"/>
-                  </a:schemeClr>
-                </a:solidFill>
-              </a:rPr>
-              <a:t> </a:t>
-            </a:r>
-            <a:r>
-              <a:rPr lang="es-ES" dirty="0" err="1" smtClean="0">
-                <a:solidFill>
-                  <a:schemeClr val="accent5">
-                    <a:lumMod val="20000"/>
-                    <a:lumOff val="80000"/>
-                  </a:schemeClr>
-                </a:solidFill>
-              </a:rPr>
-              <a:t>taldea</a:t>
-            </a:r>
-            <a:endParaRPr lang="es-ES" dirty="0" smtClean="0">
-              <a:solidFill>
-                <a:schemeClr val="accent5">
-                  <a:lumMod val="20000"/>
-                  <a:lumOff val="80000"/>
-                </a:schemeClr>
-              </a:solidFill>
-            </a:endParaRPr>
+              <a:t>Garapen taldea</a:t>
+            </a:r>
           </a:p>
           <a:p>
             <a:pPr marL="742950" lvl="1" indent="-285750">
@@ -6717,7 +8696,7 @@
               <a:buChar char="o"/>
             </a:pPr>
             <a:r>
-              <a:rPr lang="es-ES" dirty="0" err="1" smtClean="0">
+              <a:rPr lang="es-ES" dirty="0">
                 <a:solidFill>
                   <a:schemeClr val="accent5">
                     <a:lumMod val="20000"/>
@@ -6725,38 +8704,8 @@
                   </a:schemeClr>
                 </a:solidFill>
               </a:rPr>
-              <a:t>Merkatuan</a:t>
-            </a:r>
-            <a:r>
-              <a:rPr lang="es-ES" dirty="0" smtClean="0">
-                <a:solidFill>
-                  <a:schemeClr val="accent5">
-                    <a:lumMod val="20000"/>
-                    <a:lumOff val="80000"/>
-                  </a:schemeClr>
-                </a:solidFill>
-              </a:rPr>
-              <a:t> </a:t>
-            </a:r>
-            <a:r>
-              <a:rPr lang="es-ES" dirty="0" err="1" smtClean="0">
-                <a:solidFill>
-                  <a:schemeClr val="accent5">
-                    <a:lumMod val="20000"/>
-                    <a:lumOff val="80000"/>
-                  </a:schemeClr>
-                </a:solidFill>
-              </a:rPr>
-              <a:t>sartzea</a:t>
-            </a:r>
-            <a:endParaRPr lang="es-ES" dirty="0" smtClean="0">
-              <a:solidFill>
-                <a:schemeClr val="accent5">
-                  <a:lumMod val="20000"/>
-                  <a:lumOff val="80000"/>
-                </a:schemeClr>
-              </a:solidFill>
-            </a:endParaRPr>
+              <a:t>Merkatuan sartzea</a:t>
+            </a:r>
           </a:p>
           <a:p>
             <a:pPr marL="742950" lvl="1" indent="-285750">
@@ -6764,7 +8713,7 @@
               <a:buChar char="o"/>
             </a:pPr>
             <a:r>
-              <a:rPr lang="es-ES" dirty="0" err="1" smtClean="0">
+              <a:rPr lang="es-ES" dirty="0">
                 <a:solidFill>
                   <a:schemeClr val="accent5">
                     <a:lumMod val="20000"/>
@@ -6772,45 +8721,15 @@
                   </a:schemeClr>
                 </a:solidFill>
               </a:rPr>
-              <a:t>Hobekuntzak</a:t>
-            </a:r>
-            <a:r>
-              <a:rPr lang="es-ES" dirty="0" smtClean="0">
-                <a:solidFill>
-                  <a:schemeClr val="accent5">
-                    <a:lumMod val="20000"/>
-                    <a:lumOff val="80000"/>
-                  </a:schemeClr>
-                </a:solidFill>
-              </a:rPr>
-              <a:t> </a:t>
-            </a:r>
-            <a:r>
-              <a:rPr lang="es-ES" dirty="0" err="1" smtClean="0">
-                <a:solidFill>
-                  <a:schemeClr val="accent5">
-                    <a:lumMod val="20000"/>
-                    <a:lumOff val="80000"/>
-                  </a:schemeClr>
-                </a:solidFill>
-              </a:rPr>
-              <a:t>egitea</a:t>
-            </a:r>
-            <a:endParaRPr lang="es-ES" dirty="0" smtClean="0">
-              <a:solidFill>
-                <a:schemeClr val="accent5">
-                  <a:lumMod val="20000"/>
-                  <a:lumOff val="80000"/>
-                </a:schemeClr>
-              </a:solidFill>
-            </a:endParaRPr>
+              <a:t>Hobekuntzak egitea</a:t>
+            </a:r>
           </a:p>
           <a:p>
             <a:pPr marL="742950" lvl="1" indent="-285750">
               <a:buFont typeface="Courier New" panose="02070309020205020404" pitchFamily="49" charset="0"/>
               <a:buChar char="o"/>
             </a:pPr>
-            <a:endParaRPr lang="es-ES" dirty="0" smtClean="0">
+            <a:endParaRPr lang="es-ES" dirty="0">
               <a:solidFill>
                 <a:schemeClr val="accent5">
                   <a:lumMod val="20000"/>
@@ -6836,7 +8755,7 @@
               <a:buChar char="•"/>
             </a:pPr>
             <a:r>
-              <a:rPr lang="es-ES" dirty="0" smtClean="0">
+              <a:rPr lang="es-ES" dirty="0">
                 <a:solidFill>
                   <a:schemeClr val="accent5">
                     <a:lumMod val="20000"/>
@@ -6849,11 +8768,11 @@
           </a:p>
           <a:p>
             <a:pPr marL="742950" lvl="1" indent="-285750">
-              <a:buFont typeface="Arial" panose="020B0604020202020204" pitchFamily="34" charset="0"/>
-              <a:buChar char="•"/>
+              <a:buFont typeface="Courier New" panose="02070309020205020404" pitchFamily="49" charset="0"/>
+              <a:buChar char="o"/>
             </a:pPr>
             <a:r>
-              <a:rPr lang="es-ES" dirty="0" err="1" smtClean="0">
+              <a:rPr lang="es-ES" dirty="0">
                 <a:solidFill>
                   <a:schemeClr val="accent5">
                     <a:lumMod val="20000"/>
@@ -6861,22 +8780,11 @@
                   </a:schemeClr>
                 </a:solidFill>
               </a:rPr>
-              <a:t>Zerbitzariak</a:t>
-            </a:r>
-            <a:r>
-              <a:rPr lang="es-ES" dirty="0" smtClean="0">
-                <a:solidFill>
-                  <a:schemeClr val="accent5">
-                    <a:lumMod val="20000"/>
-                    <a:lumOff val="80000"/>
-                  </a:schemeClr>
-                </a:solidFill>
-              </a:rPr>
-              <a:t>, langileak eta publizitatea</a:t>
-            </a:r>
-          </a:p>
-          <a:p>
-            <a:endParaRPr lang="es-ES" dirty="0" smtClean="0">
+              <a:t>Zerbitzariak, langileak eta publizitatea</a:t>
+            </a:r>
+          </a:p>
+          <a:p>
+            <a:endParaRPr lang="es-ES" dirty="0">
               <a:solidFill>
                 <a:schemeClr val="accent5">
                   <a:lumMod val="20000"/>
@@ -6902,7 +8810,7 @@
         </p:blipFill>
         <p:spPr>
           <a:xfrm>
-            <a:off x="6218766" y="932101"/>
+            <a:off x="6464299" y="998954"/>
             <a:ext cx="1784186" cy="2152950"/>
           </a:xfrm>
           <a:prstGeom prst="rect">
@@ -6926,7 +8834,7 @@
         </p:blipFill>
         <p:spPr>
           <a:xfrm>
-            <a:off x="6870035" y="3551359"/>
+            <a:off x="6438235" y="3915413"/>
             <a:ext cx="4763165" cy="1124107"/>
           </a:xfrm>
           <a:prstGeom prst="rect">
@@ -6934,6 +8842,35 @@
           </a:prstGeom>
         </p:spPr>
       </p:pic>
+      <p:sp>
+        <p:nvSpPr>
+          <p:cNvPr id="5" name="Marcador de número de diapositiva 4">
+            <a:extLst>
+              <a:ext uri="{FF2B5EF4-FFF2-40B4-BE49-F238E27FC236}">
+                <a16:creationId xmlns:a16="http://schemas.microsoft.com/office/drawing/2014/main" id="{3E67BCB9-4CC5-04D0-FFC7-72FDB016F88D}"/>
+              </a:ext>
+            </a:extLst>
+          </p:cNvPr>
+          <p:cNvSpPr>
+            <a:spLocks noGrp="1"/>
+          </p:cNvSpPr>
+          <p:nvPr>
+            <p:ph type="sldNum" sz="quarter" idx="12"/>
+          </p:nvPr>
+        </p:nvSpPr>
+        <p:spPr/>
+        <p:txBody>
+          <a:bodyPr/>
+          <a:lstStyle/>
+          <a:p>
+            <a:fld id="{0308B8C6-4BEB-4382-93FE-5F3DFD9EA2DC}" type="slidenum">
+              <a:rPr lang="es-ES" smtClean="0"/>
+              <a:t>18</a:t>
+            </a:fld>
+            <a:endParaRPr lang="es-ES" dirty="0"/>
+          </a:p>
+        </p:txBody>
+      </p:sp>
     </p:spTree>
     <p:extLst>
       <p:ext uri="{BB962C8B-B14F-4D97-AF65-F5344CB8AC3E}">
@@ -6944,13 +8881,6 @@
   <p:clrMapOvr>
     <a:masterClrMapping/>
   </p:clrMapOvr>
-  <p:timing>
-    <p:tnLst>
-      <p:par>
-        <p:cTn id="1" dur="indefinite" restart="never" nodeType="tmRoot"/>
-      </p:par>
-    </p:tnLst>
-  </p:timing>
 </p:sld>
 </file>
 
@@ -6988,7 +8918,7 @@
           </p:nvPr>
         </p:nvPicPr>
         <p:blipFill>
-          <a:blip r:embed="rId2" cstate="print">
+          <a:blip r:embed="rId3" cstate="print">
             <a:extLst>
               <a:ext uri="{28A0092B-C50C-407E-A947-70E740481C1C}">
                 <a14:useLocalDpi xmlns:a14="http://schemas.microsoft.com/office/drawing/2010/main" val="0"/>
@@ -7029,7 +8959,7 @@
           <a:lstStyle/>
           <a:p>
             <a:r>
-              <a:rPr lang="es-ES" b="1" dirty="0" smtClean="0">
+              <a:rPr lang="es-ES" b="1" dirty="0">
                 <a:solidFill>
                   <a:schemeClr val="accent5">
                     <a:lumMod val="20000"/>
@@ -7042,7 +8972,7 @@
               <a:t>SDG </a:t>
             </a:r>
             <a:r>
-              <a:rPr lang="es-ES" sz="3200" b="1" dirty="0" smtClean="0">
+              <a:rPr lang="es-ES" sz="3200" b="1" dirty="0">
                 <a:solidFill>
                   <a:schemeClr val="accent5">
                     <a:lumMod val="20000"/>
@@ -7052,44 +8982,8 @@
                 <a:latin typeface="Poppins" panose="00000500000000000000" pitchFamily="2" charset="0"/>
                 <a:cs typeface="Poppins" panose="00000500000000000000" pitchFamily="2" charset="0"/>
               </a:rPr>
-              <a:t>(Objetivos de </a:t>
-            </a:r>
-            <a:r>
-              <a:rPr lang="es-ES" sz="3200" b="1" dirty="0">
-                <a:solidFill>
-                  <a:schemeClr val="accent5">
-                    <a:lumMod val="20000"/>
-                    <a:lumOff val="80000"/>
-                  </a:schemeClr>
-                </a:solidFill>
-                <a:latin typeface="Poppins" panose="00000500000000000000" pitchFamily="2" charset="0"/>
-                <a:cs typeface="Poppins" panose="00000500000000000000" pitchFamily="2" charset="0"/>
-              </a:rPr>
-              <a:t>D</a:t>
-            </a:r>
-            <a:r>
-              <a:rPr lang="es-ES" sz="3200" b="1" dirty="0" smtClean="0">
-                <a:solidFill>
-                  <a:schemeClr val="accent5">
-                    <a:lumMod val="20000"/>
-                    <a:lumOff val="80000"/>
-                  </a:schemeClr>
-                </a:solidFill>
-                <a:latin typeface="Poppins" panose="00000500000000000000" pitchFamily="2" charset="0"/>
-                <a:cs typeface="Poppins" panose="00000500000000000000" pitchFamily="2" charset="0"/>
-              </a:rPr>
-              <a:t>esarrollo Sostenible)</a:t>
-            </a:r>
-            <a:endParaRPr lang="es-ES" sz="3200" b="1" dirty="0">
-              <a:solidFill>
-                <a:schemeClr val="accent5">
-                  <a:lumMod val="20000"/>
-                  <a:lumOff val="80000"/>
-                </a:schemeClr>
-              </a:solidFill>
-              <a:latin typeface="Poppins" panose="00000500000000000000" pitchFamily="2" charset="0"/>
-              <a:cs typeface="Poppins" panose="00000500000000000000" pitchFamily="2" charset="0"/>
-            </a:endParaRPr>
+              <a:t>(Objetivos de Desarrollo Sostenible)</a:t>
+            </a:r>
           </a:p>
         </p:txBody>
       </p:sp>
@@ -7126,7 +9020,7 @@
               <a:buChar char="•"/>
             </a:pPr>
             <a:r>
-              <a:rPr lang="es-ES" dirty="0" smtClean="0">
+              <a:rPr lang="es-ES" dirty="0">
                 <a:solidFill>
                   <a:schemeClr val="accent5">
                     <a:lumMod val="20000"/>
@@ -7136,6 +9030,59 @@
               </a:rPr>
               <a:t>SDG 2: Hambre cero</a:t>
             </a:r>
+          </a:p>
+          <a:p>
+            <a:pPr marL="285750" indent="-285750">
+              <a:buFont typeface="Arial" panose="020B0604020202020204" pitchFamily="34" charset="0"/>
+              <a:buChar char="•"/>
+            </a:pPr>
+            <a:r>
+              <a:rPr lang="es-ES" dirty="0">
+                <a:solidFill>
+                  <a:schemeClr val="accent5">
+                    <a:lumMod val="20000"/>
+                    <a:lumOff val="80000"/>
+                  </a:schemeClr>
+                </a:solidFill>
+              </a:rPr>
+              <a:t>SDG 3: Salud y bienestar</a:t>
+            </a:r>
+          </a:p>
+          <a:p>
+            <a:pPr marL="285750" indent="-285750">
+              <a:buFont typeface="Arial" panose="020B0604020202020204" pitchFamily="34" charset="0"/>
+              <a:buChar char="•"/>
+            </a:pPr>
+            <a:r>
+              <a:rPr lang="es-ES" dirty="0">
+                <a:solidFill>
+                  <a:schemeClr val="accent5">
+                    <a:lumMod val="20000"/>
+                    <a:lumOff val="80000"/>
+                  </a:schemeClr>
+                </a:solidFill>
+              </a:rPr>
+              <a:t>SDG 11: Ciudades y comunidades sostenibles</a:t>
+            </a:r>
+          </a:p>
+          <a:p>
+            <a:pPr marL="285750" indent="-285750">
+              <a:buFont typeface="Arial" panose="020B0604020202020204" pitchFamily="34" charset="0"/>
+              <a:buChar char="•"/>
+            </a:pPr>
+            <a:r>
+              <a:rPr lang="es-ES" dirty="0">
+                <a:solidFill>
+                  <a:schemeClr val="accent5">
+                    <a:lumMod val="20000"/>
+                    <a:lumOff val="80000"/>
+                  </a:schemeClr>
+                </a:solidFill>
+              </a:rPr>
+              <a:t>SDG 12: Produccion y consumo responsable</a:t>
+            </a:r>
+          </a:p>
+          <a:p>
             <a:endParaRPr lang="es-ES" dirty="0">
               <a:solidFill>
                 <a:schemeClr val="accent5">
@@ -7146,80 +9093,11 @@
             </a:endParaRPr>
           </a:p>
           <a:p>
-            <a:pPr marL="285750" indent="-285750">
-              <a:buFont typeface="Arial" panose="020B0604020202020204" pitchFamily="34" charset="0"/>
-              <a:buChar char="•"/>
+            <a:pPr marL="742950" lvl="1" indent="-285750">
+              <a:buFont typeface="Courier New" panose="02070309020205020404" pitchFamily="49" charset="0"/>
+              <a:buChar char="o"/>
             </a:pPr>
-            <a:r>
-              <a:rPr lang="es-ES" dirty="0" smtClean="0">
-                <a:solidFill>
-                  <a:schemeClr val="accent5">
-                    <a:lumMod val="20000"/>
-                    <a:lumOff val="80000"/>
-                  </a:schemeClr>
-                </a:solidFill>
-              </a:rPr>
-              <a:t>SDG 3: Salud y bienestar</a:t>
-            </a:r>
-          </a:p>
-          <a:p>
-            <a:pPr marL="285750" indent="-285750">
-              <a:buFont typeface="Arial" panose="020B0604020202020204" pitchFamily="34" charset="0"/>
-              <a:buChar char="•"/>
-            </a:pPr>
-            <a:r>
-              <a:rPr lang="es-ES" dirty="0" smtClean="0">
-                <a:solidFill>
-                  <a:schemeClr val="accent5">
-                    <a:lumMod val="20000"/>
-                    <a:lumOff val="80000"/>
-                  </a:schemeClr>
-                </a:solidFill>
-              </a:rPr>
-              <a:t>SDG 11: Ciudades y comunidades sostenibles</a:t>
-            </a:r>
-          </a:p>
-          <a:p>
-            <a:pPr marL="285750" indent="-285750">
-              <a:buFont typeface="Arial" panose="020B0604020202020204" pitchFamily="34" charset="0"/>
-              <a:buChar char="•"/>
-            </a:pPr>
-            <a:r>
-              <a:rPr lang="es-ES" dirty="0" smtClean="0">
-                <a:solidFill>
-                  <a:schemeClr val="accent5">
-                    <a:lumMod val="20000"/>
-                    <a:lumOff val="80000"/>
-                  </a:schemeClr>
-                </a:solidFill>
-              </a:rPr>
-              <a:t>SDG 12: </a:t>
-            </a:r>
-            <a:r>
-              <a:rPr lang="es-ES" dirty="0" err="1" smtClean="0">
-                <a:solidFill>
-                  <a:schemeClr val="accent5">
-                    <a:lumMod val="20000"/>
-                    <a:lumOff val="80000"/>
-                  </a:schemeClr>
-                </a:solidFill>
-              </a:rPr>
-              <a:t>Produccion</a:t>
-            </a:r>
-            <a:r>
-              <a:rPr lang="es-ES" dirty="0" smtClean="0">
-                <a:solidFill>
-                  <a:schemeClr val="accent5">
-                    <a:lumMod val="20000"/>
-                    <a:lumOff val="80000"/>
-                  </a:schemeClr>
-                </a:solidFill>
-              </a:rPr>
-              <a:t> y consumo responsable</a:t>
-            </a:r>
-          </a:p>
-          <a:p>
-            <a:endParaRPr lang="es-ES" dirty="0" smtClean="0">
+            <a:endParaRPr lang="es-ES" dirty="0">
               <a:solidFill>
                 <a:schemeClr val="accent5">
                   <a:lumMod val="20000"/>
@@ -7229,11 +9107,8 @@
             </a:endParaRPr>
           </a:p>
           <a:p>
-            <a:pPr marL="742950" lvl="1" indent="-285750">
-              <a:buFont typeface="Courier New" panose="02070309020205020404" pitchFamily="49" charset="0"/>
-              <a:buChar char="o"/>
-            </a:pPr>
-            <a:endParaRPr lang="es-ES" dirty="0" smtClean="0">
+            <a:pPr lvl="1"/>
+            <a:endParaRPr lang="es-ES" dirty="0">
               <a:solidFill>
                 <a:schemeClr val="accent5">
                   <a:lumMod val="20000"/>
@@ -7243,18 +9118,7 @@
             </a:endParaRPr>
           </a:p>
           <a:p>
-            <a:pPr lvl="1"/>
-            <a:endParaRPr lang="es-ES" dirty="0" smtClean="0">
-              <a:solidFill>
-                <a:schemeClr val="accent5">
-                  <a:lumMod val="20000"/>
-                  <a:lumOff val="80000"/>
-                </a:schemeClr>
-              </a:solidFill>
-            </a:endParaRPr>
-          </a:p>
-          <a:p>
-            <a:endParaRPr lang="es-ES" dirty="0" smtClean="0">
+            <a:endParaRPr lang="es-ES" dirty="0">
               <a:solidFill>
                 <a:schemeClr val="accent5">
                   <a:lumMod val="20000"/>
@@ -7274,13 +9138,13 @@
           <p:nvPr/>
         </p:nvPicPr>
         <p:blipFill rotWithShape="1">
-          <a:blip r:embed="rId3"/>
+          <a:blip r:embed="rId4"/>
           <a:srcRect l="8674" t="7697" r="9987" b="8402"/>
           <a:stretch/>
         </p:blipFill>
         <p:spPr>
           <a:xfrm>
-            <a:off x="7172588" y="1728132"/>
+            <a:off x="7604388" y="2337316"/>
             <a:ext cx="1015068" cy="1015068"/>
           </a:xfrm>
           <a:prstGeom prst="rect">
@@ -7297,13 +9161,13 @@
           <p:nvPr/>
         </p:nvPicPr>
         <p:blipFill rotWithShape="1">
-          <a:blip r:embed="rId4"/>
+          <a:blip r:embed="rId5"/>
           <a:srcRect l="6429" t="7728" r="7591" b="7678"/>
           <a:stretch/>
         </p:blipFill>
         <p:spPr>
           <a:xfrm>
-            <a:off x="8942664" y="3707934"/>
+            <a:off x="8749717" y="3999012"/>
             <a:ext cx="1040236" cy="1023457"/>
           </a:xfrm>
           <a:prstGeom prst="rect">
@@ -7320,13 +9184,13 @@
           <p:nvPr/>
         </p:nvPicPr>
         <p:blipFill rotWithShape="1">
-          <a:blip r:embed="rId5"/>
+          <a:blip r:embed="rId6"/>
           <a:srcRect l="6379" t="8047" r="6232" b="7894"/>
           <a:stretch/>
         </p:blipFill>
         <p:spPr>
           <a:xfrm>
-            <a:off x="1342239" y="3884103"/>
+            <a:off x="4568039" y="3621636"/>
             <a:ext cx="1090568" cy="1057013"/>
           </a:xfrm>
           <a:prstGeom prst="rect">
@@ -7343,13 +9207,13 @@
           <p:nvPr/>
         </p:nvPicPr>
         <p:blipFill rotWithShape="1">
-          <a:blip r:embed="rId6"/>
+          <a:blip r:embed="rId7"/>
           <a:srcRect l="10718" t="6902" r="8343" b="9605"/>
           <a:stretch/>
         </p:blipFill>
         <p:spPr>
           <a:xfrm>
-            <a:off x="5587068" y="4269996"/>
+            <a:off x="6415558" y="4787679"/>
             <a:ext cx="1048624" cy="1073791"/>
           </a:xfrm>
           <a:prstGeom prst="rect">
@@ -7357,6 +9221,35 @@
           </a:prstGeom>
         </p:spPr>
       </p:pic>
+      <p:sp>
+        <p:nvSpPr>
+          <p:cNvPr id="8" name="Marcador de número de diapositiva 7">
+            <a:extLst>
+              <a:ext uri="{FF2B5EF4-FFF2-40B4-BE49-F238E27FC236}">
+                <a16:creationId xmlns:a16="http://schemas.microsoft.com/office/drawing/2014/main" id="{BEEA9620-C663-CCEA-E0CD-17A817744476}"/>
+              </a:ext>
+            </a:extLst>
+          </p:cNvPr>
+          <p:cNvSpPr>
+            <a:spLocks noGrp="1"/>
+          </p:cNvSpPr>
+          <p:nvPr>
+            <p:ph type="sldNum" sz="quarter" idx="12"/>
+          </p:nvPr>
+        </p:nvSpPr>
+        <p:spPr/>
+        <p:txBody>
+          <a:bodyPr/>
+          <a:lstStyle/>
+          <a:p>
+            <a:fld id="{0308B8C6-4BEB-4382-93FE-5F3DFD9EA2DC}" type="slidenum">
+              <a:rPr lang="es-ES" smtClean="0"/>
+              <a:t>19</a:t>
+            </a:fld>
+            <a:endParaRPr lang="es-ES" dirty="0"/>
+          </a:p>
+        </p:txBody>
+      </p:sp>
     </p:spTree>
     <p:extLst>
       <p:ext uri="{BB962C8B-B14F-4D97-AF65-F5344CB8AC3E}">
@@ -7367,13 +9260,6 @@
   <p:clrMapOvr>
     <a:masterClrMapping/>
   </p:clrMapOvr>
-  <p:timing>
-    <p:tnLst>
-      <p:par>
-        <p:cTn id="1" dur="indefinite" restart="never" nodeType="tmRoot"/>
-      </p:par>
-    </p:tnLst>
-  </p:timing>
 </p:sld>
 </file>
 
@@ -7405,7 +9291,7 @@
           </p:nvPr>
         </p:nvPicPr>
         <p:blipFill>
-          <a:blip r:embed="rId2" cstate="print">
+          <a:blip r:embed="rId3" cstate="print">
             <a:extLst>
               <a:ext uri="{28A0092B-C50C-407E-A947-70E740481C1C}">
                 <a14:useLocalDpi xmlns:a14="http://schemas.microsoft.com/office/drawing/2010/main" val="0"/>
@@ -7463,7 +9349,7 @@
         <p:spPr>
           <a:xfrm>
             <a:off x="838200" y="1690688"/>
-            <a:ext cx="10515600" cy="2246769"/>
+            <a:ext cx="10515600" cy="3170099"/>
           </a:xfrm>
           <a:prstGeom prst="rect">
             <a:avLst/>
@@ -7484,21 +9370,572 @@
               <a:rPr lang="es-ES" sz="2000" dirty="0">
                 <a:solidFill>
                   <a:schemeClr val="accent5">
-                    <a:lumMod val="40000"/>
-                    <a:lumOff val="60000"/>
+                    <a:lumMod val="20000"/>
+                    <a:lumOff val="80000"/>
                   </a:schemeClr>
                 </a:solidFill>
                 <a:latin typeface="Poppins" panose="00000500000000000000" pitchFamily="2" charset="0"/>
                 <a:cs typeface="Poppins" panose="00000500000000000000" pitchFamily="2" charset="0"/>
-                <a:hlinkClick r:id="rId3" action="ppaction://hlinksldjump">
+                <a:hlinkClick r:id="rId4" action="ppaction://hlinksldjump">
                   <a:extLst>
                     <a:ext uri="{A12FA001-AC4F-418D-AE19-62706E023703}">
-                      <ahyp:hlinkClr xmlns="" xmlns:ahyp="http://schemas.microsoft.com/office/drawing/2018/hyperlinkcolor" val="tx"/>
+                      <ahyp:hlinkClr xmlns:ahyp="http://schemas.microsoft.com/office/drawing/2018/hyperlinkcolor" val="tx"/>
                     </a:ext>
                   </a:extLst>
                 </a:hlinkClick>
               </a:rPr>
               <a:t>Gure enpresa</a:t>
+            </a:r>
+            <a:endParaRPr lang="es-ES" sz="2000" dirty="0">
+              <a:solidFill>
+                <a:schemeClr val="accent5">
+                  <a:lumMod val="20000"/>
+                  <a:lumOff val="80000"/>
+                </a:schemeClr>
+              </a:solidFill>
+              <a:latin typeface="Poppins" panose="00000500000000000000" pitchFamily="2" charset="0"/>
+              <a:cs typeface="Poppins" panose="00000500000000000000" pitchFamily="2" charset="0"/>
+            </a:endParaRPr>
+          </a:p>
+          <a:p>
+            <a:pPr marL="285750" indent="-285750">
+              <a:buFont typeface="Arial" panose="020B0604020202020204" pitchFamily="34" charset="0"/>
+              <a:buChar char="•"/>
+            </a:pPr>
+            <a:r>
+              <a:rPr lang="es-ES" sz="2000" dirty="0">
+                <a:solidFill>
+                  <a:schemeClr val="accent5">
+                    <a:lumMod val="20000"/>
+                    <a:lumOff val="80000"/>
+                  </a:schemeClr>
+                </a:solidFill>
+                <a:latin typeface="Poppins" panose="00000500000000000000" pitchFamily="2" charset="0"/>
+                <a:cs typeface="Poppins" panose="00000500000000000000" pitchFamily="2" charset="0"/>
+                <a:hlinkClick r:id="rId5" action="ppaction://hlinksldjump">
+                  <a:extLst>
+                    <a:ext uri="{A12FA001-AC4F-418D-AE19-62706E023703}">
+                      <ahyp:hlinkClr xmlns:ahyp="http://schemas.microsoft.com/office/drawing/2018/hyperlinkcolor" val="tx"/>
+                    </a:ext>
+                  </a:extLst>
+                </a:hlinkClick>
+              </a:rPr>
+              <a:t>Erronkaren lehenengo pausuak</a:t>
+            </a:r>
+            <a:endParaRPr lang="es-ES" sz="2000" dirty="0">
+              <a:solidFill>
+                <a:schemeClr val="accent5">
+                  <a:lumMod val="20000"/>
+                  <a:lumOff val="80000"/>
+                </a:schemeClr>
+              </a:solidFill>
+              <a:latin typeface="Poppins" panose="00000500000000000000" pitchFamily="2" charset="0"/>
+              <a:cs typeface="Poppins" panose="00000500000000000000" pitchFamily="2" charset="0"/>
+            </a:endParaRPr>
+          </a:p>
+          <a:p>
+            <a:pPr marL="285750" indent="-285750">
+              <a:buFont typeface="Arial" panose="020B0604020202020204" pitchFamily="34" charset="0"/>
+              <a:buChar char="•"/>
+            </a:pPr>
+            <a:r>
+              <a:rPr lang="es-ES" sz="2000" dirty="0">
+                <a:solidFill>
+                  <a:schemeClr val="accent5">
+                    <a:lumMod val="20000"/>
+                    <a:lumOff val="80000"/>
+                  </a:schemeClr>
+                </a:solidFill>
+                <a:latin typeface="Poppins" panose="00000500000000000000" pitchFamily="2" charset="0"/>
+                <a:cs typeface="Poppins" panose="00000500000000000000" pitchFamily="2" charset="0"/>
+                <a:hlinkClick r:id="rId6" action="ppaction://hlinksldjump">
+                  <a:extLst>
+                    <a:ext uri="{A12FA001-AC4F-418D-AE19-62706E023703}">
+                      <ahyp:hlinkClr xmlns:ahyp="http://schemas.microsoft.com/office/drawing/2018/hyperlinkcolor" val="tx"/>
+                    </a:ext>
+                  </a:extLst>
+                </a:hlinkClick>
+              </a:rPr>
+              <a:t>Egunerokoa</a:t>
+            </a:r>
+            <a:endParaRPr lang="es-ES" sz="2000" dirty="0">
+              <a:solidFill>
+                <a:schemeClr val="accent5">
+                  <a:lumMod val="20000"/>
+                  <a:lumOff val="80000"/>
+                </a:schemeClr>
+              </a:solidFill>
+              <a:latin typeface="Poppins" panose="00000500000000000000" pitchFamily="2" charset="0"/>
+              <a:cs typeface="Poppins" panose="00000500000000000000" pitchFamily="2" charset="0"/>
+            </a:endParaRPr>
+          </a:p>
+          <a:p>
+            <a:pPr marL="285750" indent="-285750">
+              <a:buFont typeface="Arial" panose="020B0604020202020204" pitchFamily="34" charset="0"/>
+              <a:buChar char="•"/>
+            </a:pPr>
+            <a:r>
+              <a:rPr lang="es-ES" sz="2000" dirty="0">
+                <a:solidFill>
+                  <a:schemeClr val="accent5">
+                    <a:lumMod val="20000"/>
+                    <a:lumOff val="80000"/>
+                  </a:schemeClr>
+                </a:solidFill>
+                <a:latin typeface="Poppins" panose="00000500000000000000" pitchFamily="2" charset="0"/>
+                <a:cs typeface="Poppins" panose="00000500000000000000" pitchFamily="2" charset="0"/>
+                <a:hlinkClick r:id="rId7" action="ppaction://hlinksldjump">
+                  <a:extLst>
+                    <a:ext uri="{A12FA001-AC4F-418D-AE19-62706E023703}">
+                      <ahyp:hlinkClr xmlns:ahyp="http://schemas.microsoft.com/office/drawing/2018/hyperlinkcolor" val="tx"/>
+                    </a:ext>
+                  </a:extLst>
+                </a:hlinkClick>
+              </a:rPr>
+              <a:t>ERP Programa eta Datu Basea</a:t>
+            </a:r>
+            <a:endParaRPr lang="es-ES" sz="2000" dirty="0">
+              <a:solidFill>
+                <a:schemeClr val="accent5">
+                  <a:lumMod val="20000"/>
+                  <a:lumOff val="80000"/>
+                </a:schemeClr>
+              </a:solidFill>
+              <a:latin typeface="Poppins" panose="00000500000000000000" pitchFamily="2" charset="0"/>
+              <a:cs typeface="Poppins" panose="00000500000000000000" pitchFamily="2" charset="0"/>
+            </a:endParaRPr>
+          </a:p>
+          <a:p>
+            <a:pPr marL="285750" indent="-285750">
+              <a:buFont typeface="Arial" panose="020B0604020202020204" pitchFamily="34" charset="0"/>
+              <a:buChar char="•"/>
+            </a:pPr>
+            <a:r>
+              <a:rPr lang="es-ES" sz="2000" dirty="0">
+                <a:solidFill>
+                  <a:schemeClr val="accent5">
+                    <a:lumMod val="20000"/>
+                    <a:lumOff val="80000"/>
+                  </a:schemeClr>
+                </a:solidFill>
+                <a:latin typeface="Poppins" panose="00000500000000000000" pitchFamily="2" charset="0"/>
+                <a:cs typeface="Poppins" panose="00000500000000000000" pitchFamily="2" charset="0"/>
+                <a:hlinkClick r:id="rId8" action="ppaction://hlinksldjump">
+                  <a:extLst>
+                    <a:ext uri="{A12FA001-AC4F-418D-AE19-62706E023703}">
+                      <ahyp:hlinkClr xmlns:ahyp="http://schemas.microsoft.com/office/drawing/2018/hyperlinkcolor" val="tx"/>
+                    </a:ext>
+                  </a:extLst>
+                </a:hlinkClick>
+              </a:rPr>
+              <a:t>Komertzial APP (kudeapp)</a:t>
+            </a:r>
+            <a:endParaRPr lang="es-ES" sz="2000" dirty="0">
+              <a:solidFill>
+                <a:schemeClr val="accent5">
+                  <a:lumMod val="20000"/>
+                  <a:lumOff val="80000"/>
+                </a:schemeClr>
+              </a:solidFill>
+              <a:latin typeface="Poppins" panose="00000500000000000000" pitchFamily="2" charset="0"/>
+              <a:cs typeface="Poppins" panose="00000500000000000000" pitchFamily="2" charset="0"/>
+            </a:endParaRPr>
+          </a:p>
+          <a:p>
+            <a:pPr marL="285750" indent="-285750">
+              <a:buFont typeface="Arial" panose="020B0604020202020204" pitchFamily="34" charset="0"/>
+              <a:buChar char="•"/>
+            </a:pPr>
+            <a:r>
+              <a:rPr lang="es-ES" sz="2000" dirty="0">
+                <a:solidFill>
+                  <a:schemeClr val="accent5">
+                    <a:lumMod val="20000"/>
+                    <a:lumOff val="80000"/>
+                  </a:schemeClr>
+                </a:solidFill>
+                <a:latin typeface="Poppins" panose="00000500000000000000" pitchFamily="2" charset="0"/>
+                <a:cs typeface="Poppins" panose="00000500000000000000" pitchFamily="2" charset="0"/>
+                <a:hlinkClick r:id="rId9" action="ppaction://hlinksldjump">
+                  <a:extLst>
+                    <a:ext uri="{A12FA001-AC4F-418D-AE19-62706E023703}">
+                      <ahyp:hlinkClr xmlns:ahyp="http://schemas.microsoft.com/office/drawing/2018/hyperlinkcolor" val="tx"/>
+                    </a:ext>
+                  </a:extLst>
+                </a:hlinkClick>
+              </a:rPr>
+              <a:t>KudeApp Konexioa</a:t>
+            </a:r>
+            <a:endParaRPr lang="es-ES" sz="2000" dirty="0">
+              <a:solidFill>
+                <a:schemeClr val="accent5">
+                  <a:lumMod val="20000"/>
+                  <a:lumOff val="80000"/>
+                </a:schemeClr>
+              </a:solidFill>
+              <a:latin typeface="Poppins" panose="00000500000000000000" pitchFamily="2" charset="0"/>
+              <a:cs typeface="Poppins" panose="00000500000000000000" pitchFamily="2" charset="0"/>
+            </a:endParaRPr>
+          </a:p>
+          <a:p>
+            <a:pPr marL="285750" indent="-285750">
+              <a:buFont typeface="Arial" panose="020B0604020202020204" pitchFamily="34" charset="0"/>
+              <a:buChar char="•"/>
+            </a:pPr>
+            <a:r>
+              <a:rPr lang="es-ES" sz="2000" dirty="0">
+                <a:solidFill>
+                  <a:schemeClr val="accent5">
+                    <a:lumMod val="20000"/>
+                    <a:lumOff val="80000"/>
+                  </a:schemeClr>
+                </a:solidFill>
+                <a:latin typeface="Poppins" panose="00000500000000000000" pitchFamily="2" charset="0"/>
+                <a:cs typeface="Poppins" panose="00000500000000000000" pitchFamily="2" charset="0"/>
+                <a:hlinkClick r:id="rId10" action="ppaction://hlinksldjump">
+                  <a:extLst>
+                    <a:ext uri="{A12FA001-AC4F-418D-AE19-62706E023703}">
+                      <ahyp:hlinkClr xmlns:ahyp="http://schemas.microsoft.com/office/drawing/2018/hyperlinkcolor" val="tx"/>
+                    </a:ext>
+                  </a:extLst>
+                </a:hlinkClick>
+              </a:rPr>
+              <a:t>KudeApp Diseinua</a:t>
+            </a:r>
+            <a:endParaRPr lang="es-ES" sz="2000" dirty="0">
+              <a:solidFill>
+                <a:schemeClr val="accent5">
+                  <a:lumMod val="20000"/>
+                  <a:lumOff val="80000"/>
+                </a:schemeClr>
+              </a:solidFill>
+              <a:latin typeface="Poppins" panose="00000500000000000000" pitchFamily="2" charset="0"/>
+              <a:cs typeface="Poppins" panose="00000500000000000000" pitchFamily="2" charset="0"/>
+            </a:endParaRPr>
+          </a:p>
+          <a:p>
+            <a:pPr marL="285750" indent="-285750">
+              <a:buFont typeface="Arial" panose="020B0604020202020204" pitchFamily="34" charset="0"/>
+              <a:buChar char="•"/>
+            </a:pPr>
+            <a:r>
+              <a:rPr lang="es-ES" sz="2000" dirty="0">
+                <a:solidFill>
+                  <a:schemeClr val="accent5">
+                    <a:lumMod val="20000"/>
+                    <a:lumOff val="80000"/>
+                  </a:schemeClr>
+                </a:solidFill>
+                <a:latin typeface="Poppins" panose="00000500000000000000" pitchFamily="2" charset="0"/>
+                <a:cs typeface="Poppins" panose="00000500000000000000" pitchFamily="2" charset="0"/>
+                <a:hlinkClick r:id="rId11" action="ppaction://hlinksldjump">
+                  <a:extLst>
+                    <a:ext uri="{A12FA001-AC4F-418D-AE19-62706E023703}">
+                      <ahyp:hlinkClr xmlns:ahyp="http://schemas.microsoft.com/office/drawing/2018/hyperlinkcolor" val="tx"/>
+                    </a:ext>
+                  </a:extLst>
+                </a:hlinkClick>
+              </a:rPr>
+              <a:t>Enpresaren APP (OdooControl)</a:t>
+            </a:r>
+            <a:endParaRPr lang="es-ES" sz="2000" dirty="0">
+              <a:solidFill>
+                <a:schemeClr val="accent5">
+                  <a:lumMod val="20000"/>
+                  <a:lumOff val="80000"/>
+                </a:schemeClr>
+              </a:solidFill>
+              <a:latin typeface="Poppins" panose="00000500000000000000" pitchFamily="2" charset="0"/>
+              <a:cs typeface="Poppins" panose="00000500000000000000" pitchFamily="2" charset="0"/>
+            </a:endParaRPr>
+          </a:p>
+          <a:p>
+            <a:pPr marL="285750" indent="-285750">
+              <a:buFont typeface="Arial" panose="020B0604020202020204" pitchFamily="34" charset="0"/>
+              <a:buChar char="•"/>
+            </a:pPr>
+            <a:r>
+              <a:rPr lang="es-ES" sz="2000" dirty="0">
+                <a:solidFill>
+                  <a:schemeClr val="accent5">
+                    <a:lumMod val="20000"/>
+                    <a:lumOff val="80000"/>
+                  </a:schemeClr>
+                </a:solidFill>
+                <a:latin typeface="Poppins" panose="00000500000000000000" pitchFamily="2" charset="0"/>
+                <a:cs typeface="Poppins" panose="00000500000000000000" pitchFamily="2" charset="0"/>
+                <a:hlinkClick r:id="rId12" action="ppaction://hlinksldjump">
+                  <a:extLst>
+                    <a:ext uri="{A12FA001-AC4F-418D-AE19-62706E023703}">
+                      <ahyp:hlinkClr xmlns:ahyp="http://schemas.microsoft.com/office/drawing/2018/hyperlinkcolor" val="tx"/>
+                    </a:ext>
+                  </a:extLst>
+                </a:hlinkClick>
+              </a:rPr>
+              <a:t>OdooControl Konexioa</a:t>
+            </a:r>
+            <a:endParaRPr lang="es-ES" sz="2000" dirty="0">
+              <a:solidFill>
+                <a:schemeClr val="accent5">
+                  <a:lumMod val="20000"/>
+                  <a:lumOff val="80000"/>
+                </a:schemeClr>
+              </a:solidFill>
+              <a:latin typeface="Poppins" panose="00000500000000000000" pitchFamily="2" charset="0"/>
+              <a:cs typeface="Poppins" panose="00000500000000000000" pitchFamily="2" charset="0"/>
+            </a:endParaRPr>
+          </a:p>
+          <a:p>
+            <a:pPr marL="285750" indent="-285750">
+              <a:buFont typeface="Arial" panose="020B0604020202020204" pitchFamily="34" charset="0"/>
+              <a:buChar char="•"/>
+            </a:pPr>
+            <a:r>
+              <a:rPr lang="es-ES" sz="2000" dirty="0">
+                <a:solidFill>
+                  <a:schemeClr val="accent5">
+                    <a:lumMod val="20000"/>
+                    <a:lumOff val="80000"/>
+                  </a:schemeClr>
+                </a:solidFill>
+                <a:latin typeface="Poppins" panose="00000500000000000000" pitchFamily="2" charset="0"/>
+                <a:cs typeface="Poppins" panose="00000500000000000000" pitchFamily="2" charset="0"/>
+                <a:hlinkClick r:id="rId13" action="ppaction://hlinksldjump">
+                  <a:extLst>
+                    <a:ext uri="{A12FA001-AC4F-418D-AE19-62706E023703}">
+                      <ahyp:hlinkClr xmlns:ahyp="http://schemas.microsoft.com/office/drawing/2018/hyperlinkcolor" val="tx"/>
+                    </a:ext>
+                  </a:extLst>
+                </a:hlinkClick>
+              </a:rPr>
+              <a:t>OdooControl Diseinua</a:t>
+            </a:r>
+            <a:endParaRPr lang="es-ES" sz="2000" dirty="0">
+              <a:solidFill>
+                <a:schemeClr val="accent5">
+                  <a:lumMod val="20000"/>
+                  <a:lumOff val="80000"/>
+                </a:schemeClr>
+              </a:solidFill>
+              <a:latin typeface="Poppins" panose="00000500000000000000" pitchFamily="2" charset="0"/>
+              <a:cs typeface="Poppins" panose="00000500000000000000" pitchFamily="2" charset="0"/>
+            </a:endParaRPr>
+          </a:p>
+          <a:p>
+            <a:pPr marL="285750" indent="-285750">
+              <a:buFont typeface="Arial" panose="020B0604020202020204" pitchFamily="34" charset="0"/>
+              <a:buChar char="•"/>
+            </a:pPr>
+            <a:r>
+              <a:rPr lang="es-ES" sz="2000" dirty="0">
+                <a:solidFill>
+                  <a:schemeClr val="accent5">
+                    <a:lumMod val="20000"/>
+                    <a:lumOff val="80000"/>
+                  </a:schemeClr>
+                </a:solidFill>
+                <a:latin typeface="Poppins" panose="00000500000000000000" pitchFamily="2" charset="0"/>
+                <a:cs typeface="Poppins" panose="00000500000000000000" pitchFamily="2" charset="0"/>
+                <a:hlinkClick r:id="rId14" action="ppaction://hlinksldjump">
+                  <a:extLst>
+                    <a:ext uri="{A12FA001-AC4F-418D-AE19-62706E023703}">
+                      <ahyp:hlinkClr xmlns:ahyp="http://schemas.microsoft.com/office/drawing/2018/hyperlinkcolor" val="tx"/>
+                    </a:ext>
+                  </a:extLst>
+                </a:hlinkClick>
+              </a:rPr>
+              <a:t>Figma Disenua</a:t>
+            </a:r>
+            <a:endParaRPr lang="es-ES" sz="2000" dirty="0">
+              <a:solidFill>
+                <a:schemeClr val="accent5">
+                  <a:lumMod val="20000"/>
+                  <a:lumOff val="80000"/>
+                </a:schemeClr>
+              </a:solidFill>
+              <a:latin typeface="Poppins" panose="00000500000000000000" pitchFamily="2" charset="0"/>
+              <a:cs typeface="Poppins" panose="00000500000000000000" pitchFamily="2" charset="0"/>
+            </a:endParaRPr>
+          </a:p>
+          <a:p>
+            <a:pPr marL="285750" indent="-285750">
+              <a:buFont typeface="Arial" panose="020B0604020202020204" pitchFamily="34" charset="0"/>
+              <a:buChar char="•"/>
+            </a:pPr>
+            <a:r>
+              <a:rPr lang="es-ES" sz="2000" dirty="0">
+                <a:solidFill>
+                  <a:schemeClr val="accent5">
+                    <a:lumMod val="20000"/>
+                    <a:lumOff val="80000"/>
+                  </a:schemeClr>
+                </a:solidFill>
+                <a:latin typeface="Poppins" panose="00000500000000000000" pitchFamily="2" charset="0"/>
+                <a:cs typeface="Poppins" panose="00000500000000000000" pitchFamily="2" charset="0"/>
+                <a:hlinkClick r:id="rId15" action="ppaction://hlinksldjump">
+                  <a:extLst>
+                    <a:ext uri="{A12FA001-AC4F-418D-AE19-62706E023703}">
+                      <ahyp:hlinkClr xmlns:ahyp="http://schemas.microsoft.com/office/drawing/2018/hyperlinkcolor" val="tx"/>
+                    </a:ext>
+                  </a:extLst>
+                </a:hlinkClick>
+              </a:rPr>
+              <a:t>Enpresa ideia</a:t>
+            </a:r>
+            <a:endParaRPr lang="es-ES" sz="2000" dirty="0">
+              <a:solidFill>
+                <a:schemeClr val="accent5">
+                  <a:lumMod val="20000"/>
+                  <a:lumOff val="80000"/>
+                </a:schemeClr>
+              </a:solidFill>
+              <a:latin typeface="Poppins" panose="00000500000000000000" pitchFamily="2" charset="0"/>
+              <a:cs typeface="Poppins" panose="00000500000000000000" pitchFamily="2" charset="0"/>
+            </a:endParaRPr>
+          </a:p>
+          <a:p>
+            <a:pPr marL="285750" indent="-285750">
+              <a:buFont typeface="Arial" panose="020B0604020202020204" pitchFamily="34" charset="0"/>
+              <a:buChar char="•"/>
+            </a:pPr>
+            <a:r>
+              <a:rPr lang="es-ES" sz="2000" dirty="0">
+                <a:solidFill>
+                  <a:schemeClr val="accent5">
+                    <a:lumMod val="20000"/>
+                    <a:lumOff val="80000"/>
+                  </a:schemeClr>
+                </a:solidFill>
+                <a:latin typeface="Poppins" panose="00000500000000000000" pitchFamily="2" charset="0"/>
+                <a:cs typeface="Poppins" panose="00000500000000000000" pitchFamily="2" charset="0"/>
+                <a:hlinkClick r:id="rId16" action="ppaction://hlinksldjump">
+                  <a:extLst>
+                    <a:ext uri="{A12FA001-AC4F-418D-AE19-62706E023703}">
+                      <ahyp:hlinkClr xmlns:ahyp="http://schemas.microsoft.com/office/drawing/2018/hyperlinkcolor" val="tx"/>
+                    </a:ext>
+                  </a:extLst>
+                </a:hlinkClick>
+              </a:rPr>
+              <a:t>Forma juridikoa</a:t>
+            </a:r>
+            <a:endParaRPr lang="es-ES" sz="2000" dirty="0">
+              <a:solidFill>
+                <a:schemeClr val="accent5">
+                  <a:lumMod val="20000"/>
+                  <a:lumOff val="80000"/>
+                </a:schemeClr>
+              </a:solidFill>
+              <a:latin typeface="Poppins" panose="00000500000000000000" pitchFamily="2" charset="0"/>
+              <a:cs typeface="Poppins" panose="00000500000000000000" pitchFamily="2" charset="0"/>
+            </a:endParaRPr>
+          </a:p>
+          <a:p>
+            <a:pPr marL="285750" indent="-285750">
+              <a:buFont typeface="Arial" panose="020B0604020202020204" pitchFamily="34" charset="0"/>
+              <a:buChar char="•"/>
+            </a:pPr>
+            <a:r>
+              <a:rPr lang="es-ES" sz="2000" dirty="0">
+                <a:solidFill>
+                  <a:schemeClr val="accent5">
+                    <a:lumMod val="20000"/>
+                    <a:lumOff val="80000"/>
+                  </a:schemeClr>
+                </a:solidFill>
+                <a:latin typeface="Poppins" panose="00000500000000000000" pitchFamily="2" charset="0"/>
+                <a:cs typeface="Poppins" panose="00000500000000000000" pitchFamily="2" charset="0"/>
+                <a:hlinkClick r:id="rId17" action="ppaction://hlinksldjump">
+                  <a:extLst>
+                    <a:ext uri="{A12FA001-AC4F-418D-AE19-62706E023703}">
+                      <ahyp:hlinkClr xmlns:ahyp="http://schemas.microsoft.com/office/drawing/2018/hyperlinkcolor" val="tx"/>
+                    </a:ext>
+                  </a:extLst>
+                </a:hlinkClick>
+              </a:rPr>
+              <a:t>Canvas taula (1)</a:t>
+            </a:r>
+            <a:endParaRPr lang="es-ES" sz="2000" dirty="0">
+              <a:solidFill>
+                <a:schemeClr val="accent5">
+                  <a:lumMod val="20000"/>
+                  <a:lumOff val="80000"/>
+                </a:schemeClr>
+              </a:solidFill>
+              <a:latin typeface="Poppins" panose="00000500000000000000" pitchFamily="2" charset="0"/>
+              <a:cs typeface="Poppins" panose="00000500000000000000" pitchFamily="2" charset="0"/>
+            </a:endParaRPr>
+          </a:p>
+          <a:p>
+            <a:pPr marL="285750" indent="-285750">
+              <a:buFont typeface="Arial" panose="020B0604020202020204" pitchFamily="34" charset="0"/>
+              <a:buChar char="•"/>
+            </a:pPr>
+            <a:r>
+              <a:rPr lang="es-ES" sz="2000" dirty="0">
+                <a:solidFill>
+                  <a:srgbClr val="DDECEE"/>
+                </a:solidFill>
+                <a:latin typeface="Poppins" panose="00000500000000000000" pitchFamily="2" charset="0"/>
+                <a:cs typeface="Poppins" panose="00000500000000000000" pitchFamily="2" charset="0"/>
+                <a:hlinkClick r:id="rId18" action="ppaction://hlinksldjump">
+                  <a:extLst>
+                    <a:ext uri="{A12FA001-AC4F-418D-AE19-62706E023703}">
+                      <ahyp:hlinkClr xmlns:ahyp="http://schemas.microsoft.com/office/drawing/2018/hyperlinkcolor" val="tx"/>
+                    </a:ext>
+                  </a:extLst>
+                </a:hlinkClick>
+              </a:rPr>
+              <a:t>Canvas taula </a:t>
+            </a:r>
+            <a:r>
+              <a:rPr lang="es-ES" sz="2000" dirty="0">
+                <a:solidFill>
+                  <a:schemeClr val="accent5">
+                    <a:lumMod val="20000"/>
+                    <a:lumOff val="80000"/>
+                  </a:schemeClr>
+                </a:solidFill>
+                <a:latin typeface="Poppins" panose="00000500000000000000" pitchFamily="2" charset="0"/>
+                <a:cs typeface="Poppins" panose="00000500000000000000" pitchFamily="2" charset="0"/>
+                <a:hlinkClick r:id="rId18" action="ppaction://hlinksldjump">
+                  <a:extLst>
+                    <a:ext uri="{A12FA001-AC4F-418D-AE19-62706E023703}">
+                      <ahyp:hlinkClr xmlns:ahyp="http://schemas.microsoft.com/office/drawing/2018/hyperlinkcolor" val="tx"/>
+                    </a:ext>
+                  </a:extLst>
+                </a:hlinkClick>
+              </a:rPr>
+              <a:t>(2)</a:t>
+            </a:r>
+            <a:endParaRPr lang="es-ES" sz="2000" dirty="0">
+              <a:solidFill>
+                <a:schemeClr val="accent5">
+                  <a:lumMod val="20000"/>
+                  <a:lumOff val="80000"/>
+                </a:schemeClr>
+              </a:solidFill>
+              <a:latin typeface="Poppins" panose="00000500000000000000" pitchFamily="2" charset="0"/>
+              <a:cs typeface="Poppins" panose="00000500000000000000" pitchFamily="2" charset="0"/>
+            </a:endParaRPr>
+          </a:p>
+          <a:p>
+            <a:pPr marL="285750" indent="-285750">
+              <a:buFont typeface="Arial" panose="020B0604020202020204" pitchFamily="34" charset="0"/>
+              <a:buChar char="•"/>
+            </a:pPr>
+            <a:r>
+              <a:rPr lang="es-ES" sz="2000" dirty="0">
+                <a:solidFill>
+                  <a:schemeClr val="accent5">
+                    <a:lumMod val="40000"/>
+                    <a:lumOff val="60000"/>
+                  </a:schemeClr>
+                </a:solidFill>
+                <a:latin typeface="Poppins" panose="00000500000000000000" pitchFamily="2" charset="0"/>
+                <a:cs typeface="Poppins" panose="00000500000000000000" pitchFamily="2" charset="0"/>
+                <a:hlinkClick r:id="rId19" action="ppaction://hlinksldjump"/>
+              </a:rPr>
+              <a:t>SDG</a:t>
             </a:r>
             <a:endParaRPr lang="es-ES" sz="2000" dirty="0">
               <a:solidFill>
@@ -7526,15 +9963,9 @@
                 </a:solidFill>
                 <a:latin typeface="Poppins" panose="00000500000000000000" pitchFamily="2" charset="0"/>
                 <a:cs typeface="Poppins" panose="00000500000000000000" pitchFamily="2" charset="0"/>
-                <a:hlinkClick r:id="rId4" action="ppaction://hlinksldjump">
-                  <a:extLst>
-                    <a:ext uri="{A12FA001-AC4F-418D-AE19-62706E023703}">
-                      <ahyp:hlinkClr xmlns="" xmlns:ahyp="http://schemas.microsoft.com/office/drawing/2018/hyperlinkcolor" val="tx"/>
-                    </a:ext>
-                  </a:extLst>
-                </a:hlinkClick>
+                <a:hlinkClick r:id="rId20" action="ppaction://hlinksldjump"/>
               </a:rPr>
-              <a:t>Erronkaren lehenengo pausuak</a:t>
+              <a:t>Merkatu ikerketa (Ezaugarriak)</a:t>
             </a:r>
             <a:endParaRPr lang="es-ES" sz="2000" dirty="0">
               <a:solidFill>
@@ -7562,15 +9993,9 @@
                 </a:solidFill>
                 <a:latin typeface="Poppins" panose="00000500000000000000" pitchFamily="2" charset="0"/>
                 <a:cs typeface="Poppins" panose="00000500000000000000" pitchFamily="2" charset="0"/>
-                <a:hlinkClick r:id="rId5" action="ppaction://hlinksldjump">
-                  <a:extLst>
-                    <a:ext uri="{A12FA001-AC4F-418D-AE19-62706E023703}">
-                      <ahyp:hlinkClr xmlns="" xmlns:ahyp="http://schemas.microsoft.com/office/drawing/2018/hyperlinkcolor" val="tx"/>
-                    </a:ext>
-                  </a:extLst>
-                </a:hlinkClick>
+                <a:hlinkClick r:id="rId21" action="ppaction://hlinksldjump"/>
               </a:rPr>
-              <a:t>Egunerokoa</a:t>
+              <a:t>Merkatu ikerketa (Deskribapena)</a:t>
             </a:r>
             <a:endParaRPr lang="es-ES" sz="2000" dirty="0">
               <a:solidFill>
@@ -7598,15 +10023,9 @@
                 </a:solidFill>
                 <a:latin typeface="Poppins" panose="00000500000000000000" pitchFamily="2" charset="0"/>
                 <a:cs typeface="Poppins" panose="00000500000000000000" pitchFamily="2" charset="0"/>
-                <a:hlinkClick r:id="rId6" action="ppaction://hlinksldjump">
-                  <a:extLst>
-                    <a:ext uri="{A12FA001-AC4F-418D-AE19-62706E023703}">
-                      <ahyp:hlinkClr xmlns="" xmlns:ahyp="http://schemas.microsoft.com/office/drawing/2018/hyperlinkcolor" val="tx"/>
-                    </a:ext>
-                  </a:extLst>
-                </a:hlinkClick>
+                <a:hlinkClick r:id="rId22" action="ppaction://hlinksldjump"/>
               </a:rPr>
-              <a:t>ERP Programa eta Datu Basea</a:t>
+              <a:t>Merkatu ikerketa (Hornitzaileak)</a:t>
             </a:r>
             <a:endParaRPr lang="es-ES" sz="2000" dirty="0">
               <a:solidFill>
@@ -7619,369 +10038,34 @@
               <a:cs typeface="Poppins" panose="00000500000000000000" pitchFamily="2" charset="0"/>
             </a:endParaRPr>
           </a:p>
-          <a:p>
-            <a:pPr marL="285750" indent="-285750">
-              <a:buFont typeface="Arial" panose="020B0604020202020204" pitchFamily="34" charset="0"/>
-              <a:buChar char="•"/>
-            </a:pPr>
-            <a:r>
-              <a:rPr lang="es-ES" sz="2000" dirty="0">
-                <a:solidFill>
-                  <a:schemeClr val="accent5">
-                    <a:lumMod val="40000"/>
-                    <a:lumOff val="60000"/>
-                  </a:schemeClr>
-                </a:solidFill>
-                <a:latin typeface="Poppins" panose="00000500000000000000" pitchFamily="2" charset="0"/>
-                <a:cs typeface="Poppins" panose="00000500000000000000" pitchFamily="2" charset="0"/>
-                <a:hlinkClick r:id="rId7" action="ppaction://hlinksldjump">
-                  <a:extLst>
-                    <a:ext uri="{A12FA001-AC4F-418D-AE19-62706E023703}">
-                      <ahyp:hlinkClr xmlns="" xmlns:ahyp="http://schemas.microsoft.com/office/drawing/2018/hyperlinkcolor" val="tx"/>
-                    </a:ext>
-                  </a:extLst>
-                </a:hlinkClick>
-              </a:rPr>
-              <a:t>Komertzial APP (kudeapp)</a:t>
-            </a:r>
-            <a:endParaRPr lang="es-ES" sz="2000" dirty="0">
-              <a:solidFill>
-                <a:schemeClr val="accent5">
-                  <a:lumMod val="40000"/>
-                  <a:lumOff val="60000"/>
-                </a:schemeClr>
-              </a:solidFill>
-              <a:latin typeface="Poppins" panose="00000500000000000000" pitchFamily="2" charset="0"/>
-              <a:cs typeface="Poppins" panose="00000500000000000000" pitchFamily="2" charset="0"/>
-            </a:endParaRPr>
-          </a:p>
-          <a:p>
-            <a:pPr marL="285750" indent="-285750">
-              <a:buFont typeface="Arial" panose="020B0604020202020204" pitchFamily="34" charset="0"/>
-              <a:buChar char="•"/>
-            </a:pPr>
-            <a:r>
-              <a:rPr lang="es-ES" sz="2000" dirty="0">
-                <a:solidFill>
-                  <a:schemeClr val="accent5">
-                    <a:lumMod val="40000"/>
-                    <a:lumOff val="60000"/>
-                  </a:schemeClr>
-                </a:solidFill>
-                <a:latin typeface="Poppins" panose="00000500000000000000" pitchFamily="2" charset="0"/>
-                <a:cs typeface="Poppins" panose="00000500000000000000" pitchFamily="2" charset="0"/>
-                <a:hlinkClick r:id="rId8" action="ppaction://hlinksldjump">
-                  <a:extLst>
-                    <a:ext uri="{A12FA001-AC4F-418D-AE19-62706E023703}">
-                      <ahyp:hlinkClr xmlns="" xmlns:ahyp="http://schemas.microsoft.com/office/drawing/2018/hyperlinkcolor" val="tx"/>
-                    </a:ext>
-                  </a:extLst>
-                </a:hlinkClick>
-              </a:rPr>
-              <a:t>KudeApp Konexioa</a:t>
-            </a:r>
-            <a:endParaRPr lang="es-ES" sz="2000" dirty="0">
-              <a:solidFill>
-                <a:schemeClr val="accent5">
-                  <a:lumMod val="40000"/>
-                  <a:lumOff val="60000"/>
-                </a:schemeClr>
-              </a:solidFill>
-              <a:latin typeface="Poppins" panose="00000500000000000000" pitchFamily="2" charset="0"/>
-              <a:cs typeface="Poppins" panose="00000500000000000000" pitchFamily="2" charset="0"/>
-            </a:endParaRPr>
-          </a:p>
-          <a:p>
-            <a:pPr marL="285750" indent="-285750">
-              <a:buFont typeface="Arial" panose="020B0604020202020204" pitchFamily="34" charset="0"/>
-              <a:buChar char="•"/>
-            </a:pPr>
-            <a:r>
-              <a:rPr lang="es-ES" sz="2000" dirty="0">
-                <a:solidFill>
-                  <a:schemeClr val="accent5">
-                    <a:lumMod val="40000"/>
-                    <a:lumOff val="60000"/>
-                  </a:schemeClr>
-                </a:solidFill>
-                <a:latin typeface="Poppins" panose="00000500000000000000" pitchFamily="2" charset="0"/>
-                <a:cs typeface="Poppins" panose="00000500000000000000" pitchFamily="2" charset="0"/>
-                <a:hlinkClick r:id="rId9" action="ppaction://hlinksldjump">
-                  <a:extLst>
-                    <a:ext uri="{A12FA001-AC4F-418D-AE19-62706E023703}">
-                      <ahyp:hlinkClr xmlns="" xmlns:ahyp="http://schemas.microsoft.com/office/drawing/2018/hyperlinkcolor" val="tx"/>
-                    </a:ext>
-                  </a:extLst>
-                </a:hlinkClick>
-              </a:rPr>
-              <a:t>KudeApp Diseinua</a:t>
-            </a:r>
-            <a:endParaRPr lang="es-ES" sz="2000" dirty="0">
-              <a:solidFill>
-                <a:schemeClr val="accent5">
-                  <a:lumMod val="40000"/>
-                  <a:lumOff val="60000"/>
-                </a:schemeClr>
-              </a:solidFill>
-              <a:latin typeface="Poppins" panose="00000500000000000000" pitchFamily="2" charset="0"/>
-              <a:cs typeface="Poppins" panose="00000500000000000000" pitchFamily="2" charset="0"/>
-            </a:endParaRPr>
-          </a:p>
-          <a:p>
-            <a:pPr marL="285750" indent="-285750">
-              <a:buFont typeface="Arial" panose="020B0604020202020204" pitchFamily="34" charset="0"/>
-              <a:buChar char="•"/>
-            </a:pPr>
-            <a:r>
-              <a:rPr lang="es-ES" sz="2000" dirty="0">
-                <a:solidFill>
-                  <a:schemeClr val="accent5">
-                    <a:lumMod val="40000"/>
-                    <a:lumOff val="60000"/>
-                  </a:schemeClr>
-                </a:solidFill>
-                <a:latin typeface="Poppins" panose="00000500000000000000" pitchFamily="2" charset="0"/>
-                <a:cs typeface="Poppins" panose="00000500000000000000" pitchFamily="2" charset="0"/>
-                <a:hlinkClick r:id="rId10" action="ppaction://hlinksldjump">
-                  <a:extLst>
-                    <a:ext uri="{A12FA001-AC4F-418D-AE19-62706E023703}">
-                      <ahyp:hlinkClr xmlns="" xmlns:ahyp="http://schemas.microsoft.com/office/drawing/2018/hyperlinkcolor" val="tx"/>
-                    </a:ext>
-                  </a:extLst>
-                </a:hlinkClick>
-              </a:rPr>
-              <a:t>Enpresaren APP (OdooControl)</a:t>
-            </a:r>
-            <a:endParaRPr lang="es-ES" sz="2000" dirty="0">
-              <a:solidFill>
-                <a:schemeClr val="accent5">
-                  <a:lumMod val="40000"/>
-                  <a:lumOff val="60000"/>
-                </a:schemeClr>
-              </a:solidFill>
-              <a:latin typeface="Poppins" panose="00000500000000000000" pitchFamily="2" charset="0"/>
-              <a:cs typeface="Poppins" panose="00000500000000000000" pitchFamily="2" charset="0"/>
-            </a:endParaRPr>
-          </a:p>
-          <a:p>
-            <a:pPr marL="285750" indent="-285750">
-              <a:buFont typeface="Arial" panose="020B0604020202020204" pitchFamily="34" charset="0"/>
-              <a:buChar char="•"/>
-            </a:pPr>
-            <a:r>
-              <a:rPr lang="es-ES" sz="2000" dirty="0">
-                <a:solidFill>
-                  <a:schemeClr val="accent5">
-                    <a:lumMod val="40000"/>
-                    <a:lumOff val="60000"/>
-                  </a:schemeClr>
-                </a:solidFill>
-                <a:latin typeface="Poppins" panose="00000500000000000000" pitchFamily="2" charset="0"/>
-                <a:cs typeface="Poppins" panose="00000500000000000000" pitchFamily="2" charset="0"/>
-                <a:hlinkClick r:id="rId11" action="ppaction://hlinksldjump">
-                  <a:extLst>
-                    <a:ext uri="{A12FA001-AC4F-418D-AE19-62706E023703}">
-                      <ahyp:hlinkClr xmlns="" xmlns:ahyp="http://schemas.microsoft.com/office/drawing/2018/hyperlinkcolor" val="tx"/>
-                    </a:ext>
-                  </a:extLst>
-                </a:hlinkClick>
-              </a:rPr>
-              <a:t>OdooControl Konexioa</a:t>
-            </a:r>
-            <a:endParaRPr lang="es-ES" sz="2000" dirty="0">
-              <a:solidFill>
-                <a:schemeClr val="accent5">
-                  <a:lumMod val="40000"/>
-                  <a:lumOff val="60000"/>
-                </a:schemeClr>
-              </a:solidFill>
-              <a:latin typeface="Poppins" panose="00000500000000000000" pitchFamily="2" charset="0"/>
-              <a:cs typeface="Poppins" panose="00000500000000000000" pitchFamily="2" charset="0"/>
-            </a:endParaRPr>
-          </a:p>
-          <a:p>
-            <a:pPr marL="285750" indent="-285750">
-              <a:buFont typeface="Arial" panose="020B0604020202020204" pitchFamily="34" charset="0"/>
-              <a:buChar char="•"/>
-            </a:pPr>
-            <a:r>
-              <a:rPr lang="es-ES" sz="2000" dirty="0">
-                <a:solidFill>
-                  <a:schemeClr val="accent5">
-                    <a:lumMod val="40000"/>
-                    <a:lumOff val="60000"/>
-                  </a:schemeClr>
-                </a:solidFill>
-                <a:latin typeface="Poppins" panose="00000500000000000000" pitchFamily="2" charset="0"/>
-                <a:cs typeface="Poppins" panose="00000500000000000000" pitchFamily="2" charset="0"/>
-                <a:hlinkClick r:id="rId12" action="ppaction://hlinksldjump">
-                  <a:extLst>
-                    <a:ext uri="{A12FA001-AC4F-418D-AE19-62706E023703}">
-                      <ahyp:hlinkClr xmlns="" xmlns:ahyp="http://schemas.microsoft.com/office/drawing/2018/hyperlinkcolor" val="tx"/>
-                    </a:ext>
-                  </a:extLst>
-                </a:hlinkClick>
-              </a:rPr>
-              <a:t>OdooControl Diseinua</a:t>
-            </a:r>
-            <a:endParaRPr lang="es-ES" sz="2000" dirty="0">
-              <a:solidFill>
-                <a:schemeClr val="accent5">
-                  <a:lumMod val="40000"/>
-                  <a:lumOff val="60000"/>
-                </a:schemeClr>
-              </a:solidFill>
-              <a:latin typeface="Poppins" panose="00000500000000000000" pitchFamily="2" charset="0"/>
-              <a:cs typeface="Poppins" panose="00000500000000000000" pitchFamily="2" charset="0"/>
-            </a:endParaRPr>
-          </a:p>
-          <a:p>
-            <a:pPr marL="285750" indent="-285750">
-              <a:buFont typeface="Arial" panose="020B0604020202020204" pitchFamily="34" charset="0"/>
-              <a:buChar char="•"/>
-            </a:pPr>
-            <a:r>
-              <a:rPr lang="es-ES" sz="2000" dirty="0">
-                <a:solidFill>
-                  <a:schemeClr val="accent5">
-                    <a:lumMod val="40000"/>
-                    <a:lumOff val="60000"/>
-                  </a:schemeClr>
-                </a:solidFill>
-                <a:latin typeface="Poppins" panose="00000500000000000000" pitchFamily="2" charset="0"/>
-                <a:cs typeface="Poppins" panose="00000500000000000000" pitchFamily="2" charset="0"/>
-                <a:hlinkClick r:id="rId13" action="ppaction://hlinksldjump">
-                  <a:extLst>
-                    <a:ext uri="{A12FA001-AC4F-418D-AE19-62706E023703}">
-                      <ahyp:hlinkClr xmlns="" xmlns:ahyp="http://schemas.microsoft.com/office/drawing/2018/hyperlinkcolor" val="tx"/>
-                    </a:ext>
-                  </a:extLst>
-                </a:hlinkClick>
-              </a:rPr>
-              <a:t>Figma Disenua</a:t>
-            </a:r>
-            <a:endParaRPr lang="es-ES" sz="2000" dirty="0">
-              <a:solidFill>
-                <a:schemeClr val="accent5">
-                  <a:lumMod val="40000"/>
-                  <a:lumOff val="60000"/>
-                </a:schemeClr>
-              </a:solidFill>
-              <a:latin typeface="Poppins" panose="00000500000000000000" pitchFamily="2" charset="0"/>
-              <a:cs typeface="Poppins" panose="00000500000000000000" pitchFamily="2" charset="0"/>
-            </a:endParaRPr>
-          </a:p>
-          <a:p>
-            <a:pPr marL="285750" indent="-285750">
-              <a:buFont typeface="Arial" panose="020B0604020202020204" pitchFamily="34" charset="0"/>
-              <a:buChar char="•"/>
-            </a:pPr>
-            <a:r>
-              <a:rPr lang="es-ES" sz="2000" dirty="0">
-                <a:solidFill>
-                  <a:schemeClr val="accent5">
-                    <a:lumMod val="40000"/>
-                    <a:lumOff val="60000"/>
-                  </a:schemeClr>
-                </a:solidFill>
-                <a:latin typeface="Poppins" panose="00000500000000000000" pitchFamily="2" charset="0"/>
-                <a:cs typeface="Poppins" panose="00000500000000000000" pitchFamily="2" charset="0"/>
-                <a:hlinkClick r:id="rId14" action="ppaction://hlinksldjump">
-                  <a:extLst>
-                    <a:ext uri="{A12FA001-AC4F-418D-AE19-62706E023703}">
-                      <ahyp:hlinkClr xmlns="" xmlns:ahyp="http://schemas.microsoft.com/office/drawing/2018/hyperlinkcolor" val="tx"/>
-                    </a:ext>
-                  </a:extLst>
-                </a:hlinkClick>
-              </a:rPr>
-              <a:t>Enpresa </a:t>
-            </a:r>
-            <a:r>
-              <a:rPr lang="es-ES" sz="2000" dirty="0" err="1">
-                <a:solidFill>
-                  <a:schemeClr val="accent5">
-                    <a:lumMod val="40000"/>
-                    <a:lumOff val="60000"/>
-                  </a:schemeClr>
-                </a:solidFill>
-                <a:latin typeface="Poppins" panose="00000500000000000000" pitchFamily="2" charset="0"/>
-                <a:cs typeface="Poppins" panose="00000500000000000000" pitchFamily="2" charset="0"/>
-                <a:hlinkClick r:id="rId14" action="ppaction://hlinksldjump">
-                  <a:extLst>
-                    <a:ext uri="{A12FA001-AC4F-418D-AE19-62706E023703}">
-                      <ahyp:hlinkClr xmlns="" xmlns:ahyp="http://schemas.microsoft.com/office/drawing/2018/hyperlinkcolor" val="tx"/>
-                    </a:ext>
-                  </a:extLst>
-                </a:hlinkClick>
-              </a:rPr>
-              <a:t>ideia</a:t>
-            </a:r>
-            <a:endParaRPr lang="es-ES" sz="2000" dirty="0">
-              <a:solidFill>
-                <a:schemeClr val="accent5">
-                  <a:lumMod val="40000"/>
-                  <a:lumOff val="60000"/>
-                </a:schemeClr>
-              </a:solidFill>
-              <a:latin typeface="Poppins" panose="00000500000000000000" pitchFamily="2" charset="0"/>
-              <a:cs typeface="Poppins" panose="00000500000000000000" pitchFamily="2" charset="0"/>
-            </a:endParaRPr>
-          </a:p>
-          <a:p>
-            <a:pPr marL="285750" indent="-285750">
-              <a:buFont typeface="Arial" panose="020B0604020202020204" pitchFamily="34" charset="0"/>
-              <a:buChar char="•"/>
-            </a:pPr>
-            <a:r>
-              <a:rPr lang="es-ES" sz="2000" dirty="0">
-                <a:solidFill>
-                  <a:schemeClr val="accent5">
-                    <a:lumMod val="40000"/>
-                    <a:lumOff val="60000"/>
-                  </a:schemeClr>
-                </a:solidFill>
-                <a:latin typeface="Poppins" panose="00000500000000000000" pitchFamily="2" charset="0"/>
-                <a:cs typeface="Poppins" panose="00000500000000000000" pitchFamily="2" charset="0"/>
-                <a:hlinkClick r:id="rId15" action="ppaction://hlinksldjump">
-                  <a:extLst>
-                    <a:ext uri="{A12FA001-AC4F-418D-AE19-62706E023703}">
-                      <ahyp:hlinkClr xmlns="" xmlns:ahyp="http://schemas.microsoft.com/office/drawing/2018/hyperlinkcolor" val="tx"/>
-                    </a:ext>
-                  </a:extLst>
-                </a:hlinkClick>
-              </a:rPr>
-              <a:t>Forma </a:t>
-            </a:r>
-            <a:r>
-              <a:rPr lang="es-ES" sz="2000" dirty="0" err="1">
-                <a:solidFill>
-                  <a:schemeClr val="accent5">
-                    <a:lumMod val="40000"/>
-                    <a:lumOff val="60000"/>
-                  </a:schemeClr>
-                </a:solidFill>
-                <a:latin typeface="Poppins" panose="00000500000000000000" pitchFamily="2" charset="0"/>
-                <a:cs typeface="Poppins" panose="00000500000000000000" pitchFamily="2" charset="0"/>
-                <a:hlinkClick r:id="rId15" action="ppaction://hlinksldjump">
-                  <a:extLst>
-                    <a:ext uri="{A12FA001-AC4F-418D-AE19-62706E023703}">
-                      <ahyp:hlinkClr xmlns="" xmlns:ahyp="http://schemas.microsoft.com/office/drawing/2018/hyperlinkcolor" val="tx"/>
-                    </a:ext>
-                  </a:extLst>
-                </a:hlinkClick>
-              </a:rPr>
-              <a:t>juridikoa</a:t>
-            </a:r>
-            <a:endParaRPr lang="es-ES" sz="2000" dirty="0">
-              <a:solidFill>
-                <a:schemeClr val="accent5">
-                  <a:lumMod val="40000"/>
-                  <a:lumOff val="60000"/>
-                </a:schemeClr>
-              </a:solidFill>
-              <a:latin typeface="Poppins" panose="00000500000000000000" pitchFamily="2" charset="0"/>
-              <a:cs typeface="Poppins" panose="00000500000000000000" pitchFamily="2" charset="0"/>
-            </a:endParaRPr>
+        </p:txBody>
+      </p:sp>
+      <p:sp>
+        <p:nvSpPr>
+          <p:cNvPr id="5" name="Marcador de número de diapositiva 4">
+            <a:extLst>
+              <a:ext uri="{FF2B5EF4-FFF2-40B4-BE49-F238E27FC236}">
+                <a16:creationId xmlns:a16="http://schemas.microsoft.com/office/drawing/2014/main" id="{77C08377-6B6F-39CA-27B1-8D64CDABC6CB}"/>
+              </a:ext>
+            </a:extLst>
+          </p:cNvPr>
+          <p:cNvSpPr>
+            <a:spLocks noGrp="1"/>
+          </p:cNvSpPr>
+          <p:nvPr>
+            <p:ph type="sldNum" sz="quarter" idx="12"/>
+          </p:nvPr>
+        </p:nvSpPr>
+        <p:spPr/>
+        <p:txBody>
+          <a:bodyPr/>
+          <a:lstStyle/>
+          <a:p>
+            <a:fld id="{0308B8C6-4BEB-4382-93FE-5F3DFD9EA2DC}" type="slidenum">
+              <a:rPr lang="es-ES" smtClean="0"/>
+              <a:t>2</a:t>
+            </a:fld>
+            <a:endParaRPr lang="es-ES" dirty="0"/>
           </a:p>
         </p:txBody>
       </p:sp>
@@ -7995,13 +10079,6 @@
   <p:clrMapOvr>
     <a:masterClrMapping/>
   </p:clrMapOvr>
-  <p:timing>
-    <p:tnLst>
-      <p:par>
-        <p:cTn id="1" dur="indefinite" restart="never" nodeType="tmRoot"/>
-      </p:par>
-    </p:tnLst>
-  </p:timing>
 </p:sld>
 </file>
 
@@ -8039,7 +10116,7 @@
           </p:nvPr>
         </p:nvPicPr>
         <p:blipFill>
-          <a:blip r:embed="rId2" cstate="print">
+          <a:blip r:embed="rId3" cstate="print">
             <a:extLst>
               <a:ext uri="{28A0092B-C50C-407E-A947-70E740481C1C}">
                 <a14:useLocalDpi xmlns:a14="http://schemas.microsoft.com/office/drawing/2010/main" val="0"/>
@@ -8080,7 +10157,7 @@
           <a:lstStyle/>
           <a:p>
             <a:r>
-              <a:rPr lang="es-ES" b="1" dirty="0" err="1" smtClean="0">
+              <a:rPr lang="es-ES" b="1" dirty="0">
                 <a:solidFill>
                   <a:schemeClr val="accent5">
                     <a:lumMod val="20000"/>
@@ -8090,10 +10167,10 @@
                 <a:latin typeface="Poppins" panose="00000500000000000000" pitchFamily="2" charset="0"/>
                 <a:cs typeface="Poppins" panose="00000500000000000000" pitchFamily="2" charset="0"/>
               </a:rPr>
-              <a:t>Merkatu</a:t>
-            </a:r>
-            <a:r>
-              <a:rPr lang="es-ES" b="1" dirty="0" smtClean="0">
+              <a:t>Merkatu ikerketa </a:t>
+            </a:r>
+            <a:r>
+              <a:rPr lang="es-ES" sz="3200" b="1" dirty="0">
                 <a:solidFill>
                   <a:schemeClr val="accent5">
                     <a:lumMod val="20000"/>
@@ -8103,109 +10180,8 @@
                 <a:latin typeface="Poppins" panose="00000500000000000000" pitchFamily="2" charset="0"/>
                 <a:cs typeface="Poppins" panose="00000500000000000000" pitchFamily="2" charset="0"/>
               </a:rPr>
-              <a:t> </a:t>
-            </a:r>
-            <a:r>
-              <a:rPr lang="es-ES" b="1" dirty="0" err="1" smtClean="0">
-                <a:solidFill>
-                  <a:schemeClr val="accent5">
-                    <a:lumMod val="20000"/>
-                    <a:lumOff val="80000"/>
-                  </a:schemeClr>
-                </a:solidFill>
-                <a:latin typeface="Poppins" panose="00000500000000000000" pitchFamily="2" charset="0"/>
-                <a:cs typeface="Poppins" panose="00000500000000000000" pitchFamily="2" charset="0"/>
-              </a:rPr>
-              <a:t>ikerketa</a:t>
-            </a:r>
-            <a:r>
-              <a:rPr lang="es-ES" b="1" dirty="0" smtClean="0">
-                <a:solidFill>
-                  <a:schemeClr val="accent5">
-                    <a:lumMod val="20000"/>
-                    <a:lumOff val="80000"/>
-                  </a:schemeClr>
-                </a:solidFill>
-                <a:latin typeface="Poppins" panose="00000500000000000000" pitchFamily="2" charset="0"/>
-                <a:cs typeface="Poppins" panose="00000500000000000000" pitchFamily="2" charset="0"/>
-              </a:rPr>
-              <a:t> </a:t>
-            </a:r>
-            <a:r>
-              <a:rPr lang="es-ES" sz="3200" b="1" dirty="0" smtClean="0">
-                <a:solidFill>
-                  <a:schemeClr val="accent5">
-                    <a:lumMod val="20000"/>
-                    <a:lumOff val="80000"/>
-                  </a:schemeClr>
-                </a:solidFill>
-                <a:latin typeface="Poppins" panose="00000500000000000000" pitchFamily="2" charset="0"/>
-                <a:cs typeface="Poppins" panose="00000500000000000000" pitchFamily="2" charset="0"/>
-              </a:rPr>
-              <a:t>(</a:t>
-            </a:r>
-            <a:r>
-              <a:rPr lang="es-ES" sz="3200" b="1" dirty="0" err="1" smtClean="0">
-                <a:solidFill>
-                  <a:schemeClr val="accent5">
-                    <a:lumMod val="20000"/>
-                    <a:lumOff val="80000"/>
-                  </a:schemeClr>
-                </a:solidFill>
-                <a:latin typeface="Poppins" panose="00000500000000000000" pitchFamily="2" charset="0"/>
-                <a:cs typeface="Poppins" panose="00000500000000000000" pitchFamily="2" charset="0"/>
-              </a:rPr>
-              <a:t>Merkatuko</a:t>
-            </a:r>
-            <a:r>
-              <a:rPr lang="es-ES" sz="3200" b="1" dirty="0" smtClean="0">
-                <a:solidFill>
-                  <a:schemeClr val="accent5">
-                    <a:lumMod val="20000"/>
-                    <a:lumOff val="80000"/>
-                  </a:schemeClr>
-                </a:solidFill>
-                <a:latin typeface="Poppins" panose="00000500000000000000" pitchFamily="2" charset="0"/>
-                <a:cs typeface="Poppins" panose="00000500000000000000" pitchFamily="2" charset="0"/>
-              </a:rPr>
-              <a:t> </a:t>
-            </a:r>
-            <a:r>
-              <a:rPr lang="es-ES" sz="3200" b="1" dirty="0" err="1" smtClean="0">
-                <a:solidFill>
-                  <a:schemeClr val="accent5">
-                    <a:lumMod val="20000"/>
-                    <a:lumOff val="80000"/>
-                  </a:schemeClr>
-                </a:solidFill>
-                <a:latin typeface="Poppins" panose="00000500000000000000" pitchFamily="2" charset="0"/>
-                <a:cs typeface="Poppins" panose="00000500000000000000" pitchFamily="2" charset="0"/>
-              </a:rPr>
-              <a:t>ezaugarriak</a:t>
-            </a:r>
-            <a:r>
-              <a:rPr lang="es-ES" sz="3200" b="1" dirty="0" smtClean="0">
-                <a:solidFill>
-                  <a:schemeClr val="accent5">
-                    <a:lumMod val="20000"/>
-                    <a:lumOff val="80000"/>
-                  </a:schemeClr>
-                </a:solidFill>
-                <a:latin typeface="Poppins" panose="00000500000000000000" pitchFamily="2" charset="0"/>
-                <a:cs typeface="Poppins" panose="00000500000000000000" pitchFamily="2" charset="0"/>
-              </a:rPr>
-              <a:t>)</a:t>
-            </a:r>
-            <a:endParaRPr lang="es-ES" sz="3200" b="1" dirty="0">
-              <a:solidFill>
-                <a:schemeClr val="accent5">
-                  <a:lumMod val="20000"/>
-                  <a:lumOff val="80000"/>
-                </a:schemeClr>
-              </a:solidFill>
-              <a:latin typeface="Poppins" panose="00000500000000000000" pitchFamily="2" charset="0"/>
-              <a:cs typeface="Poppins" panose="00000500000000000000" pitchFamily="2" charset="0"/>
-            </a:endParaRPr>
+              <a:t>(Merkatuko ezaugarriak)</a:t>
+            </a:r>
           </a:p>
         </p:txBody>
       </p:sp>
@@ -8238,7 +10214,7 @@
           <a:lstStyle/>
           <a:p>
             <a:r>
-              <a:rPr lang="es-ES" dirty="0" err="1" smtClean="0">
+              <a:rPr lang="es-ES" dirty="0">
                 <a:solidFill>
                   <a:schemeClr val="accent5">
                     <a:lumMod val="20000"/>
@@ -8246,10 +10222,10 @@
                   </a:schemeClr>
                 </a:solidFill>
               </a:rPr>
-              <a:t>Gaur</a:t>
-            </a:r>
-            <a:r>
-              <a:rPr lang="es-ES" dirty="0" smtClean="0">
+              <a:t>Gaur egun gaztien artean obesitate gehio dago, janari ez osasuntsua jaten duelako, gure aplikazioaren ideia nagusia hori gelditzea da. Web orri bat aurkitu dugu gaztien nutrizioari buruz, hona hemen link-a ikusteko</a:t>
+            </a:r>
+            <a:r>
+              <a:rPr lang="es-ES" u="sng" dirty="0">
                 <a:solidFill>
                   <a:schemeClr val="accent5">
                     <a:lumMod val="20000"/>
@@ -8257,406 +10233,10 @@
                   </a:schemeClr>
                 </a:solidFill>
               </a:rPr>
-              <a:t> </a:t>
-            </a:r>
-            <a:r>
-              <a:rPr lang="es-ES" dirty="0" err="1" smtClean="0">
-                <a:solidFill>
-                  <a:schemeClr val="accent5">
-                    <a:lumMod val="20000"/>
-                    <a:lumOff val="80000"/>
-                  </a:schemeClr>
-                </a:solidFill>
-              </a:rPr>
-              <a:t>egun</a:t>
-            </a:r>
-            <a:r>
-              <a:rPr lang="es-ES" dirty="0" smtClean="0">
-                <a:solidFill>
-                  <a:schemeClr val="accent5">
-                    <a:lumMod val="20000"/>
-                    <a:lumOff val="80000"/>
-                  </a:schemeClr>
-                </a:solidFill>
-              </a:rPr>
-              <a:t> </a:t>
-            </a:r>
-            <a:r>
-              <a:rPr lang="es-ES" dirty="0" err="1" smtClean="0">
-                <a:solidFill>
-                  <a:schemeClr val="accent5">
-                    <a:lumMod val="20000"/>
-                    <a:lumOff val="80000"/>
-                  </a:schemeClr>
-                </a:solidFill>
-              </a:rPr>
-              <a:t>gaztien</a:t>
-            </a:r>
-            <a:r>
-              <a:rPr lang="es-ES" dirty="0" smtClean="0">
-                <a:solidFill>
-                  <a:schemeClr val="accent5">
-                    <a:lumMod val="20000"/>
-                    <a:lumOff val="80000"/>
-                  </a:schemeClr>
-                </a:solidFill>
-              </a:rPr>
-              <a:t> </a:t>
-            </a:r>
-            <a:r>
-              <a:rPr lang="es-ES" dirty="0" err="1" smtClean="0">
-                <a:solidFill>
-                  <a:schemeClr val="accent5">
-                    <a:lumMod val="20000"/>
-                    <a:lumOff val="80000"/>
-                  </a:schemeClr>
-                </a:solidFill>
-              </a:rPr>
-              <a:t>artean</a:t>
-            </a:r>
-            <a:r>
-              <a:rPr lang="es-ES" dirty="0" smtClean="0">
-                <a:solidFill>
-                  <a:schemeClr val="accent5">
-                    <a:lumMod val="20000"/>
-                    <a:lumOff val="80000"/>
-                  </a:schemeClr>
-                </a:solidFill>
-              </a:rPr>
-              <a:t> </a:t>
-            </a:r>
-            <a:r>
-              <a:rPr lang="es-ES" dirty="0" err="1" smtClean="0">
-                <a:solidFill>
-                  <a:schemeClr val="accent5">
-                    <a:lumMod val="20000"/>
-                    <a:lumOff val="80000"/>
-                  </a:schemeClr>
-                </a:solidFill>
-              </a:rPr>
-              <a:t>obesitate</a:t>
-            </a:r>
-            <a:r>
-              <a:rPr lang="es-ES" dirty="0" smtClean="0">
-                <a:solidFill>
-                  <a:schemeClr val="accent5">
-                    <a:lumMod val="20000"/>
-                    <a:lumOff val="80000"/>
-                  </a:schemeClr>
-                </a:solidFill>
-              </a:rPr>
-              <a:t> gehio dago, janari ez </a:t>
-            </a:r>
-            <a:r>
-              <a:rPr lang="es-ES" dirty="0" err="1" smtClean="0">
-                <a:solidFill>
-                  <a:schemeClr val="accent5">
-                    <a:lumMod val="20000"/>
-                    <a:lumOff val="80000"/>
-                  </a:schemeClr>
-                </a:solidFill>
-              </a:rPr>
-              <a:t>osasuntsua</a:t>
-            </a:r>
-            <a:r>
-              <a:rPr lang="es-ES" dirty="0" smtClean="0">
-                <a:solidFill>
-                  <a:schemeClr val="accent5">
-                    <a:lumMod val="20000"/>
-                    <a:lumOff val="80000"/>
-                  </a:schemeClr>
-                </a:solidFill>
-              </a:rPr>
-              <a:t> </a:t>
-            </a:r>
-            <a:r>
-              <a:rPr lang="es-ES" dirty="0" err="1" smtClean="0">
-                <a:solidFill>
-                  <a:schemeClr val="accent5">
-                    <a:lumMod val="20000"/>
-                    <a:lumOff val="80000"/>
-                  </a:schemeClr>
-                </a:solidFill>
-              </a:rPr>
-              <a:t>jaten</a:t>
-            </a:r>
-            <a:r>
-              <a:rPr lang="es-ES" dirty="0" smtClean="0">
-                <a:solidFill>
-                  <a:schemeClr val="accent5">
-                    <a:lumMod val="20000"/>
-                    <a:lumOff val="80000"/>
-                  </a:schemeClr>
-                </a:solidFill>
-              </a:rPr>
-              <a:t> </a:t>
-            </a:r>
-            <a:r>
-              <a:rPr lang="es-ES" dirty="0" err="1" smtClean="0">
-                <a:solidFill>
-                  <a:schemeClr val="accent5">
-                    <a:lumMod val="20000"/>
-                    <a:lumOff val="80000"/>
-                  </a:schemeClr>
-                </a:solidFill>
-              </a:rPr>
-              <a:t>duelako</a:t>
-            </a:r>
-            <a:r>
-              <a:rPr lang="es-ES" dirty="0" smtClean="0">
-                <a:solidFill>
-                  <a:schemeClr val="accent5">
-                    <a:lumMod val="20000"/>
-                    <a:lumOff val="80000"/>
-                  </a:schemeClr>
-                </a:solidFill>
-              </a:rPr>
-              <a:t>, gure </a:t>
-            </a:r>
-            <a:r>
-              <a:rPr lang="es-ES" dirty="0" err="1" smtClean="0">
-                <a:solidFill>
-                  <a:schemeClr val="accent5">
-                    <a:lumMod val="20000"/>
-                    <a:lumOff val="80000"/>
-                  </a:schemeClr>
-                </a:solidFill>
-              </a:rPr>
-              <a:t>aplikazioaren</a:t>
-            </a:r>
-            <a:r>
-              <a:rPr lang="es-ES" dirty="0" smtClean="0">
-                <a:solidFill>
-                  <a:schemeClr val="accent5">
-                    <a:lumMod val="20000"/>
-                    <a:lumOff val="80000"/>
-                  </a:schemeClr>
-                </a:solidFill>
-              </a:rPr>
-              <a:t> ideia </a:t>
-            </a:r>
-            <a:r>
-              <a:rPr lang="es-ES" dirty="0" err="1" smtClean="0">
-                <a:solidFill>
-                  <a:schemeClr val="accent5">
-                    <a:lumMod val="20000"/>
-                    <a:lumOff val="80000"/>
-                  </a:schemeClr>
-                </a:solidFill>
-              </a:rPr>
-              <a:t>nagusia</a:t>
-            </a:r>
-            <a:r>
-              <a:rPr lang="es-ES" dirty="0" smtClean="0">
-                <a:solidFill>
-                  <a:schemeClr val="accent5">
-                    <a:lumMod val="20000"/>
-                    <a:lumOff val="80000"/>
-                  </a:schemeClr>
-                </a:solidFill>
-              </a:rPr>
-              <a:t> </a:t>
-            </a:r>
-            <a:r>
-              <a:rPr lang="es-ES" dirty="0" err="1" smtClean="0">
-                <a:solidFill>
-                  <a:schemeClr val="accent5">
-                    <a:lumMod val="20000"/>
-                    <a:lumOff val="80000"/>
-                  </a:schemeClr>
-                </a:solidFill>
-              </a:rPr>
-              <a:t>hori</a:t>
-            </a:r>
-            <a:r>
-              <a:rPr lang="es-ES" dirty="0" smtClean="0">
-                <a:solidFill>
-                  <a:schemeClr val="accent5">
-                    <a:lumMod val="20000"/>
-                    <a:lumOff val="80000"/>
-                  </a:schemeClr>
-                </a:solidFill>
-              </a:rPr>
-              <a:t> </a:t>
-            </a:r>
-            <a:r>
-              <a:rPr lang="es-ES" dirty="0" err="1" smtClean="0">
-                <a:solidFill>
-                  <a:schemeClr val="accent5">
-                    <a:lumMod val="20000"/>
-                    <a:lumOff val="80000"/>
-                  </a:schemeClr>
-                </a:solidFill>
-              </a:rPr>
-              <a:t>gelditzea</a:t>
-            </a:r>
-            <a:r>
-              <a:rPr lang="es-ES" dirty="0" smtClean="0">
-                <a:solidFill>
-                  <a:schemeClr val="accent5">
-                    <a:lumMod val="20000"/>
-                    <a:lumOff val="80000"/>
-                  </a:schemeClr>
-                </a:solidFill>
-              </a:rPr>
-              <a:t> da. Web orri bat </a:t>
-            </a:r>
-            <a:r>
-              <a:rPr lang="es-ES" dirty="0" err="1" smtClean="0">
-                <a:solidFill>
-                  <a:schemeClr val="accent5">
-                    <a:lumMod val="20000"/>
-                    <a:lumOff val="80000"/>
-                  </a:schemeClr>
-                </a:solidFill>
-              </a:rPr>
-              <a:t>aurkitu</a:t>
-            </a:r>
-            <a:r>
-              <a:rPr lang="es-ES" dirty="0" smtClean="0">
-                <a:solidFill>
-                  <a:schemeClr val="accent5">
-                    <a:lumMod val="20000"/>
-                    <a:lumOff val="80000"/>
-                  </a:schemeClr>
-                </a:solidFill>
-              </a:rPr>
-              <a:t> dugu </a:t>
-            </a:r>
-            <a:r>
-              <a:rPr lang="es-ES" dirty="0" err="1" smtClean="0">
-                <a:solidFill>
-                  <a:schemeClr val="accent5">
-                    <a:lumMod val="20000"/>
-                    <a:lumOff val="80000"/>
-                  </a:schemeClr>
-                </a:solidFill>
-              </a:rPr>
-              <a:t>gaztien</a:t>
-            </a:r>
-            <a:r>
-              <a:rPr lang="es-ES" dirty="0" smtClean="0">
-                <a:solidFill>
-                  <a:schemeClr val="accent5">
-                    <a:lumMod val="20000"/>
-                    <a:lumOff val="80000"/>
-                  </a:schemeClr>
-                </a:solidFill>
-              </a:rPr>
-              <a:t> </a:t>
-            </a:r>
-            <a:r>
-              <a:rPr lang="es-ES" dirty="0" err="1" smtClean="0">
-                <a:solidFill>
-                  <a:schemeClr val="accent5">
-                    <a:lumMod val="20000"/>
-                    <a:lumOff val="80000"/>
-                  </a:schemeClr>
-                </a:solidFill>
-              </a:rPr>
-              <a:t>nutrizioari</a:t>
-            </a:r>
-            <a:r>
-              <a:rPr lang="es-ES" dirty="0" smtClean="0">
-                <a:solidFill>
-                  <a:schemeClr val="accent5">
-                    <a:lumMod val="20000"/>
-                    <a:lumOff val="80000"/>
-                  </a:schemeClr>
-                </a:solidFill>
-              </a:rPr>
-              <a:t> </a:t>
-            </a:r>
-            <a:r>
-              <a:rPr lang="es-ES" dirty="0" err="1" smtClean="0">
-                <a:solidFill>
-                  <a:schemeClr val="accent5">
-                    <a:lumMod val="20000"/>
-                    <a:lumOff val="80000"/>
-                  </a:schemeClr>
-                </a:solidFill>
-              </a:rPr>
-              <a:t>buruz</a:t>
-            </a:r>
-            <a:r>
-              <a:rPr lang="es-ES" dirty="0" smtClean="0">
-                <a:solidFill>
-                  <a:schemeClr val="accent5">
-                    <a:lumMod val="20000"/>
-                    <a:lumOff val="80000"/>
-                  </a:schemeClr>
-                </a:solidFill>
-              </a:rPr>
-              <a:t>, </a:t>
-            </a:r>
-            <a:r>
-              <a:rPr lang="es-ES" dirty="0" err="1" smtClean="0">
-                <a:solidFill>
-                  <a:schemeClr val="accent5">
-                    <a:lumMod val="20000"/>
-                    <a:lumOff val="80000"/>
-                  </a:schemeClr>
-                </a:solidFill>
-              </a:rPr>
-              <a:t>hona</a:t>
-            </a:r>
-            <a:r>
-              <a:rPr lang="es-ES" dirty="0" smtClean="0">
-                <a:solidFill>
-                  <a:schemeClr val="accent5">
-                    <a:lumMod val="20000"/>
-                    <a:lumOff val="80000"/>
-                  </a:schemeClr>
-                </a:solidFill>
-              </a:rPr>
-              <a:t> </a:t>
-            </a:r>
-            <a:r>
-              <a:rPr lang="es-ES" dirty="0" err="1" smtClean="0">
-                <a:solidFill>
-                  <a:schemeClr val="accent5">
-                    <a:lumMod val="20000"/>
-                    <a:lumOff val="80000"/>
-                  </a:schemeClr>
-                </a:solidFill>
-              </a:rPr>
-              <a:t>hemen</a:t>
-            </a:r>
-            <a:r>
-              <a:rPr lang="es-ES" dirty="0" smtClean="0">
-                <a:solidFill>
-                  <a:schemeClr val="accent5">
-                    <a:lumMod val="20000"/>
-                    <a:lumOff val="80000"/>
-                  </a:schemeClr>
-                </a:solidFill>
-              </a:rPr>
-              <a:t> link-a </a:t>
-            </a:r>
-            <a:r>
-              <a:rPr lang="es-ES" dirty="0" err="1" smtClean="0">
-                <a:solidFill>
-                  <a:schemeClr val="accent5">
-                    <a:lumMod val="20000"/>
-                    <a:lumOff val="80000"/>
-                  </a:schemeClr>
-                </a:solidFill>
-              </a:rPr>
-              <a:t>ikusteko</a:t>
-            </a:r>
-            <a:r>
-              <a:rPr lang="es-ES" u="sng" dirty="0" err="1" smtClean="0">
-                <a:solidFill>
-                  <a:schemeClr val="accent5">
-                    <a:lumMod val="20000"/>
-                    <a:lumOff val="80000"/>
-                  </a:schemeClr>
-                </a:solidFill>
-              </a:rPr>
               <a:t>s</a:t>
             </a:r>
             <a:r>
-              <a:rPr lang="es-ES" dirty="0" smtClean="0">
+              <a:rPr lang="es-ES" dirty="0">
                 <a:solidFill>
                   <a:schemeClr val="accent5">
                     <a:lumMod val="20000"/>
@@ -8679,7 +10259,7 @@
           </a:p>
           <a:p>
             <a:r>
-              <a:rPr lang="es-ES" dirty="0" smtClean="0">
+              <a:rPr lang="es-ES" dirty="0">
                 <a:solidFill>
                   <a:schemeClr val="accent5">
                     <a:lumMod val="20000"/>
@@ -8690,15 +10270,15 @@
               <a:t> </a:t>
             </a:r>
             <a:r>
-              <a:rPr lang="es-ES" u="sng" dirty="0" err="1">
-                <a:hlinkClick r:id="rId3"/>
+              <a:rPr lang="es-ES" u="sng" dirty="0">
+                <a:hlinkClick r:id="rId4"/>
               </a:rPr>
               <a:t>WebOrria</a:t>
             </a:r>
             <a:endParaRPr lang="es-ES" dirty="0"/>
           </a:p>
           <a:p>
-            <a:endParaRPr lang="es-ES" dirty="0" smtClean="0">
+            <a:endParaRPr lang="es-ES" dirty="0">
               <a:solidFill>
                 <a:schemeClr val="accent5">
                   <a:lumMod val="20000"/>
@@ -8712,7 +10292,7 @@
               <a:buFont typeface="Courier New" panose="02070309020205020404" pitchFamily="49" charset="0"/>
               <a:buChar char="o"/>
             </a:pPr>
-            <a:endParaRPr lang="es-ES" dirty="0" smtClean="0">
+            <a:endParaRPr lang="es-ES" dirty="0">
               <a:solidFill>
                 <a:schemeClr val="accent5">
                   <a:lumMod val="20000"/>
@@ -8723,7 +10303,7 @@
           </a:p>
           <a:p>
             <a:pPr lvl="1"/>
-            <a:endParaRPr lang="es-ES" dirty="0" smtClean="0">
+            <a:endParaRPr lang="es-ES" dirty="0">
               <a:solidFill>
                 <a:schemeClr val="accent5">
                   <a:lumMod val="20000"/>
@@ -8733,7 +10313,7 @@
             </a:endParaRPr>
           </a:p>
           <a:p>
-            <a:endParaRPr lang="es-ES" dirty="0" smtClean="0">
+            <a:endParaRPr lang="es-ES" dirty="0">
               <a:solidFill>
                 <a:schemeClr val="accent5">
                   <a:lumMod val="20000"/>
@@ -8753,14 +10333,14 @@
           <p:nvPr/>
         </p:nvPicPr>
         <p:blipFill>
-          <a:blip r:embed="rId4"/>
+          <a:blip r:embed="rId5"/>
           <a:stretch>
             <a:fillRect/>
           </a:stretch>
         </p:blipFill>
         <p:spPr>
           <a:xfrm>
-            <a:off x="6887791" y="2927795"/>
+            <a:off x="6588254" y="2941323"/>
             <a:ext cx="3248478" cy="1924319"/>
           </a:xfrm>
           <a:prstGeom prst="rect">
@@ -8777,7 +10357,7 @@
           <p:nvPr/>
         </p:nvPicPr>
         <p:blipFill>
-          <a:blip r:embed="rId5">
+          <a:blip r:embed="rId6">
             <a:extLst>
               <a:ext uri="{28A0092B-C50C-407E-A947-70E740481C1C}">
                 <a14:useLocalDpi xmlns:a14="http://schemas.microsoft.com/office/drawing/2010/main" val="0"/>
@@ -8791,7 +10371,7 @@
         </p:blipFill>
         <p:spPr bwMode="auto">
           <a:xfrm>
-            <a:off x="1270310" y="3999012"/>
+            <a:off x="1756194" y="3651540"/>
             <a:ext cx="3075866" cy="2080733"/>
           </a:xfrm>
           <a:prstGeom prst="rect">
@@ -8809,6 +10389,35 @@
           </a:extLst>
         </p:spPr>
       </p:pic>
+      <p:sp>
+        <p:nvSpPr>
+          <p:cNvPr id="3" name="Marcador de número de diapositiva 2">
+            <a:extLst>
+              <a:ext uri="{FF2B5EF4-FFF2-40B4-BE49-F238E27FC236}">
+                <a16:creationId xmlns:a16="http://schemas.microsoft.com/office/drawing/2014/main" id="{A6D70C10-9DF9-6217-2B33-49E6D3CFF8F6}"/>
+              </a:ext>
+            </a:extLst>
+          </p:cNvPr>
+          <p:cNvSpPr>
+            <a:spLocks noGrp="1"/>
+          </p:cNvSpPr>
+          <p:nvPr>
+            <p:ph type="sldNum" sz="quarter" idx="12"/>
+          </p:nvPr>
+        </p:nvSpPr>
+        <p:spPr/>
+        <p:txBody>
+          <a:bodyPr/>
+          <a:lstStyle/>
+          <a:p>
+            <a:fld id="{0308B8C6-4BEB-4382-93FE-5F3DFD9EA2DC}" type="slidenum">
+              <a:rPr lang="es-ES" smtClean="0"/>
+              <a:t>20</a:t>
+            </a:fld>
+            <a:endParaRPr lang="es-ES" dirty="0"/>
+          </a:p>
+        </p:txBody>
+      </p:sp>
     </p:spTree>
     <p:extLst>
       <p:ext uri="{BB962C8B-B14F-4D97-AF65-F5344CB8AC3E}">
@@ -8819,13 +10428,6 @@
   <p:clrMapOvr>
     <a:masterClrMapping/>
   </p:clrMapOvr>
-  <p:timing>
-    <p:tnLst>
-      <p:par>
-        <p:cTn id="1" dur="indefinite" restart="never" nodeType="tmRoot"/>
-      </p:par>
-    </p:tnLst>
-  </p:timing>
 </p:sld>
 </file>
 
@@ -8863,7 +10465,7 @@
           </p:nvPr>
         </p:nvPicPr>
         <p:blipFill>
-          <a:blip r:embed="rId2" cstate="print">
+          <a:blip r:embed="rId3" cstate="print">
             <a:extLst>
               <a:ext uri="{28A0092B-C50C-407E-A947-70E740481C1C}">
                 <a14:useLocalDpi xmlns:a14="http://schemas.microsoft.com/office/drawing/2010/main" val="0"/>
@@ -8904,7 +10506,7 @@
           <a:lstStyle/>
           <a:p>
             <a:r>
-              <a:rPr lang="es-ES" b="1" dirty="0" err="1" smtClean="0">
+              <a:rPr lang="es-ES" b="1" dirty="0">
                 <a:solidFill>
                   <a:schemeClr val="accent5">
                     <a:lumMod val="20000"/>
@@ -8914,10 +10516,10 @@
                 <a:latin typeface="Poppins" panose="00000500000000000000" pitchFamily="2" charset="0"/>
                 <a:cs typeface="Poppins" panose="00000500000000000000" pitchFamily="2" charset="0"/>
               </a:rPr>
-              <a:t>Merkatu</a:t>
-            </a:r>
-            <a:r>
-              <a:rPr lang="es-ES" b="1" dirty="0" smtClean="0">
+              <a:t>Merkatu ikerketa </a:t>
+            </a:r>
+            <a:r>
+              <a:rPr lang="es-ES" sz="2400" b="1" dirty="0">
                 <a:solidFill>
                   <a:schemeClr val="accent5">
                     <a:lumMod val="20000"/>
@@ -8927,109 +10529,8 @@
                 <a:latin typeface="Poppins" panose="00000500000000000000" pitchFamily="2" charset="0"/>
                 <a:cs typeface="Poppins" panose="00000500000000000000" pitchFamily="2" charset="0"/>
               </a:rPr>
-              <a:t> </a:t>
-            </a:r>
-            <a:r>
-              <a:rPr lang="es-ES" b="1" dirty="0" err="1" smtClean="0">
-                <a:solidFill>
-                  <a:schemeClr val="accent5">
-                    <a:lumMod val="20000"/>
-                    <a:lumOff val="80000"/>
-                  </a:schemeClr>
-                </a:solidFill>
-                <a:latin typeface="Poppins" panose="00000500000000000000" pitchFamily="2" charset="0"/>
-                <a:cs typeface="Poppins" panose="00000500000000000000" pitchFamily="2" charset="0"/>
-              </a:rPr>
-              <a:t>ikerketa</a:t>
-            </a:r>
-            <a:r>
-              <a:rPr lang="es-ES" b="1" dirty="0" smtClean="0">
-                <a:solidFill>
-                  <a:schemeClr val="accent5">
-                    <a:lumMod val="20000"/>
-                    <a:lumOff val="80000"/>
-                  </a:schemeClr>
-                </a:solidFill>
-                <a:latin typeface="Poppins" panose="00000500000000000000" pitchFamily="2" charset="0"/>
-                <a:cs typeface="Poppins" panose="00000500000000000000" pitchFamily="2" charset="0"/>
-              </a:rPr>
-              <a:t> </a:t>
-            </a:r>
-            <a:r>
-              <a:rPr lang="es-ES" sz="2400" b="1" dirty="0" smtClean="0">
-                <a:solidFill>
-                  <a:schemeClr val="accent5">
-                    <a:lumMod val="20000"/>
-                    <a:lumOff val="80000"/>
-                  </a:schemeClr>
-                </a:solidFill>
-                <a:latin typeface="Poppins" panose="00000500000000000000" pitchFamily="2" charset="0"/>
-                <a:cs typeface="Poppins" panose="00000500000000000000" pitchFamily="2" charset="0"/>
-              </a:rPr>
-              <a:t>(</a:t>
-            </a:r>
-            <a:r>
-              <a:rPr lang="es-ES" sz="2400" b="1" dirty="0" err="1" smtClean="0">
-                <a:solidFill>
-                  <a:schemeClr val="accent5">
-                    <a:lumMod val="20000"/>
-                    <a:lumOff val="80000"/>
-                  </a:schemeClr>
-                </a:solidFill>
-                <a:latin typeface="Poppins" panose="00000500000000000000" pitchFamily="2" charset="0"/>
-                <a:cs typeface="Poppins" panose="00000500000000000000" pitchFamily="2" charset="0"/>
-              </a:rPr>
-              <a:t>Lehiakideeen</a:t>
-            </a:r>
-            <a:r>
-              <a:rPr lang="es-ES" sz="2400" b="1" dirty="0" smtClean="0">
-                <a:solidFill>
-                  <a:schemeClr val="accent5">
-                    <a:lumMod val="20000"/>
-                    <a:lumOff val="80000"/>
-                  </a:schemeClr>
-                </a:solidFill>
-                <a:latin typeface="Poppins" panose="00000500000000000000" pitchFamily="2" charset="0"/>
-                <a:cs typeface="Poppins" panose="00000500000000000000" pitchFamily="2" charset="0"/>
-              </a:rPr>
-              <a:t> </a:t>
-            </a:r>
-            <a:r>
-              <a:rPr lang="es-ES" sz="2400" b="1" dirty="0" err="1" smtClean="0">
-                <a:solidFill>
-                  <a:schemeClr val="accent5">
-                    <a:lumMod val="20000"/>
-                    <a:lumOff val="80000"/>
-                  </a:schemeClr>
-                </a:solidFill>
-                <a:latin typeface="Poppins" panose="00000500000000000000" pitchFamily="2" charset="0"/>
-                <a:cs typeface="Poppins" panose="00000500000000000000" pitchFamily="2" charset="0"/>
-              </a:rPr>
-              <a:t>deskribapena</a:t>
-            </a:r>
-            <a:r>
-              <a:rPr lang="es-ES" sz="2400" b="1" dirty="0" smtClean="0">
-                <a:solidFill>
-                  <a:schemeClr val="accent5">
-                    <a:lumMod val="20000"/>
-                    <a:lumOff val="80000"/>
-                  </a:schemeClr>
-                </a:solidFill>
-                <a:latin typeface="Poppins" panose="00000500000000000000" pitchFamily="2" charset="0"/>
-                <a:cs typeface="Poppins" panose="00000500000000000000" pitchFamily="2" charset="0"/>
-              </a:rPr>
-              <a:t>)</a:t>
-            </a:r>
-            <a:endParaRPr lang="es-ES" sz="2400" b="1" dirty="0">
-              <a:solidFill>
-                <a:schemeClr val="accent5">
-                  <a:lumMod val="20000"/>
-                  <a:lumOff val="80000"/>
-                </a:schemeClr>
-              </a:solidFill>
-              <a:latin typeface="Poppins" panose="00000500000000000000" pitchFamily="2" charset="0"/>
-              <a:cs typeface="Poppins" panose="00000500000000000000" pitchFamily="2" charset="0"/>
-            </a:endParaRPr>
+              <a:t>(Lehiakideeen deskribapena)</a:t>
+            </a:r>
           </a:p>
         </p:txBody>
       </p:sp>
@@ -9062,7 +10563,7 @@
           <a:lstStyle/>
           <a:p>
             <a:r>
-              <a:rPr lang="es-ES" dirty="0" smtClean="0">
+              <a:rPr lang="es-ES" dirty="0">
                 <a:solidFill>
                   <a:schemeClr val="accent5">
                     <a:lumMod val="20000"/>
@@ -9070,183 +10571,7 @@
                   </a:schemeClr>
                 </a:solidFill>
               </a:rPr>
-              <a:t>Aplikazio edo web </a:t>
-            </a:r>
-            <a:r>
-              <a:rPr lang="es-ES" dirty="0" err="1" smtClean="0">
-                <a:solidFill>
-                  <a:schemeClr val="accent5">
-                    <a:lumMod val="20000"/>
-                    <a:lumOff val="80000"/>
-                  </a:schemeClr>
-                </a:solidFill>
-              </a:rPr>
-              <a:t>gune</a:t>
-            </a:r>
-            <a:r>
-              <a:rPr lang="es-ES" dirty="0" smtClean="0">
-                <a:solidFill>
-                  <a:schemeClr val="accent5">
-                    <a:lumMod val="20000"/>
-                    <a:lumOff val="80000"/>
-                  </a:schemeClr>
-                </a:solidFill>
-              </a:rPr>
-              <a:t> bat </a:t>
-            </a:r>
-            <a:r>
-              <a:rPr lang="es-ES" dirty="0" err="1" smtClean="0">
-                <a:solidFill>
-                  <a:schemeClr val="accent5">
-                    <a:lumMod val="20000"/>
-                    <a:lumOff val="80000"/>
-                  </a:schemeClr>
-                </a:solidFill>
-              </a:rPr>
-              <a:t>bereziki</a:t>
-            </a:r>
-            <a:r>
-              <a:rPr lang="es-ES" dirty="0" smtClean="0">
-                <a:solidFill>
-                  <a:schemeClr val="accent5">
-                    <a:lumMod val="20000"/>
-                    <a:lumOff val="80000"/>
-                  </a:schemeClr>
-                </a:solidFill>
-              </a:rPr>
-              <a:t> ez dago ideia honekin, </a:t>
-            </a:r>
-            <a:r>
-              <a:rPr lang="es-ES" dirty="0" err="1" smtClean="0">
-                <a:solidFill>
-                  <a:schemeClr val="accent5">
-                    <a:lumMod val="20000"/>
-                    <a:lumOff val="80000"/>
-                  </a:schemeClr>
-                </a:solidFill>
-              </a:rPr>
-              <a:t>badaude</a:t>
-            </a:r>
-            <a:r>
-              <a:rPr lang="es-ES" dirty="0" smtClean="0">
-                <a:solidFill>
-                  <a:schemeClr val="accent5">
-                    <a:lumMod val="20000"/>
-                    <a:lumOff val="80000"/>
-                  </a:schemeClr>
-                </a:solidFill>
-              </a:rPr>
-              <a:t> </a:t>
-            </a:r>
-            <a:r>
-              <a:rPr lang="es-ES" dirty="0" err="1" smtClean="0">
-                <a:solidFill>
-                  <a:schemeClr val="accent5">
-                    <a:lumMod val="20000"/>
-                    <a:lumOff val="80000"/>
-                  </a:schemeClr>
-                </a:solidFill>
-              </a:rPr>
-              <a:t>soberakinak</a:t>
-            </a:r>
-            <a:r>
-              <a:rPr lang="es-ES" dirty="0" smtClean="0">
-                <a:solidFill>
-                  <a:schemeClr val="accent5">
-                    <a:lumMod val="20000"/>
-                    <a:lumOff val="80000"/>
-                  </a:schemeClr>
-                </a:solidFill>
-              </a:rPr>
-              <a:t> saltzen </a:t>
-            </a:r>
-            <a:r>
-              <a:rPr lang="es-ES" dirty="0" err="1" smtClean="0">
-                <a:solidFill>
-                  <a:schemeClr val="accent5">
-                    <a:lumMod val="20000"/>
-                    <a:lumOff val="80000"/>
-                  </a:schemeClr>
-                </a:solidFill>
-              </a:rPr>
-              <a:t>duten</a:t>
-            </a:r>
-            <a:r>
-              <a:rPr lang="es-ES" dirty="0" smtClean="0">
-                <a:solidFill>
-                  <a:schemeClr val="accent5">
-                    <a:lumMod val="20000"/>
-                    <a:lumOff val="80000"/>
-                  </a:schemeClr>
-                </a:solidFill>
-              </a:rPr>
-              <a:t> Aplikazioak baina km0 janaria saltzen </a:t>
-            </a:r>
-            <a:r>
-              <a:rPr lang="es-ES" dirty="0" err="1" smtClean="0">
-                <a:solidFill>
-                  <a:schemeClr val="accent5">
-                    <a:lumMod val="20000"/>
-                    <a:lumOff val="80000"/>
-                  </a:schemeClr>
-                </a:solidFill>
-              </a:rPr>
-              <a:t>dutenak</a:t>
-            </a:r>
-            <a:r>
-              <a:rPr lang="es-ES" dirty="0" smtClean="0">
-                <a:solidFill>
-                  <a:schemeClr val="accent5">
-                    <a:lumMod val="20000"/>
-                    <a:lumOff val="80000"/>
-                  </a:schemeClr>
-                </a:solidFill>
-              </a:rPr>
-              <a:t> ez, </a:t>
-            </a:r>
-            <a:r>
-              <a:rPr lang="es-ES" dirty="0" err="1" smtClean="0">
-                <a:solidFill>
-                  <a:schemeClr val="accent5">
-                    <a:lumMod val="20000"/>
-                    <a:lumOff val="80000"/>
-                  </a:schemeClr>
-                </a:solidFill>
-              </a:rPr>
-              <a:t>orduan</a:t>
-            </a:r>
-            <a:r>
-              <a:rPr lang="es-ES" dirty="0" smtClean="0">
-                <a:solidFill>
-                  <a:schemeClr val="accent5">
-                    <a:lumMod val="20000"/>
-                    <a:lumOff val="80000"/>
-                  </a:schemeClr>
-                </a:solidFill>
-              </a:rPr>
-              <a:t> </a:t>
-            </a:r>
-            <a:r>
-              <a:rPr lang="es-ES" dirty="0" err="1" smtClean="0">
-                <a:solidFill>
-                  <a:schemeClr val="accent5">
-                    <a:lumMod val="20000"/>
-                    <a:lumOff val="80000"/>
-                  </a:schemeClr>
-                </a:solidFill>
-              </a:rPr>
-              <a:t>lehiakiderik</a:t>
-            </a:r>
-            <a:r>
-              <a:rPr lang="es-ES" dirty="0" smtClean="0">
-                <a:solidFill>
-                  <a:schemeClr val="accent5">
-                    <a:lumMod val="20000"/>
-                    <a:lumOff val="80000"/>
-                  </a:schemeClr>
-                </a:solidFill>
-              </a:rPr>
-              <a:t> ez dugu. </a:t>
+              <a:t>Aplikazio edo web gune bat bereziki ez dago ideia honekin, badaude soberakinak saltzen duten Aplikazioak baina km0 janaria saltzen dutenak ez, orduan lehiakiderik ez dugu. </a:t>
             </a:r>
           </a:p>
           <a:p>
@@ -9254,7 +10579,7 @@
               <a:buFont typeface="Courier New" panose="02070309020205020404" pitchFamily="49" charset="0"/>
               <a:buChar char="o"/>
             </a:pPr>
-            <a:endParaRPr lang="es-ES" dirty="0" smtClean="0">
+            <a:endParaRPr lang="es-ES" dirty="0">
               <a:solidFill>
                 <a:schemeClr val="accent5">
                   <a:lumMod val="20000"/>
@@ -9265,7 +10590,7 @@
           </a:p>
           <a:p>
             <a:pPr lvl="1"/>
-            <a:endParaRPr lang="es-ES" dirty="0" smtClean="0">
+            <a:endParaRPr lang="es-ES" dirty="0">
               <a:solidFill>
                 <a:schemeClr val="accent5">
                   <a:lumMod val="20000"/>
@@ -9275,7 +10600,7 @@
             </a:endParaRPr>
           </a:p>
           <a:p>
-            <a:endParaRPr lang="es-ES" dirty="0" smtClean="0">
+            <a:endParaRPr lang="es-ES" dirty="0">
               <a:solidFill>
                 <a:schemeClr val="accent5">
                   <a:lumMod val="20000"/>
@@ -9283,6 +10608,82 @@
                 </a:schemeClr>
               </a:solidFill>
             </a:endParaRPr>
+          </a:p>
+        </p:txBody>
+      </p:sp>
+      <p:pic>
+        <p:nvPicPr>
+          <p:cNvPr id="1026" name="Picture 2">
+            <a:extLst>
+              <a:ext uri="{FF2B5EF4-FFF2-40B4-BE49-F238E27FC236}">
+                <a16:creationId xmlns:a16="http://schemas.microsoft.com/office/drawing/2014/main" id="{3797DC34-B1A3-F815-ECEA-DCBC0B74A154}"/>
+              </a:ext>
+            </a:extLst>
+          </p:cNvPr>
+          <p:cNvPicPr>
+            <a:picLocks noChangeAspect="1" noChangeArrowheads="1"/>
+          </p:cNvPicPr>
+          <p:nvPr/>
+        </p:nvPicPr>
+        <p:blipFill>
+          <a:blip r:embed="rId4">
+            <a:extLst>
+              <a:ext uri="{28A0092B-C50C-407E-A947-70E740481C1C}">
+                <a14:useLocalDpi xmlns:a14="http://schemas.microsoft.com/office/drawing/2010/main" val="0"/>
+              </a:ext>
+            </a:extLst>
+          </a:blip>
+          <a:srcRect/>
+          <a:stretch>
+            <a:fillRect/>
+          </a:stretch>
+        </p:blipFill>
+        <p:spPr bwMode="auto">
+          <a:xfrm>
+            <a:off x="3403663" y="3168016"/>
+            <a:ext cx="4935665" cy="2543338"/>
+          </a:xfrm>
+          <a:prstGeom prst="rect">
+            <a:avLst/>
+          </a:prstGeom>
+          <a:noFill/>
+          <a:extLst>
+            <a:ext uri="{909E8E84-426E-40DD-AFC4-6F175D3DCCD1}">
+              <a14:hiddenFill xmlns:a14="http://schemas.microsoft.com/office/drawing/2010/main">
+                <a:solidFill>
+                  <a:srgbClr val="FFFFFF"/>
+                </a:solidFill>
+              </a14:hiddenFill>
+            </a:ext>
+          </a:extLst>
+        </p:spPr>
+      </p:pic>
+      <p:sp>
+        <p:nvSpPr>
+          <p:cNvPr id="3" name="Marcador de número de diapositiva 2">
+            <a:extLst>
+              <a:ext uri="{FF2B5EF4-FFF2-40B4-BE49-F238E27FC236}">
+                <a16:creationId xmlns:a16="http://schemas.microsoft.com/office/drawing/2014/main" id="{B8F39275-BDD8-07E1-0D4A-DC0513861D4E}"/>
+              </a:ext>
+            </a:extLst>
+          </p:cNvPr>
+          <p:cNvSpPr>
+            <a:spLocks noGrp="1"/>
+          </p:cNvSpPr>
+          <p:nvPr>
+            <p:ph type="sldNum" sz="quarter" idx="12"/>
+          </p:nvPr>
+        </p:nvSpPr>
+        <p:spPr/>
+        <p:txBody>
+          <a:bodyPr/>
+          <a:lstStyle/>
+          <a:p>
+            <a:fld id="{0308B8C6-4BEB-4382-93FE-5F3DFD9EA2DC}" type="slidenum">
+              <a:rPr lang="es-ES" smtClean="0"/>
+              <a:t>21</a:t>
+            </a:fld>
+            <a:endParaRPr lang="es-ES" dirty="0"/>
           </a:p>
         </p:txBody>
       </p:sp>
@@ -9296,13 +10697,6 @@
   <p:clrMapOvr>
     <a:masterClrMapping/>
   </p:clrMapOvr>
-  <p:timing>
-    <p:tnLst>
-      <p:par>
-        <p:cTn id="1" dur="indefinite" restart="never" nodeType="tmRoot"/>
-      </p:par>
-    </p:tnLst>
-  </p:timing>
 </p:sld>
 </file>
 
@@ -9340,7 +10734,7 @@
           </p:nvPr>
         </p:nvPicPr>
         <p:blipFill>
-          <a:blip r:embed="rId2" cstate="print">
+          <a:blip r:embed="rId3" cstate="print">
             <a:extLst>
               <a:ext uri="{28A0092B-C50C-407E-A947-70E740481C1C}">
                 <a14:useLocalDpi xmlns:a14="http://schemas.microsoft.com/office/drawing/2010/main" val="0"/>
@@ -9381,7 +10775,7 @@
           <a:lstStyle/>
           <a:p>
             <a:r>
-              <a:rPr lang="es-ES" b="1" dirty="0" err="1" smtClean="0">
+              <a:rPr lang="es-ES" b="1" dirty="0">
                 <a:solidFill>
                   <a:schemeClr val="accent5">
                     <a:lumMod val="20000"/>
@@ -9391,10 +10785,10 @@
                 <a:latin typeface="Poppins" panose="00000500000000000000" pitchFamily="2" charset="0"/>
                 <a:cs typeface="Poppins" panose="00000500000000000000" pitchFamily="2" charset="0"/>
               </a:rPr>
-              <a:t>Merkatu</a:t>
-            </a:r>
-            <a:r>
-              <a:rPr lang="es-ES" b="1" dirty="0" smtClean="0">
+              <a:t>Merkatu ikerketa </a:t>
+            </a:r>
+            <a:r>
+              <a:rPr lang="es-ES" sz="2400" b="1" dirty="0">
                 <a:solidFill>
                   <a:schemeClr val="accent5">
                     <a:lumMod val="20000"/>
@@ -9404,83 +10798,8 @@
                 <a:latin typeface="Poppins" panose="00000500000000000000" pitchFamily="2" charset="0"/>
                 <a:cs typeface="Poppins" panose="00000500000000000000" pitchFamily="2" charset="0"/>
               </a:rPr>
-              <a:t> </a:t>
-            </a:r>
-            <a:r>
-              <a:rPr lang="es-ES" b="1" dirty="0" err="1" smtClean="0">
-                <a:solidFill>
-                  <a:schemeClr val="accent5">
-                    <a:lumMod val="20000"/>
-                    <a:lumOff val="80000"/>
-                  </a:schemeClr>
-                </a:solidFill>
-                <a:latin typeface="Poppins" panose="00000500000000000000" pitchFamily="2" charset="0"/>
-                <a:cs typeface="Poppins" panose="00000500000000000000" pitchFamily="2" charset="0"/>
-              </a:rPr>
-              <a:t>ikerketa</a:t>
-            </a:r>
-            <a:r>
-              <a:rPr lang="es-ES" b="1" dirty="0" smtClean="0">
-                <a:solidFill>
-                  <a:schemeClr val="accent5">
-                    <a:lumMod val="20000"/>
-                    <a:lumOff val="80000"/>
-                  </a:schemeClr>
-                </a:solidFill>
-                <a:latin typeface="Poppins" panose="00000500000000000000" pitchFamily="2" charset="0"/>
-                <a:cs typeface="Poppins" panose="00000500000000000000" pitchFamily="2" charset="0"/>
-              </a:rPr>
-              <a:t> </a:t>
-            </a:r>
-            <a:r>
-              <a:rPr lang="es-ES" sz="2400" b="1" dirty="0" smtClean="0">
-                <a:solidFill>
-                  <a:schemeClr val="accent5">
-                    <a:lumMod val="20000"/>
-                    <a:lumOff val="80000"/>
-                  </a:schemeClr>
-                </a:solidFill>
-                <a:latin typeface="Poppins" panose="00000500000000000000" pitchFamily="2" charset="0"/>
-                <a:cs typeface="Poppins" panose="00000500000000000000" pitchFamily="2" charset="0"/>
-              </a:rPr>
-              <a:t>(</a:t>
-            </a:r>
-            <a:r>
-              <a:rPr lang="es-ES" sz="2400" b="1" dirty="0" err="1" smtClean="0">
-                <a:solidFill>
-                  <a:schemeClr val="accent5">
-                    <a:lumMod val="20000"/>
-                    <a:lumOff val="80000"/>
-                  </a:schemeClr>
-                </a:solidFill>
-                <a:latin typeface="Poppins" panose="00000500000000000000" pitchFamily="2" charset="0"/>
-                <a:cs typeface="Poppins" panose="00000500000000000000" pitchFamily="2" charset="0"/>
-              </a:rPr>
-              <a:t>Hornitzaileak</a:t>
-            </a:r>
-            <a:r>
-              <a:rPr lang="es-ES" sz="2400" b="1" dirty="0" smtClean="0">
-                <a:solidFill>
-                  <a:schemeClr val="accent5">
-                    <a:lumMod val="20000"/>
-                    <a:lumOff val="80000"/>
-                  </a:schemeClr>
-                </a:solidFill>
-                <a:latin typeface="Poppins" panose="00000500000000000000" pitchFamily="2" charset="0"/>
-                <a:cs typeface="Poppins" panose="00000500000000000000" pitchFamily="2" charset="0"/>
-              </a:rPr>
-              <a:t>)</a:t>
-            </a:r>
-            <a:endParaRPr lang="es-ES" sz="2400" b="1" dirty="0">
-              <a:solidFill>
-                <a:schemeClr val="accent5">
-                  <a:lumMod val="20000"/>
-                  <a:lumOff val="80000"/>
-                </a:schemeClr>
-              </a:solidFill>
-              <a:latin typeface="Poppins" panose="00000500000000000000" pitchFamily="2" charset="0"/>
-              <a:cs typeface="Poppins" panose="00000500000000000000" pitchFamily="2" charset="0"/>
-            </a:endParaRPr>
+              <a:t>(Hornitzaileak)</a:t>
+            </a:r>
           </a:p>
         </p:txBody>
       </p:sp>
@@ -9513,7 +10832,7 @@
           <a:lstStyle/>
           <a:p>
             <a:r>
-              <a:rPr lang="es-ES" dirty="0" err="1" smtClean="0">
+              <a:rPr lang="es-ES" dirty="0">
                 <a:solidFill>
                   <a:schemeClr val="accent5">
                     <a:lumMod val="20000"/>
@@ -9521,331 +10840,12 @@
                   </a:schemeClr>
                 </a:solidFill>
               </a:rPr>
-              <a:t>Berez</a:t>
-            </a:r>
-            <a:r>
-              <a:rPr lang="es-ES" dirty="0" smtClean="0">
-                <a:solidFill>
-                  <a:schemeClr val="accent5">
-                    <a:lumMod val="20000"/>
-                    <a:lumOff val="80000"/>
-                  </a:schemeClr>
-                </a:solidFill>
-              </a:rPr>
-              <a:t>, </a:t>
-            </a:r>
-            <a:r>
-              <a:rPr lang="es-ES" dirty="0" err="1" smtClean="0">
-                <a:solidFill>
-                  <a:schemeClr val="accent5">
-                    <a:lumMod val="20000"/>
-                    <a:lumOff val="80000"/>
-                  </a:schemeClr>
-                </a:solidFill>
-              </a:rPr>
-              <a:t>hornitzailerik</a:t>
-            </a:r>
-            <a:r>
-              <a:rPr lang="es-ES" dirty="0" smtClean="0">
-                <a:solidFill>
-                  <a:schemeClr val="accent5">
-                    <a:lumMod val="20000"/>
-                    <a:lumOff val="80000"/>
-                  </a:schemeClr>
-                </a:solidFill>
-              </a:rPr>
-              <a:t> ez dugu, </a:t>
-            </a:r>
-            <a:r>
-              <a:rPr lang="es-ES" dirty="0" err="1" smtClean="0">
-                <a:solidFill>
-                  <a:schemeClr val="accent5">
-                    <a:lumMod val="20000"/>
-                    <a:lumOff val="80000"/>
-                  </a:schemeClr>
-                </a:solidFill>
-              </a:rPr>
-              <a:t>gendia</a:t>
-            </a:r>
-            <a:r>
-              <a:rPr lang="es-ES" dirty="0" smtClean="0">
-                <a:solidFill>
-                  <a:schemeClr val="accent5">
-                    <a:lumMod val="20000"/>
-                    <a:lumOff val="80000"/>
-                  </a:schemeClr>
-                </a:solidFill>
-              </a:rPr>
-              <a:t> </a:t>
-            </a:r>
-            <a:r>
-              <a:rPr lang="es-ES" dirty="0" err="1" smtClean="0">
-                <a:solidFill>
-                  <a:schemeClr val="accent5">
-                    <a:lumMod val="20000"/>
-                    <a:lumOff val="80000"/>
-                  </a:schemeClr>
-                </a:solidFill>
-              </a:rPr>
-              <a:t>bera</a:t>
-            </a:r>
-            <a:r>
-              <a:rPr lang="es-ES" dirty="0" smtClean="0">
-                <a:solidFill>
-                  <a:schemeClr val="accent5">
-                    <a:lumMod val="20000"/>
-                    <a:lumOff val="80000"/>
-                  </a:schemeClr>
-                </a:solidFill>
-              </a:rPr>
-              <a:t> izango da </a:t>
-            </a:r>
-            <a:r>
-              <a:rPr lang="es-ES" dirty="0" err="1" smtClean="0">
-                <a:solidFill>
-                  <a:schemeClr val="accent5">
-                    <a:lumMod val="20000"/>
-                    <a:lumOff val="80000"/>
-                  </a:schemeClr>
-                </a:solidFill>
-              </a:rPr>
-              <a:t>hornitzailea</a:t>
-            </a:r>
-            <a:r>
-              <a:rPr lang="es-ES" dirty="0" smtClean="0">
-                <a:solidFill>
-                  <a:schemeClr val="accent5">
-                    <a:lumMod val="20000"/>
-                    <a:lumOff val="80000"/>
-                  </a:schemeClr>
-                </a:solidFill>
-              </a:rPr>
-              <a:t>, </a:t>
-            </a:r>
-            <a:r>
-              <a:rPr lang="es-ES" dirty="0" err="1" smtClean="0">
-                <a:solidFill>
-                  <a:schemeClr val="accent5">
-                    <a:lumMod val="20000"/>
-                    <a:lumOff val="80000"/>
-                  </a:schemeClr>
-                </a:solidFill>
-              </a:rPr>
-              <a:t>zeba</a:t>
-            </a:r>
-            <a:r>
-              <a:rPr lang="es-ES" dirty="0" smtClean="0">
-                <a:solidFill>
-                  <a:schemeClr val="accent5">
-                    <a:lumMod val="20000"/>
-                    <a:lumOff val="80000"/>
-                  </a:schemeClr>
-                </a:solidFill>
-              </a:rPr>
-              <a:t> </a:t>
-            </a:r>
-            <a:r>
-              <a:rPr lang="es-ES" dirty="0" err="1" smtClean="0">
-                <a:solidFill>
-                  <a:schemeClr val="accent5">
-                    <a:lumMod val="20000"/>
-                    <a:lumOff val="80000"/>
-                  </a:schemeClr>
-                </a:solidFill>
-              </a:rPr>
-              <a:t>beraiek</a:t>
-            </a:r>
-            <a:r>
-              <a:rPr lang="es-ES" dirty="0" smtClean="0">
-                <a:solidFill>
-                  <a:schemeClr val="accent5">
-                    <a:lumMod val="20000"/>
-                    <a:lumOff val="80000"/>
-                  </a:schemeClr>
-                </a:solidFill>
-              </a:rPr>
-              <a:t> saltzen dute </a:t>
-            </a:r>
-            <a:r>
-              <a:rPr lang="es-ES" dirty="0" err="1" smtClean="0">
-                <a:solidFill>
-                  <a:schemeClr val="accent5">
-                    <a:lumMod val="20000"/>
-                    <a:lumOff val="80000"/>
-                  </a:schemeClr>
-                </a:solidFill>
-              </a:rPr>
-              <a:t>beraien</a:t>
-            </a:r>
-            <a:r>
-              <a:rPr lang="es-ES" dirty="0" smtClean="0">
-                <a:solidFill>
-                  <a:schemeClr val="accent5">
-                    <a:lumMod val="20000"/>
-                    <a:lumOff val="80000"/>
-                  </a:schemeClr>
-                </a:solidFill>
-              </a:rPr>
-              <a:t> janaria, </a:t>
-            </a:r>
-            <a:r>
-              <a:rPr lang="es-ES" dirty="0" err="1" smtClean="0">
-                <a:solidFill>
-                  <a:schemeClr val="accent5">
-                    <a:lumMod val="20000"/>
-                    <a:lumOff val="80000"/>
-                  </a:schemeClr>
-                </a:solidFill>
-              </a:rPr>
-              <a:t>iraganean</a:t>
-            </a:r>
-            <a:r>
-              <a:rPr lang="es-ES" dirty="0" smtClean="0">
-                <a:solidFill>
-                  <a:schemeClr val="accent5">
-                    <a:lumMod val="20000"/>
-                    <a:lumOff val="80000"/>
-                  </a:schemeClr>
-                </a:solidFill>
-              </a:rPr>
-              <a:t> saltzen </a:t>
-            </a:r>
-            <a:r>
-              <a:rPr lang="es-ES" dirty="0" err="1" smtClean="0">
-                <a:solidFill>
-                  <a:schemeClr val="accent5">
-                    <a:lumMod val="20000"/>
-                    <a:lumOff val="80000"/>
-                  </a:schemeClr>
-                </a:solidFill>
-              </a:rPr>
-              <a:t>hasi</a:t>
-            </a:r>
-            <a:r>
-              <a:rPr lang="es-ES" dirty="0" smtClean="0">
-                <a:solidFill>
-                  <a:schemeClr val="accent5">
-                    <a:lumMod val="20000"/>
-                    <a:lumOff val="80000"/>
-                  </a:schemeClr>
-                </a:solidFill>
-              </a:rPr>
-              <a:t> </a:t>
-            </a:r>
-            <a:r>
-              <a:rPr lang="es-ES" dirty="0" err="1" smtClean="0">
-                <a:solidFill>
-                  <a:schemeClr val="accent5">
-                    <a:lumMod val="20000"/>
-                    <a:lumOff val="80000"/>
-                  </a:schemeClr>
-                </a:solidFill>
-              </a:rPr>
-              <a:t>behar</a:t>
-            </a:r>
-            <a:r>
-              <a:rPr lang="es-ES" dirty="0" smtClean="0">
-                <a:solidFill>
-                  <a:schemeClr val="accent5">
-                    <a:lumMod val="20000"/>
-                    <a:lumOff val="80000"/>
-                  </a:schemeClr>
-                </a:solidFill>
-              </a:rPr>
-              <a:t> </a:t>
-            </a:r>
-            <a:r>
-              <a:rPr lang="es-ES" dirty="0" err="1" smtClean="0">
-                <a:solidFill>
-                  <a:schemeClr val="accent5">
-                    <a:lumMod val="20000"/>
-                    <a:lumOff val="80000"/>
-                  </a:schemeClr>
-                </a:solidFill>
-              </a:rPr>
-              <a:t>badugu</a:t>
-            </a:r>
-            <a:r>
-              <a:rPr lang="es-ES" dirty="0" smtClean="0">
-                <a:solidFill>
-                  <a:schemeClr val="accent5">
-                    <a:lumMod val="20000"/>
-                    <a:lumOff val="80000"/>
-                  </a:schemeClr>
-                </a:solidFill>
-              </a:rPr>
-              <a:t>, </a:t>
-            </a:r>
-            <a:r>
-              <a:rPr lang="es-ES" dirty="0" err="1" smtClean="0">
-                <a:solidFill>
-                  <a:schemeClr val="accent5">
-                    <a:lumMod val="20000"/>
-                    <a:lumOff val="80000"/>
-                  </a:schemeClr>
-                </a:solidFill>
-              </a:rPr>
-              <a:t>orduan</a:t>
-            </a:r>
-            <a:r>
-              <a:rPr lang="es-ES" dirty="0" smtClean="0">
-                <a:solidFill>
-                  <a:schemeClr val="accent5">
-                    <a:lumMod val="20000"/>
-                    <a:lumOff val="80000"/>
-                  </a:schemeClr>
-                </a:solidFill>
-              </a:rPr>
-              <a:t> bai eduki beharko </a:t>
-            </a:r>
-            <a:r>
-              <a:rPr lang="es-ES" dirty="0" err="1" smtClean="0">
-                <a:solidFill>
-                  <a:schemeClr val="accent5">
-                    <a:lumMod val="20000"/>
-                    <a:lumOff val="80000"/>
-                  </a:schemeClr>
-                </a:solidFill>
-              </a:rPr>
-              <a:t>genuke</a:t>
-            </a:r>
-            <a:r>
-              <a:rPr lang="es-ES" dirty="0" smtClean="0">
-                <a:solidFill>
-                  <a:schemeClr val="accent5">
-                    <a:lumMod val="20000"/>
-                    <a:lumOff val="80000"/>
-                  </a:schemeClr>
-                </a:solidFill>
-              </a:rPr>
-              <a:t>, baina </a:t>
-            </a:r>
-            <a:r>
-              <a:rPr lang="es-ES" dirty="0" err="1" smtClean="0">
-                <a:solidFill>
-                  <a:schemeClr val="accent5">
-                    <a:lumMod val="20000"/>
-                    <a:lumOff val="80000"/>
-                  </a:schemeClr>
-                </a:solidFill>
-              </a:rPr>
-              <a:t>oraingoz</a:t>
-            </a:r>
-            <a:r>
-              <a:rPr lang="es-ES" dirty="0" smtClean="0">
-                <a:solidFill>
-                  <a:schemeClr val="accent5">
-                    <a:lumMod val="20000"/>
-                    <a:lumOff val="80000"/>
-                  </a:schemeClr>
-                </a:solidFill>
-              </a:rPr>
-              <a:t> ez.</a:t>
+              <a:t>Berez, hornitzailerik ez dugu, gendia bera izango da hornitzailea, zeba beraiek saltzen dute beraien janaria, iraganean saltzen hasi behar badugu, orduan bai eduki beharko genuke, baina oraingoz ez.</a:t>
             </a:r>
           </a:p>
           <a:p>
             <a:pPr lvl="1"/>
-            <a:endParaRPr lang="es-ES" dirty="0" smtClean="0">
+            <a:endParaRPr lang="es-ES" dirty="0">
               <a:solidFill>
                 <a:schemeClr val="accent5">
                   <a:lumMod val="20000"/>
@@ -9855,7 +10855,7 @@
             </a:endParaRPr>
           </a:p>
           <a:p>
-            <a:endParaRPr lang="es-ES" dirty="0" smtClean="0">
+            <a:endParaRPr lang="es-ES" dirty="0">
               <a:solidFill>
                 <a:schemeClr val="accent5">
                   <a:lumMod val="20000"/>
@@ -9875,7 +10875,7 @@
           <p:nvPr/>
         </p:nvPicPr>
         <p:blipFill>
-          <a:blip r:embed="rId3">
+          <a:blip r:embed="rId4">
             <a:extLst>
               <a:ext uri="{28A0092B-C50C-407E-A947-70E740481C1C}">
                 <a14:useLocalDpi xmlns:a14="http://schemas.microsoft.com/office/drawing/2010/main" val="0"/>
@@ -9889,7 +10889,7 @@
         </p:blipFill>
         <p:spPr bwMode="auto">
           <a:xfrm>
-            <a:off x="871445" y="3603481"/>
+            <a:off x="1345578" y="3267770"/>
             <a:ext cx="3480536" cy="2320358"/>
           </a:xfrm>
           <a:prstGeom prst="rect">
@@ -9916,7 +10916,7 @@
           <p:nvPr/>
         </p:nvPicPr>
         <p:blipFill>
-          <a:blip r:embed="rId4">
+          <a:blip r:embed="rId5">
             <a:extLst>
               <a:ext uri="{28A0092B-C50C-407E-A947-70E740481C1C}">
                 <a14:useLocalDpi xmlns:a14="http://schemas.microsoft.com/office/drawing/2010/main" val="0"/>
@@ -9930,7 +10930,7 @@
         </p:blipFill>
         <p:spPr bwMode="auto">
           <a:xfrm>
-            <a:off x="6682210" y="2609978"/>
+            <a:off x="6490186" y="2785963"/>
             <a:ext cx="4477638" cy="2978150"/>
           </a:xfrm>
           <a:prstGeom prst="rect">
@@ -9948,6 +10948,35 @@
           </a:extLst>
         </p:spPr>
       </p:pic>
+      <p:sp>
+        <p:nvSpPr>
+          <p:cNvPr id="3" name="Marcador de número de diapositiva 2">
+            <a:extLst>
+              <a:ext uri="{FF2B5EF4-FFF2-40B4-BE49-F238E27FC236}">
+                <a16:creationId xmlns:a16="http://schemas.microsoft.com/office/drawing/2014/main" id="{DE962873-02BB-4347-025A-0A32B3C526F1}"/>
+              </a:ext>
+            </a:extLst>
+          </p:cNvPr>
+          <p:cNvSpPr>
+            <a:spLocks noGrp="1"/>
+          </p:cNvSpPr>
+          <p:nvPr>
+            <p:ph type="sldNum" sz="quarter" idx="12"/>
+          </p:nvPr>
+        </p:nvSpPr>
+        <p:spPr/>
+        <p:txBody>
+          <a:bodyPr/>
+          <a:lstStyle/>
+          <a:p>
+            <a:fld id="{0308B8C6-4BEB-4382-93FE-5F3DFD9EA2DC}" type="slidenum">
+              <a:rPr lang="es-ES" smtClean="0"/>
+              <a:t>22</a:t>
+            </a:fld>
+            <a:endParaRPr lang="es-ES" dirty="0"/>
+          </a:p>
+        </p:txBody>
+      </p:sp>
     </p:spTree>
     <p:extLst>
       <p:ext uri="{BB962C8B-B14F-4D97-AF65-F5344CB8AC3E}">
@@ -9958,13 +10987,6 @@
   <p:clrMapOvr>
     <a:masterClrMapping/>
   </p:clrMapOvr>
-  <p:timing>
-    <p:tnLst>
-      <p:par>
-        <p:cTn id="1" dur="indefinite" restart="never" nodeType="tmRoot"/>
-      </p:par>
-    </p:tnLst>
-  </p:timing>
 </p:sld>
 </file>
 
@@ -9994,11 +11016,11 @@
           <p:nvPr/>
         </p:nvPicPr>
         <p:blipFill>
-          <a:blip r:embed="rId2" cstate="print">
+          <a:blip r:embed="rId3" cstate="print">
             <a:extLst>
               <a:ext uri="{BEBA8EAE-BF5A-486C-A8C5-ECC9F3942E4B}">
                 <a14:imgProps xmlns:a14="http://schemas.microsoft.com/office/drawing/2010/main">
-                  <a14:imgLayer r:embed="rId3">
+                  <a14:imgLayer r:embed="rId4">
                     <a14:imgEffect>
                       <a14:brightnessContrast bright="-8000"/>
                     </a14:imgEffect>
@@ -10126,7 +11148,7 @@
           <p:nvPr/>
         </p:nvPicPr>
         <p:blipFill rotWithShape="1">
-          <a:blip r:embed="rId4">
+          <a:blip r:embed="rId5">
             <a:extLst>
               <a:ext uri="{28A0092B-C50C-407E-A947-70E740481C1C}">
                 <a14:useLocalDpi xmlns:a14="http://schemas.microsoft.com/office/drawing/2010/main" val="0"/>
@@ -10187,6 +11209,35 @@
               </a:rPr>
               <a:t>Galdera edo zalantzarik?</a:t>
             </a:r>
+          </a:p>
+        </p:txBody>
+      </p:sp>
+      <p:sp>
+        <p:nvSpPr>
+          <p:cNvPr id="3" name="Marcador de número de diapositiva 2">
+            <a:extLst>
+              <a:ext uri="{FF2B5EF4-FFF2-40B4-BE49-F238E27FC236}">
+                <a16:creationId xmlns:a16="http://schemas.microsoft.com/office/drawing/2014/main" id="{122DC1D5-B118-8C08-6C24-48E236978596}"/>
+              </a:ext>
+            </a:extLst>
+          </p:cNvPr>
+          <p:cNvSpPr>
+            <a:spLocks noGrp="1"/>
+          </p:cNvSpPr>
+          <p:nvPr>
+            <p:ph type="sldNum" sz="quarter" idx="12"/>
+          </p:nvPr>
+        </p:nvSpPr>
+        <p:spPr/>
+        <p:txBody>
+          <a:bodyPr/>
+          <a:lstStyle/>
+          <a:p>
+            <a:fld id="{0308B8C6-4BEB-4382-93FE-5F3DFD9EA2DC}" type="slidenum">
+              <a:rPr lang="es-ES" smtClean="0"/>
+              <a:t>23</a:t>
+            </a:fld>
+            <a:endParaRPr lang="es-ES" dirty="0"/>
           </a:p>
         </p:txBody>
       </p:sp>
@@ -10200,13 +11251,6 @@
   <p:clrMapOvr>
     <a:masterClrMapping/>
   </p:clrMapOvr>
-  <p:timing>
-    <p:tnLst>
-      <p:par>
-        <p:cTn id="1" dur="indefinite" restart="never" nodeType="tmRoot"/>
-      </p:par>
-    </p:tnLst>
-  </p:timing>
 </p:sld>
 </file>
 
@@ -10238,7 +11282,7 @@
           </p:nvPr>
         </p:nvPicPr>
         <p:blipFill>
-          <a:blip r:embed="rId2" cstate="print">
+          <a:blip r:embed="rId3" cstate="print">
             <a:extLst>
               <a:ext uri="{28A0092B-C50C-407E-A947-70E740481C1C}">
                 <a14:useLocalDpi xmlns:a14="http://schemas.microsoft.com/office/drawing/2010/main" val="0"/>
@@ -10302,7 +11346,7 @@
           <p:nvPr/>
         </p:nvPicPr>
         <p:blipFill rotWithShape="1">
-          <a:blip r:embed="rId3">
+          <a:blip r:embed="rId4">
             <a:extLst>
               <a:ext uri="{28A0092B-C50C-407E-A947-70E740481C1C}">
                 <a14:useLocalDpi xmlns:a14="http://schemas.microsoft.com/office/drawing/2010/main" val="0"/>
@@ -10625,6 +11669,35 @@
               </a:rPr>
               <a:t>#89BCCC</a:t>
             </a:r>
+          </a:p>
+        </p:txBody>
+      </p:sp>
+      <p:sp>
+        <p:nvSpPr>
+          <p:cNvPr id="3" name="Marcador de número de diapositiva 2">
+            <a:extLst>
+              <a:ext uri="{FF2B5EF4-FFF2-40B4-BE49-F238E27FC236}">
+                <a16:creationId xmlns:a16="http://schemas.microsoft.com/office/drawing/2014/main" id="{1147568F-C95F-0EA2-084D-BABEDFED64AD}"/>
+              </a:ext>
+            </a:extLst>
+          </p:cNvPr>
+          <p:cNvSpPr>
+            <a:spLocks noGrp="1"/>
+          </p:cNvSpPr>
+          <p:nvPr>
+            <p:ph type="sldNum" sz="quarter" idx="12"/>
+          </p:nvPr>
+        </p:nvSpPr>
+        <p:spPr/>
+        <p:txBody>
+          <a:bodyPr/>
+          <a:lstStyle/>
+          <a:p>
+            <a:fld id="{0308B8C6-4BEB-4382-93FE-5F3DFD9EA2DC}" type="slidenum">
+              <a:rPr lang="es-ES" smtClean="0"/>
+              <a:t>3</a:t>
+            </a:fld>
+            <a:endParaRPr lang="es-ES" dirty="0"/>
           </a:p>
         </p:txBody>
       </p:sp>
@@ -10638,13 +11711,6 @@
   <p:clrMapOvr>
     <a:masterClrMapping/>
   </p:clrMapOvr>
-  <p:timing>
-    <p:tnLst>
-      <p:par>
-        <p:cTn id="1" dur="indefinite" restart="never" nodeType="tmRoot"/>
-      </p:par>
-    </p:tnLst>
-  </p:timing>
 </p:sld>
 </file>
 
@@ -10682,7 +11748,7 @@
           </p:nvPr>
         </p:nvPicPr>
         <p:blipFill>
-          <a:blip r:embed="rId2" cstate="print">
+          <a:blip r:embed="rId3" cstate="print">
             <a:extLst>
               <a:ext uri="{28A0092B-C50C-407E-A947-70E740481C1C}">
                 <a14:useLocalDpi xmlns:a14="http://schemas.microsoft.com/office/drawing/2010/main" val="0"/>
@@ -10780,7 +11846,7 @@
       <p:pic>
         <p:nvPicPr>
           <p:cNvPr id="1026" name="Picture 2">
-            <a:hlinkClick r:id="rId3"/>
+            <a:hlinkClick r:id="rId4"/>
             <a:extLst>
               <a:ext uri="{FF2B5EF4-FFF2-40B4-BE49-F238E27FC236}">
                 <a16:creationId xmlns:a16="http://schemas.microsoft.com/office/drawing/2014/main" id="{03E0621F-8B61-5218-3399-AFEC55572A57}"/>
@@ -10793,7 +11859,7 @@
           <p:nvPr/>
         </p:nvPicPr>
         <p:blipFill rotWithShape="1">
-          <a:blip r:embed="rId4" cstate="print">
+          <a:blip r:embed="rId5" cstate="print">
             <a:extLst>
               <a:ext uri="{28A0092B-C50C-407E-A947-70E740481C1C}">
                 <a14:useLocalDpi xmlns:a14="http://schemas.microsoft.com/office/drawing/2010/main" val="0"/>
@@ -10836,6 +11902,35 @@
           </a:extLst>
         </p:spPr>
       </p:pic>
+      <p:sp>
+        <p:nvSpPr>
+          <p:cNvPr id="3" name="Marcador de número de diapositiva 2">
+            <a:extLst>
+              <a:ext uri="{FF2B5EF4-FFF2-40B4-BE49-F238E27FC236}">
+                <a16:creationId xmlns:a16="http://schemas.microsoft.com/office/drawing/2014/main" id="{D1A279EF-5A69-F982-5423-C83F72F59F1E}"/>
+              </a:ext>
+            </a:extLst>
+          </p:cNvPr>
+          <p:cNvSpPr>
+            <a:spLocks noGrp="1"/>
+          </p:cNvSpPr>
+          <p:nvPr>
+            <p:ph type="sldNum" sz="quarter" idx="12"/>
+          </p:nvPr>
+        </p:nvSpPr>
+        <p:spPr/>
+        <p:txBody>
+          <a:bodyPr/>
+          <a:lstStyle/>
+          <a:p>
+            <a:fld id="{0308B8C6-4BEB-4382-93FE-5F3DFD9EA2DC}" type="slidenum">
+              <a:rPr lang="es-ES" smtClean="0"/>
+              <a:t>4</a:t>
+            </a:fld>
+            <a:endParaRPr lang="es-ES" dirty="0"/>
+          </a:p>
+        </p:txBody>
+      </p:sp>
     </p:spTree>
     <p:extLst>
       <p:ext uri="{BB962C8B-B14F-4D97-AF65-F5344CB8AC3E}">
@@ -10846,13 +11941,6 @@
   <p:clrMapOvr>
     <a:masterClrMapping/>
   </p:clrMapOvr>
-  <p:timing>
-    <p:tnLst>
-      <p:par>
-        <p:cTn id="1" dur="indefinite" restart="never" nodeType="tmRoot"/>
-      </p:par>
-    </p:tnLst>
-  </p:timing>
 </p:sld>
 </file>
 
@@ -10890,7 +11978,7 @@
           </p:nvPr>
         </p:nvPicPr>
         <p:blipFill>
-          <a:blip r:embed="rId2" cstate="print">
+          <a:blip r:embed="rId3" cstate="print">
             <a:extLst>
               <a:ext uri="{28A0092B-C50C-407E-A947-70E740481C1C}">
                 <a14:useLocalDpi xmlns:a14="http://schemas.microsoft.com/office/drawing/2010/main" val="0"/>
@@ -11000,7 +12088,7 @@
           <p:nvPr/>
         </p:nvPicPr>
         <p:blipFill>
-          <a:blip r:embed="rId3"/>
+          <a:blip r:embed="rId4"/>
           <a:stretch>
             <a:fillRect/>
           </a:stretch>
@@ -11015,6 +12103,35 @@
           </a:prstGeom>
         </p:spPr>
       </p:pic>
+      <p:sp>
+        <p:nvSpPr>
+          <p:cNvPr id="3" name="Marcador de número de diapositiva 2">
+            <a:extLst>
+              <a:ext uri="{FF2B5EF4-FFF2-40B4-BE49-F238E27FC236}">
+                <a16:creationId xmlns:a16="http://schemas.microsoft.com/office/drawing/2014/main" id="{EAE18D36-CFCF-B442-F3D8-F77D3400D5EF}"/>
+              </a:ext>
+            </a:extLst>
+          </p:cNvPr>
+          <p:cNvSpPr>
+            <a:spLocks noGrp="1"/>
+          </p:cNvSpPr>
+          <p:nvPr>
+            <p:ph type="sldNum" sz="quarter" idx="12"/>
+          </p:nvPr>
+        </p:nvSpPr>
+        <p:spPr/>
+        <p:txBody>
+          <a:bodyPr/>
+          <a:lstStyle/>
+          <a:p>
+            <a:fld id="{0308B8C6-4BEB-4382-93FE-5F3DFD9EA2DC}" type="slidenum">
+              <a:rPr lang="es-ES" smtClean="0"/>
+              <a:t>5</a:t>
+            </a:fld>
+            <a:endParaRPr lang="es-ES" dirty="0"/>
+          </a:p>
+        </p:txBody>
+      </p:sp>
     </p:spTree>
     <p:extLst>
       <p:ext uri="{BB962C8B-B14F-4D97-AF65-F5344CB8AC3E}">
@@ -11025,13 +12142,6 @@
   <p:clrMapOvr>
     <a:masterClrMapping/>
   </p:clrMapOvr>
-  <p:timing>
-    <p:tnLst>
-      <p:par>
-        <p:cTn id="1" dur="indefinite" restart="never" nodeType="tmRoot"/>
-      </p:par>
-    </p:tnLst>
-  </p:timing>
 </p:sld>
 </file>
 
@@ -11069,7 +12179,7 @@
           </p:nvPr>
         </p:nvPicPr>
         <p:blipFill>
-          <a:blip r:embed="rId2" cstate="print">
+          <a:blip r:embed="rId3" cstate="print">
             <a:extLst>
               <a:ext uri="{28A0092B-C50C-407E-A947-70E740481C1C}">
                 <a14:useLocalDpi xmlns:a14="http://schemas.microsoft.com/office/drawing/2010/main" val="0"/>
@@ -11181,10 +12291,10 @@
                   </a:schemeClr>
                 </a:solidFill>
               </a:rPr>
-              <a:t> eta </a:t>
-            </a:r>
-            <a:r>
-              <a:rPr lang="es-ES" dirty="0" err="1">
+              <a:t> eta PostgreSQL-ak </a:t>
+            </a:r>
+            <a:r>
+              <a:rPr lang="es-ES" i="1" dirty="0">
                 <a:solidFill>
                   <a:schemeClr val="accent5">
                     <a:lumMod val="20000"/>
@@ -11192,10 +12302,10 @@
                   </a:schemeClr>
                 </a:solidFill>
               </a:rPr>
-              <a:t>PostgreSQL-ak</a:t>
-            </a:r>
-            <a:r>
-              <a:rPr lang="es-ES">
+              <a:t>8068</a:t>
+            </a:r>
+            <a:r>
+              <a:rPr lang="es-ES" dirty="0">
                 <a:solidFill>
                   <a:schemeClr val="accent5">
                     <a:lumMod val="20000"/>
@@ -11203,40 +12313,7 @@
                   </a:schemeClr>
                 </a:solidFill>
               </a:rPr>
-              <a:t> </a:t>
-            </a:r>
-            <a:r>
-              <a:rPr lang="es-ES" i="1" smtClean="0">
-                <a:solidFill>
-                  <a:schemeClr val="accent5">
-                    <a:lumMod val="20000"/>
-                    <a:lumOff val="80000"/>
-                  </a:schemeClr>
-                </a:solidFill>
-              </a:rPr>
-              <a:t>8068</a:t>
-            </a:r>
-            <a:r>
-              <a:rPr lang="es-ES" smtClean="0">
-                <a:solidFill>
-                  <a:schemeClr val="accent5">
-                    <a:lumMod val="20000"/>
-                    <a:lumOff val="80000"/>
-                  </a:schemeClr>
-                </a:solidFill>
-              </a:rPr>
-              <a:t> </a:t>
-            </a:r>
-            <a:r>
-              <a:rPr lang="es-ES" dirty="0">
-                <a:solidFill>
-                  <a:schemeClr val="accent5">
-                    <a:lumMod val="20000"/>
-                    <a:lumOff val="80000"/>
-                  </a:schemeClr>
-                </a:solidFill>
-              </a:rPr>
-              <a:t>portuekin.</a:t>
+              <a:t> portuekin.</a:t>
             </a:r>
           </a:p>
           <a:p>
@@ -11252,10 +12329,10 @@
                     <a:lumOff val="80000"/>
                   </a:schemeClr>
                 </a:solidFill>
-                <a:hlinkClick r:id="rId3">
+                <a:hlinkClick r:id="rId4">
                   <a:extLst>
                     <a:ext uri="{A12FA001-AC4F-418D-AE19-62706E023703}">
-                      <ahyp:hlinkClr xmlns="" xmlns:ahyp="http://schemas.microsoft.com/office/drawing/2018/hyperlinkcolor" val="tx"/>
+                      <ahyp:hlinkClr xmlns:ahyp="http://schemas.microsoft.com/office/drawing/2018/hyperlinkcolor" val="tx"/>
                     </a:ext>
                   </a:extLst>
                 </a:hlinkClick>
@@ -11374,7 +12451,7 @@
           <p:nvPr/>
         </p:nvPicPr>
         <p:blipFill>
-          <a:blip r:embed="rId4">
+          <a:blip r:embed="rId5">
             <a:extLst>
               <a:ext uri="{28A0092B-C50C-407E-A947-70E740481C1C}">
                 <a14:useLocalDpi xmlns:a14="http://schemas.microsoft.com/office/drawing/2010/main" val="0"/>
@@ -11434,7 +12511,7 @@
           <p:nvPr/>
         </p:nvPicPr>
         <p:blipFill rotWithShape="1">
-          <a:blip r:embed="rId5">
+          <a:blip r:embed="rId6">
             <a:extLst>
               <a:ext uri="{28A0092B-C50C-407E-A947-70E740481C1C}">
                 <a14:useLocalDpi xmlns:a14="http://schemas.microsoft.com/office/drawing/2010/main" val="0"/>
@@ -11492,7 +12569,7 @@
           <p:nvPr/>
         </p:nvPicPr>
         <p:blipFill rotWithShape="1">
-          <a:blip r:embed="rId6">
+          <a:blip r:embed="rId7">
             <a:extLst>
               <a:ext uri="{28A0092B-C50C-407E-A947-70E740481C1C}">
                 <a14:useLocalDpi xmlns:a14="http://schemas.microsoft.com/office/drawing/2010/main" val="0"/>
@@ -11676,7 +12753,7 @@
           <p:nvPr/>
         </p:nvPicPr>
         <p:blipFill>
-          <a:blip r:embed="rId7">
+          <a:blip r:embed="rId8">
             <a:extLst>
               <a:ext uri="{28A0092B-C50C-407E-A947-70E740481C1C}">
                 <a14:useLocalDpi xmlns:a14="http://schemas.microsoft.com/office/drawing/2010/main" val="0"/>
@@ -11744,10 +12821,10 @@
                     <a:lumOff val="80000"/>
                   </a:schemeClr>
                 </a:solidFill>
-                <a:hlinkClick r:id="rId8">
+                <a:hlinkClick r:id="rId9">
                   <a:extLst>
                     <a:ext uri="{A12FA001-AC4F-418D-AE19-62706E023703}">
-                      <ahyp:hlinkClr xmlns="" xmlns:ahyp="http://schemas.microsoft.com/office/drawing/2018/hyperlinkcolor" val="tx"/>
+                      <ahyp:hlinkClr xmlns:ahyp="http://schemas.microsoft.com/office/drawing/2018/hyperlinkcolor" val="tx"/>
                     </a:ext>
                   </a:extLst>
                 </a:hlinkClick>
@@ -11780,7 +12857,7 @@
           <p:nvPr/>
         </p:nvPicPr>
         <p:blipFill>
-          <a:blip r:embed="rId9" cstate="print">
+          <a:blip r:embed="rId10" cstate="print">
             <a:extLst>
               <a:ext uri="{28A0092B-C50C-407E-A947-70E740481C1C}">
                 <a14:useLocalDpi xmlns:a14="http://schemas.microsoft.com/office/drawing/2010/main" val="0"/>
@@ -11851,6 +12928,35 @@
               </a:rPr>
               <a:t>DBEAVER</a:t>
             </a:r>
+          </a:p>
+        </p:txBody>
+      </p:sp>
+      <p:sp>
+        <p:nvSpPr>
+          <p:cNvPr id="3" name="Marcador de número de diapositiva 2">
+            <a:extLst>
+              <a:ext uri="{FF2B5EF4-FFF2-40B4-BE49-F238E27FC236}">
+                <a16:creationId xmlns:a16="http://schemas.microsoft.com/office/drawing/2014/main" id="{CD22B771-EE2E-38DB-E702-EDFBAF710D5E}"/>
+              </a:ext>
+            </a:extLst>
+          </p:cNvPr>
+          <p:cNvSpPr>
+            <a:spLocks noGrp="1"/>
+          </p:cNvSpPr>
+          <p:nvPr>
+            <p:ph type="sldNum" sz="quarter" idx="12"/>
+          </p:nvPr>
+        </p:nvSpPr>
+        <p:spPr/>
+        <p:txBody>
+          <a:bodyPr/>
+          <a:lstStyle/>
+          <a:p>
+            <a:fld id="{0308B8C6-4BEB-4382-93FE-5F3DFD9EA2DC}" type="slidenum">
+              <a:rPr lang="es-ES" smtClean="0"/>
+              <a:t>6</a:t>
+            </a:fld>
+            <a:endParaRPr lang="es-ES" dirty="0"/>
           </a:p>
         </p:txBody>
       </p:sp>
@@ -11864,13 +12970,6 @@
   <p:clrMapOvr>
     <a:masterClrMapping/>
   </p:clrMapOvr>
-  <p:timing>
-    <p:tnLst>
-      <p:par>
-        <p:cTn id="1" dur="indefinite" restart="never" nodeType="tmRoot"/>
-      </p:par>
-    </p:tnLst>
-  </p:timing>
 </p:sld>
 </file>
 
@@ -11908,7 +13007,7 @@
           </p:nvPr>
         </p:nvPicPr>
         <p:blipFill>
-          <a:blip r:embed="rId2" cstate="print">
+          <a:blip r:embed="rId3" cstate="print">
             <a:extLst>
               <a:ext uri="{28A0092B-C50C-407E-A947-70E740481C1C}">
                 <a14:useLocalDpi xmlns:a14="http://schemas.microsoft.com/office/drawing/2010/main" val="0"/>
@@ -12130,7 +13229,7 @@
           <p:nvPr/>
         </p:nvPicPr>
         <p:blipFill rotWithShape="1">
-          <a:blip r:embed="rId3" cstate="print">
+          <a:blip r:embed="rId4" cstate="print">
             <a:extLst>
               <a:ext uri="{28A0092B-C50C-407E-A947-70E740481C1C}">
                 <a14:useLocalDpi xmlns:a14="http://schemas.microsoft.com/office/drawing/2010/main" val="0"/>
@@ -12162,120 +13261,6 @@
             <a:extLst>
               <a:ext uri="{FF2B5EF4-FFF2-40B4-BE49-F238E27FC236}">
                 <a16:creationId xmlns:a16="http://schemas.microsoft.com/office/drawing/2014/main" id="{1BE9ACD9-068B-AD8F-90CF-34B1649C093B}"/>
-              </a:ext>
-            </a:extLst>
-          </p:cNvPr>
-          <p:cNvPicPr>
-            <a:picLocks noChangeAspect="1"/>
-          </p:cNvPicPr>
-          <p:nvPr/>
-        </p:nvPicPr>
-        <p:blipFill>
-          <a:blip r:embed="rId4"/>
-          <a:stretch>
-            <a:fillRect/>
-          </a:stretch>
-        </p:blipFill>
-        <p:spPr>
-          <a:xfrm>
-            <a:off x="1156123" y="5152959"/>
-            <a:ext cx="4238912" cy="720243"/>
-          </a:xfrm>
-          <a:prstGeom prst="rect">
-            <a:avLst/>
-          </a:prstGeom>
-        </p:spPr>
-      </p:pic>
-      <p:sp>
-        <p:nvSpPr>
-          <p:cNvPr id="7" name="CuadroTexto 6">
-            <a:extLst>
-              <a:ext uri="{FF2B5EF4-FFF2-40B4-BE49-F238E27FC236}">
-                <a16:creationId xmlns:a16="http://schemas.microsoft.com/office/drawing/2014/main" id="{2B3468F7-6277-6748-9D84-3E285EE09EA5}"/>
-              </a:ext>
-            </a:extLst>
-          </p:cNvPr>
-          <p:cNvSpPr txBox="1"/>
-          <p:nvPr/>
-        </p:nvSpPr>
-        <p:spPr>
-          <a:xfrm>
-            <a:off x="1156123" y="4811185"/>
-            <a:ext cx="1856158" cy="307777"/>
-          </a:xfrm>
-          <a:prstGeom prst="rect">
-            <a:avLst/>
-          </a:prstGeom>
-          <a:noFill/>
-        </p:spPr>
-        <p:txBody>
-          <a:bodyPr wrap="square" rtlCol="0">
-            <a:spAutoFit/>
-          </a:bodyPr>
-          <a:lstStyle/>
-          <a:p>
-            <a:r>
-              <a:rPr lang="es-ES" sz="1400" dirty="0">
-                <a:solidFill>
-                  <a:schemeClr val="accent5">
-                    <a:lumMod val="20000"/>
-                    <a:lumOff val="80000"/>
-                  </a:schemeClr>
-                </a:solidFill>
-              </a:rPr>
-              <a:t>LIBRERIAK</a:t>
-            </a:r>
-          </a:p>
-        </p:txBody>
-      </p:sp>
-      <p:sp>
-        <p:nvSpPr>
-          <p:cNvPr id="8" name="CuadroTexto 7">
-            <a:extLst>
-              <a:ext uri="{FF2B5EF4-FFF2-40B4-BE49-F238E27FC236}">
-                <a16:creationId xmlns:a16="http://schemas.microsoft.com/office/drawing/2014/main" id="{38675AE3-BB5F-42F9-AAE7-18830309D14A}"/>
-              </a:ext>
-            </a:extLst>
-          </p:cNvPr>
-          <p:cNvSpPr txBox="1"/>
-          <p:nvPr/>
-        </p:nvSpPr>
-        <p:spPr>
-          <a:xfrm>
-            <a:off x="9187732" y="3089935"/>
-            <a:ext cx="1856158" cy="307777"/>
-          </a:xfrm>
-          <a:prstGeom prst="rect">
-            <a:avLst/>
-          </a:prstGeom>
-          <a:noFill/>
-        </p:spPr>
-        <p:txBody>
-          <a:bodyPr wrap="square" rtlCol="0">
-            <a:spAutoFit/>
-          </a:bodyPr>
-          <a:lstStyle/>
-          <a:p>
-            <a:r>
-              <a:rPr lang="es-ES" sz="1400" dirty="0">
-                <a:solidFill>
-                  <a:schemeClr val="accent5">
-                    <a:lumMod val="20000"/>
-                    <a:lumOff val="80000"/>
-                  </a:schemeClr>
-                </a:solidFill>
-              </a:rPr>
-              <a:t>TSB_KUDEAPP LOGO</a:t>
-            </a:r>
-          </a:p>
-        </p:txBody>
-      </p:sp>
-      <p:pic>
-        <p:nvPicPr>
-          <p:cNvPr id="11" name="Imagen 10">
-            <a:extLst>
-              <a:ext uri="{FF2B5EF4-FFF2-40B4-BE49-F238E27FC236}">
-                <a16:creationId xmlns:a16="http://schemas.microsoft.com/office/drawing/2014/main" id="{BCA0B8E6-3863-8E9B-ACFF-F57AE3CFA4BD}"/>
               </a:ext>
             </a:extLst>
           </p:cNvPr>
@@ -12292,6 +13277,120 @@
         </p:blipFill>
         <p:spPr>
           <a:xfrm>
+            <a:off x="1156123" y="5152959"/>
+            <a:ext cx="4238912" cy="720243"/>
+          </a:xfrm>
+          <a:prstGeom prst="rect">
+            <a:avLst/>
+          </a:prstGeom>
+        </p:spPr>
+      </p:pic>
+      <p:sp>
+        <p:nvSpPr>
+          <p:cNvPr id="7" name="CuadroTexto 6">
+            <a:extLst>
+              <a:ext uri="{FF2B5EF4-FFF2-40B4-BE49-F238E27FC236}">
+                <a16:creationId xmlns:a16="http://schemas.microsoft.com/office/drawing/2014/main" id="{2B3468F7-6277-6748-9D84-3E285EE09EA5}"/>
+              </a:ext>
+            </a:extLst>
+          </p:cNvPr>
+          <p:cNvSpPr txBox="1"/>
+          <p:nvPr/>
+        </p:nvSpPr>
+        <p:spPr>
+          <a:xfrm>
+            <a:off x="1156123" y="4811185"/>
+            <a:ext cx="1856158" cy="307777"/>
+          </a:xfrm>
+          <a:prstGeom prst="rect">
+            <a:avLst/>
+          </a:prstGeom>
+          <a:noFill/>
+        </p:spPr>
+        <p:txBody>
+          <a:bodyPr wrap="square" rtlCol="0">
+            <a:spAutoFit/>
+          </a:bodyPr>
+          <a:lstStyle/>
+          <a:p>
+            <a:r>
+              <a:rPr lang="es-ES" sz="1400" dirty="0">
+                <a:solidFill>
+                  <a:schemeClr val="accent5">
+                    <a:lumMod val="20000"/>
+                    <a:lumOff val="80000"/>
+                  </a:schemeClr>
+                </a:solidFill>
+              </a:rPr>
+              <a:t>LIBRERIAK</a:t>
+            </a:r>
+          </a:p>
+        </p:txBody>
+      </p:sp>
+      <p:sp>
+        <p:nvSpPr>
+          <p:cNvPr id="8" name="CuadroTexto 7">
+            <a:extLst>
+              <a:ext uri="{FF2B5EF4-FFF2-40B4-BE49-F238E27FC236}">
+                <a16:creationId xmlns:a16="http://schemas.microsoft.com/office/drawing/2014/main" id="{38675AE3-BB5F-42F9-AAE7-18830309D14A}"/>
+              </a:ext>
+            </a:extLst>
+          </p:cNvPr>
+          <p:cNvSpPr txBox="1"/>
+          <p:nvPr/>
+        </p:nvSpPr>
+        <p:spPr>
+          <a:xfrm>
+            <a:off x="9187732" y="3089935"/>
+            <a:ext cx="1856158" cy="307777"/>
+          </a:xfrm>
+          <a:prstGeom prst="rect">
+            <a:avLst/>
+          </a:prstGeom>
+          <a:noFill/>
+        </p:spPr>
+        <p:txBody>
+          <a:bodyPr wrap="square" rtlCol="0">
+            <a:spAutoFit/>
+          </a:bodyPr>
+          <a:lstStyle/>
+          <a:p>
+            <a:r>
+              <a:rPr lang="es-ES" sz="1400" dirty="0">
+                <a:solidFill>
+                  <a:schemeClr val="accent5">
+                    <a:lumMod val="20000"/>
+                    <a:lumOff val="80000"/>
+                  </a:schemeClr>
+                </a:solidFill>
+              </a:rPr>
+              <a:t>TSB_KUDEAPP LOGO</a:t>
+            </a:r>
+          </a:p>
+        </p:txBody>
+      </p:sp>
+      <p:pic>
+        <p:nvPicPr>
+          <p:cNvPr id="11" name="Imagen 10">
+            <a:extLst>
+              <a:ext uri="{FF2B5EF4-FFF2-40B4-BE49-F238E27FC236}">
+                <a16:creationId xmlns:a16="http://schemas.microsoft.com/office/drawing/2014/main" id="{BCA0B8E6-3863-8E9B-ACFF-F57AE3CFA4BD}"/>
+              </a:ext>
+            </a:extLst>
+          </p:cNvPr>
+          <p:cNvPicPr>
+            <a:picLocks noChangeAspect="1"/>
+          </p:cNvPicPr>
+          <p:nvPr/>
+        </p:nvPicPr>
+        <p:blipFill>
+          <a:blip r:embed="rId6"/>
+          <a:stretch>
+            <a:fillRect/>
+          </a:stretch>
+        </p:blipFill>
+        <p:spPr>
+          <a:xfrm>
             <a:off x="1156123" y="4041161"/>
             <a:ext cx="5447877" cy="526365"/>
           </a:xfrm>
@@ -12357,7 +13456,7 @@
           <p:nvPr/>
         </p:nvPicPr>
         <p:blipFill>
-          <a:blip r:embed="rId6" cstate="print">
+          <a:blip r:embed="rId7" cstate="print">
             <a:extLst>
               <a:ext uri="{28A0092B-C50C-407E-A947-70E740481C1C}">
                 <a14:useLocalDpi xmlns:a14="http://schemas.microsoft.com/office/drawing/2010/main" val="0"/>
@@ -12428,6 +13527,82 @@
               </a:rPr>
               <a:t>SQLite</a:t>
             </a:r>
+          </a:p>
+        </p:txBody>
+      </p:sp>
+      <p:pic>
+        <p:nvPicPr>
+          <p:cNvPr id="1026" name="Picture 2" descr="sqlitebrowser · GitHub">
+            <a:extLst>
+              <a:ext uri="{FF2B5EF4-FFF2-40B4-BE49-F238E27FC236}">
+                <a16:creationId xmlns:a16="http://schemas.microsoft.com/office/drawing/2014/main" id="{31F14359-5CF0-A356-D458-D59B7085E109}"/>
+              </a:ext>
+            </a:extLst>
+          </p:cNvPr>
+          <p:cNvPicPr>
+            <a:picLocks noChangeAspect="1" noChangeArrowheads="1"/>
+          </p:cNvPicPr>
+          <p:nvPr/>
+        </p:nvPicPr>
+        <p:blipFill>
+          <a:blip r:embed="rId8" cstate="print">
+            <a:extLst>
+              <a:ext uri="{28A0092B-C50C-407E-A947-70E740481C1C}">
+                <a14:useLocalDpi xmlns:a14="http://schemas.microsoft.com/office/drawing/2010/main" val="0"/>
+              </a:ext>
+            </a:extLst>
+          </a:blip>
+          <a:srcRect/>
+          <a:stretch>
+            <a:fillRect/>
+          </a:stretch>
+        </p:blipFill>
+        <p:spPr bwMode="auto">
+          <a:xfrm>
+            <a:off x="7214955" y="3971709"/>
+            <a:ext cx="591312" cy="591312"/>
+          </a:xfrm>
+          <a:prstGeom prst="rect">
+            <a:avLst/>
+          </a:prstGeom>
+          <a:noFill/>
+          <a:extLst>
+            <a:ext uri="{909E8E84-426E-40DD-AFC4-6F175D3DCCD1}">
+              <a14:hiddenFill xmlns:a14="http://schemas.microsoft.com/office/drawing/2010/main">
+                <a:solidFill>
+                  <a:srgbClr val="FFFFFF"/>
+                </a:solidFill>
+              </a14:hiddenFill>
+            </a:ext>
+          </a:extLst>
+        </p:spPr>
+      </p:pic>
+      <p:sp>
+        <p:nvSpPr>
+          <p:cNvPr id="3" name="Marcador de número de diapositiva 2">
+            <a:extLst>
+              <a:ext uri="{FF2B5EF4-FFF2-40B4-BE49-F238E27FC236}">
+                <a16:creationId xmlns:a16="http://schemas.microsoft.com/office/drawing/2014/main" id="{8550F912-4060-51F1-EE3A-D1B6F1824AF6}"/>
+              </a:ext>
+            </a:extLst>
+          </p:cNvPr>
+          <p:cNvSpPr>
+            <a:spLocks noGrp="1"/>
+          </p:cNvSpPr>
+          <p:nvPr>
+            <p:ph type="sldNum" sz="quarter" idx="12"/>
+          </p:nvPr>
+        </p:nvSpPr>
+        <p:spPr/>
+        <p:txBody>
+          <a:bodyPr/>
+          <a:lstStyle/>
+          <a:p>
+            <a:fld id="{0308B8C6-4BEB-4382-93FE-5F3DFD9EA2DC}" type="slidenum">
+              <a:rPr lang="es-ES" smtClean="0"/>
+              <a:t>7</a:t>
+            </a:fld>
+            <a:endParaRPr lang="es-ES" dirty="0"/>
           </a:p>
         </p:txBody>
       </p:sp>
@@ -12441,13 +13616,6 @@
   <p:clrMapOvr>
     <a:masterClrMapping/>
   </p:clrMapOvr>
-  <p:timing>
-    <p:tnLst>
-      <p:par>
-        <p:cTn id="1" dur="indefinite" restart="never" nodeType="tmRoot"/>
-      </p:par>
-    </p:tnLst>
-  </p:timing>
 </p:sld>
 </file>
 
@@ -12485,7 +13653,7 @@
           </p:nvPr>
         </p:nvPicPr>
         <p:blipFill>
-          <a:blip r:embed="rId2" cstate="print">
+          <a:blip r:embed="rId3" cstate="print">
             <a:extLst>
               <a:ext uri="{28A0092B-C50C-407E-A947-70E740481C1C}">
                 <a14:useLocalDpi xmlns:a14="http://schemas.microsoft.com/office/drawing/2010/main" val="0"/>
@@ -12518,7 +13686,7 @@
           <p:nvPr/>
         </p:nvPicPr>
         <p:blipFill rotWithShape="1">
-          <a:blip r:embed="rId3">
+          <a:blip r:embed="rId4">
             <a:extLst>
               <a:ext uri="{28A0092B-C50C-407E-A947-70E740481C1C}">
                 <a14:useLocalDpi xmlns:a14="http://schemas.microsoft.com/office/drawing/2010/main" val="0"/>
@@ -12732,53 +13900,6 @@
             <a:extLst>
               <a:ext uri="{FF2B5EF4-FFF2-40B4-BE49-F238E27FC236}">
                 <a16:creationId xmlns:a16="http://schemas.microsoft.com/office/drawing/2014/main" id="{AD02FAA6-6BCC-A892-4FB5-E4D7642DBD50}"/>
-              </a:ext>
-            </a:extLst>
-          </p:cNvPr>
-          <p:cNvPicPr>
-            <a:picLocks noChangeAspect="1" noChangeArrowheads="1"/>
-          </p:cNvPicPr>
-          <p:nvPr/>
-        </p:nvPicPr>
-        <p:blipFill>
-          <a:blip r:embed="rId4" cstate="print">
-            <a:extLst>
-              <a:ext uri="{28A0092B-C50C-407E-A947-70E740481C1C}">
-                <a14:useLocalDpi xmlns:a14="http://schemas.microsoft.com/office/drawing/2010/main" val="0"/>
-              </a:ext>
-            </a:extLst>
-          </a:blip>
-          <a:srcRect/>
-          <a:stretch>
-            <a:fillRect/>
-          </a:stretch>
-        </p:blipFill>
-        <p:spPr bwMode="auto">
-          <a:xfrm>
-            <a:off x="4723788" y="4339523"/>
-            <a:ext cx="689677" cy="689677"/>
-          </a:xfrm>
-          <a:prstGeom prst="rect">
-            <a:avLst/>
-          </a:prstGeom>
-          <a:noFill/>
-          <a:extLst>
-            <a:ext uri="{909E8E84-426E-40DD-AFC4-6F175D3DCCD1}">
-              <a14:hiddenFill xmlns:a14="http://schemas.microsoft.com/office/drawing/2010/main">
-                <a:solidFill>
-                  <a:srgbClr val="FFFFFF"/>
-                </a:solidFill>
-              </a14:hiddenFill>
-            </a:ext>
-          </a:extLst>
-        </p:spPr>
-      </p:pic>
-      <p:pic>
-        <p:nvPicPr>
-          <p:cNvPr id="3" name="Picture 7" descr="PostgreSQL - Wikipedia, la enciclopedia libre">
-            <a:extLst>
-              <a:ext uri="{FF2B5EF4-FFF2-40B4-BE49-F238E27FC236}">
-                <a16:creationId xmlns:a16="http://schemas.microsoft.com/office/drawing/2014/main" id="{F431533B-5FEB-CD57-5297-EA7BC6DCECEA}"/>
               </a:ext>
             </a:extLst>
           </p:cNvPr>
@@ -12802,8 +13923,8 @@
         </p:blipFill>
         <p:spPr bwMode="auto">
           <a:xfrm>
-            <a:off x="3498814" y="4007163"/>
-            <a:ext cx="669590" cy="689677"/>
+            <a:off x="4723788" y="4339523"/>
+            <a:ext cx="689677" cy="689677"/>
           </a:xfrm>
           <a:prstGeom prst="rect">
             <a:avLst/>
@@ -12822,6 +13943,53 @@
       </p:pic>
       <p:pic>
         <p:nvPicPr>
+          <p:cNvPr id="3" name="Picture 7" descr="PostgreSQL - Wikipedia, la enciclopedia libre">
+            <a:extLst>
+              <a:ext uri="{FF2B5EF4-FFF2-40B4-BE49-F238E27FC236}">
+                <a16:creationId xmlns:a16="http://schemas.microsoft.com/office/drawing/2014/main" id="{F431533B-5FEB-CD57-5297-EA7BC6DCECEA}"/>
+              </a:ext>
+            </a:extLst>
+          </p:cNvPr>
+          <p:cNvPicPr>
+            <a:picLocks noChangeAspect="1" noChangeArrowheads="1"/>
+          </p:cNvPicPr>
+          <p:nvPr/>
+        </p:nvPicPr>
+        <p:blipFill>
+          <a:blip r:embed="rId6" cstate="print">
+            <a:extLst>
+              <a:ext uri="{28A0092B-C50C-407E-A947-70E740481C1C}">
+                <a14:useLocalDpi xmlns:a14="http://schemas.microsoft.com/office/drawing/2010/main" val="0"/>
+              </a:ext>
+            </a:extLst>
+          </a:blip>
+          <a:srcRect/>
+          <a:stretch>
+            <a:fillRect/>
+          </a:stretch>
+        </p:blipFill>
+        <p:spPr bwMode="auto">
+          <a:xfrm>
+            <a:off x="3498814" y="4007163"/>
+            <a:ext cx="669590" cy="689677"/>
+          </a:xfrm>
+          <a:prstGeom prst="rect">
+            <a:avLst/>
+          </a:prstGeom>
+          <a:noFill/>
+          <a:extLst>
+            <a:ext uri="{909E8E84-426E-40DD-AFC4-6F175D3DCCD1}">
+              <a14:hiddenFill xmlns:a14="http://schemas.microsoft.com/office/drawing/2010/main">
+                <a:solidFill>
+                  <a:srgbClr val="FFFFFF"/>
+                </a:solidFill>
+              </a14:hiddenFill>
+            </a:ext>
+          </a:extLst>
+        </p:spPr>
+      </p:pic>
+      <p:pic>
+        <p:nvPicPr>
           <p:cNvPr id="15" name="Imagen 14" descr="Logotipo&#10;&#10;Descripción generada automáticamente">
             <a:extLst>
               <a:ext uri="{FF2B5EF4-FFF2-40B4-BE49-F238E27FC236}">
@@ -12835,7 +14003,7 @@
           <p:nvPr/>
         </p:nvPicPr>
         <p:blipFill>
-          <a:blip r:embed="rId6" cstate="print">
+          <a:blip r:embed="rId7" cstate="print">
             <a:extLst>
               <a:ext uri="{28A0092B-C50C-407E-A947-70E740481C1C}">
                 <a14:useLocalDpi xmlns:a14="http://schemas.microsoft.com/office/drawing/2010/main" val="0"/>
@@ -13009,7 +14177,7 @@
           <p:nvPr/>
         </p:nvPicPr>
         <p:blipFill rotWithShape="1">
-          <a:blip r:embed="rId3">
+          <a:blip r:embed="rId4">
             <a:extLst>
               <a:ext uri="{28A0092B-C50C-407E-A947-70E740481C1C}">
                 <a14:useLocalDpi xmlns:a14="http://schemas.microsoft.com/office/drawing/2010/main" val="0"/>
@@ -13054,7 +14222,7 @@
           <p:nvPr/>
         </p:nvPicPr>
         <p:blipFill>
-          <a:blip r:embed="rId4" cstate="print">
+          <a:blip r:embed="rId5" cstate="print">
             <a:extLst>
               <a:ext uri="{28A0092B-C50C-407E-A947-70E740481C1C}">
                 <a14:useLocalDpi xmlns:a14="http://schemas.microsoft.com/office/drawing/2010/main" val="0"/>
@@ -13133,6 +14301,176 @@
           </a:fontRef>
         </p:style>
       </p:cxnSp>
+      <p:pic>
+        <p:nvPicPr>
+          <p:cNvPr id="2050" name="Picture 2" descr="Wifi - Iconos gratis de computadora">
+            <a:extLst>
+              <a:ext uri="{FF2B5EF4-FFF2-40B4-BE49-F238E27FC236}">
+                <a16:creationId xmlns:a16="http://schemas.microsoft.com/office/drawing/2014/main" id="{20A36F29-C698-AEC0-67A2-FAA61CE0047F}"/>
+              </a:ext>
+            </a:extLst>
+          </p:cNvPr>
+          <p:cNvPicPr>
+            <a:picLocks noChangeAspect="1" noChangeArrowheads="1"/>
+          </p:cNvPicPr>
+          <p:nvPr/>
+        </p:nvPicPr>
+        <p:blipFill>
+          <a:blip r:embed="rId8" cstate="print">
+            <a:extLst>
+              <a:ext uri="{28A0092B-C50C-407E-A947-70E740481C1C}">
+                <a14:useLocalDpi xmlns:a14="http://schemas.microsoft.com/office/drawing/2010/main" val="0"/>
+              </a:ext>
+            </a:extLst>
+          </a:blip>
+          <a:srcRect/>
+          <a:stretch>
+            <a:fillRect/>
+          </a:stretch>
+        </p:blipFill>
+        <p:spPr bwMode="auto">
+          <a:xfrm>
+            <a:off x="2877805" y="5925286"/>
+            <a:ext cx="305101" cy="305101"/>
+          </a:xfrm>
+          <a:prstGeom prst="rect">
+            <a:avLst/>
+          </a:prstGeom>
+          <a:noFill/>
+          <a:extLst>
+            <a:ext uri="{909E8E84-426E-40DD-AFC4-6F175D3DCCD1}">
+              <a14:hiddenFill xmlns:a14="http://schemas.microsoft.com/office/drawing/2010/main">
+                <a:solidFill>
+                  <a:srgbClr val="FFFFFF"/>
+                </a:solidFill>
+              </a14:hiddenFill>
+            </a:ext>
+          </a:extLst>
+        </p:spPr>
+      </p:pic>
+      <p:pic>
+        <p:nvPicPr>
+          <p:cNvPr id="4" name="Picture 2" descr="Wifi - Iconos gratis de computadora">
+            <a:extLst>
+              <a:ext uri="{FF2B5EF4-FFF2-40B4-BE49-F238E27FC236}">
+                <a16:creationId xmlns:a16="http://schemas.microsoft.com/office/drawing/2014/main" id="{8C875281-51D3-B949-4FB9-8506B22EF9B1}"/>
+              </a:ext>
+            </a:extLst>
+          </p:cNvPr>
+          <p:cNvPicPr>
+            <a:picLocks noChangeAspect="1" noChangeArrowheads="1"/>
+          </p:cNvPicPr>
+          <p:nvPr/>
+        </p:nvPicPr>
+        <p:blipFill>
+          <a:blip r:embed="rId8" cstate="print">
+            <a:extLst>
+              <a:ext uri="{28A0092B-C50C-407E-A947-70E740481C1C}">
+                <a14:useLocalDpi xmlns:a14="http://schemas.microsoft.com/office/drawing/2010/main" val="0"/>
+              </a:ext>
+            </a:extLst>
+          </a:blip>
+          <a:srcRect/>
+          <a:stretch>
+            <a:fillRect/>
+          </a:stretch>
+        </p:blipFill>
+        <p:spPr bwMode="auto">
+          <a:xfrm>
+            <a:off x="8630143" y="5776058"/>
+            <a:ext cx="305101" cy="305101"/>
+          </a:xfrm>
+          <a:prstGeom prst="rect">
+            <a:avLst/>
+          </a:prstGeom>
+          <a:noFill/>
+          <a:extLst>
+            <a:ext uri="{909E8E84-426E-40DD-AFC4-6F175D3DCCD1}">
+              <a14:hiddenFill xmlns:a14="http://schemas.microsoft.com/office/drawing/2010/main">
+                <a:solidFill>
+                  <a:srgbClr val="FFFFFF"/>
+                </a:solidFill>
+              </a14:hiddenFill>
+            </a:ext>
+          </a:extLst>
+        </p:spPr>
+      </p:pic>
+      <p:pic>
+        <p:nvPicPr>
+          <p:cNvPr id="2052" name="Picture 4" descr="No wifi - Iconos gratis de interfaz">
+            <a:extLst>
+              <a:ext uri="{FF2B5EF4-FFF2-40B4-BE49-F238E27FC236}">
+                <a16:creationId xmlns:a16="http://schemas.microsoft.com/office/drawing/2014/main" id="{99689916-DB6D-3C8B-AFCD-A58DF22459F4}"/>
+              </a:ext>
+            </a:extLst>
+          </p:cNvPr>
+          <p:cNvPicPr>
+            <a:picLocks noChangeAspect="1" noChangeArrowheads="1"/>
+          </p:cNvPicPr>
+          <p:nvPr/>
+        </p:nvPicPr>
+        <p:blipFill>
+          <a:blip r:embed="rId9" cstate="print">
+            <a:extLst>
+              <a:ext uri="{28A0092B-C50C-407E-A947-70E740481C1C}">
+                <a14:useLocalDpi xmlns:a14="http://schemas.microsoft.com/office/drawing/2010/main" val="0"/>
+              </a:ext>
+            </a:extLst>
+          </a:blip>
+          <a:srcRect/>
+          <a:stretch>
+            <a:fillRect/>
+          </a:stretch>
+        </p:blipFill>
+        <p:spPr bwMode="auto">
+          <a:xfrm>
+            <a:off x="9100095" y="5749150"/>
+            <a:ext cx="356930" cy="356930"/>
+          </a:xfrm>
+          <a:prstGeom prst="rect">
+            <a:avLst/>
+          </a:prstGeom>
+          <a:noFill/>
+          <a:extLst>
+            <a:ext uri="{909E8E84-426E-40DD-AFC4-6F175D3DCCD1}">
+              <a14:hiddenFill xmlns:a14="http://schemas.microsoft.com/office/drawing/2010/main">
+                <a:solidFill>
+                  <a:srgbClr val="FFFFFF"/>
+                </a:solidFill>
+              </a14:hiddenFill>
+            </a:ext>
+          </a:extLst>
+        </p:spPr>
+      </p:pic>
+      <p:sp>
+        <p:nvSpPr>
+          <p:cNvPr id="5" name="Marcador de número de diapositiva 4">
+            <a:extLst>
+              <a:ext uri="{FF2B5EF4-FFF2-40B4-BE49-F238E27FC236}">
+                <a16:creationId xmlns:a16="http://schemas.microsoft.com/office/drawing/2014/main" id="{0F7059E1-16CE-0A9C-9DD3-A51C4392F13B}"/>
+              </a:ext>
+            </a:extLst>
+          </p:cNvPr>
+          <p:cNvSpPr>
+            <a:spLocks noGrp="1"/>
+          </p:cNvSpPr>
+          <p:nvPr>
+            <p:ph type="sldNum" sz="quarter" idx="12"/>
+          </p:nvPr>
+        </p:nvSpPr>
+        <p:spPr/>
+        <p:txBody>
+          <a:bodyPr/>
+          <a:lstStyle/>
+          <a:p>
+            <a:fld id="{0308B8C6-4BEB-4382-93FE-5F3DFD9EA2DC}" type="slidenum">
+              <a:rPr lang="es-ES" smtClean="0"/>
+              <a:t>8</a:t>
+            </a:fld>
+            <a:endParaRPr lang="es-ES" dirty="0"/>
+          </a:p>
+        </p:txBody>
+      </p:sp>
     </p:spTree>
     <p:extLst>
       <p:ext uri="{BB962C8B-B14F-4D97-AF65-F5344CB8AC3E}">
@@ -13143,13 +14481,6 @@
   <p:clrMapOvr>
     <a:masterClrMapping/>
   </p:clrMapOvr>
-  <p:timing>
-    <p:tnLst>
-      <p:par>
-        <p:cTn id="1" dur="indefinite" restart="never" nodeType="tmRoot"/>
-      </p:par>
-    </p:tnLst>
-  </p:timing>
 </p:sld>
 </file>
 
@@ -13187,7 +14518,7 @@
           </p:nvPr>
         </p:nvPicPr>
         <p:blipFill>
-          <a:blip r:embed="rId3" cstate="print">
+          <a:blip r:embed="rId4" cstate="print">
             <a:extLst>
               <a:ext uri="{28A0092B-C50C-407E-A947-70E740481C1C}">
                 <a14:useLocalDpi xmlns:a14="http://schemas.microsoft.com/office/drawing/2010/main" val="0"/>
@@ -13304,10 +14635,10 @@
                     <a:lumOff val="80000"/>
                   </a:schemeClr>
                 </a:solidFill>
-                <a:hlinkClick r:id="rId4">
+                <a:hlinkClick r:id="rId5">
                   <a:extLst>
                     <a:ext uri="{A12FA001-AC4F-418D-AE19-62706E023703}">
-                      <ahyp:hlinkClr xmlns="" xmlns:ahyp="http://schemas.microsoft.com/office/drawing/2018/hyperlinkcolor" val="tx"/>
+                      <ahyp:hlinkClr xmlns:ahyp="http://schemas.microsoft.com/office/drawing/2018/hyperlinkcolor" val="tx"/>
                     </a:ext>
                   </a:extLst>
                 </a:hlinkClick>
@@ -13346,7 +14677,7 @@
           </p:nvPr>
         </p:nvPicPr>
         <p:blipFill>
-          <a:blip r:embed="rId5"/>
+          <a:blip r:embed="rId6"/>
           <a:stretch>
             <a:fillRect/>
           </a:stretch>
@@ -13361,6 +14692,35 @@
           </a:prstGeom>
         </p:spPr>
       </p:pic>
+      <p:sp>
+        <p:nvSpPr>
+          <p:cNvPr id="3" name="Marcador de número de diapositiva 2">
+            <a:extLst>
+              <a:ext uri="{FF2B5EF4-FFF2-40B4-BE49-F238E27FC236}">
+                <a16:creationId xmlns:a16="http://schemas.microsoft.com/office/drawing/2014/main" id="{FE4646AB-5239-76E7-0FC9-BE06EE632359}"/>
+              </a:ext>
+            </a:extLst>
+          </p:cNvPr>
+          <p:cNvSpPr>
+            <a:spLocks noGrp="1"/>
+          </p:cNvSpPr>
+          <p:nvPr>
+            <p:ph type="sldNum" sz="quarter" idx="12"/>
+          </p:nvPr>
+        </p:nvSpPr>
+        <p:spPr/>
+        <p:txBody>
+          <a:bodyPr/>
+          <a:lstStyle/>
+          <a:p>
+            <a:fld id="{0308B8C6-4BEB-4382-93FE-5F3DFD9EA2DC}" type="slidenum">
+              <a:rPr lang="es-ES" smtClean="0"/>
+              <a:t>9</a:t>
+            </a:fld>
+            <a:endParaRPr lang="es-ES" dirty="0"/>
+          </a:p>
+        </p:txBody>
+      </p:sp>
     </p:spTree>
     <p:extLst>
       <p:ext uri="{BB962C8B-B14F-4D97-AF65-F5344CB8AC3E}">
@@ -13512,7 +14872,7 @@
 <file path=ppt/theme/theme1.xml><?xml version="1.0" encoding="utf-8"?>
 <a:theme xmlns:a="http://schemas.openxmlformats.org/drawingml/2006/main" name="Tema de Office">
   <a:themeElements>
-    <a:clrScheme name="Azul cálido">
+    <a:clrScheme name="Personalizado 2">
       <a:dk1>
         <a:sysClr val="windowText" lastClr="000000"/>
       </a:dk1>
@@ -13544,7 +14904,7 @@
         <a:srgbClr val="9D90A0"/>
       </a:accent6>
       <a:hlink>
-        <a:srgbClr val="9454C3"/>
+        <a:srgbClr val="DDECEE"/>
       </a:hlink>
       <a:folHlink>
         <a:srgbClr val="3EBBF0"/>
@@ -13768,4 +15128,299 @@
     </a:ext>
   </a:extLst>
 </a:theme>
+</file>
+
+<file path=ppt/theme/theme2.xml><?xml version="1.0" encoding="utf-8"?>
+<a:theme xmlns:a="http://schemas.openxmlformats.org/drawingml/2006/main" name="Tema de Office">
+  <a:themeElements>
+    <a:clrScheme name="Office">
+      <a:dk1>
+        <a:sysClr val="windowText" lastClr="000000"/>
+      </a:dk1>
+      <a:lt1>
+        <a:sysClr val="window" lastClr="FFFFFF"/>
+      </a:lt1>
+      <a:dk2>
+        <a:srgbClr val="44546A"/>
+      </a:dk2>
+      <a:lt2>
+        <a:srgbClr val="E7E6E6"/>
+      </a:lt2>
+      <a:accent1>
+        <a:srgbClr val="4472C4"/>
+      </a:accent1>
+      <a:accent2>
+        <a:srgbClr val="ED7D31"/>
+      </a:accent2>
+      <a:accent3>
+        <a:srgbClr val="A5A5A5"/>
+      </a:accent3>
+      <a:accent4>
+        <a:srgbClr val="FFC000"/>
+      </a:accent4>
+      <a:accent5>
+        <a:srgbClr val="5B9BD5"/>
+      </a:accent5>
+      <a:accent6>
+        <a:srgbClr val="70AD47"/>
+      </a:accent6>
+      <a:hlink>
+        <a:srgbClr val="0563C1"/>
+      </a:hlink>
+      <a:folHlink>
+        <a:srgbClr val="954F72"/>
+      </a:folHlink>
+    </a:clrScheme>
+    <a:fontScheme name="Office">
+      <a:majorFont>
+        <a:latin typeface="Calibri Light" panose="020F0302020204030204"/>
+        <a:ea typeface=""/>
+        <a:cs typeface=""/>
+        <a:font script="Jpan" typeface="游ゴシック Light"/>
+        <a:font script="Hang" typeface="맑은 고딕"/>
+        <a:font script="Hans" typeface="等线 Light"/>
+        <a:font script="Hant" typeface="新細明體"/>
+        <a:font script="Arab" typeface="Times New Roman"/>
+        <a:font script="Hebr" typeface="Times New Roman"/>
+        <a:font script="Thai" typeface="Angsana New"/>
+        <a:font script="Ethi" typeface="Nyala"/>
+        <a:font script="Beng" typeface="Vrinda"/>
+        <a:font script="Gujr" typeface="Shruti"/>
+        <a:font script="Khmr" typeface="MoolBoran"/>
+        <a:font script="Knda" typeface="Tunga"/>
+        <a:font script="Guru" typeface="Raavi"/>
+        <a:font script="Cans" typeface="Euphemia"/>
+        <a:font script="Cher" typeface="Plantagenet Cherokee"/>
+        <a:font script="Yiii" typeface="Microsoft Yi Baiti"/>
+        <a:font script="Tibt" typeface="Microsoft Himalaya"/>
+        <a:font script="Thaa" typeface="MV Boli"/>
+        <a:font script="Deva" typeface="Mangal"/>
+        <a:font script="Telu" typeface="Gautami"/>
+        <a:font script="Taml" typeface="Latha"/>
+        <a:font script="Syrc" typeface="Estrangelo Edessa"/>
+        <a:font script="Orya" typeface="Kalinga"/>
+        <a:font script="Mlym" typeface="Kartika"/>
+        <a:font script="Laoo" typeface="DokChampa"/>
+        <a:font script="Sinh" typeface="Iskoola Pota"/>
+        <a:font script="Mong" typeface="Mongolian Baiti"/>
+        <a:font script="Viet" typeface="Times New Roman"/>
+        <a:font script="Uigh" typeface="Microsoft Uighur"/>
+        <a:font script="Geor" typeface="Sylfaen"/>
+        <a:font script="Armn" typeface="Arial"/>
+        <a:font script="Bugi" typeface="Leelawadee UI"/>
+        <a:font script="Bopo" typeface="Microsoft JhengHei"/>
+        <a:font script="Java" typeface="Javanese Text"/>
+        <a:font script="Lisu" typeface="Segoe UI"/>
+        <a:font script="Mymr" typeface="Myanmar Text"/>
+        <a:font script="Nkoo" typeface="Ebrima"/>
+        <a:font script="Olck" typeface="Nirmala UI"/>
+        <a:font script="Osma" typeface="Ebrima"/>
+        <a:font script="Phag" typeface="Phagspa"/>
+        <a:font script="Syrn" typeface="Estrangelo Edessa"/>
+        <a:font script="Syrj" typeface="Estrangelo Edessa"/>
+        <a:font script="Syre" typeface="Estrangelo Edessa"/>
+        <a:font script="Sora" typeface="Nirmala UI"/>
+        <a:font script="Tale" typeface="Microsoft Tai Le"/>
+        <a:font script="Talu" typeface="Microsoft New Tai Lue"/>
+        <a:font script="Tfng" typeface="Ebrima"/>
+      </a:majorFont>
+      <a:minorFont>
+        <a:latin typeface="Calibri" panose="020F0502020204030204"/>
+        <a:ea typeface=""/>
+        <a:cs typeface=""/>
+        <a:font script="Jpan" typeface="游ゴシック"/>
+        <a:font script="Hang" typeface="맑은 고딕"/>
+        <a:font script="Hans" typeface="等线"/>
+        <a:font script="Hant" typeface="新細明體"/>
+        <a:font script="Arab" typeface="Arial"/>
+        <a:font script="Hebr" typeface="Arial"/>
+        <a:font script="Thai" typeface="Cordia New"/>
+        <a:font script="Ethi" typeface="Nyala"/>
+        <a:font script="Beng" typeface="Vrinda"/>
+        <a:font script="Gujr" typeface="Shruti"/>
+        <a:font script="Khmr" typeface="DaunPenh"/>
+        <a:font script="Knda" typeface="Tunga"/>
+        <a:font script="Guru" typeface="Raavi"/>
+        <a:font script="Cans" typeface="Euphemia"/>
+        <a:font script="Cher" typeface="Plantagenet Cherokee"/>
+        <a:font script="Yiii" typeface="Microsoft Yi Baiti"/>
+        <a:font script="Tibt" typeface="Microsoft Himalaya"/>
+        <a:font script="Thaa" typeface="MV Boli"/>
+        <a:font script="Deva" typeface="Mangal"/>
+        <a:font script="Telu" typeface="Gautami"/>
+        <a:font script="Taml" typeface="Latha"/>
+        <a:font script="Syrc" typeface="Estrangelo Edessa"/>
+        <a:font script="Orya" typeface="Kalinga"/>
+        <a:font script="Mlym" typeface="Kartika"/>
+        <a:font script="Laoo" typeface="DokChampa"/>
+        <a:font script="Sinh" typeface="Iskoola Pota"/>
+        <a:font script="Mong" typeface="Mongolian Baiti"/>
+        <a:font script="Viet" typeface="Arial"/>
+        <a:font script="Uigh" typeface="Microsoft Uighur"/>
+        <a:font script="Geor" typeface="Sylfaen"/>
+        <a:font script="Armn" typeface="Arial"/>
+        <a:font script="Bugi" typeface="Leelawadee UI"/>
+        <a:font script="Bopo" typeface="Microsoft JhengHei"/>
+        <a:font script="Java" typeface="Javanese Text"/>
+        <a:font script="Lisu" typeface="Segoe UI"/>
+        <a:font script="Mymr" typeface="Myanmar Text"/>
+        <a:font script="Nkoo" typeface="Ebrima"/>
+        <a:font script="Olck" typeface="Nirmala UI"/>
+        <a:font script="Osma" typeface="Ebrima"/>
+        <a:font script="Phag" typeface="Phagspa"/>
+        <a:font script="Syrn" typeface="Estrangelo Edessa"/>
+        <a:font script="Syrj" typeface="Estrangelo Edessa"/>
+        <a:font script="Syre" typeface="Estrangelo Edessa"/>
+        <a:font script="Sora" typeface="Nirmala UI"/>
+        <a:font script="Tale" typeface="Microsoft Tai Le"/>
+        <a:font script="Talu" typeface="Microsoft New Tai Lue"/>
+        <a:font script="Tfng" typeface="Ebrima"/>
+      </a:minorFont>
+    </a:fontScheme>
+    <a:fmtScheme name="Office">
+      <a:fillStyleLst>
+        <a:solidFill>
+          <a:schemeClr val="phClr"/>
+        </a:solidFill>
+        <a:gradFill rotWithShape="1">
+          <a:gsLst>
+            <a:gs pos="0">
+              <a:schemeClr val="phClr">
+                <a:lumMod val="110000"/>
+                <a:satMod val="105000"/>
+                <a:tint val="67000"/>
+              </a:schemeClr>
+            </a:gs>
+            <a:gs pos="50000">
+              <a:schemeClr val="phClr">
+                <a:lumMod val="105000"/>
+                <a:satMod val="103000"/>
+                <a:tint val="73000"/>
+              </a:schemeClr>
+            </a:gs>
+            <a:gs pos="100000">
+              <a:schemeClr val="phClr">
+                <a:lumMod val="105000"/>
+                <a:satMod val="109000"/>
+                <a:tint val="81000"/>
+              </a:schemeClr>
+            </a:gs>
+          </a:gsLst>
+          <a:lin ang="5400000" scaled="0"/>
+        </a:gradFill>
+        <a:gradFill rotWithShape="1">
+          <a:gsLst>
+            <a:gs pos="0">
+              <a:schemeClr val="phClr">
+                <a:satMod val="103000"/>
+                <a:lumMod val="102000"/>
+                <a:tint val="94000"/>
+              </a:schemeClr>
+            </a:gs>
+            <a:gs pos="50000">
+              <a:schemeClr val="phClr">
+                <a:satMod val="110000"/>
+                <a:lumMod val="100000"/>
+                <a:shade val="100000"/>
+              </a:schemeClr>
+            </a:gs>
+            <a:gs pos="100000">
+              <a:schemeClr val="phClr">
+                <a:lumMod val="99000"/>
+                <a:satMod val="120000"/>
+                <a:shade val="78000"/>
+              </a:schemeClr>
+            </a:gs>
+          </a:gsLst>
+          <a:lin ang="5400000" scaled="0"/>
+        </a:gradFill>
+      </a:fillStyleLst>
+      <a:lnStyleLst>
+        <a:ln w="6350" cap="flat" cmpd="sng" algn="ctr">
+          <a:solidFill>
+            <a:schemeClr val="phClr"/>
+          </a:solidFill>
+          <a:prstDash val="solid"/>
+          <a:miter lim="800000"/>
+        </a:ln>
+        <a:ln w="12700" cap="flat" cmpd="sng" algn="ctr">
+          <a:solidFill>
+            <a:schemeClr val="phClr"/>
+          </a:solidFill>
+          <a:prstDash val="solid"/>
+          <a:miter lim="800000"/>
+        </a:ln>
+        <a:ln w="19050" cap="flat" cmpd="sng" algn="ctr">
+          <a:solidFill>
+            <a:schemeClr val="phClr"/>
+          </a:solidFill>
+          <a:prstDash val="solid"/>
+          <a:miter lim="800000"/>
+        </a:ln>
+      </a:lnStyleLst>
+      <a:effectStyleLst>
+        <a:effectStyle>
+          <a:effectLst/>
+        </a:effectStyle>
+        <a:effectStyle>
+          <a:effectLst/>
+        </a:effectStyle>
+        <a:effectStyle>
+          <a:effectLst>
+            <a:outerShdw blurRad="57150" dist="19050" dir="5400000" algn="ctr" rotWithShape="0">
+              <a:srgbClr val="000000">
+                <a:alpha val="63000"/>
+              </a:srgbClr>
+            </a:outerShdw>
+          </a:effectLst>
+        </a:effectStyle>
+      </a:effectStyleLst>
+      <a:bgFillStyleLst>
+        <a:solidFill>
+          <a:schemeClr val="phClr"/>
+        </a:solidFill>
+        <a:solidFill>
+          <a:schemeClr val="phClr">
+            <a:tint val="95000"/>
+            <a:satMod val="170000"/>
+          </a:schemeClr>
+        </a:solidFill>
+        <a:gradFill rotWithShape="1">
+          <a:gsLst>
+            <a:gs pos="0">
+              <a:schemeClr val="phClr">
+                <a:tint val="93000"/>
+                <a:satMod val="150000"/>
+                <a:shade val="98000"/>
+                <a:lumMod val="102000"/>
+              </a:schemeClr>
+            </a:gs>
+            <a:gs pos="50000">
+              <a:schemeClr val="phClr">
+                <a:tint val="98000"/>
+                <a:satMod val="130000"/>
+                <a:shade val="90000"/>
+                <a:lumMod val="103000"/>
+              </a:schemeClr>
+            </a:gs>
+            <a:gs pos="100000">
+              <a:schemeClr val="phClr">
+                <a:shade val="63000"/>
+                <a:satMod val="120000"/>
+              </a:schemeClr>
+            </a:gs>
+          </a:gsLst>
+          <a:lin ang="5400000" scaled="0"/>
+        </a:gradFill>
+      </a:bgFillStyleLst>
+    </a:fmtScheme>
+  </a:themeElements>
+  <a:objectDefaults/>
+  <a:extraClrSchemeLst/>
+  <a:extLst>
+    <a:ext uri="{05A4C25C-085E-4340-85A3-A5531E510DB2}">
+      <thm15:themeFamily xmlns:thm15="http://schemas.microsoft.com/office/thememl/2012/main" name="Office Theme" id="{62F939B6-93AF-4DB8-9C6B-D6C7DFDC589F}" vid="{4A3C46E8-61CC-4603-A589-7422A47A8E4A}"/>
+    </a:ext>
+  </a:extLst>
+</a:theme>
 </file>